--- a/基于Spring Cloud的小型ERP系统设计.pptx
+++ b/基于Spring Cloud的小型ERP系统设计.pptx
@@ -1,37 +1,40 @@
 
 <file path=ppt/presentation.xml><?xml version="1.0" encoding="utf-8"?>
-<p:presentation xmlns:a="http://schemas.openxmlformats.org/drawingml/2006/main" xmlns:r="http://schemas.openxmlformats.org/officeDocument/2006/relationships" xmlns:p="http://schemas.openxmlformats.org/presentationml/2006/main" saveSubsetFonts="1" autoCompressPictures="0">
+<p:presentation xmlns:a="http://schemas.openxmlformats.org/drawingml/2006/main" xmlns:r="http://schemas.openxmlformats.org/officeDocument/2006/relationships" xmlns:p="http://schemas.openxmlformats.org/presentationml/2006/main" autoCompressPictures="0">
   <p:sldMasterIdLst>
     <p:sldMasterId id="2147483648" r:id="rId1"/>
   </p:sldMasterIdLst>
   <p:notesMasterIdLst>
-    <p:notesMasterId r:id="rId23"/>
+    <p:notesMasterId r:id="rId4"/>
   </p:notesMasterIdLst>
   <p:sldIdLst>
-    <p:sldId id="256" r:id="rId2"/>
-    <p:sldId id="257" r:id="rId3"/>
-    <p:sldId id="258" r:id="rId4"/>
-    <p:sldId id="277" r:id="rId5"/>
-    <p:sldId id="259" r:id="rId6"/>
-    <p:sldId id="260" r:id="rId7"/>
-    <p:sldId id="261" r:id="rId8"/>
-    <p:sldId id="262" r:id="rId9"/>
-    <p:sldId id="278" r:id="rId10"/>
-    <p:sldId id="263" r:id="rId11"/>
-    <p:sldId id="264" r:id="rId12"/>
-    <p:sldId id="265" r:id="rId13"/>
-    <p:sldId id="267" r:id="rId14"/>
-    <p:sldId id="279" r:id="rId15"/>
-    <p:sldId id="266" r:id="rId16"/>
-    <p:sldId id="270" r:id="rId17"/>
-    <p:sldId id="269" r:id="rId18"/>
-    <p:sldId id="273" r:id="rId19"/>
-    <p:sldId id="271" r:id="rId20"/>
-    <p:sldId id="272" r:id="rId21"/>
-    <p:sldId id="276" r:id="rId22"/>
+    <p:sldId id="256" r:id="rId3"/>
+    <p:sldId id="257" r:id="rId5"/>
+    <p:sldId id="258" r:id="rId6"/>
+    <p:sldId id="277" r:id="rId7"/>
+    <p:sldId id="259" r:id="rId8"/>
+    <p:sldId id="260" r:id="rId9"/>
+    <p:sldId id="261" r:id="rId10"/>
+    <p:sldId id="262" r:id="rId11"/>
+    <p:sldId id="278" r:id="rId12"/>
+    <p:sldId id="263" r:id="rId13"/>
+    <p:sldId id="264" r:id="rId14"/>
+    <p:sldId id="265" r:id="rId15"/>
+    <p:sldId id="267" r:id="rId16"/>
+    <p:sldId id="279" r:id="rId17"/>
+    <p:sldId id="266" r:id="rId18"/>
+    <p:sldId id="270" r:id="rId19"/>
+    <p:sldId id="269" r:id="rId20"/>
+    <p:sldId id="273" r:id="rId21"/>
+    <p:sldId id="271" r:id="rId22"/>
+    <p:sldId id="272" r:id="rId23"/>
+    <p:sldId id="276" r:id="rId24"/>
   </p:sldIdLst>
   <p:sldSz cx="9144000" cy="5143500" type="screen16x9"/>
   <p:notesSz cx="5143500" cy="9144000"/>
+  <p:custDataLst>
+    <p:tags r:id="rId28"/>
+  </p:custDataLst>
   <p:defaultTextStyle>
     <a:lvl1pPr marL="0" algn="l" defTabSz="914400" rtl="0" eaLnBrk="1" latinLnBrk="0" hangingPunct="1">
       <a:defRPr sz="1800" kern="1200">
@@ -124,11 +127,6 @@
       </a:defRPr>
     </a:lvl9pPr>
   </p:defaultTextStyle>
-  <p:extLst>
-    <p:ext uri="{EFAFB233-063F-42B5-8137-9DF3F51BA10A}">
-      <p15:sldGuideLst xmlns:p15="http://schemas.microsoft.com/office/powerpoint/2012/main"/>
-    </p:ext>
-  </p:extLst>
 </p:presentation>
 </file>
 
@@ -155,11 +153,6 @@
         </a:xfrm>
       </p:grpSpPr>
     </p:spTree>
-    <p:extLst>
-      <p:ext uri="{BB962C8B-B14F-4D97-AF65-F5344CB8AC3E}">
-        <p14:creationId xmlns:p14="http://schemas.microsoft.com/office/powerpoint/2010/main" val="2064557893"/>
-      </p:ext>
-    </p:extLst>
   </p:cSld>
   <p:clrMap bg1="lt1" tx1="dk1" bg2="lt2" tx2="dk2" accent1="accent1" accent2="accent2" accent3="accent3" accent4="accent4" accent5="accent5" accent6="accent6" hlink="hlink" folHlink="folHlink"/>
   <p:notesStyle>
@@ -322,18 +315,12 @@
           <a:p>
             <a:fld id="{F7021451-1387-4CA6-816F-3879F97B5CBC}" type="slidenum">
               <a:rPr lang="en-US"/>
-              <a:t>1</a:t>
             </a:fld>
             <a:endParaRPr lang="en-US"/>
           </a:p>
         </p:txBody>
       </p:sp>
     </p:spTree>
-    <p:extLst>
-      <p:ext uri="{BB962C8B-B14F-4D97-AF65-F5344CB8AC3E}">
-        <p14:creationId xmlns:p14="http://schemas.microsoft.com/office/powerpoint/2010/main" val="1024086991"/>
-      </p:ext>
-    </p:extLst>
   </p:cSld>
   <p:clrMapOvr>
     <a:masterClrMapping/>
@@ -406,18 +393,12 @@
           <a:p>
             <a:fld id="{F7021451-1387-4CA6-816F-3879F97B5CBC}" type="slidenum">
               <a:rPr lang="en-US"/>
-              <a:t>11</a:t>
             </a:fld>
             <a:endParaRPr lang="en-US"/>
           </a:p>
         </p:txBody>
       </p:sp>
     </p:spTree>
-    <p:extLst>
-      <p:ext uri="{BB962C8B-B14F-4D97-AF65-F5344CB8AC3E}">
-        <p14:creationId xmlns:p14="http://schemas.microsoft.com/office/powerpoint/2010/main" val="1024086991"/>
-      </p:ext>
-    </p:extLst>
   </p:cSld>
   <p:clrMapOvr>
     <a:masterClrMapping/>
@@ -490,18 +471,12 @@
           <a:p>
             <a:fld id="{F7021451-1387-4CA6-816F-3879F97B5CBC}" type="slidenum">
               <a:rPr lang="en-US"/>
-              <a:t>12</a:t>
             </a:fld>
             <a:endParaRPr lang="en-US"/>
           </a:p>
         </p:txBody>
       </p:sp>
     </p:spTree>
-    <p:extLst>
-      <p:ext uri="{BB962C8B-B14F-4D97-AF65-F5344CB8AC3E}">
-        <p14:creationId xmlns:p14="http://schemas.microsoft.com/office/powerpoint/2010/main" val="1024086991"/>
-      </p:ext>
-    </p:extLst>
   </p:cSld>
   <p:clrMapOvr>
     <a:masterClrMapping/>
@@ -574,18 +549,12 @@
           <a:p>
             <a:fld id="{F7021451-1387-4CA6-816F-3879F97B5CBC}" type="slidenum">
               <a:rPr lang="en-US"/>
-              <a:t>13</a:t>
             </a:fld>
             <a:endParaRPr lang="en-US"/>
           </a:p>
         </p:txBody>
       </p:sp>
     </p:spTree>
-    <p:extLst>
-      <p:ext uri="{BB962C8B-B14F-4D97-AF65-F5344CB8AC3E}">
-        <p14:creationId xmlns:p14="http://schemas.microsoft.com/office/powerpoint/2010/main" val="1024086991"/>
-      </p:ext>
-    </p:extLst>
   </p:cSld>
   <p:clrMapOvr>
     <a:masterClrMapping/>
@@ -598,13 +567,7 @@
   <p:cSld>
     <p:spTree>
       <p:nvGrpSpPr>
-        <p:cNvPr id="1" name="">
-          <a:extLst>
-            <a:ext uri="{FF2B5EF4-FFF2-40B4-BE49-F238E27FC236}">
-              <a16:creationId xmlns:a16="http://schemas.microsoft.com/office/drawing/2014/main" id="{5AC779D3-FFC8-45DA-D723-CC3E874E9BA5}"/>
-            </a:ext>
-          </a:extLst>
-        </p:cNvPr>
+        <p:cNvPr id="1" name=""/>
         <p:cNvGrpSpPr/>
         <p:nvPr/>
       </p:nvGrpSpPr>
@@ -618,13 +581,7 @@
       </p:grpSpPr>
       <p:sp>
         <p:nvSpPr>
-          <p:cNvPr id="2" name="Slide Image Placeholder 1">
-            <a:extLst>
-              <a:ext uri="{FF2B5EF4-FFF2-40B4-BE49-F238E27FC236}">
-                <a16:creationId xmlns:a16="http://schemas.microsoft.com/office/drawing/2014/main" id="{9652C391-B5D8-F612-02ED-CE77A7409B69}"/>
-              </a:ext>
-            </a:extLst>
-          </p:cNvPr>
+          <p:cNvPr id="2" name="Slide Image Placeholder 1"/>
           <p:cNvSpPr>
             <a:spLocks noGrp="1" noRot="1" noChangeAspect="1"/>
           </p:cNvSpPr>
@@ -636,13 +593,7 @@
       </p:sp>
       <p:sp>
         <p:nvSpPr>
-          <p:cNvPr id="3" name="Notes Placeholder 2">
-            <a:extLst>
-              <a:ext uri="{FF2B5EF4-FFF2-40B4-BE49-F238E27FC236}">
-                <a16:creationId xmlns:a16="http://schemas.microsoft.com/office/drawing/2014/main" id="{C5F559D0-38BB-C39B-78C1-8F9F43186D25}"/>
-              </a:ext>
-            </a:extLst>
-          </p:cNvPr>
+          <p:cNvPr id="3" name="Notes Placeholder 2"/>
           <p:cNvSpPr>
             <a:spLocks noGrp="1"/>
           </p:cNvSpPr>
@@ -661,13 +612,7 @@
       </p:sp>
       <p:sp>
         <p:nvSpPr>
-          <p:cNvPr id="4" name="Slide Number Placeholder 3">
-            <a:extLst>
-              <a:ext uri="{FF2B5EF4-FFF2-40B4-BE49-F238E27FC236}">
-                <a16:creationId xmlns:a16="http://schemas.microsoft.com/office/drawing/2014/main" id="{94E1CB97-ECC7-CD6A-1D60-00BCC160F2F4}"/>
-              </a:ext>
-            </a:extLst>
-          </p:cNvPr>
+          <p:cNvPr id="4" name="Slide Number Placeholder 3"/>
           <p:cNvSpPr>
             <a:spLocks noGrp="1"/>
           </p:cNvSpPr>
@@ -682,18 +627,12 @@
           <a:p>
             <a:fld id="{F7021451-1387-4CA6-816F-3879F97B5CBC}" type="slidenum">
               <a:rPr lang="en-US"/>
-              <a:t>14</a:t>
             </a:fld>
             <a:endParaRPr lang="en-US"/>
           </a:p>
         </p:txBody>
       </p:sp>
     </p:spTree>
-    <p:extLst>
-      <p:ext uri="{BB962C8B-B14F-4D97-AF65-F5344CB8AC3E}">
-        <p14:creationId xmlns:p14="http://schemas.microsoft.com/office/powerpoint/2010/main" val="1958811103"/>
-      </p:ext>
-    </p:extLst>
   </p:cSld>
   <p:clrMapOvr>
     <a:masterClrMapping/>
@@ -766,18 +705,12 @@
           <a:p>
             <a:fld id="{F7021451-1387-4CA6-816F-3879F97B5CBC}" type="slidenum">
               <a:rPr lang="en-US"/>
-              <a:t>15</a:t>
             </a:fld>
             <a:endParaRPr lang="en-US"/>
           </a:p>
         </p:txBody>
       </p:sp>
     </p:spTree>
-    <p:extLst>
-      <p:ext uri="{BB962C8B-B14F-4D97-AF65-F5344CB8AC3E}">
-        <p14:creationId xmlns:p14="http://schemas.microsoft.com/office/powerpoint/2010/main" val="1024086991"/>
-      </p:ext>
-    </p:extLst>
   </p:cSld>
   <p:clrMapOvr>
     <a:masterClrMapping/>
@@ -850,18 +783,12 @@
           <a:p>
             <a:fld id="{F7021451-1387-4CA6-816F-3879F97B5CBC}" type="slidenum">
               <a:rPr lang="en-US"/>
-              <a:t>16</a:t>
             </a:fld>
             <a:endParaRPr lang="en-US"/>
           </a:p>
         </p:txBody>
       </p:sp>
     </p:spTree>
-    <p:extLst>
-      <p:ext uri="{BB962C8B-B14F-4D97-AF65-F5344CB8AC3E}">
-        <p14:creationId xmlns:p14="http://schemas.microsoft.com/office/powerpoint/2010/main" val="1024086991"/>
-      </p:ext>
-    </p:extLst>
   </p:cSld>
   <p:clrMapOvr>
     <a:masterClrMapping/>
@@ -934,18 +861,12 @@
           <a:p>
             <a:fld id="{F7021451-1387-4CA6-816F-3879F97B5CBC}" type="slidenum">
               <a:rPr lang="en-US"/>
-              <a:t>17</a:t>
             </a:fld>
             <a:endParaRPr lang="en-US"/>
           </a:p>
         </p:txBody>
       </p:sp>
     </p:spTree>
-    <p:extLst>
-      <p:ext uri="{BB962C8B-B14F-4D97-AF65-F5344CB8AC3E}">
-        <p14:creationId xmlns:p14="http://schemas.microsoft.com/office/powerpoint/2010/main" val="1024086991"/>
-      </p:ext>
-    </p:extLst>
   </p:cSld>
   <p:clrMapOvr>
     <a:masterClrMapping/>
@@ -1018,18 +939,12 @@
           <a:p>
             <a:fld id="{F7021451-1387-4CA6-816F-3879F97B5CBC}" type="slidenum">
               <a:rPr lang="en-US"/>
-              <a:t>18</a:t>
             </a:fld>
             <a:endParaRPr lang="en-US"/>
           </a:p>
         </p:txBody>
       </p:sp>
     </p:spTree>
-    <p:extLst>
-      <p:ext uri="{BB962C8B-B14F-4D97-AF65-F5344CB8AC3E}">
-        <p14:creationId xmlns:p14="http://schemas.microsoft.com/office/powerpoint/2010/main" val="1024086991"/>
-      </p:ext>
-    </p:extLst>
   </p:cSld>
   <p:clrMapOvr>
     <a:masterClrMapping/>
@@ -1102,18 +1017,12 @@
           <a:p>
             <a:fld id="{F7021451-1387-4CA6-816F-3879F97B5CBC}" type="slidenum">
               <a:rPr lang="en-US"/>
-              <a:t>19</a:t>
             </a:fld>
             <a:endParaRPr lang="en-US"/>
           </a:p>
         </p:txBody>
       </p:sp>
     </p:spTree>
-    <p:extLst>
-      <p:ext uri="{BB962C8B-B14F-4D97-AF65-F5344CB8AC3E}">
-        <p14:creationId xmlns:p14="http://schemas.microsoft.com/office/powerpoint/2010/main" val="1024086991"/>
-      </p:ext>
-    </p:extLst>
   </p:cSld>
   <p:clrMapOvr>
     <a:masterClrMapping/>
@@ -1186,18 +1095,12 @@
           <a:p>
             <a:fld id="{F7021451-1387-4CA6-816F-3879F97B5CBC}" type="slidenum">
               <a:rPr lang="en-US"/>
-              <a:t>20</a:t>
             </a:fld>
             <a:endParaRPr lang="en-US"/>
           </a:p>
         </p:txBody>
       </p:sp>
     </p:spTree>
-    <p:extLst>
-      <p:ext uri="{BB962C8B-B14F-4D97-AF65-F5344CB8AC3E}">
-        <p14:creationId xmlns:p14="http://schemas.microsoft.com/office/powerpoint/2010/main" val="1024086991"/>
-      </p:ext>
-    </p:extLst>
   </p:cSld>
   <p:clrMapOvr>
     <a:masterClrMapping/>
@@ -1270,18 +1173,12 @@
           <a:p>
             <a:fld id="{F7021451-1387-4CA6-816F-3879F97B5CBC}" type="slidenum">
               <a:rPr lang="en-US"/>
-              <a:t>2</a:t>
             </a:fld>
             <a:endParaRPr lang="en-US"/>
           </a:p>
         </p:txBody>
       </p:sp>
     </p:spTree>
-    <p:extLst>
-      <p:ext uri="{BB962C8B-B14F-4D97-AF65-F5344CB8AC3E}">
-        <p14:creationId xmlns:p14="http://schemas.microsoft.com/office/powerpoint/2010/main" val="1024086991"/>
-      </p:ext>
-    </p:extLst>
   </p:cSld>
   <p:clrMapOvr>
     <a:masterClrMapping/>
@@ -1354,18 +1251,12 @@
           <a:p>
             <a:fld id="{F7021451-1387-4CA6-816F-3879F97B5CBC}" type="slidenum">
               <a:rPr lang="en-US"/>
-              <a:t>21</a:t>
             </a:fld>
             <a:endParaRPr lang="en-US"/>
           </a:p>
         </p:txBody>
       </p:sp>
     </p:spTree>
-    <p:extLst>
-      <p:ext uri="{BB962C8B-B14F-4D97-AF65-F5344CB8AC3E}">
-        <p14:creationId xmlns:p14="http://schemas.microsoft.com/office/powerpoint/2010/main" val="1024086991"/>
-      </p:ext>
-    </p:extLst>
   </p:cSld>
   <p:clrMapOvr>
     <a:masterClrMapping/>
@@ -1438,18 +1329,12 @@
           <a:p>
             <a:fld id="{F7021451-1387-4CA6-816F-3879F97B5CBC}" type="slidenum">
               <a:rPr lang="en-US"/>
-              <a:t>3</a:t>
             </a:fld>
             <a:endParaRPr lang="en-US"/>
           </a:p>
         </p:txBody>
       </p:sp>
     </p:spTree>
-    <p:extLst>
-      <p:ext uri="{BB962C8B-B14F-4D97-AF65-F5344CB8AC3E}">
-        <p14:creationId xmlns:p14="http://schemas.microsoft.com/office/powerpoint/2010/main" val="1024086991"/>
-      </p:ext>
-    </p:extLst>
   </p:cSld>
   <p:clrMapOvr>
     <a:masterClrMapping/>
@@ -1462,13 +1347,7 @@
   <p:cSld>
     <p:spTree>
       <p:nvGrpSpPr>
-        <p:cNvPr id="1" name="">
-          <a:extLst>
-            <a:ext uri="{FF2B5EF4-FFF2-40B4-BE49-F238E27FC236}">
-              <a16:creationId xmlns:a16="http://schemas.microsoft.com/office/drawing/2014/main" id="{CEF95146-3BEF-25E7-C664-2F1CEDD97E6F}"/>
-            </a:ext>
-          </a:extLst>
-        </p:cNvPr>
+        <p:cNvPr id="1" name=""/>
         <p:cNvGrpSpPr/>
         <p:nvPr/>
       </p:nvGrpSpPr>
@@ -1482,13 +1361,7 @@
       </p:grpSpPr>
       <p:sp>
         <p:nvSpPr>
-          <p:cNvPr id="2" name="Slide Image Placeholder 1">
-            <a:extLst>
-              <a:ext uri="{FF2B5EF4-FFF2-40B4-BE49-F238E27FC236}">
-                <a16:creationId xmlns:a16="http://schemas.microsoft.com/office/drawing/2014/main" id="{F340E387-0DEB-0A07-A13F-EAB27C70E164}"/>
-              </a:ext>
-            </a:extLst>
-          </p:cNvPr>
+          <p:cNvPr id="2" name="Slide Image Placeholder 1"/>
           <p:cNvSpPr>
             <a:spLocks noGrp="1" noRot="1" noChangeAspect="1"/>
           </p:cNvSpPr>
@@ -1500,13 +1373,7 @@
       </p:sp>
       <p:sp>
         <p:nvSpPr>
-          <p:cNvPr id="3" name="Notes Placeholder 2">
-            <a:extLst>
-              <a:ext uri="{FF2B5EF4-FFF2-40B4-BE49-F238E27FC236}">
-                <a16:creationId xmlns:a16="http://schemas.microsoft.com/office/drawing/2014/main" id="{40D0EC02-9B5E-DB45-4C1A-C16E7C6D5FBC}"/>
-              </a:ext>
-            </a:extLst>
-          </p:cNvPr>
+          <p:cNvPr id="3" name="Notes Placeholder 2"/>
           <p:cNvSpPr>
             <a:spLocks noGrp="1"/>
           </p:cNvSpPr>
@@ -1525,13 +1392,7 @@
       </p:sp>
       <p:sp>
         <p:nvSpPr>
-          <p:cNvPr id="4" name="Slide Number Placeholder 3">
-            <a:extLst>
-              <a:ext uri="{FF2B5EF4-FFF2-40B4-BE49-F238E27FC236}">
-                <a16:creationId xmlns:a16="http://schemas.microsoft.com/office/drawing/2014/main" id="{35A3D859-3366-D89F-2F00-71B26BB6D2D4}"/>
-              </a:ext>
-            </a:extLst>
-          </p:cNvPr>
+          <p:cNvPr id="4" name="Slide Number Placeholder 3"/>
           <p:cNvSpPr>
             <a:spLocks noGrp="1"/>
           </p:cNvSpPr>
@@ -1546,18 +1407,12 @@
           <a:p>
             <a:fld id="{F7021451-1387-4CA6-816F-3879F97B5CBC}" type="slidenum">
               <a:rPr lang="en-US"/>
-              <a:t>4</a:t>
             </a:fld>
             <a:endParaRPr lang="en-US"/>
           </a:p>
         </p:txBody>
       </p:sp>
     </p:spTree>
-    <p:extLst>
-      <p:ext uri="{BB962C8B-B14F-4D97-AF65-F5344CB8AC3E}">
-        <p14:creationId xmlns:p14="http://schemas.microsoft.com/office/powerpoint/2010/main" val="2766524577"/>
-      </p:ext>
-    </p:extLst>
   </p:cSld>
   <p:clrMapOvr>
     <a:masterClrMapping/>
@@ -1630,18 +1485,12 @@
           <a:p>
             <a:fld id="{F7021451-1387-4CA6-816F-3879F97B5CBC}" type="slidenum">
               <a:rPr lang="en-US"/>
-              <a:t>5</a:t>
             </a:fld>
             <a:endParaRPr lang="en-US"/>
           </a:p>
         </p:txBody>
       </p:sp>
     </p:spTree>
-    <p:extLst>
-      <p:ext uri="{BB962C8B-B14F-4D97-AF65-F5344CB8AC3E}">
-        <p14:creationId xmlns:p14="http://schemas.microsoft.com/office/powerpoint/2010/main" val="1024086991"/>
-      </p:ext>
-    </p:extLst>
   </p:cSld>
   <p:clrMapOvr>
     <a:masterClrMapping/>
@@ -1714,18 +1563,12 @@
           <a:p>
             <a:fld id="{F7021451-1387-4CA6-816F-3879F97B5CBC}" type="slidenum">
               <a:rPr lang="en-US"/>
-              <a:t>6</a:t>
             </a:fld>
             <a:endParaRPr lang="en-US"/>
           </a:p>
         </p:txBody>
       </p:sp>
     </p:spTree>
-    <p:extLst>
-      <p:ext uri="{BB962C8B-B14F-4D97-AF65-F5344CB8AC3E}">
-        <p14:creationId xmlns:p14="http://schemas.microsoft.com/office/powerpoint/2010/main" val="1024086991"/>
-      </p:ext>
-    </p:extLst>
   </p:cSld>
   <p:clrMapOvr>
     <a:masterClrMapping/>
@@ -1798,18 +1641,12 @@
           <a:p>
             <a:fld id="{F7021451-1387-4CA6-816F-3879F97B5CBC}" type="slidenum">
               <a:rPr lang="en-US"/>
-              <a:t>7</a:t>
             </a:fld>
             <a:endParaRPr lang="en-US"/>
           </a:p>
         </p:txBody>
       </p:sp>
     </p:spTree>
-    <p:extLst>
-      <p:ext uri="{BB962C8B-B14F-4D97-AF65-F5344CB8AC3E}">
-        <p14:creationId xmlns:p14="http://schemas.microsoft.com/office/powerpoint/2010/main" val="1024086991"/>
-      </p:ext>
-    </p:extLst>
   </p:cSld>
   <p:clrMapOvr>
     <a:masterClrMapping/>
@@ -1882,18 +1719,12 @@
           <a:p>
             <a:fld id="{F7021451-1387-4CA6-816F-3879F97B5CBC}" type="slidenum">
               <a:rPr lang="en-US"/>
-              <a:t>8</a:t>
             </a:fld>
             <a:endParaRPr lang="en-US"/>
           </a:p>
         </p:txBody>
       </p:sp>
     </p:spTree>
-    <p:extLst>
-      <p:ext uri="{BB962C8B-B14F-4D97-AF65-F5344CB8AC3E}">
-        <p14:creationId xmlns:p14="http://schemas.microsoft.com/office/powerpoint/2010/main" val="1024086991"/>
-      </p:ext>
-    </p:extLst>
   </p:cSld>
   <p:clrMapOvr>
     <a:masterClrMapping/>
@@ -1966,18 +1797,12 @@
           <a:p>
             <a:fld id="{F7021451-1387-4CA6-816F-3879F97B5CBC}" type="slidenum">
               <a:rPr lang="en-US"/>
-              <a:t>10</a:t>
             </a:fld>
             <a:endParaRPr lang="en-US"/>
           </a:p>
         </p:txBody>
       </p:sp>
     </p:spTree>
-    <p:extLst>
-      <p:ext uri="{BB962C8B-B14F-4D97-AF65-F5344CB8AC3E}">
-        <p14:creationId xmlns:p14="http://schemas.microsoft.com/office/powerpoint/2010/main" val="1024086991"/>
-      </p:ext>
-    </p:extLst>
   </p:cSld>
   <p:clrMapOvr>
     <a:masterClrMapping/>
@@ -2066,7 +1891,7 @@
         <a:spcBef>
           <a:spcPct val="20000"/>
         </a:spcBef>
-        <a:buFont typeface="Arial" pitchFamily="34" charset="0"/>
+        <a:buFont typeface="Arial" panose="020B0604020202020204" pitchFamily="34" charset="0"/>
         <a:buChar char="•"/>
         <a:defRPr sz="3200" kern="1200">
           <a:solidFill>
@@ -2081,7 +1906,7 @@
         <a:spcBef>
           <a:spcPct val="20000"/>
         </a:spcBef>
-        <a:buFont typeface="Arial" pitchFamily="34" charset="0"/>
+        <a:buFont typeface="Arial" panose="020B0604020202020204" pitchFamily="34" charset="0"/>
         <a:buChar char="–"/>
         <a:defRPr sz="2800" kern="1200">
           <a:solidFill>
@@ -2096,7 +1921,7 @@
         <a:spcBef>
           <a:spcPct val="20000"/>
         </a:spcBef>
-        <a:buFont typeface="Arial" pitchFamily="34" charset="0"/>
+        <a:buFont typeface="Arial" panose="020B0604020202020204" pitchFamily="34" charset="0"/>
         <a:buChar char="•"/>
         <a:defRPr sz="2400" kern="1200">
           <a:solidFill>
@@ -2111,7 +1936,7 @@
         <a:spcBef>
           <a:spcPct val="20000"/>
         </a:spcBef>
-        <a:buFont typeface="Arial" pitchFamily="34" charset="0"/>
+        <a:buFont typeface="Arial" panose="020B0604020202020204" pitchFamily="34" charset="0"/>
         <a:buChar char="–"/>
         <a:defRPr sz="2000" kern="1200">
           <a:solidFill>
@@ -2126,7 +1951,7 @@
         <a:spcBef>
           <a:spcPct val="20000"/>
         </a:spcBef>
-        <a:buFont typeface="Arial" pitchFamily="34" charset="0"/>
+        <a:buFont typeface="Arial" panose="020B0604020202020204" pitchFamily="34" charset="0"/>
         <a:buChar char="»"/>
         <a:defRPr sz="2000" kern="1200">
           <a:solidFill>
@@ -2141,7 +1966,7 @@
         <a:spcBef>
           <a:spcPct val="20000"/>
         </a:spcBef>
-        <a:buFont typeface="Arial" pitchFamily="34" charset="0"/>
+        <a:buFont typeface="Arial" panose="020B0604020202020204" pitchFamily="34" charset="0"/>
         <a:buChar char="•"/>
         <a:defRPr sz="2000" kern="1200">
           <a:solidFill>
@@ -2156,7 +1981,7 @@
         <a:spcBef>
           <a:spcPct val="20000"/>
         </a:spcBef>
-        <a:buFont typeface="Arial" pitchFamily="34" charset="0"/>
+        <a:buFont typeface="Arial" panose="020B0604020202020204" pitchFamily="34" charset="0"/>
         <a:buChar char="•"/>
         <a:defRPr sz="2000" kern="1200">
           <a:solidFill>
@@ -2171,7 +1996,7 @@
         <a:spcBef>
           <a:spcPct val="20000"/>
         </a:spcBef>
-        <a:buFont typeface="Arial" pitchFamily="34" charset="0"/>
+        <a:buFont typeface="Arial" panose="020B0604020202020204" pitchFamily="34" charset="0"/>
         <a:buChar char="•"/>
         <a:defRPr sz="2000" kern="1200">
           <a:solidFill>
@@ -2186,7 +2011,7 @@
         <a:spcBef>
           <a:spcPct val="20000"/>
         </a:spcBef>
-        <a:buFont typeface="Arial" pitchFamily="34" charset="0"/>
+        <a:buFont typeface="Arial" panose="020B0604020202020204" pitchFamily="34" charset="0"/>
         <a:buChar char="•"/>
         <a:defRPr sz="2000" kern="1200">
           <a:solidFill>
@@ -2299,7 +2124,7 @@
 
 <file path=ppt/slides/slide1.xml><?xml version="1.0" encoding="utf-8"?>
 <p:sld xmlns:a="http://schemas.openxmlformats.org/drawingml/2006/main" xmlns:r="http://schemas.openxmlformats.org/officeDocument/2006/relationships" xmlns:p="http://schemas.openxmlformats.org/presentationml/2006/main">
-  <p:cSld name="Slide 1">
+  <p:cSld>
     <p:spTree>
       <p:nvGrpSpPr>
         <p:cNvPr id="1" name=""/>
@@ -2323,9 +2148,11 @@
           <p:nvPr/>
         </p:nvPicPr>
         <p:blipFill>
-          <a:blip r:embed="rId3"/>
+          <a:blip r:embed="rId1"/>
           <a:srcRect/>
-          <a:stretch/>
+          <a:stretch>
+            <a:fillRect/>
+          </a:stretch>
         </p:blipFill>
         <p:spPr>
           <a:xfrm>
@@ -2352,7 +2179,6 @@
             <a:avLst/>
           </a:prstGeom>
           <a:noFill/>
-          <a:ln/>
         </p:spPr>
         <p:txBody>
           <a:bodyPr vert="horz" wrap="square" lIns="0" tIns="0" rIns="0" bIns="0" rtlCol="0" anchor="ctr"/>
@@ -2385,18 +2211,11 @@
           <a:solidFill>
             <a:srgbClr val="5438FF"/>
           </a:solidFill>
-          <a:ln/>
-        </p:spPr>
-      </p:sp>
-      <p:sp>
-        <p:nvSpPr>
-          <p:cNvPr id="7" name="文本框 6">
-            <a:extLst>
-              <a:ext uri="{FF2B5EF4-FFF2-40B4-BE49-F238E27FC236}">
-                <a16:creationId xmlns:a16="http://schemas.microsoft.com/office/drawing/2014/main" id="{0F348E35-2F0C-8C48-D8E9-890388736618}"/>
-              </a:ext>
-            </a:extLst>
-          </p:cNvPr>
+        </p:spPr>
+      </p:sp>
+      <p:sp>
+        <p:nvSpPr>
+          <p:cNvPr id="7" name="文本框 6"/>
           <p:cNvSpPr txBox="1"/>
           <p:nvPr/>
         </p:nvSpPr>
@@ -2418,25 +2237,25 @@
           <a:p>
             <a:r>
               <a:rPr lang="en-US" altLang="zh-CN" sz="3600" b="1" dirty="0" err="1">
-                <a:latin typeface="Microsoft YaHei" pitchFamily="34" charset="0"/>
-                <a:ea typeface="Microsoft YaHei" pitchFamily="34" charset="-122"/>
-                <a:cs typeface="Microsoft YaHei" pitchFamily="34" charset="-120"/>
+                <a:latin typeface="微软雅黑" panose="020B0503020204020204" pitchFamily="34" charset="-122"/>
+                <a:ea typeface="微软雅黑" panose="020B0503020204020204" pitchFamily="34" charset="-122"/>
+                <a:cs typeface="微软雅黑" panose="020B0503020204020204" pitchFamily="34" charset="-120"/>
               </a:rPr>
               <a:t>小型</a:t>
             </a:r>
             <a:r>
               <a:rPr lang="zh-CN" altLang="en-US" sz="3600" b="1" dirty="0">
-                <a:latin typeface="Microsoft YaHei" pitchFamily="34" charset="0"/>
-                <a:ea typeface="Microsoft YaHei" pitchFamily="34" charset="-122"/>
-                <a:cs typeface="Microsoft YaHei" pitchFamily="34" charset="-120"/>
+                <a:latin typeface="微软雅黑" panose="020B0503020204020204" pitchFamily="34" charset="-122"/>
+                <a:ea typeface="微软雅黑" panose="020B0503020204020204" pitchFamily="34" charset="-122"/>
+                <a:cs typeface="微软雅黑" panose="020B0503020204020204" pitchFamily="34" charset="-120"/>
               </a:rPr>
               <a:t>企业资源计划</a:t>
             </a:r>
             <a:r>
               <a:rPr lang="en-US" altLang="zh-CN" sz="3600" b="1" dirty="0" err="1">
-                <a:latin typeface="Microsoft YaHei" pitchFamily="34" charset="0"/>
-                <a:ea typeface="Microsoft YaHei" pitchFamily="34" charset="-122"/>
-                <a:cs typeface="Microsoft YaHei" pitchFamily="34" charset="-120"/>
+                <a:latin typeface="微软雅黑" panose="020B0503020204020204" pitchFamily="34" charset="-122"/>
+                <a:ea typeface="微软雅黑" panose="020B0503020204020204" pitchFamily="34" charset="-122"/>
+                <a:cs typeface="微软雅黑" panose="020B0503020204020204" pitchFamily="34" charset="-120"/>
               </a:rPr>
               <a:t>系统</a:t>
             </a:r>
@@ -2457,7 +2276,7 @@
 
 <file path=ppt/slides/slide10.xml><?xml version="1.0" encoding="utf-8"?>
 <p:sld xmlns:a="http://schemas.openxmlformats.org/drawingml/2006/main" xmlns:r="http://schemas.openxmlformats.org/officeDocument/2006/relationships" xmlns:p="http://schemas.openxmlformats.org/presentationml/2006/main">
-  <p:cSld name="Slide 8">
+  <p:cSld>
     <p:spTree>
       <p:nvGrpSpPr>
         <p:cNvPr id="1" name=""/>
@@ -2489,7 +2308,6 @@
           <a:solidFill>
             <a:srgbClr val="FFFFFF"/>
           </a:solidFill>
-          <a:ln/>
         </p:spPr>
       </p:sp>
       <p:pic>
@@ -2501,9 +2319,11 @@
           <p:nvPr/>
         </p:nvPicPr>
         <p:blipFill>
-          <a:blip r:embed="rId3"/>
+          <a:blip r:embed="rId1"/>
           <a:srcRect/>
-          <a:stretch/>
+          <a:stretch>
+            <a:fillRect/>
+          </a:stretch>
         </p:blipFill>
         <p:spPr>
           <a:xfrm>
@@ -2530,7 +2350,6 @@
             <a:avLst/>
           </a:prstGeom>
           <a:noFill/>
-          <a:ln/>
         </p:spPr>
         <p:txBody>
           <a:bodyPr vert="horz" wrap="square" lIns="0" tIns="0" rIns="0" bIns="0" rtlCol="0" anchor="ctr"/>
@@ -2548,13 +2367,7 @@
       </p:sp>
       <p:sp>
         <p:nvSpPr>
-          <p:cNvPr id="12" name="Text 1">
-            <a:extLst>
-              <a:ext uri="{FF2B5EF4-FFF2-40B4-BE49-F238E27FC236}">
-                <a16:creationId xmlns:a16="http://schemas.microsoft.com/office/drawing/2014/main" id="{8419B301-742C-C2F4-0C1A-1332DC28D4DF}"/>
-              </a:ext>
-            </a:extLst>
-          </p:cNvPr>
+          <p:cNvPr id="12" name="Text 1"/>
           <p:cNvSpPr/>
           <p:nvPr/>
         </p:nvSpPr>
@@ -2567,7 +2380,6 @@
             <a:avLst/>
           </a:prstGeom>
           <a:noFill/>
-          <a:ln/>
         </p:spPr>
         <p:txBody>
           <a:bodyPr vert="horz" wrap="square" lIns="0" tIns="0" rIns="0" bIns="0" rtlCol="0" anchor="ctr"/>
@@ -2584,31 +2396,33 @@
                 <a:solidFill>
                   <a:srgbClr val="333333"/>
                 </a:solidFill>
-                <a:latin typeface="Microsoft YaHei" pitchFamily="34" charset="0"/>
-                <a:ea typeface="Microsoft YaHei" pitchFamily="34" charset="-122"/>
-                <a:cs typeface="Microsoft YaHei" pitchFamily="34" charset="-120"/>
+                <a:latin typeface="微软雅黑" panose="020B0503020204020204" pitchFamily="34" charset="-122"/>
+                <a:ea typeface="微软雅黑" panose="020B0503020204020204" pitchFamily="34" charset="-122"/>
+                <a:cs typeface="微软雅黑" panose="020B0503020204020204" pitchFamily="34" charset="-120"/>
               </a:rPr>
               <a:t>核心业务流程图</a:t>
             </a:r>
+            <a:endParaRPr lang="zh-CN" altLang="en-US" sz="2250" b="1" dirty="0">
+              <a:solidFill>
+                <a:srgbClr val="333333"/>
+              </a:solidFill>
+              <a:latin typeface="微软雅黑" panose="020B0503020204020204" pitchFamily="34" charset="-122"/>
+              <a:ea typeface="微软雅黑" panose="020B0503020204020204" pitchFamily="34" charset="-122"/>
+              <a:cs typeface="微软雅黑" panose="020B0503020204020204" pitchFamily="34" charset="-120"/>
+            </a:endParaRPr>
           </a:p>
         </p:txBody>
       </p:sp>
       <p:pic>
         <p:nvPicPr>
-          <p:cNvPr id="14" name="图片 13">
-            <a:extLst>
-              <a:ext uri="{FF2B5EF4-FFF2-40B4-BE49-F238E27FC236}">
-                <a16:creationId xmlns:a16="http://schemas.microsoft.com/office/drawing/2014/main" id="{C7CCC35D-095C-C109-C9F7-8AA0EEBDB50B}"/>
-              </a:ext>
-            </a:extLst>
-          </p:cNvPr>
+          <p:cNvPr id="14" name="图片 13"/>
           <p:cNvPicPr>
             <a:picLocks noChangeAspect="1"/>
           </p:cNvPicPr>
           <p:nvPr/>
         </p:nvPicPr>
         <p:blipFill>
-          <a:blip r:embed="rId4"/>
+          <a:blip r:embed="rId2"/>
           <a:stretch>
             <a:fillRect/>
           </a:stretch>
@@ -2633,7 +2447,7 @@
 
 <file path=ppt/slides/slide11.xml><?xml version="1.0" encoding="utf-8"?>
 <p:sld xmlns:a="http://schemas.openxmlformats.org/drawingml/2006/main" xmlns:r="http://schemas.openxmlformats.org/officeDocument/2006/relationships" xmlns:p="http://schemas.openxmlformats.org/presentationml/2006/main">
-  <p:cSld name="Slide 9">
+  <p:cSld>
     <p:spTree>
       <p:nvGrpSpPr>
         <p:cNvPr id="1" name=""/>
@@ -2657,9 +2471,11 @@
           <p:nvPr/>
         </p:nvPicPr>
         <p:blipFill>
-          <a:blip r:embed="rId3"/>
+          <a:blip r:embed="rId1"/>
           <a:srcRect/>
-          <a:stretch/>
+          <a:stretch>
+            <a:fillRect/>
+          </a:stretch>
         </p:blipFill>
         <p:spPr>
           <a:xfrm>
@@ -2686,7 +2502,6 @@
             <a:avLst/>
           </a:prstGeom>
           <a:noFill/>
-          <a:ln/>
         </p:spPr>
         <p:txBody>
           <a:bodyPr vert="horz" wrap="square" lIns="0" tIns="0" rIns="0" bIns="0" rtlCol="0" anchor="ctr"/>
@@ -2703,9 +2518,9 @@
                 <a:solidFill>
                   <a:srgbClr val="333333"/>
                 </a:solidFill>
-                <a:latin typeface="Microsoft YaHei" pitchFamily="34" charset="0"/>
-                <a:ea typeface="Microsoft YaHei" pitchFamily="34" charset="-122"/>
-                <a:cs typeface="Microsoft YaHei" pitchFamily="34" charset="-120"/>
+                <a:latin typeface="微软雅黑" panose="020B0503020204020204" pitchFamily="34" charset="-122"/>
+                <a:ea typeface="微软雅黑" panose="020B0503020204020204" pitchFamily="34" charset="-122"/>
+                <a:cs typeface="微软雅黑" panose="020B0503020204020204" pitchFamily="34" charset="-120"/>
               </a:rPr>
               <a:t>数据库设计</a:t>
             </a:r>
@@ -2732,7 +2547,6 @@
               <a:alpha val="30000"/>
             </a:srgbClr>
           </a:solidFill>
-          <a:ln/>
         </p:spPr>
       </p:sp>
       <p:sp>
@@ -2750,7 +2564,6 @@
             <a:avLst/>
           </a:prstGeom>
           <a:noFill/>
-          <a:ln/>
         </p:spPr>
         <p:txBody>
           <a:bodyPr vert="horz" wrap="square" lIns="0" tIns="0" rIns="0" bIns="0" rtlCol="0" anchor="ctr"/>
@@ -2781,7 +2594,6 @@
             <a:avLst/>
           </a:prstGeom>
           <a:noFill/>
-          <a:ln/>
         </p:spPr>
         <p:txBody>
           <a:bodyPr vert="horz" wrap="square" lIns="0" tIns="0" rIns="0" bIns="0" rtlCol="0" anchor="ctr"/>
@@ -2800,9 +2612,9 @@
                     <a:alpha val="70000"/>
                   </a:srgbClr>
                 </a:solidFill>
-                <a:latin typeface="Microsoft YaHei" pitchFamily="34" charset="0"/>
-                <a:ea typeface="Microsoft YaHei" pitchFamily="34" charset="-122"/>
-                <a:cs typeface="Microsoft YaHei" pitchFamily="34" charset="-120"/>
+                <a:latin typeface="微软雅黑" panose="020B0503020204020204" pitchFamily="34" charset="-122"/>
+                <a:ea typeface="微软雅黑" panose="020B0503020204020204" pitchFamily="34" charset="-122"/>
+                <a:cs typeface="微软雅黑" panose="020B0503020204020204" pitchFamily="34" charset="-120"/>
               </a:rPr>
               <a:t>03</a:t>
             </a:r>
@@ -2820,7 +2632,7 @@
 
 <file path=ppt/slides/slide12.xml><?xml version="1.0" encoding="utf-8"?>
 <p:sld xmlns:a="http://schemas.openxmlformats.org/drawingml/2006/main" xmlns:r="http://schemas.openxmlformats.org/officeDocument/2006/relationships" xmlns:p="http://schemas.openxmlformats.org/presentationml/2006/main">
-  <p:cSld name="Slide 10">
+  <p:cSld>
     <p:spTree>
       <p:nvGrpSpPr>
         <p:cNvPr id="1" name=""/>
@@ -2837,22 +2649,18 @@
       </p:grpSpPr>
       <p:pic>
         <p:nvPicPr>
-          <p:cNvPr id="18" name="Image 0" descr="preencoded.png">
-            <a:extLst>
-              <a:ext uri="{FF2B5EF4-FFF2-40B4-BE49-F238E27FC236}">
-                <a16:creationId xmlns:a16="http://schemas.microsoft.com/office/drawing/2014/main" id="{35A25903-56DA-5B14-0D42-5D878ACB1163}"/>
-              </a:ext>
-            </a:extLst>
-          </p:cNvPr>
+          <p:cNvPr id="18" name="Image 0" descr="preencoded.png"/>
           <p:cNvPicPr>
             <a:picLocks noChangeAspect="1"/>
           </p:cNvPicPr>
           <p:nvPr/>
         </p:nvPicPr>
         <p:blipFill>
-          <a:blip r:embed="rId3"/>
+          <a:blip r:embed="rId1"/>
           <a:srcRect/>
-          <a:stretch/>
+          <a:stretch>
+            <a:fillRect/>
+          </a:stretch>
         </p:blipFill>
         <p:spPr>
           <a:xfrm>
@@ -2879,7 +2687,6 @@
             <a:avLst/>
           </a:prstGeom>
           <a:noFill/>
-          <a:ln/>
         </p:spPr>
         <p:txBody>
           <a:bodyPr vert="horz" wrap="square" lIns="0" tIns="0" rIns="0" bIns="0" rtlCol="0" anchor="ctr"/>
@@ -2896,9 +2703,9 @@
                 <a:solidFill>
                   <a:srgbClr val="333333"/>
                 </a:solidFill>
-                <a:latin typeface="Microsoft YaHei" pitchFamily="34" charset="0"/>
-                <a:ea typeface="Microsoft YaHei" pitchFamily="34" charset="-122"/>
-                <a:cs typeface="Microsoft YaHei" pitchFamily="34" charset="-120"/>
+                <a:latin typeface="微软雅黑" panose="020B0503020204020204" pitchFamily="34" charset="-122"/>
+                <a:ea typeface="微软雅黑" panose="020B0503020204020204" pitchFamily="34" charset="-122"/>
+                <a:cs typeface="微软雅黑" panose="020B0503020204020204" pitchFamily="34" charset="-120"/>
               </a:rPr>
               <a:t>ER</a:t>
             </a:r>
@@ -2907,9 +2714,9 @@
                 <a:solidFill>
                   <a:srgbClr val="333333"/>
                 </a:solidFill>
-                <a:latin typeface="Microsoft YaHei" pitchFamily="34" charset="0"/>
-                <a:ea typeface="Microsoft YaHei" pitchFamily="34" charset="-122"/>
-                <a:cs typeface="Microsoft YaHei" pitchFamily="34" charset="-120"/>
+                <a:latin typeface="微软雅黑" panose="020B0503020204020204" pitchFamily="34" charset="-122"/>
+                <a:ea typeface="微软雅黑" panose="020B0503020204020204" pitchFamily="34" charset="-122"/>
+                <a:cs typeface="微软雅黑" panose="020B0503020204020204" pitchFamily="34" charset="-120"/>
               </a:rPr>
               <a:t>图表形式</a:t>
             </a:r>
@@ -2932,7 +2739,6 @@
             <a:avLst/>
           </a:prstGeom>
           <a:noFill/>
-          <a:ln/>
         </p:spPr>
         <p:txBody>
           <a:bodyPr vert="horz" wrap="square" lIns="0" tIns="0" rIns="0" bIns="0" rtlCol="0" anchor="ctr"/>
@@ -2950,20 +2756,14 @@
       </p:sp>
       <p:pic>
         <p:nvPicPr>
-          <p:cNvPr id="20" name="图片 19">
-            <a:extLst>
-              <a:ext uri="{FF2B5EF4-FFF2-40B4-BE49-F238E27FC236}">
-                <a16:creationId xmlns:a16="http://schemas.microsoft.com/office/drawing/2014/main" id="{1C07FCE2-A0CB-D9D8-FF4A-7B68F4719B2C}"/>
-              </a:ext>
-            </a:extLst>
-          </p:cNvPr>
+          <p:cNvPr id="20" name="图片 19"/>
           <p:cNvPicPr>
             <a:picLocks noChangeAspect="1"/>
           </p:cNvPicPr>
           <p:nvPr/>
         </p:nvPicPr>
         <p:blipFill>
-          <a:blip r:embed="rId4"/>
+          <a:blip r:embed="rId2"/>
           <a:stretch>
             <a:fillRect/>
           </a:stretch>
@@ -2988,7 +2788,7 @@
 
 <file path=ppt/slides/slide13.xml><?xml version="1.0" encoding="utf-8"?>
 <p:sld xmlns:a="http://schemas.openxmlformats.org/drawingml/2006/main" xmlns:r="http://schemas.openxmlformats.org/officeDocument/2006/relationships" xmlns:p="http://schemas.openxmlformats.org/presentationml/2006/main">
-  <p:cSld name="Slide 12">
+  <p:cSld>
     <p:spTree>
       <p:nvGrpSpPr>
         <p:cNvPr id="1" name=""/>
@@ -3012,9 +2812,11 @@
           <p:nvPr/>
         </p:nvPicPr>
         <p:blipFill>
-          <a:blip r:embed="rId3"/>
+          <a:blip r:embed="rId1"/>
           <a:srcRect/>
-          <a:stretch/>
+          <a:stretch>
+            <a:fillRect/>
+          </a:stretch>
         </p:blipFill>
         <p:spPr>
           <a:xfrm>
@@ -3041,7 +2843,6 @@
             <a:avLst/>
           </a:prstGeom>
           <a:noFill/>
-          <a:ln/>
         </p:spPr>
         <p:txBody>
           <a:bodyPr vert="horz" wrap="square" lIns="0" tIns="0" rIns="0" bIns="0" rtlCol="0" anchor="ctr"/>
@@ -3058,9 +2859,9 @@
                 <a:solidFill>
                   <a:srgbClr val="333333"/>
                 </a:solidFill>
-                <a:latin typeface="Microsoft YaHei" pitchFamily="34" charset="0"/>
-                <a:ea typeface="Microsoft YaHei" pitchFamily="34" charset="-122"/>
-                <a:cs typeface="Microsoft YaHei" pitchFamily="34" charset="-120"/>
+                <a:latin typeface="微软雅黑" panose="020B0503020204020204" pitchFamily="34" charset="-122"/>
+                <a:ea typeface="微软雅黑" panose="020B0503020204020204" pitchFamily="34" charset="-122"/>
+                <a:cs typeface="微软雅黑" panose="020B0503020204020204" pitchFamily="34" charset="-120"/>
               </a:rPr>
               <a:t>微服务设计</a:t>
             </a:r>
@@ -3087,7 +2888,6 @@
               <a:alpha val="30000"/>
             </a:srgbClr>
           </a:solidFill>
-          <a:ln/>
         </p:spPr>
       </p:sp>
       <p:sp>
@@ -3105,7 +2905,6 @@
             <a:avLst/>
           </a:prstGeom>
           <a:noFill/>
-          <a:ln/>
         </p:spPr>
         <p:txBody>
           <a:bodyPr vert="horz" wrap="square" lIns="0" tIns="0" rIns="0" bIns="0" rtlCol="0" anchor="ctr"/>
@@ -3136,7 +2935,6 @@
             <a:avLst/>
           </a:prstGeom>
           <a:noFill/>
-          <a:ln/>
         </p:spPr>
         <p:txBody>
           <a:bodyPr vert="horz" wrap="square" lIns="0" tIns="0" rIns="0" bIns="0" rtlCol="0" anchor="ctr"/>
@@ -3155,9 +2953,9 @@
                     <a:alpha val="70000"/>
                   </a:srgbClr>
                 </a:solidFill>
-                <a:latin typeface="Microsoft YaHei" pitchFamily="34" charset="0"/>
-                <a:ea typeface="Microsoft YaHei" pitchFamily="34" charset="-122"/>
-                <a:cs typeface="Microsoft YaHei" pitchFamily="34" charset="-120"/>
+                <a:latin typeface="微软雅黑" panose="020B0503020204020204" pitchFamily="34" charset="-122"/>
+                <a:ea typeface="微软雅黑" panose="020B0503020204020204" pitchFamily="34" charset="-122"/>
+                <a:cs typeface="微软雅黑" panose="020B0503020204020204" pitchFamily="34" charset="-120"/>
               </a:rPr>
               <a:t>04</a:t>
             </a:r>
@@ -3176,712 +2974,6 @@
 <file path=ppt/slides/slide14.xml><?xml version="1.0" encoding="utf-8"?>
 <p:sld xmlns:a="http://schemas.openxmlformats.org/drawingml/2006/main" xmlns:r="http://schemas.openxmlformats.org/officeDocument/2006/relationships" xmlns:p="http://schemas.openxmlformats.org/presentationml/2006/main">
   <p:cSld>
-    <p:spTree>
-      <p:nvGrpSpPr>
-        <p:cNvPr id="1" name="">
-          <a:extLst>
-            <a:ext uri="{FF2B5EF4-FFF2-40B4-BE49-F238E27FC236}">
-              <a16:creationId xmlns:a16="http://schemas.microsoft.com/office/drawing/2014/main" id="{602702E0-6466-596D-AB15-BCA93E1E5D11}"/>
-            </a:ext>
-          </a:extLst>
-        </p:cNvPr>
-        <p:cNvGrpSpPr/>
-        <p:nvPr/>
-      </p:nvGrpSpPr>
-      <p:grpSpPr>
-        <a:xfrm>
-          <a:off x="0" y="0"/>
-          <a:ext cx="0" cy="0"/>
-          <a:chOff x="0" y="0"/>
-          <a:chExt cx="0" cy="0"/>
-        </a:xfrm>
-      </p:grpSpPr>
-      <p:pic>
-        <p:nvPicPr>
-          <p:cNvPr id="3" name="Image 0" descr="preencoded.png">
-            <a:extLst>
-              <a:ext uri="{FF2B5EF4-FFF2-40B4-BE49-F238E27FC236}">
-                <a16:creationId xmlns:a16="http://schemas.microsoft.com/office/drawing/2014/main" id="{624DC6CA-EFCE-D52E-F15F-F759A89B7625}"/>
-              </a:ext>
-            </a:extLst>
-          </p:cNvPr>
-          <p:cNvPicPr>
-            <a:picLocks noChangeAspect="1"/>
-          </p:cNvPicPr>
-          <p:nvPr/>
-        </p:nvPicPr>
-        <p:blipFill>
-          <a:blip r:embed="rId3"/>
-          <a:srcRect/>
-          <a:stretch/>
-        </p:blipFill>
-        <p:spPr>
-          <a:xfrm>
-            <a:off x="0" y="0"/>
-            <a:ext cx="9144000" cy="1333500"/>
-          </a:xfrm>
-          <a:prstGeom prst="rect">
-            <a:avLst/>
-          </a:prstGeom>
-        </p:spPr>
-      </p:pic>
-      <p:sp>
-        <p:nvSpPr>
-          <p:cNvPr id="4" name="Text 1">
-            <a:extLst>
-              <a:ext uri="{FF2B5EF4-FFF2-40B4-BE49-F238E27FC236}">
-                <a16:creationId xmlns:a16="http://schemas.microsoft.com/office/drawing/2014/main" id="{429C2760-B9FC-8ED9-AAD0-87D9F2863461}"/>
-              </a:ext>
-            </a:extLst>
-          </p:cNvPr>
-          <p:cNvSpPr/>
-          <p:nvPr/>
-        </p:nvSpPr>
-        <p:spPr>
-          <a:xfrm>
-            <a:off x="571500" y="285750"/>
-            <a:ext cx="8001000" cy="400050"/>
-          </a:xfrm>
-          <a:prstGeom prst="rect">
-            <a:avLst/>
-          </a:prstGeom>
-          <a:noFill/>
-          <a:ln/>
-        </p:spPr>
-        <p:txBody>
-          <a:bodyPr vert="horz" wrap="square" lIns="0" tIns="0" rIns="0" bIns="0" rtlCol="0" anchor="ctr"/>
-          <a:lstStyle/>
-          <a:p>
-            <a:pPr marL="0" indent="0" algn="l">
-              <a:lnSpc>
-                <a:spcPts val="3150"/>
-              </a:lnSpc>
-              <a:buNone/>
-            </a:pPr>
-            <a:r>
-              <a:rPr lang="zh-CN" altLang="en-US" sz="2250" b="1" dirty="0">
-                <a:solidFill>
-                  <a:srgbClr val="333333"/>
-                </a:solidFill>
-                <a:latin typeface="Microsoft YaHei" pitchFamily="34" charset="0"/>
-                <a:ea typeface="Microsoft YaHei" pitchFamily="34" charset="-122"/>
-                <a:cs typeface="Microsoft YaHei" pitchFamily="34" charset="-120"/>
-              </a:rPr>
-              <a:t>微服务设计</a:t>
-            </a:r>
-            <a:endParaRPr lang="en-US" sz="2250" dirty="0"/>
-          </a:p>
-        </p:txBody>
-      </p:sp>
-      <p:sp>
-        <p:nvSpPr>
-          <p:cNvPr id="5" name="Text 2">
-            <a:extLst>
-              <a:ext uri="{FF2B5EF4-FFF2-40B4-BE49-F238E27FC236}">
-                <a16:creationId xmlns:a16="http://schemas.microsoft.com/office/drawing/2014/main" id="{8AC2F4CD-51F7-3904-A9CF-2B5DCA72EB19}"/>
-              </a:ext>
-            </a:extLst>
-          </p:cNvPr>
-          <p:cNvSpPr/>
-          <p:nvPr/>
-        </p:nvSpPr>
-        <p:spPr>
-          <a:xfrm>
-            <a:off x="571500" y="742950"/>
-            <a:ext cx="8001000" cy="209550"/>
-          </a:xfrm>
-          <a:prstGeom prst="rect">
-            <a:avLst/>
-          </a:prstGeom>
-          <a:noFill/>
-          <a:ln/>
-        </p:spPr>
-        <p:txBody>
-          <a:bodyPr vert="horz" wrap="square" lIns="0" tIns="0" rIns="0" bIns="0" rtlCol="0" anchor="ctr"/>
-          <a:lstStyle/>
-          <a:p>
-            <a:pPr marL="0" indent="0" algn="l">
-              <a:lnSpc>
-                <a:spcPts val="1650"/>
-              </a:lnSpc>
-              <a:buNone/>
-            </a:pPr>
-            <a:endParaRPr lang="en-US" sz="1200" dirty="0"/>
-          </a:p>
-        </p:txBody>
-      </p:sp>
-      <p:sp>
-        <p:nvSpPr>
-          <p:cNvPr id="6" name="Text 3">
-            <a:extLst>
-              <a:ext uri="{FF2B5EF4-FFF2-40B4-BE49-F238E27FC236}">
-                <a16:creationId xmlns:a16="http://schemas.microsoft.com/office/drawing/2014/main" id="{75FBAE01-61F0-C951-D224-81FE0CC4455D}"/>
-              </a:ext>
-            </a:extLst>
-          </p:cNvPr>
-          <p:cNvSpPr/>
-          <p:nvPr/>
-        </p:nvSpPr>
-        <p:spPr>
-          <a:xfrm>
-            <a:off x="488950" y="1619250"/>
-            <a:ext cx="1714500" cy="209550"/>
-          </a:xfrm>
-          <a:prstGeom prst="rect">
-            <a:avLst/>
-          </a:prstGeom>
-          <a:noFill/>
-          <a:ln/>
-        </p:spPr>
-        <p:txBody>
-          <a:bodyPr vert="horz" wrap="square" lIns="0" tIns="0" rIns="0" bIns="0" rtlCol="0" anchor="ctr"/>
-          <a:lstStyle/>
-          <a:p>
-            <a:pPr marL="0" indent="0">
-              <a:lnSpc>
-                <a:spcPts val="1650"/>
-              </a:lnSpc>
-              <a:buNone/>
-            </a:pPr>
-            <a:r>
-              <a:rPr lang="en-US" sz="1200" b="1" dirty="0">
-                <a:solidFill>
-                  <a:srgbClr val="333333"/>
-                </a:solidFill>
-                <a:latin typeface="Microsoft YaHei" pitchFamily="34" charset="0"/>
-                <a:ea typeface="Microsoft YaHei" pitchFamily="34" charset="-122"/>
-                <a:cs typeface="Microsoft YaHei" pitchFamily="34" charset="-120"/>
-              </a:rPr>
-              <a:t>User Service</a:t>
-            </a:r>
-            <a:endParaRPr lang="en-US" sz="1200" dirty="0"/>
-          </a:p>
-        </p:txBody>
-      </p:sp>
-      <p:sp>
-        <p:nvSpPr>
-          <p:cNvPr id="7" name="Text 4">
-            <a:extLst>
-              <a:ext uri="{FF2B5EF4-FFF2-40B4-BE49-F238E27FC236}">
-                <a16:creationId xmlns:a16="http://schemas.microsoft.com/office/drawing/2014/main" id="{90E7B4BE-98D8-61AA-11A5-0A3AED7B4645}"/>
-              </a:ext>
-            </a:extLst>
-          </p:cNvPr>
-          <p:cNvSpPr/>
-          <p:nvPr/>
-        </p:nvSpPr>
-        <p:spPr>
-          <a:xfrm>
-            <a:off x="488950" y="1866899"/>
-            <a:ext cx="4794250" cy="1184275"/>
-          </a:xfrm>
-          <a:prstGeom prst="rect">
-            <a:avLst/>
-          </a:prstGeom>
-          <a:noFill/>
-          <a:ln/>
-        </p:spPr>
-        <p:txBody>
-          <a:bodyPr vert="horz" wrap="square" lIns="0" tIns="0" rIns="0" bIns="0" rtlCol="0" anchor="ctr"/>
-          <a:lstStyle/>
-          <a:p>
-            <a:pPr marL="0" indent="0">
-              <a:lnSpc>
-                <a:spcPts val="1650"/>
-              </a:lnSpc>
-              <a:buNone/>
-            </a:pPr>
-            <a:r>
-              <a:rPr lang="zh-CN" altLang="en-US" sz="1050" dirty="0">
-                <a:solidFill>
-                  <a:srgbClr val="666666"/>
-                </a:solidFill>
-                <a:latin typeface="Microsoft YaHei" pitchFamily="34" charset="0"/>
-                <a:ea typeface="Microsoft YaHei" pitchFamily="34" charset="-122"/>
-                <a:cs typeface="Microsoft YaHei" pitchFamily="34" charset="-120"/>
-              </a:rPr>
-              <a:t>用户注册：允许新用户注册账户，需要输入用户名、密码、邮箱等基本信息。</a:t>
-            </a:r>
-          </a:p>
-          <a:p>
-            <a:pPr marL="0" indent="0">
-              <a:lnSpc>
-                <a:spcPts val="1650"/>
-              </a:lnSpc>
-              <a:buNone/>
-            </a:pPr>
-            <a:r>
-              <a:rPr lang="zh-CN" altLang="en-US" sz="1050" dirty="0">
-                <a:solidFill>
-                  <a:srgbClr val="666666"/>
-                </a:solidFill>
-                <a:latin typeface="Microsoft YaHei" pitchFamily="34" charset="0"/>
-                <a:ea typeface="Microsoft YaHei" pitchFamily="34" charset="-122"/>
-                <a:cs typeface="Microsoft YaHei" pitchFamily="34" charset="-120"/>
-              </a:rPr>
-              <a:t>用户登录：支持用户通过用户名和密码登录系统。</a:t>
-            </a:r>
-          </a:p>
-          <a:p>
-            <a:pPr marL="0" indent="0">
-              <a:lnSpc>
-                <a:spcPts val="1650"/>
-              </a:lnSpc>
-              <a:buNone/>
-            </a:pPr>
-            <a:r>
-              <a:rPr lang="zh-CN" altLang="en-US" sz="1050" dirty="0">
-                <a:solidFill>
-                  <a:srgbClr val="666666"/>
-                </a:solidFill>
-                <a:latin typeface="Microsoft YaHei" pitchFamily="34" charset="0"/>
-                <a:ea typeface="Microsoft YaHei" pitchFamily="34" charset="-122"/>
-                <a:cs typeface="Microsoft YaHei" pitchFamily="34" charset="-120"/>
-              </a:rPr>
-              <a:t>密码找回与重置：提供忘记密码功能，通过邮箱验证后可以重设密码。</a:t>
-            </a:r>
-          </a:p>
-          <a:p>
-            <a:pPr marL="0" indent="0">
-              <a:lnSpc>
-                <a:spcPts val="1650"/>
-              </a:lnSpc>
-              <a:buNone/>
-            </a:pPr>
-            <a:r>
-              <a:rPr lang="zh-CN" altLang="en-US" sz="1050" dirty="0">
-                <a:solidFill>
-                  <a:srgbClr val="666666"/>
-                </a:solidFill>
-                <a:latin typeface="Microsoft YaHei" pitchFamily="34" charset="0"/>
-                <a:ea typeface="Microsoft YaHei" pitchFamily="34" charset="-122"/>
-                <a:cs typeface="Microsoft YaHei" pitchFamily="34" charset="-120"/>
-              </a:rPr>
-              <a:t>权限管理：定义不同角色（如管理员、普通用户等），并分配相应的权限。</a:t>
-            </a:r>
-          </a:p>
-          <a:p>
-            <a:pPr marL="0" indent="0">
-              <a:lnSpc>
-                <a:spcPts val="1650"/>
-              </a:lnSpc>
-              <a:buNone/>
-            </a:pPr>
-            <a:r>
-              <a:rPr lang="zh-CN" altLang="en-US" sz="1050" dirty="0">
-                <a:solidFill>
-                  <a:srgbClr val="666666"/>
-                </a:solidFill>
-                <a:latin typeface="Microsoft YaHei" pitchFamily="34" charset="0"/>
-                <a:ea typeface="Microsoft YaHei" pitchFamily="34" charset="-122"/>
-                <a:cs typeface="Microsoft YaHei" pitchFamily="34" charset="-120"/>
-              </a:rPr>
-              <a:t>用户信息管理：允许用户查看和编辑个人资料。</a:t>
-            </a:r>
-            <a:endParaRPr lang="en-US" sz="1050" dirty="0"/>
-          </a:p>
-        </p:txBody>
-      </p:sp>
-      <p:sp>
-        <p:nvSpPr>
-          <p:cNvPr id="14" name="文本框 13">
-            <a:extLst>
-              <a:ext uri="{FF2B5EF4-FFF2-40B4-BE49-F238E27FC236}">
-                <a16:creationId xmlns:a16="http://schemas.microsoft.com/office/drawing/2014/main" id="{D16E9359-D16C-3B82-32FF-BC93D1DB6137}"/>
-              </a:ext>
-            </a:extLst>
-          </p:cNvPr>
-          <p:cNvSpPr txBox="1"/>
-          <p:nvPr/>
-        </p:nvSpPr>
-        <p:spPr>
-          <a:xfrm>
-            <a:off x="5368925" y="478393"/>
-            <a:ext cx="3584575" cy="369332"/>
-          </a:xfrm>
-          <a:prstGeom prst="rect">
-            <a:avLst/>
-          </a:prstGeom>
-          <a:noFill/>
-        </p:spPr>
-        <p:txBody>
-          <a:bodyPr wrap="square" rtlCol="0">
-            <a:spAutoFit/>
-          </a:bodyPr>
-          <a:lstStyle/>
-          <a:p>
-            <a:r>
-              <a:rPr lang="zh-CN" altLang="en-US" dirty="0"/>
-              <a:t>拟采用的微服务框架：</a:t>
-            </a:r>
-            <a:r>
-              <a:rPr lang="en-US" altLang="zh-CN" dirty="0" err="1"/>
-              <a:t>springcloud</a:t>
-            </a:r>
-            <a:endParaRPr lang="en-US" altLang="zh-CN" dirty="0"/>
-          </a:p>
-        </p:txBody>
-      </p:sp>
-      <p:sp>
-        <p:nvSpPr>
-          <p:cNvPr id="18" name="Text 3">
-            <a:extLst>
-              <a:ext uri="{FF2B5EF4-FFF2-40B4-BE49-F238E27FC236}">
-                <a16:creationId xmlns:a16="http://schemas.microsoft.com/office/drawing/2014/main" id="{055C50E8-A897-203E-1DC1-8A3573B7BFD5}"/>
-              </a:ext>
-            </a:extLst>
-          </p:cNvPr>
-          <p:cNvSpPr/>
-          <p:nvPr/>
-        </p:nvSpPr>
-        <p:spPr>
-          <a:xfrm>
-            <a:off x="488950" y="3313113"/>
-            <a:ext cx="1714500" cy="209550"/>
-          </a:xfrm>
-          <a:prstGeom prst="rect">
-            <a:avLst/>
-          </a:prstGeom>
-          <a:noFill/>
-          <a:ln/>
-        </p:spPr>
-        <p:txBody>
-          <a:bodyPr vert="horz" wrap="square" lIns="0" tIns="0" rIns="0" bIns="0" rtlCol="0" anchor="ctr"/>
-          <a:lstStyle/>
-          <a:p>
-            <a:pPr marL="0" indent="0">
-              <a:lnSpc>
-                <a:spcPts val="1650"/>
-              </a:lnSpc>
-              <a:buNone/>
-            </a:pPr>
-            <a:r>
-              <a:rPr lang="en-US" sz="1200" b="1" dirty="0">
-                <a:solidFill>
-                  <a:srgbClr val="333333"/>
-                </a:solidFill>
-                <a:latin typeface="Microsoft YaHei" pitchFamily="34" charset="0"/>
-                <a:ea typeface="Microsoft YaHei" pitchFamily="34" charset="-122"/>
-                <a:cs typeface="Microsoft YaHei" pitchFamily="34" charset="-120"/>
-              </a:rPr>
-              <a:t>CRM Service</a:t>
-            </a:r>
-            <a:endParaRPr lang="en-US" sz="1200" dirty="0"/>
-          </a:p>
-        </p:txBody>
-      </p:sp>
-      <p:sp>
-        <p:nvSpPr>
-          <p:cNvPr id="19" name="Text 4">
-            <a:extLst>
-              <a:ext uri="{FF2B5EF4-FFF2-40B4-BE49-F238E27FC236}">
-                <a16:creationId xmlns:a16="http://schemas.microsoft.com/office/drawing/2014/main" id="{4B9568C4-BE20-795D-F7A6-450470B6779A}"/>
-              </a:ext>
-            </a:extLst>
-          </p:cNvPr>
-          <p:cNvSpPr/>
-          <p:nvPr/>
-        </p:nvSpPr>
-        <p:spPr>
-          <a:xfrm>
-            <a:off x="488950" y="3560762"/>
-            <a:ext cx="4794250" cy="1184275"/>
-          </a:xfrm>
-          <a:prstGeom prst="rect">
-            <a:avLst/>
-          </a:prstGeom>
-          <a:noFill/>
-          <a:ln/>
-        </p:spPr>
-        <p:txBody>
-          <a:bodyPr vert="horz" wrap="square" lIns="0" tIns="0" rIns="0" bIns="0" rtlCol="0" anchor="ctr"/>
-          <a:lstStyle/>
-          <a:p>
-            <a:pPr marL="0" indent="0">
-              <a:lnSpc>
-                <a:spcPts val="1650"/>
-              </a:lnSpc>
-              <a:buNone/>
-            </a:pPr>
-            <a:r>
-              <a:rPr lang="zh-CN" altLang="en-US" sz="1050" dirty="0">
-                <a:solidFill>
-                  <a:srgbClr val="666666"/>
-                </a:solidFill>
-                <a:latin typeface="Microsoft YaHei" pitchFamily="34" charset="0"/>
-                <a:ea typeface="Microsoft YaHei" pitchFamily="34" charset="-122"/>
-                <a:cs typeface="Microsoft YaHei" pitchFamily="34" charset="-120"/>
-              </a:rPr>
-              <a:t>客户信息管理：添加、编辑、删除客户信息，包括姓名、联系方式、地址等。</a:t>
-            </a:r>
-          </a:p>
-          <a:p>
-            <a:pPr marL="0" indent="0">
-              <a:lnSpc>
-                <a:spcPts val="1650"/>
-              </a:lnSpc>
-              <a:buNone/>
-            </a:pPr>
-            <a:r>
-              <a:rPr lang="zh-CN" altLang="en-US" sz="1050" dirty="0">
-                <a:solidFill>
-                  <a:srgbClr val="666666"/>
-                </a:solidFill>
-                <a:latin typeface="Microsoft YaHei" pitchFamily="34" charset="0"/>
-                <a:ea typeface="Microsoft YaHei" pitchFamily="34" charset="-122"/>
-                <a:cs typeface="Microsoft YaHei" pitchFamily="34" charset="-120"/>
-              </a:rPr>
-              <a:t>客户分类：根据客户需求或行业类型对客户进行分类。</a:t>
-            </a:r>
-          </a:p>
-          <a:p>
-            <a:pPr marL="0" indent="0">
-              <a:lnSpc>
-                <a:spcPts val="1650"/>
-              </a:lnSpc>
-              <a:buNone/>
-            </a:pPr>
-            <a:r>
-              <a:rPr lang="zh-CN" altLang="en-US" sz="1050" dirty="0">
-                <a:solidFill>
-                  <a:srgbClr val="666666"/>
-                </a:solidFill>
-                <a:latin typeface="Microsoft YaHei" pitchFamily="34" charset="0"/>
-                <a:ea typeface="Microsoft YaHei" pitchFamily="34" charset="-122"/>
-                <a:cs typeface="Microsoft YaHei" pitchFamily="34" charset="-120"/>
-              </a:rPr>
-              <a:t>订单管理：创建、编辑和删除客户订单，查看订单详情。</a:t>
-            </a:r>
-          </a:p>
-          <a:p>
-            <a:pPr marL="0" indent="0">
-              <a:lnSpc>
-                <a:spcPts val="1650"/>
-              </a:lnSpc>
-              <a:buNone/>
-            </a:pPr>
-            <a:r>
-              <a:rPr lang="zh-CN" altLang="en-US" sz="1050" dirty="0">
-                <a:solidFill>
-                  <a:srgbClr val="666666"/>
-                </a:solidFill>
-                <a:latin typeface="Microsoft YaHei" pitchFamily="34" charset="0"/>
-                <a:ea typeface="Microsoft YaHei" pitchFamily="34" charset="-122"/>
-                <a:cs typeface="Microsoft YaHei" pitchFamily="34" charset="-120"/>
-              </a:rPr>
-              <a:t>客户互动记录：记录与客户的沟通历史，如电话交谈、邮件往来等。</a:t>
-            </a:r>
-          </a:p>
-          <a:p>
-            <a:pPr marL="0" indent="0">
-              <a:lnSpc>
-                <a:spcPts val="1650"/>
-              </a:lnSpc>
-              <a:buNone/>
-            </a:pPr>
-            <a:r>
-              <a:rPr lang="zh-CN" altLang="en-US" sz="1050" dirty="0">
-                <a:solidFill>
-                  <a:srgbClr val="666666"/>
-                </a:solidFill>
-                <a:latin typeface="Microsoft YaHei" pitchFamily="34" charset="0"/>
-                <a:ea typeface="Microsoft YaHei" pitchFamily="34" charset="-122"/>
-                <a:cs typeface="Microsoft YaHei" pitchFamily="34" charset="-120"/>
-              </a:rPr>
-              <a:t>客户满意度调查：定期对客户进行满意度调查，收集反馈意见。</a:t>
-            </a:r>
-            <a:endParaRPr lang="en-US" sz="1050" dirty="0"/>
-          </a:p>
-        </p:txBody>
-      </p:sp>
-      <p:sp>
-        <p:nvSpPr>
-          <p:cNvPr id="9" name="Text 3">
-            <a:extLst>
-              <a:ext uri="{FF2B5EF4-FFF2-40B4-BE49-F238E27FC236}">
-                <a16:creationId xmlns:a16="http://schemas.microsoft.com/office/drawing/2014/main" id="{DF485878-C7D8-41CF-8680-205EEC9A6AB8}"/>
-              </a:ext>
-            </a:extLst>
-          </p:cNvPr>
-          <p:cNvSpPr/>
-          <p:nvPr/>
-        </p:nvSpPr>
-        <p:spPr>
-          <a:xfrm>
-            <a:off x="5283200" y="2466975"/>
-            <a:ext cx="2514600" cy="209550"/>
-          </a:xfrm>
-          <a:prstGeom prst="rect">
-            <a:avLst/>
-          </a:prstGeom>
-          <a:noFill/>
-          <a:ln/>
-        </p:spPr>
-        <p:txBody>
-          <a:bodyPr vert="horz" wrap="square" lIns="0" tIns="0" rIns="0" bIns="0" rtlCol="0" anchor="ctr"/>
-          <a:lstStyle/>
-          <a:p>
-            <a:pPr marL="0" indent="0">
-              <a:lnSpc>
-                <a:spcPts val="1650"/>
-              </a:lnSpc>
-              <a:buNone/>
-            </a:pPr>
-            <a:r>
-              <a:rPr lang="en-US" sz="1200" b="1" dirty="0">
-                <a:solidFill>
-                  <a:srgbClr val="333333"/>
-                </a:solidFill>
-                <a:latin typeface="Microsoft YaHei" pitchFamily="34" charset="0"/>
-                <a:ea typeface="Microsoft YaHei" pitchFamily="34" charset="-122"/>
-                <a:cs typeface="Microsoft YaHei" pitchFamily="34" charset="-120"/>
-              </a:rPr>
-              <a:t>Financial Management Service</a:t>
-            </a:r>
-            <a:endParaRPr lang="en-US" sz="1200" dirty="0"/>
-          </a:p>
-        </p:txBody>
-      </p:sp>
-      <p:sp>
-        <p:nvSpPr>
-          <p:cNvPr id="10" name="Text 4">
-            <a:extLst>
-              <a:ext uri="{FF2B5EF4-FFF2-40B4-BE49-F238E27FC236}">
-                <a16:creationId xmlns:a16="http://schemas.microsoft.com/office/drawing/2014/main" id="{98AB12ED-186C-5711-FC79-BB6EDDB49E0C}"/>
-              </a:ext>
-            </a:extLst>
-          </p:cNvPr>
-          <p:cNvSpPr/>
-          <p:nvPr/>
-        </p:nvSpPr>
-        <p:spPr>
-          <a:xfrm>
-            <a:off x="5283200" y="2714624"/>
-            <a:ext cx="3606800" cy="1193801"/>
-          </a:xfrm>
-          <a:prstGeom prst="rect">
-            <a:avLst/>
-          </a:prstGeom>
-          <a:noFill/>
-          <a:ln/>
-        </p:spPr>
-        <p:txBody>
-          <a:bodyPr vert="horz" wrap="square" lIns="0" tIns="0" rIns="0" bIns="0" rtlCol="0" anchor="ctr"/>
-          <a:lstStyle/>
-          <a:p>
-            <a:pPr marL="0" indent="0">
-              <a:lnSpc>
-                <a:spcPts val="1650"/>
-              </a:lnSpc>
-              <a:buNone/>
-            </a:pPr>
-            <a:r>
-              <a:rPr lang="zh-CN" altLang="en-US" sz="1050" dirty="0">
-                <a:solidFill>
-                  <a:srgbClr val="666666"/>
-                </a:solidFill>
-                <a:latin typeface="Microsoft YaHei" pitchFamily="34" charset="0"/>
-                <a:ea typeface="Microsoft YaHei" pitchFamily="34" charset="-122"/>
-                <a:cs typeface="Microsoft YaHei" pitchFamily="34" charset="-120"/>
-              </a:rPr>
-              <a:t>收支记录：记录企业的所有收入和支出情况，支持分类统计。</a:t>
-            </a:r>
-          </a:p>
-          <a:p>
-            <a:pPr marL="0" indent="0">
-              <a:lnSpc>
-                <a:spcPts val="1650"/>
-              </a:lnSpc>
-              <a:buNone/>
-            </a:pPr>
-            <a:r>
-              <a:rPr lang="zh-CN" altLang="en-US" sz="1050" dirty="0">
-                <a:solidFill>
-                  <a:srgbClr val="666666"/>
-                </a:solidFill>
-                <a:latin typeface="Microsoft YaHei" pitchFamily="34" charset="0"/>
-                <a:ea typeface="Microsoft YaHei" pitchFamily="34" charset="-122"/>
-                <a:cs typeface="Microsoft YaHei" pitchFamily="34" charset="-120"/>
-              </a:rPr>
-              <a:t>发票管理：管理发票的开具、接收和存储。</a:t>
-            </a:r>
-          </a:p>
-          <a:p>
-            <a:pPr marL="0" indent="0">
-              <a:lnSpc>
-                <a:spcPts val="1650"/>
-              </a:lnSpc>
-              <a:buNone/>
-            </a:pPr>
-            <a:r>
-              <a:rPr lang="zh-CN" altLang="en-US" sz="1050" dirty="0">
-                <a:solidFill>
-                  <a:srgbClr val="666666"/>
-                </a:solidFill>
-                <a:latin typeface="Microsoft YaHei" pitchFamily="34" charset="0"/>
-                <a:ea typeface="Microsoft YaHei" pitchFamily="34" charset="-122"/>
-                <a:cs typeface="Microsoft YaHei" pitchFamily="34" charset="-120"/>
-              </a:rPr>
-              <a:t>费用报销：处理员工的费用报销申请，审核并记录报销信息。</a:t>
-            </a:r>
-          </a:p>
-          <a:p>
-            <a:pPr marL="0" indent="0">
-              <a:lnSpc>
-                <a:spcPts val="1650"/>
-              </a:lnSpc>
-              <a:buNone/>
-            </a:pPr>
-            <a:r>
-              <a:rPr lang="zh-CN" altLang="en-US" sz="1050" dirty="0">
-                <a:solidFill>
-                  <a:srgbClr val="666666"/>
-                </a:solidFill>
-                <a:latin typeface="Microsoft YaHei" pitchFamily="34" charset="0"/>
-                <a:ea typeface="Microsoft YaHei" pitchFamily="34" charset="-122"/>
-                <a:cs typeface="Microsoft YaHei" pitchFamily="34" charset="-120"/>
-              </a:rPr>
-              <a:t>财务报表：生成各类财务报表，如利润表、资产负债表等。</a:t>
-            </a:r>
-          </a:p>
-          <a:p>
-            <a:pPr marL="0" indent="0">
-              <a:lnSpc>
-                <a:spcPts val="1650"/>
-              </a:lnSpc>
-              <a:buNone/>
-            </a:pPr>
-            <a:r>
-              <a:rPr lang="zh-CN" altLang="en-US" sz="1050" dirty="0">
-                <a:solidFill>
-                  <a:srgbClr val="666666"/>
-                </a:solidFill>
-                <a:latin typeface="Microsoft YaHei" pitchFamily="34" charset="0"/>
-                <a:ea typeface="Microsoft YaHei" pitchFamily="34" charset="-122"/>
-                <a:cs typeface="Microsoft YaHei" pitchFamily="34" charset="-120"/>
-              </a:rPr>
-              <a:t>成本控制：监控企业的各项成本，提出成本优化建议。</a:t>
-            </a:r>
-            <a:endParaRPr lang="en-US" sz="1050" dirty="0"/>
-          </a:p>
-        </p:txBody>
-      </p:sp>
-    </p:spTree>
-    <p:extLst>
-      <p:ext uri="{BB962C8B-B14F-4D97-AF65-F5344CB8AC3E}">
-        <p14:creationId xmlns:p14="http://schemas.microsoft.com/office/powerpoint/2010/main" val="1795999533"/>
-      </p:ext>
-    </p:extLst>
-  </p:cSld>
-  <p:clrMapOvr>
-    <a:masterClrMapping/>
-  </p:clrMapOvr>
-</p:sld>
-</file>
-
-<file path=ppt/slides/slide15.xml><?xml version="1.0" encoding="utf-8"?>
-<p:sld xmlns:a="http://schemas.openxmlformats.org/drawingml/2006/main" xmlns:r="http://schemas.openxmlformats.org/officeDocument/2006/relationships" xmlns:p="http://schemas.openxmlformats.org/presentationml/2006/main">
-  <p:cSld name="Slide 11">
     <p:spTree>
       <p:nvGrpSpPr>
         <p:cNvPr id="1" name=""/>
@@ -3905,9 +2997,11 @@
           <p:nvPr/>
         </p:nvPicPr>
         <p:blipFill>
-          <a:blip r:embed="rId3"/>
+          <a:blip r:embed="rId1"/>
           <a:srcRect/>
-          <a:stretch/>
+          <a:stretch>
+            <a:fillRect/>
+          </a:stretch>
         </p:blipFill>
         <p:spPr>
           <a:xfrm>
@@ -3934,7 +3028,6 @@
             <a:avLst/>
           </a:prstGeom>
           <a:noFill/>
-          <a:ln/>
         </p:spPr>
         <p:txBody>
           <a:bodyPr vert="horz" wrap="square" lIns="0" tIns="0" rIns="0" bIns="0" rtlCol="0" anchor="ctr"/>
@@ -3951,9 +3044,9 @@
                 <a:solidFill>
                   <a:srgbClr val="333333"/>
                 </a:solidFill>
-                <a:latin typeface="Microsoft YaHei" pitchFamily="34" charset="0"/>
-                <a:ea typeface="Microsoft YaHei" pitchFamily="34" charset="-122"/>
-                <a:cs typeface="Microsoft YaHei" pitchFamily="34" charset="-120"/>
+                <a:latin typeface="微软雅黑" panose="020B0503020204020204" pitchFamily="34" charset="-122"/>
+                <a:ea typeface="微软雅黑" panose="020B0503020204020204" pitchFamily="34" charset="-122"/>
+                <a:cs typeface="微软雅黑" panose="020B0503020204020204" pitchFamily="34" charset="-120"/>
               </a:rPr>
               <a:t>微服务设计</a:t>
             </a:r>
@@ -3976,7 +3069,6 @@
             <a:avLst/>
           </a:prstGeom>
           <a:noFill/>
-          <a:ln/>
         </p:spPr>
         <p:txBody>
           <a:bodyPr vert="horz" wrap="square" lIns="0" tIns="0" rIns="0" bIns="0" rtlCol="0" anchor="ctr"/>
@@ -4001,13 +3093,12 @@
         <p:spPr>
           <a:xfrm>
             <a:off x="488950" y="1619250"/>
-            <a:ext cx="2514600" cy="209550"/>
-          </a:xfrm>
-          <a:prstGeom prst="rect">
-            <a:avLst/>
-          </a:prstGeom>
-          <a:noFill/>
-          <a:ln/>
+            <a:ext cx="1714500" cy="209550"/>
+          </a:xfrm>
+          <a:prstGeom prst="rect">
+            <a:avLst/>
+          </a:prstGeom>
+          <a:noFill/>
         </p:spPr>
         <p:txBody>
           <a:bodyPr vert="horz" wrap="square" lIns="0" tIns="0" rIns="0" bIns="0" rtlCol="0" anchor="ctr"/>
@@ -4024,11 +3115,11 @@
                 <a:solidFill>
                   <a:srgbClr val="333333"/>
                 </a:solidFill>
-                <a:latin typeface="Microsoft YaHei" pitchFamily="34" charset="0"/>
-                <a:ea typeface="Microsoft YaHei" pitchFamily="34" charset="-122"/>
-                <a:cs typeface="Microsoft YaHei" pitchFamily="34" charset="-120"/>
-              </a:rPr>
-              <a:t>Inventory Management Service</a:t>
+                <a:latin typeface="微软雅黑" panose="020B0503020204020204" pitchFamily="34" charset="-122"/>
+                <a:ea typeface="微软雅黑" panose="020B0503020204020204" pitchFamily="34" charset="-122"/>
+                <a:cs typeface="微软雅黑" panose="020B0503020204020204" pitchFamily="34" charset="-120"/>
+              </a:rPr>
+              <a:t>User Service</a:t>
             </a:r>
             <a:endParaRPr lang="en-US" sz="1200" dirty="0"/>
           </a:p>
@@ -4043,13 +3134,12 @@
         <p:spPr>
           <a:xfrm>
             <a:off x="488950" y="1866899"/>
-            <a:ext cx="4794250" cy="1624012"/>
-          </a:xfrm>
-          <a:prstGeom prst="rect">
-            <a:avLst/>
-          </a:prstGeom>
-          <a:noFill/>
-          <a:ln/>
+            <a:ext cx="4794250" cy="1184275"/>
+          </a:xfrm>
+          <a:prstGeom prst="rect">
+            <a:avLst/>
+          </a:prstGeom>
+          <a:noFill/>
         </p:spPr>
         <p:txBody>
           <a:bodyPr vert="horz" wrap="square" lIns="0" tIns="0" rIns="0" bIns="0" rtlCol="0" anchor="ctr"/>
@@ -4066,12 +3156,20 @@
                 <a:solidFill>
                   <a:srgbClr val="666666"/>
                 </a:solidFill>
-                <a:latin typeface="Microsoft YaHei" pitchFamily="34" charset="0"/>
-                <a:ea typeface="Microsoft YaHei" pitchFamily="34" charset="-122"/>
-                <a:cs typeface="Microsoft YaHei" pitchFamily="34" charset="-120"/>
-              </a:rPr>
-              <a:t>商品信息管理：录入商品的基本信息，如名称、描述、供应商、成本价、销售价等。</a:t>
-            </a:r>
+                <a:latin typeface="微软雅黑" panose="020B0503020204020204" pitchFamily="34" charset="-122"/>
+                <a:ea typeface="微软雅黑" panose="020B0503020204020204" pitchFamily="34" charset="-122"/>
+                <a:cs typeface="微软雅黑" panose="020B0503020204020204" pitchFamily="34" charset="-120"/>
+              </a:rPr>
+              <a:t>用户注册：允许新用户注册账户，需要输入用户名、密码、邮箱等基本信息。</a:t>
+            </a:r>
+            <a:endParaRPr lang="zh-CN" altLang="en-US" sz="1050" dirty="0">
+              <a:solidFill>
+                <a:srgbClr val="666666"/>
+              </a:solidFill>
+              <a:latin typeface="微软雅黑" panose="020B0503020204020204" pitchFamily="34" charset="-122"/>
+              <a:ea typeface="微软雅黑" panose="020B0503020204020204" pitchFamily="34" charset="-122"/>
+              <a:cs typeface="微软雅黑" panose="020B0503020204020204" pitchFamily="34" charset="-120"/>
+            </a:endParaRPr>
           </a:p>
           <a:p>
             <a:pPr marL="0" indent="0">
@@ -4085,12 +3183,20 @@
                 <a:solidFill>
                   <a:srgbClr val="666666"/>
                 </a:solidFill>
-                <a:latin typeface="Microsoft YaHei" pitchFamily="34" charset="0"/>
-                <a:ea typeface="Microsoft YaHei" pitchFamily="34" charset="-122"/>
-                <a:cs typeface="Microsoft YaHei" pitchFamily="34" charset="-120"/>
-              </a:rPr>
-              <a:t>商品分类：按类别组织商品，方便查找和管理。</a:t>
-            </a:r>
+                <a:latin typeface="微软雅黑" panose="020B0503020204020204" pitchFamily="34" charset="-122"/>
+                <a:ea typeface="微软雅黑" panose="020B0503020204020204" pitchFamily="34" charset="-122"/>
+                <a:cs typeface="微软雅黑" panose="020B0503020204020204" pitchFamily="34" charset="-120"/>
+              </a:rPr>
+              <a:t>用户登录：支持用户通过用户名和密码登录系统。</a:t>
+            </a:r>
+            <a:endParaRPr lang="zh-CN" altLang="en-US" sz="1050" dirty="0">
+              <a:solidFill>
+                <a:srgbClr val="666666"/>
+              </a:solidFill>
+              <a:latin typeface="微软雅黑" panose="020B0503020204020204" pitchFamily="34" charset="-122"/>
+              <a:ea typeface="微软雅黑" panose="020B0503020204020204" pitchFamily="34" charset="-122"/>
+              <a:cs typeface="微软雅黑" panose="020B0503020204020204" pitchFamily="34" charset="-120"/>
+            </a:endParaRPr>
           </a:p>
           <a:p>
             <a:pPr marL="0" indent="0">
@@ -4104,12 +3210,20 @@
                 <a:solidFill>
                   <a:srgbClr val="666666"/>
                 </a:solidFill>
-                <a:latin typeface="Microsoft YaHei" pitchFamily="34" charset="0"/>
-                <a:ea typeface="Microsoft YaHei" pitchFamily="34" charset="-122"/>
-                <a:cs typeface="Microsoft YaHei" pitchFamily="34" charset="-120"/>
-              </a:rPr>
-              <a:t>入库操作：记录商品入库的信息，包括数量、日期、供应商等。</a:t>
-            </a:r>
+                <a:latin typeface="微软雅黑" panose="020B0503020204020204" pitchFamily="34" charset="-122"/>
+                <a:ea typeface="微软雅黑" panose="020B0503020204020204" pitchFamily="34" charset="-122"/>
+                <a:cs typeface="微软雅黑" panose="020B0503020204020204" pitchFamily="34" charset="-120"/>
+              </a:rPr>
+              <a:t>密码找回与重置：提供忘记密码功能，通过邮箱验证后可以重设密码。</a:t>
+            </a:r>
+            <a:endParaRPr lang="zh-CN" altLang="en-US" sz="1050" dirty="0">
+              <a:solidFill>
+                <a:srgbClr val="666666"/>
+              </a:solidFill>
+              <a:latin typeface="微软雅黑" panose="020B0503020204020204" pitchFamily="34" charset="-122"/>
+              <a:ea typeface="微软雅黑" panose="020B0503020204020204" pitchFamily="34" charset="-122"/>
+              <a:cs typeface="微软雅黑" panose="020B0503020204020204" pitchFamily="34" charset="-120"/>
+            </a:endParaRPr>
           </a:p>
           <a:p>
             <a:pPr marL="0" indent="0">
@@ -4123,12 +3237,20 @@
                 <a:solidFill>
                   <a:srgbClr val="666666"/>
                 </a:solidFill>
-                <a:latin typeface="Microsoft YaHei" pitchFamily="34" charset="0"/>
-                <a:ea typeface="Microsoft YaHei" pitchFamily="34" charset="-122"/>
-                <a:cs typeface="Microsoft YaHei" pitchFamily="34" charset="-120"/>
-              </a:rPr>
-              <a:t>出库操作：记录商品出库的信息，如数量、日期、去向等。</a:t>
-            </a:r>
+                <a:latin typeface="微软雅黑" panose="020B0503020204020204" pitchFamily="34" charset="-122"/>
+                <a:ea typeface="微软雅黑" panose="020B0503020204020204" pitchFamily="34" charset="-122"/>
+                <a:cs typeface="微软雅黑" panose="020B0503020204020204" pitchFamily="34" charset="-120"/>
+              </a:rPr>
+              <a:t>权限管理：定义不同角色（如管理员、普通用户等），并分配相应的权限。</a:t>
+            </a:r>
+            <a:endParaRPr lang="zh-CN" altLang="en-US" sz="1050" dirty="0">
+              <a:solidFill>
+                <a:srgbClr val="666666"/>
+              </a:solidFill>
+              <a:latin typeface="微软雅黑" panose="020B0503020204020204" pitchFamily="34" charset="-122"/>
+              <a:ea typeface="微软雅黑" panose="020B0503020204020204" pitchFamily="34" charset="-122"/>
+              <a:cs typeface="微软雅黑" panose="020B0503020204020204" pitchFamily="34" charset="-120"/>
+            </a:endParaRPr>
           </a:p>
           <a:p>
             <a:pPr marL="0" indent="0">
@@ -4142,30 +3264,11 @@
                 <a:solidFill>
                   <a:srgbClr val="666666"/>
                 </a:solidFill>
-                <a:latin typeface="Microsoft YaHei" pitchFamily="34" charset="0"/>
-                <a:ea typeface="Microsoft YaHei" pitchFamily="34" charset="-122"/>
-                <a:cs typeface="Microsoft YaHei" pitchFamily="34" charset="-120"/>
-              </a:rPr>
-              <a:t>库存查询：提供实时库存查询功能，支持按条件筛选。</a:t>
-            </a:r>
-          </a:p>
-          <a:p>
-            <a:pPr marL="0" indent="0">
-              <a:lnSpc>
-                <a:spcPts val="1650"/>
-              </a:lnSpc>
-              <a:buNone/>
-            </a:pPr>
-            <a:r>
-              <a:rPr lang="zh-CN" altLang="en-US" sz="1050" dirty="0">
-                <a:solidFill>
-                  <a:srgbClr val="666666"/>
-                </a:solidFill>
-                <a:latin typeface="Microsoft YaHei" pitchFamily="34" charset="0"/>
-                <a:ea typeface="Microsoft YaHei" pitchFamily="34" charset="-122"/>
-                <a:cs typeface="Microsoft YaHei" pitchFamily="34" charset="-120"/>
-              </a:rPr>
-              <a:t>库存预警：设置库存上下限，当库存量低于或高于设定值时自动发出警告。</a:t>
+                <a:latin typeface="微软雅黑" panose="020B0503020204020204" pitchFamily="34" charset="-122"/>
+                <a:ea typeface="微软雅黑" panose="020B0503020204020204" pitchFamily="34" charset="-122"/>
+                <a:cs typeface="微软雅黑" panose="020B0503020204020204" pitchFamily="34" charset="-120"/>
+              </a:rPr>
+              <a:t>用户信息管理：允许用户查看和编辑个人资料。</a:t>
             </a:r>
             <a:endParaRPr lang="en-US" sz="1050" dirty="0"/>
           </a:p>
@@ -4173,13 +3276,7 @@
       </p:sp>
       <p:sp>
         <p:nvSpPr>
-          <p:cNvPr id="14" name="文本框 13">
-            <a:extLst>
-              <a:ext uri="{FF2B5EF4-FFF2-40B4-BE49-F238E27FC236}">
-                <a16:creationId xmlns:a16="http://schemas.microsoft.com/office/drawing/2014/main" id="{1D1BDE33-E0E2-3E75-913B-3D30685D2689}"/>
-              </a:ext>
-            </a:extLst>
-          </p:cNvPr>
+          <p:cNvPr id="14" name="文本框 13"/>
           <p:cNvSpPr txBox="1"/>
           <p:nvPr/>
         </p:nvSpPr>
@@ -4213,13 +3310,759 @@
       </p:sp>
       <p:sp>
         <p:nvSpPr>
-          <p:cNvPr id="18" name="Text 3">
-            <a:extLst>
-              <a:ext uri="{FF2B5EF4-FFF2-40B4-BE49-F238E27FC236}">
-                <a16:creationId xmlns:a16="http://schemas.microsoft.com/office/drawing/2014/main" id="{378C7144-2EEF-F64F-E2E3-2FCA0007813F}"/>
-              </a:ext>
-            </a:extLst>
-          </p:cNvPr>
+          <p:cNvPr id="18" name="Text 3"/>
+          <p:cNvSpPr/>
+          <p:nvPr/>
+        </p:nvSpPr>
+        <p:spPr>
+          <a:xfrm>
+            <a:off x="488950" y="3313113"/>
+            <a:ext cx="1714500" cy="209550"/>
+          </a:xfrm>
+          <a:prstGeom prst="rect">
+            <a:avLst/>
+          </a:prstGeom>
+          <a:noFill/>
+        </p:spPr>
+        <p:txBody>
+          <a:bodyPr vert="horz" wrap="square" lIns="0" tIns="0" rIns="0" bIns="0" rtlCol="0" anchor="ctr"/>
+          <a:lstStyle/>
+          <a:p>
+            <a:pPr marL="0" indent="0">
+              <a:lnSpc>
+                <a:spcPts val="1650"/>
+              </a:lnSpc>
+              <a:buNone/>
+            </a:pPr>
+            <a:r>
+              <a:rPr lang="en-US" sz="1200" b="1" dirty="0">
+                <a:solidFill>
+                  <a:srgbClr val="333333"/>
+                </a:solidFill>
+                <a:latin typeface="微软雅黑" panose="020B0503020204020204" pitchFamily="34" charset="-122"/>
+                <a:ea typeface="微软雅黑" panose="020B0503020204020204" pitchFamily="34" charset="-122"/>
+                <a:cs typeface="微软雅黑" panose="020B0503020204020204" pitchFamily="34" charset="-120"/>
+              </a:rPr>
+              <a:t>CRM Service</a:t>
+            </a:r>
+            <a:endParaRPr lang="en-US" sz="1200" dirty="0"/>
+          </a:p>
+        </p:txBody>
+      </p:sp>
+      <p:sp>
+        <p:nvSpPr>
+          <p:cNvPr id="19" name="Text 4"/>
+          <p:cNvSpPr/>
+          <p:nvPr/>
+        </p:nvSpPr>
+        <p:spPr>
+          <a:xfrm>
+            <a:off x="488950" y="3560762"/>
+            <a:ext cx="4794250" cy="1184275"/>
+          </a:xfrm>
+          <a:prstGeom prst="rect">
+            <a:avLst/>
+          </a:prstGeom>
+          <a:noFill/>
+        </p:spPr>
+        <p:txBody>
+          <a:bodyPr vert="horz" wrap="square" lIns="0" tIns="0" rIns="0" bIns="0" rtlCol="0" anchor="ctr"/>
+          <a:lstStyle/>
+          <a:p>
+            <a:pPr marL="0" indent="0">
+              <a:lnSpc>
+                <a:spcPts val="1650"/>
+              </a:lnSpc>
+              <a:buNone/>
+            </a:pPr>
+            <a:r>
+              <a:rPr lang="zh-CN" altLang="en-US" sz="1050" dirty="0">
+                <a:solidFill>
+                  <a:srgbClr val="666666"/>
+                </a:solidFill>
+                <a:latin typeface="微软雅黑" panose="020B0503020204020204" pitchFamily="34" charset="-122"/>
+                <a:ea typeface="微软雅黑" panose="020B0503020204020204" pitchFamily="34" charset="-122"/>
+                <a:cs typeface="微软雅黑" panose="020B0503020204020204" pitchFamily="34" charset="-120"/>
+              </a:rPr>
+              <a:t>客户信息管理：添加、编辑、删除客户信息，包括姓名、联系方式、地址等。</a:t>
+            </a:r>
+            <a:endParaRPr lang="zh-CN" altLang="en-US" sz="1050" dirty="0">
+              <a:solidFill>
+                <a:srgbClr val="666666"/>
+              </a:solidFill>
+              <a:latin typeface="微软雅黑" panose="020B0503020204020204" pitchFamily="34" charset="-122"/>
+              <a:ea typeface="微软雅黑" panose="020B0503020204020204" pitchFamily="34" charset="-122"/>
+              <a:cs typeface="微软雅黑" panose="020B0503020204020204" pitchFamily="34" charset="-120"/>
+            </a:endParaRPr>
+          </a:p>
+          <a:p>
+            <a:pPr marL="0" indent="0">
+              <a:lnSpc>
+                <a:spcPts val="1650"/>
+              </a:lnSpc>
+              <a:buNone/>
+            </a:pPr>
+            <a:r>
+              <a:rPr lang="zh-CN" altLang="en-US" sz="1050" dirty="0">
+                <a:solidFill>
+                  <a:srgbClr val="666666"/>
+                </a:solidFill>
+                <a:latin typeface="微软雅黑" panose="020B0503020204020204" pitchFamily="34" charset="-122"/>
+                <a:ea typeface="微软雅黑" panose="020B0503020204020204" pitchFamily="34" charset="-122"/>
+                <a:cs typeface="微软雅黑" panose="020B0503020204020204" pitchFamily="34" charset="-120"/>
+              </a:rPr>
+              <a:t>客户分类：根据客户需求或行业类型对客户进行分类。</a:t>
+            </a:r>
+            <a:endParaRPr lang="zh-CN" altLang="en-US" sz="1050" dirty="0">
+              <a:solidFill>
+                <a:srgbClr val="666666"/>
+              </a:solidFill>
+              <a:latin typeface="微软雅黑" panose="020B0503020204020204" pitchFamily="34" charset="-122"/>
+              <a:ea typeface="微软雅黑" panose="020B0503020204020204" pitchFamily="34" charset="-122"/>
+              <a:cs typeface="微软雅黑" panose="020B0503020204020204" pitchFamily="34" charset="-120"/>
+            </a:endParaRPr>
+          </a:p>
+          <a:p>
+            <a:pPr marL="0" indent="0">
+              <a:lnSpc>
+                <a:spcPts val="1650"/>
+              </a:lnSpc>
+              <a:buNone/>
+            </a:pPr>
+            <a:r>
+              <a:rPr lang="zh-CN" altLang="en-US" sz="1050" dirty="0">
+                <a:solidFill>
+                  <a:srgbClr val="666666"/>
+                </a:solidFill>
+                <a:latin typeface="微软雅黑" panose="020B0503020204020204" pitchFamily="34" charset="-122"/>
+                <a:ea typeface="微软雅黑" panose="020B0503020204020204" pitchFamily="34" charset="-122"/>
+                <a:cs typeface="微软雅黑" panose="020B0503020204020204" pitchFamily="34" charset="-120"/>
+              </a:rPr>
+              <a:t>订单管理：创建、编辑和删除客户订单，查看订单详情。</a:t>
+            </a:r>
+            <a:endParaRPr lang="zh-CN" altLang="en-US" sz="1050" dirty="0">
+              <a:solidFill>
+                <a:srgbClr val="666666"/>
+              </a:solidFill>
+              <a:latin typeface="微软雅黑" panose="020B0503020204020204" pitchFamily="34" charset="-122"/>
+              <a:ea typeface="微软雅黑" panose="020B0503020204020204" pitchFamily="34" charset="-122"/>
+              <a:cs typeface="微软雅黑" panose="020B0503020204020204" pitchFamily="34" charset="-120"/>
+            </a:endParaRPr>
+          </a:p>
+          <a:p>
+            <a:pPr marL="0" indent="0">
+              <a:lnSpc>
+                <a:spcPts val="1650"/>
+              </a:lnSpc>
+              <a:buNone/>
+            </a:pPr>
+            <a:r>
+              <a:rPr lang="zh-CN" altLang="en-US" sz="1050" dirty="0">
+                <a:solidFill>
+                  <a:srgbClr val="666666"/>
+                </a:solidFill>
+                <a:latin typeface="微软雅黑" panose="020B0503020204020204" pitchFamily="34" charset="-122"/>
+                <a:ea typeface="微软雅黑" panose="020B0503020204020204" pitchFamily="34" charset="-122"/>
+                <a:cs typeface="微软雅黑" panose="020B0503020204020204" pitchFamily="34" charset="-120"/>
+              </a:rPr>
+              <a:t>客户互动记录：记录与客户的沟通历史，如电话交谈、邮件往来等。</a:t>
+            </a:r>
+            <a:endParaRPr lang="zh-CN" altLang="en-US" sz="1050" dirty="0">
+              <a:solidFill>
+                <a:srgbClr val="666666"/>
+              </a:solidFill>
+              <a:latin typeface="微软雅黑" panose="020B0503020204020204" pitchFamily="34" charset="-122"/>
+              <a:ea typeface="微软雅黑" panose="020B0503020204020204" pitchFamily="34" charset="-122"/>
+              <a:cs typeface="微软雅黑" panose="020B0503020204020204" pitchFamily="34" charset="-120"/>
+            </a:endParaRPr>
+          </a:p>
+          <a:p>
+            <a:pPr marL="0" indent="0">
+              <a:lnSpc>
+                <a:spcPts val="1650"/>
+              </a:lnSpc>
+              <a:buNone/>
+            </a:pPr>
+            <a:r>
+              <a:rPr lang="zh-CN" altLang="en-US" sz="1050" dirty="0">
+                <a:solidFill>
+                  <a:srgbClr val="666666"/>
+                </a:solidFill>
+                <a:latin typeface="微软雅黑" panose="020B0503020204020204" pitchFamily="34" charset="-122"/>
+                <a:ea typeface="微软雅黑" panose="020B0503020204020204" pitchFamily="34" charset="-122"/>
+                <a:cs typeface="微软雅黑" panose="020B0503020204020204" pitchFamily="34" charset="-120"/>
+              </a:rPr>
+              <a:t>客户满意度调查：定期对客户进行满意度调查，收集反馈意见。</a:t>
+            </a:r>
+            <a:endParaRPr lang="en-US" sz="1050" dirty="0"/>
+          </a:p>
+        </p:txBody>
+      </p:sp>
+      <p:sp>
+        <p:nvSpPr>
+          <p:cNvPr id="9" name="Text 3"/>
+          <p:cNvSpPr/>
+          <p:nvPr/>
+        </p:nvSpPr>
+        <p:spPr>
+          <a:xfrm>
+            <a:off x="5283200" y="2466975"/>
+            <a:ext cx="2514600" cy="209550"/>
+          </a:xfrm>
+          <a:prstGeom prst="rect">
+            <a:avLst/>
+          </a:prstGeom>
+          <a:noFill/>
+        </p:spPr>
+        <p:txBody>
+          <a:bodyPr vert="horz" wrap="square" lIns="0" tIns="0" rIns="0" bIns="0" rtlCol="0" anchor="ctr"/>
+          <a:lstStyle/>
+          <a:p>
+            <a:pPr marL="0" indent="0">
+              <a:lnSpc>
+                <a:spcPts val="1650"/>
+              </a:lnSpc>
+              <a:buNone/>
+            </a:pPr>
+            <a:r>
+              <a:rPr lang="en-US" sz="1200" b="1" dirty="0">
+                <a:solidFill>
+                  <a:srgbClr val="333333"/>
+                </a:solidFill>
+                <a:latin typeface="微软雅黑" panose="020B0503020204020204" pitchFamily="34" charset="-122"/>
+                <a:ea typeface="微软雅黑" panose="020B0503020204020204" pitchFamily="34" charset="-122"/>
+                <a:cs typeface="微软雅黑" panose="020B0503020204020204" pitchFamily="34" charset="-120"/>
+              </a:rPr>
+              <a:t>Financial Management Service</a:t>
+            </a:r>
+            <a:endParaRPr lang="en-US" sz="1200" dirty="0"/>
+          </a:p>
+        </p:txBody>
+      </p:sp>
+      <p:sp>
+        <p:nvSpPr>
+          <p:cNvPr id="10" name="Text 4"/>
+          <p:cNvSpPr/>
+          <p:nvPr/>
+        </p:nvSpPr>
+        <p:spPr>
+          <a:xfrm>
+            <a:off x="5283200" y="2714624"/>
+            <a:ext cx="3606800" cy="1193801"/>
+          </a:xfrm>
+          <a:prstGeom prst="rect">
+            <a:avLst/>
+          </a:prstGeom>
+          <a:noFill/>
+        </p:spPr>
+        <p:txBody>
+          <a:bodyPr vert="horz" wrap="square" lIns="0" tIns="0" rIns="0" bIns="0" rtlCol="0" anchor="ctr"/>
+          <a:lstStyle/>
+          <a:p>
+            <a:pPr marL="0" indent="0">
+              <a:lnSpc>
+                <a:spcPts val="1650"/>
+              </a:lnSpc>
+              <a:buNone/>
+            </a:pPr>
+            <a:r>
+              <a:rPr lang="zh-CN" altLang="en-US" sz="1050" dirty="0">
+                <a:solidFill>
+                  <a:srgbClr val="666666"/>
+                </a:solidFill>
+                <a:latin typeface="微软雅黑" panose="020B0503020204020204" pitchFamily="34" charset="-122"/>
+                <a:ea typeface="微软雅黑" panose="020B0503020204020204" pitchFamily="34" charset="-122"/>
+                <a:cs typeface="微软雅黑" panose="020B0503020204020204" pitchFamily="34" charset="-120"/>
+              </a:rPr>
+              <a:t>收支记录：记录企业的所有收入和支出情况，支持分类统计。</a:t>
+            </a:r>
+            <a:endParaRPr lang="zh-CN" altLang="en-US" sz="1050" dirty="0">
+              <a:solidFill>
+                <a:srgbClr val="666666"/>
+              </a:solidFill>
+              <a:latin typeface="微软雅黑" panose="020B0503020204020204" pitchFamily="34" charset="-122"/>
+              <a:ea typeface="微软雅黑" panose="020B0503020204020204" pitchFamily="34" charset="-122"/>
+              <a:cs typeface="微软雅黑" panose="020B0503020204020204" pitchFamily="34" charset="-120"/>
+            </a:endParaRPr>
+          </a:p>
+          <a:p>
+            <a:pPr marL="0" indent="0">
+              <a:lnSpc>
+                <a:spcPts val="1650"/>
+              </a:lnSpc>
+              <a:buNone/>
+            </a:pPr>
+            <a:r>
+              <a:rPr lang="zh-CN" altLang="en-US" sz="1050" dirty="0">
+                <a:solidFill>
+                  <a:srgbClr val="666666"/>
+                </a:solidFill>
+                <a:latin typeface="微软雅黑" panose="020B0503020204020204" pitchFamily="34" charset="-122"/>
+                <a:ea typeface="微软雅黑" panose="020B0503020204020204" pitchFamily="34" charset="-122"/>
+                <a:cs typeface="微软雅黑" panose="020B0503020204020204" pitchFamily="34" charset="-120"/>
+              </a:rPr>
+              <a:t>发票管理：管理发票的开具、接收和存储。</a:t>
+            </a:r>
+            <a:endParaRPr lang="zh-CN" altLang="en-US" sz="1050" dirty="0">
+              <a:solidFill>
+                <a:srgbClr val="666666"/>
+              </a:solidFill>
+              <a:latin typeface="微软雅黑" panose="020B0503020204020204" pitchFamily="34" charset="-122"/>
+              <a:ea typeface="微软雅黑" panose="020B0503020204020204" pitchFamily="34" charset="-122"/>
+              <a:cs typeface="微软雅黑" panose="020B0503020204020204" pitchFamily="34" charset="-120"/>
+            </a:endParaRPr>
+          </a:p>
+          <a:p>
+            <a:pPr marL="0" indent="0">
+              <a:lnSpc>
+                <a:spcPts val="1650"/>
+              </a:lnSpc>
+              <a:buNone/>
+            </a:pPr>
+            <a:r>
+              <a:rPr lang="zh-CN" altLang="en-US" sz="1050" dirty="0">
+                <a:solidFill>
+                  <a:srgbClr val="666666"/>
+                </a:solidFill>
+                <a:latin typeface="微软雅黑" panose="020B0503020204020204" pitchFamily="34" charset="-122"/>
+                <a:ea typeface="微软雅黑" panose="020B0503020204020204" pitchFamily="34" charset="-122"/>
+                <a:cs typeface="微软雅黑" panose="020B0503020204020204" pitchFamily="34" charset="-120"/>
+              </a:rPr>
+              <a:t>费用报销：处理员工的费用报销申请，审核并记录报销信息。</a:t>
+            </a:r>
+            <a:endParaRPr lang="zh-CN" altLang="en-US" sz="1050" dirty="0">
+              <a:solidFill>
+                <a:srgbClr val="666666"/>
+              </a:solidFill>
+              <a:latin typeface="微软雅黑" panose="020B0503020204020204" pitchFamily="34" charset="-122"/>
+              <a:ea typeface="微软雅黑" panose="020B0503020204020204" pitchFamily="34" charset="-122"/>
+              <a:cs typeface="微软雅黑" panose="020B0503020204020204" pitchFamily="34" charset="-120"/>
+            </a:endParaRPr>
+          </a:p>
+          <a:p>
+            <a:pPr marL="0" indent="0">
+              <a:lnSpc>
+                <a:spcPts val="1650"/>
+              </a:lnSpc>
+              <a:buNone/>
+            </a:pPr>
+            <a:r>
+              <a:rPr lang="zh-CN" altLang="en-US" sz="1050" dirty="0">
+                <a:solidFill>
+                  <a:srgbClr val="666666"/>
+                </a:solidFill>
+                <a:latin typeface="微软雅黑" panose="020B0503020204020204" pitchFamily="34" charset="-122"/>
+                <a:ea typeface="微软雅黑" panose="020B0503020204020204" pitchFamily="34" charset="-122"/>
+                <a:cs typeface="微软雅黑" panose="020B0503020204020204" pitchFamily="34" charset="-120"/>
+              </a:rPr>
+              <a:t>财务报表：生成各类财务报表，如利润表、资产负债表等。</a:t>
+            </a:r>
+            <a:endParaRPr lang="zh-CN" altLang="en-US" sz="1050" dirty="0">
+              <a:solidFill>
+                <a:srgbClr val="666666"/>
+              </a:solidFill>
+              <a:latin typeface="微软雅黑" panose="020B0503020204020204" pitchFamily="34" charset="-122"/>
+              <a:ea typeface="微软雅黑" panose="020B0503020204020204" pitchFamily="34" charset="-122"/>
+              <a:cs typeface="微软雅黑" panose="020B0503020204020204" pitchFamily="34" charset="-120"/>
+            </a:endParaRPr>
+          </a:p>
+          <a:p>
+            <a:pPr marL="0" indent="0">
+              <a:lnSpc>
+                <a:spcPts val="1650"/>
+              </a:lnSpc>
+              <a:buNone/>
+            </a:pPr>
+            <a:r>
+              <a:rPr lang="zh-CN" altLang="en-US" sz="1050" dirty="0">
+                <a:solidFill>
+                  <a:srgbClr val="666666"/>
+                </a:solidFill>
+                <a:latin typeface="微软雅黑" panose="020B0503020204020204" pitchFamily="34" charset="-122"/>
+                <a:ea typeface="微软雅黑" panose="020B0503020204020204" pitchFamily="34" charset="-122"/>
+                <a:cs typeface="微软雅黑" panose="020B0503020204020204" pitchFamily="34" charset="-120"/>
+              </a:rPr>
+              <a:t>成本控制：监控企业的各项成本，提出成本优化建议。</a:t>
+            </a:r>
+            <a:endParaRPr lang="en-US" sz="1050" dirty="0"/>
+          </a:p>
+        </p:txBody>
+      </p:sp>
+    </p:spTree>
+  </p:cSld>
+  <p:clrMapOvr>
+    <a:masterClrMapping/>
+  </p:clrMapOvr>
+</p:sld>
+</file>
+
+<file path=ppt/slides/slide15.xml><?xml version="1.0" encoding="utf-8"?>
+<p:sld xmlns:a="http://schemas.openxmlformats.org/drawingml/2006/main" xmlns:r="http://schemas.openxmlformats.org/officeDocument/2006/relationships" xmlns:p="http://schemas.openxmlformats.org/presentationml/2006/main">
+  <p:cSld>
+    <p:spTree>
+      <p:nvGrpSpPr>
+        <p:cNvPr id="1" name=""/>
+        <p:cNvGrpSpPr/>
+        <p:nvPr/>
+      </p:nvGrpSpPr>
+      <p:grpSpPr>
+        <a:xfrm>
+          <a:off x="0" y="0"/>
+          <a:ext cx="0" cy="0"/>
+          <a:chOff x="0" y="0"/>
+          <a:chExt cx="0" cy="0"/>
+        </a:xfrm>
+      </p:grpSpPr>
+      <p:pic>
+        <p:nvPicPr>
+          <p:cNvPr id="3" name="Image 0" descr="preencoded.png"/>
+          <p:cNvPicPr>
+            <a:picLocks noChangeAspect="1"/>
+          </p:cNvPicPr>
+          <p:nvPr/>
+        </p:nvPicPr>
+        <p:blipFill>
+          <a:blip r:embed="rId1"/>
+          <a:srcRect/>
+          <a:stretch>
+            <a:fillRect/>
+          </a:stretch>
+        </p:blipFill>
+        <p:spPr>
+          <a:xfrm>
+            <a:off x="0" y="0"/>
+            <a:ext cx="9144000" cy="1333500"/>
+          </a:xfrm>
+          <a:prstGeom prst="rect">
+            <a:avLst/>
+          </a:prstGeom>
+        </p:spPr>
+      </p:pic>
+      <p:sp>
+        <p:nvSpPr>
+          <p:cNvPr id="4" name="Text 1"/>
+          <p:cNvSpPr/>
+          <p:nvPr/>
+        </p:nvSpPr>
+        <p:spPr>
+          <a:xfrm>
+            <a:off x="571500" y="285750"/>
+            <a:ext cx="8001000" cy="400050"/>
+          </a:xfrm>
+          <a:prstGeom prst="rect">
+            <a:avLst/>
+          </a:prstGeom>
+          <a:noFill/>
+        </p:spPr>
+        <p:txBody>
+          <a:bodyPr vert="horz" wrap="square" lIns="0" tIns="0" rIns="0" bIns="0" rtlCol="0" anchor="ctr"/>
+          <a:lstStyle/>
+          <a:p>
+            <a:pPr marL="0" indent="0" algn="l">
+              <a:lnSpc>
+                <a:spcPts val="3150"/>
+              </a:lnSpc>
+              <a:buNone/>
+            </a:pPr>
+            <a:r>
+              <a:rPr lang="zh-CN" altLang="en-US" sz="2250" b="1" dirty="0">
+                <a:solidFill>
+                  <a:srgbClr val="333333"/>
+                </a:solidFill>
+                <a:latin typeface="微软雅黑" panose="020B0503020204020204" pitchFamily="34" charset="-122"/>
+                <a:ea typeface="微软雅黑" panose="020B0503020204020204" pitchFamily="34" charset="-122"/>
+                <a:cs typeface="微软雅黑" panose="020B0503020204020204" pitchFamily="34" charset="-120"/>
+              </a:rPr>
+              <a:t>微服务设计</a:t>
+            </a:r>
+            <a:endParaRPr lang="en-US" sz="2250" dirty="0"/>
+          </a:p>
+        </p:txBody>
+      </p:sp>
+      <p:sp>
+        <p:nvSpPr>
+          <p:cNvPr id="5" name="Text 2"/>
+          <p:cNvSpPr/>
+          <p:nvPr/>
+        </p:nvSpPr>
+        <p:spPr>
+          <a:xfrm>
+            <a:off x="571500" y="742950"/>
+            <a:ext cx="8001000" cy="209550"/>
+          </a:xfrm>
+          <a:prstGeom prst="rect">
+            <a:avLst/>
+          </a:prstGeom>
+          <a:noFill/>
+        </p:spPr>
+        <p:txBody>
+          <a:bodyPr vert="horz" wrap="square" lIns="0" tIns="0" rIns="0" bIns="0" rtlCol="0" anchor="ctr"/>
+          <a:lstStyle/>
+          <a:p>
+            <a:pPr marL="0" indent="0" algn="l">
+              <a:lnSpc>
+                <a:spcPts val="1650"/>
+              </a:lnSpc>
+              <a:buNone/>
+            </a:pPr>
+            <a:endParaRPr lang="en-US" sz="1200" dirty="0"/>
+          </a:p>
+        </p:txBody>
+      </p:sp>
+      <p:sp>
+        <p:nvSpPr>
+          <p:cNvPr id="6" name="Text 3"/>
+          <p:cNvSpPr/>
+          <p:nvPr/>
+        </p:nvSpPr>
+        <p:spPr>
+          <a:xfrm>
+            <a:off x="488950" y="1619250"/>
+            <a:ext cx="2514600" cy="209550"/>
+          </a:xfrm>
+          <a:prstGeom prst="rect">
+            <a:avLst/>
+          </a:prstGeom>
+          <a:noFill/>
+        </p:spPr>
+        <p:txBody>
+          <a:bodyPr vert="horz" wrap="square" lIns="0" tIns="0" rIns="0" bIns="0" rtlCol="0" anchor="ctr"/>
+          <a:lstStyle/>
+          <a:p>
+            <a:pPr marL="0" indent="0">
+              <a:lnSpc>
+                <a:spcPts val="1650"/>
+              </a:lnSpc>
+              <a:buNone/>
+            </a:pPr>
+            <a:r>
+              <a:rPr lang="en-US" sz="1200" b="1" dirty="0">
+                <a:solidFill>
+                  <a:srgbClr val="333333"/>
+                </a:solidFill>
+                <a:latin typeface="微软雅黑" panose="020B0503020204020204" pitchFamily="34" charset="-122"/>
+                <a:ea typeface="微软雅黑" panose="020B0503020204020204" pitchFamily="34" charset="-122"/>
+                <a:cs typeface="微软雅黑" panose="020B0503020204020204" pitchFamily="34" charset="-120"/>
+              </a:rPr>
+              <a:t>Inventory Management Service</a:t>
+            </a:r>
+            <a:endParaRPr lang="en-US" sz="1200" dirty="0"/>
+          </a:p>
+        </p:txBody>
+      </p:sp>
+      <p:sp>
+        <p:nvSpPr>
+          <p:cNvPr id="7" name="Text 4"/>
+          <p:cNvSpPr/>
+          <p:nvPr/>
+        </p:nvSpPr>
+        <p:spPr>
+          <a:xfrm>
+            <a:off x="488950" y="1866899"/>
+            <a:ext cx="4794250" cy="1624012"/>
+          </a:xfrm>
+          <a:prstGeom prst="rect">
+            <a:avLst/>
+          </a:prstGeom>
+          <a:noFill/>
+        </p:spPr>
+        <p:txBody>
+          <a:bodyPr vert="horz" wrap="square" lIns="0" tIns="0" rIns="0" bIns="0" rtlCol="0" anchor="ctr"/>
+          <a:lstStyle/>
+          <a:p>
+            <a:pPr marL="0" indent="0">
+              <a:lnSpc>
+                <a:spcPts val="1650"/>
+              </a:lnSpc>
+              <a:buNone/>
+            </a:pPr>
+            <a:r>
+              <a:rPr lang="zh-CN" altLang="en-US" sz="1050" dirty="0">
+                <a:solidFill>
+                  <a:srgbClr val="666666"/>
+                </a:solidFill>
+                <a:latin typeface="微软雅黑" panose="020B0503020204020204" pitchFamily="34" charset="-122"/>
+                <a:ea typeface="微软雅黑" panose="020B0503020204020204" pitchFamily="34" charset="-122"/>
+                <a:cs typeface="微软雅黑" panose="020B0503020204020204" pitchFamily="34" charset="-120"/>
+              </a:rPr>
+              <a:t>商品信息管理：录入商品的基本信息，如名称、描述、供应商、成本价、销售价等。</a:t>
+            </a:r>
+            <a:endParaRPr lang="zh-CN" altLang="en-US" sz="1050" dirty="0">
+              <a:solidFill>
+                <a:srgbClr val="666666"/>
+              </a:solidFill>
+              <a:latin typeface="微软雅黑" panose="020B0503020204020204" pitchFamily="34" charset="-122"/>
+              <a:ea typeface="微软雅黑" panose="020B0503020204020204" pitchFamily="34" charset="-122"/>
+              <a:cs typeface="微软雅黑" panose="020B0503020204020204" pitchFamily="34" charset="-120"/>
+            </a:endParaRPr>
+          </a:p>
+          <a:p>
+            <a:pPr marL="0" indent="0">
+              <a:lnSpc>
+                <a:spcPts val="1650"/>
+              </a:lnSpc>
+              <a:buNone/>
+            </a:pPr>
+            <a:r>
+              <a:rPr lang="zh-CN" altLang="en-US" sz="1050" dirty="0">
+                <a:solidFill>
+                  <a:srgbClr val="666666"/>
+                </a:solidFill>
+                <a:latin typeface="微软雅黑" panose="020B0503020204020204" pitchFamily="34" charset="-122"/>
+                <a:ea typeface="微软雅黑" panose="020B0503020204020204" pitchFamily="34" charset="-122"/>
+                <a:cs typeface="微软雅黑" panose="020B0503020204020204" pitchFamily="34" charset="-120"/>
+              </a:rPr>
+              <a:t>商品分类：按类别组织商品，方便查找和管理。</a:t>
+            </a:r>
+            <a:endParaRPr lang="zh-CN" altLang="en-US" sz="1050" dirty="0">
+              <a:solidFill>
+                <a:srgbClr val="666666"/>
+              </a:solidFill>
+              <a:latin typeface="微软雅黑" panose="020B0503020204020204" pitchFamily="34" charset="-122"/>
+              <a:ea typeface="微软雅黑" panose="020B0503020204020204" pitchFamily="34" charset="-122"/>
+              <a:cs typeface="微软雅黑" panose="020B0503020204020204" pitchFamily="34" charset="-120"/>
+            </a:endParaRPr>
+          </a:p>
+          <a:p>
+            <a:pPr marL="0" indent="0">
+              <a:lnSpc>
+                <a:spcPts val="1650"/>
+              </a:lnSpc>
+              <a:buNone/>
+            </a:pPr>
+            <a:r>
+              <a:rPr lang="zh-CN" altLang="en-US" sz="1050" dirty="0">
+                <a:solidFill>
+                  <a:srgbClr val="666666"/>
+                </a:solidFill>
+                <a:latin typeface="微软雅黑" panose="020B0503020204020204" pitchFamily="34" charset="-122"/>
+                <a:ea typeface="微软雅黑" panose="020B0503020204020204" pitchFamily="34" charset="-122"/>
+                <a:cs typeface="微软雅黑" panose="020B0503020204020204" pitchFamily="34" charset="-120"/>
+              </a:rPr>
+              <a:t>入库操作：记录商品入库的信息，包括数量、日期、供应商等。</a:t>
+            </a:r>
+            <a:endParaRPr lang="zh-CN" altLang="en-US" sz="1050" dirty="0">
+              <a:solidFill>
+                <a:srgbClr val="666666"/>
+              </a:solidFill>
+              <a:latin typeface="微软雅黑" panose="020B0503020204020204" pitchFamily="34" charset="-122"/>
+              <a:ea typeface="微软雅黑" panose="020B0503020204020204" pitchFamily="34" charset="-122"/>
+              <a:cs typeface="微软雅黑" panose="020B0503020204020204" pitchFamily="34" charset="-120"/>
+            </a:endParaRPr>
+          </a:p>
+          <a:p>
+            <a:pPr marL="0" indent="0">
+              <a:lnSpc>
+                <a:spcPts val="1650"/>
+              </a:lnSpc>
+              <a:buNone/>
+            </a:pPr>
+            <a:r>
+              <a:rPr lang="zh-CN" altLang="en-US" sz="1050" dirty="0">
+                <a:solidFill>
+                  <a:srgbClr val="666666"/>
+                </a:solidFill>
+                <a:latin typeface="微软雅黑" panose="020B0503020204020204" pitchFamily="34" charset="-122"/>
+                <a:ea typeface="微软雅黑" panose="020B0503020204020204" pitchFamily="34" charset="-122"/>
+                <a:cs typeface="微软雅黑" panose="020B0503020204020204" pitchFamily="34" charset="-120"/>
+              </a:rPr>
+              <a:t>出库操作：记录商品出库的信息，如数量、日期、去向等。</a:t>
+            </a:r>
+            <a:endParaRPr lang="zh-CN" altLang="en-US" sz="1050" dirty="0">
+              <a:solidFill>
+                <a:srgbClr val="666666"/>
+              </a:solidFill>
+              <a:latin typeface="微软雅黑" panose="020B0503020204020204" pitchFamily="34" charset="-122"/>
+              <a:ea typeface="微软雅黑" panose="020B0503020204020204" pitchFamily="34" charset="-122"/>
+              <a:cs typeface="微软雅黑" panose="020B0503020204020204" pitchFamily="34" charset="-120"/>
+            </a:endParaRPr>
+          </a:p>
+          <a:p>
+            <a:pPr marL="0" indent="0">
+              <a:lnSpc>
+                <a:spcPts val="1650"/>
+              </a:lnSpc>
+              <a:buNone/>
+            </a:pPr>
+            <a:r>
+              <a:rPr lang="zh-CN" altLang="en-US" sz="1050" dirty="0">
+                <a:solidFill>
+                  <a:srgbClr val="666666"/>
+                </a:solidFill>
+                <a:latin typeface="微软雅黑" panose="020B0503020204020204" pitchFamily="34" charset="-122"/>
+                <a:ea typeface="微软雅黑" panose="020B0503020204020204" pitchFamily="34" charset="-122"/>
+                <a:cs typeface="微软雅黑" panose="020B0503020204020204" pitchFamily="34" charset="-120"/>
+              </a:rPr>
+              <a:t>库存查询：提供实时库存查询功能，支持按条件筛选。</a:t>
+            </a:r>
+            <a:endParaRPr lang="zh-CN" altLang="en-US" sz="1050" dirty="0">
+              <a:solidFill>
+                <a:srgbClr val="666666"/>
+              </a:solidFill>
+              <a:latin typeface="微软雅黑" panose="020B0503020204020204" pitchFamily="34" charset="-122"/>
+              <a:ea typeface="微软雅黑" panose="020B0503020204020204" pitchFamily="34" charset="-122"/>
+              <a:cs typeface="微软雅黑" panose="020B0503020204020204" pitchFamily="34" charset="-120"/>
+            </a:endParaRPr>
+          </a:p>
+          <a:p>
+            <a:pPr marL="0" indent="0">
+              <a:lnSpc>
+                <a:spcPts val="1650"/>
+              </a:lnSpc>
+              <a:buNone/>
+            </a:pPr>
+            <a:r>
+              <a:rPr lang="zh-CN" altLang="en-US" sz="1050" dirty="0">
+                <a:solidFill>
+                  <a:srgbClr val="666666"/>
+                </a:solidFill>
+                <a:latin typeface="微软雅黑" panose="020B0503020204020204" pitchFamily="34" charset="-122"/>
+                <a:ea typeface="微软雅黑" panose="020B0503020204020204" pitchFamily="34" charset="-122"/>
+                <a:cs typeface="微软雅黑" panose="020B0503020204020204" pitchFamily="34" charset="-120"/>
+              </a:rPr>
+              <a:t>库存预警：设置库存上下限，当库存量低于或高于设定值时自动发出警告。</a:t>
+            </a:r>
+            <a:endParaRPr lang="en-US" sz="1050" dirty="0"/>
+          </a:p>
+        </p:txBody>
+      </p:sp>
+      <p:sp>
+        <p:nvSpPr>
+          <p:cNvPr id="14" name="文本框 13"/>
+          <p:cNvSpPr txBox="1"/>
+          <p:nvPr/>
+        </p:nvSpPr>
+        <p:spPr>
+          <a:xfrm>
+            <a:off x="5368925" y="478393"/>
+            <a:ext cx="3584575" cy="369332"/>
+          </a:xfrm>
+          <a:prstGeom prst="rect">
+            <a:avLst/>
+          </a:prstGeom>
+          <a:noFill/>
+        </p:spPr>
+        <p:txBody>
+          <a:bodyPr wrap="square" rtlCol="0">
+            <a:spAutoFit/>
+          </a:bodyPr>
+          <a:lstStyle/>
+          <a:p>
+            <a:r>
+              <a:rPr lang="zh-CN" altLang="en-US" dirty="0"/>
+              <a:t>拟采用的微服务框架：</a:t>
+            </a:r>
+            <a:r>
+              <a:rPr lang="en-US" altLang="zh-CN" dirty="0" err="1"/>
+              <a:t>springcloud</a:t>
+            </a:r>
+            <a:endParaRPr lang="en-US" altLang="zh-CN" dirty="0"/>
+          </a:p>
+        </p:txBody>
+      </p:sp>
+      <p:sp>
+        <p:nvSpPr>
+          <p:cNvPr id="18" name="Text 3"/>
           <p:cNvSpPr/>
           <p:nvPr/>
         </p:nvSpPr>
@@ -4232,7 +4075,6 @@
             <a:avLst/>
           </a:prstGeom>
           <a:noFill/>
-          <a:ln/>
         </p:spPr>
         <p:txBody>
           <a:bodyPr vert="horz" wrap="square" lIns="0" tIns="0" rIns="0" bIns="0" rtlCol="0" anchor="ctr"/>
@@ -4249,9 +4091,9 @@
                 <a:solidFill>
                   <a:srgbClr val="333333"/>
                 </a:solidFill>
-                <a:latin typeface="Microsoft YaHei" pitchFamily="34" charset="0"/>
-                <a:ea typeface="Microsoft YaHei" pitchFamily="34" charset="-122"/>
-                <a:cs typeface="Microsoft YaHei" pitchFamily="34" charset="-120"/>
+                <a:latin typeface="微软雅黑" panose="020B0503020204020204" pitchFamily="34" charset="-122"/>
+                <a:ea typeface="微软雅黑" panose="020B0503020204020204" pitchFamily="34" charset="-122"/>
+                <a:cs typeface="微软雅黑" panose="020B0503020204020204" pitchFamily="34" charset="-120"/>
               </a:rPr>
               <a:t>Order Processing Service</a:t>
             </a:r>
@@ -4261,13 +4103,7 @@
       </p:sp>
       <p:sp>
         <p:nvSpPr>
-          <p:cNvPr id="19" name="Text 4">
-            <a:extLst>
-              <a:ext uri="{FF2B5EF4-FFF2-40B4-BE49-F238E27FC236}">
-                <a16:creationId xmlns:a16="http://schemas.microsoft.com/office/drawing/2014/main" id="{7A1A6453-B677-2466-F592-3361578221C2}"/>
-              </a:ext>
-            </a:extLst>
-          </p:cNvPr>
+          <p:cNvPr id="19" name="Text 4"/>
           <p:cNvSpPr/>
           <p:nvPr/>
         </p:nvSpPr>
@@ -4280,7 +4116,6 @@
             <a:avLst/>
           </a:prstGeom>
           <a:noFill/>
-          <a:ln/>
         </p:spPr>
         <p:txBody>
           <a:bodyPr vert="horz" wrap="square" lIns="0" tIns="0" rIns="0" bIns="0" rtlCol="0" anchor="ctr"/>
@@ -4297,12 +4132,20 @@
                 <a:solidFill>
                   <a:srgbClr val="666666"/>
                 </a:solidFill>
-                <a:latin typeface="Microsoft YaHei" pitchFamily="34" charset="0"/>
-                <a:ea typeface="Microsoft YaHei" pitchFamily="34" charset="-122"/>
-                <a:cs typeface="Microsoft YaHei" pitchFamily="34" charset="-120"/>
+                <a:latin typeface="微软雅黑" panose="020B0503020204020204" pitchFamily="34" charset="-122"/>
+                <a:ea typeface="微软雅黑" panose="020B0503020204020204" pitchFamily="34" charset="-122"/>
+                <a:cs typeface="微软雅黑" panose="020B0503020204020204" pitchFamily="34" charset="-120"/>
               </a:rPr>
               <a:t>用户注册：允许新用户注册账户，需要输入用户名、密码、邮箱等基本信息。</a:t>
             </a:r>
+            <a:endParaRPr lang="zh-CN" altLang="en-US" sz="1050" dirty="0">
+              <a:solidFill>
+                <a:srgbClr val="666666"/>
+              </a:solidFill>
+              <a:latin typeface="微软雅黑" panose="020B0503020204020204" pitchFamily="34" charset="-122"/>
+              <a:ea typeface="微软雅黑" panose="020B0503020204020204" pitchFamily="34" charset="-122"/>
+              <a:cs typeface="微软雅黑" panose="020B0503020204020204" pitchFamily="34" charset="-120"/>
+            </a:endParaRPr>
           </a:p>
           <a:p>
             <a:pPr marL="0" indent="0">
@@ -4316,12 +4159,20 @@
                 <a:solidFill>
                   <a:srgbClr val="666666"/>
                 </a:solidFill>
-                <a:latin typeface="Microsoft YaHei" pitchFamily="34" charset="0"/>
-                <a:ea typeface="Microsoft YaHei" pitchFamily="34" charset="-122"/>
-                <a:cs typeface="Microsoft YaHei" pitchFamily="34" charset="-120"/>
+                <a:latin typeface="微软雅黑" panose="020B0503020204020204" pitchFamily="34" charset="-122"/>
+                <a:ea typeface="微软雅黑" panose="020B0503020204020204" pitchFamily="34" charset="-122"/>
+                <a:cs typeface="微软雅黑" panose="020B0503020204020204" pitchFamily="34" charset="-120"/>
               </a:rPr>
               <a:t>用户登录：支持用户通过用户名和密码登录系统。</a:t>
             </a:r>
+            <a:endParaRPr lang="zh-CN" altLang="en-US" sz="1050" dirty="0">
+              <a:solidFill>
+                <a:srgbClr val="666666"/>
+              </a:solidFill>
+              <a:latin typeface="微软雅黑" panose="020B0503020204020204" pitchFamily="34" charset="-122"/>
+              <a:ea typeface="微软雅黑" panose="020B0503020204020204" pitchFamily="34" charset="-122"/>
+              <a:cs typeface="微软雅黑" panose="020B0503020204020204" pitchFamily="34" charset="-120"/>
+            </a:endParaRPr>
           </a:p>
           <a:p>
             <a:pPr marL="0" indent="0">
@@ -4335,12 +4186,20 @@
                 <a:solidFill>
                   <a:srgbClr val="666666"/>
                 </a:solidFill>
-                <a:latin typeface="Microsoft YaHei" pitchFamily="34" charset="0"/>
-                <a:ea typeface="Microsoft YaHei" pitchFamily="34" charset="-122"/>
-                <a:cs typeface="Microsoft YaHei" pitchFamily="34" charset="-120"/>
+                <a:latin typeface="微软雅黑" panose="020B0503020204020204" pitchFamily="34" charset="-122"/>
+                <a:ea typeface="微软雅黑" panose="020B0503020204020204" pitchFamily="34" charset="-122"/>
+                <a:cs typeface="微软雅黑" panose="020B0503020204020204" pitchFamily="34" charset="-120"/>
               </a:rPr>
               <a:t>密码找回与重置：提供忘记密码功能，通过邮箱验证后可以重设密码。</a:t>
             </a:r>
+            <a:endParaRPr lang="zh-CN" altLang="en-US" sz="1050" dirty="0">
+              <a:solidFill>
+                <a:srgbClr val="666666"/>
+              </a:solidFill>
+              <a:latin typeface="微软雅黑" panose="020B0503020204020204" pitchFamily="34" charset="-122"/>
+              <a:ea typeface="微软雅黑" panose="020B0503020204020204" pitchFamily="34" charset="-122"/>
+              <a:cs typeface="微软雅黑" panose="020B0503020204020204" pitchFamily="34" charset="-120"/>
+            </a:endParaRPr>
           </a:p>
           <a:p>
             <a:pPr marL="0" indent="0">
@@ -4354,12 +4213,20 @@
                 <a:solidFill>
                   <a:srgbClr val="666666"/>
                 </a:solidFill>
-                <a:latin typeface="Microsoft YaHei" pitchFamily="34" charset="0"/>
-                <a:ea typeface="Microsoft YaHei" pitchFamily="34" charset="-122"/>
-                <a:cs typeface="Microsoft YaHei" pitchFamily="34" charset="-120"/>
+                <a:latin typeface="微软雅黑" panose="020B0503020204020204" pitchFamily="34" charset="-122"/>
+                <a:ea typeface="微软雅黑" panose="020B0503020204020204" pitchFamily="34" charset="-122"/>
+                <a:cs typeface="微软雅黑" panose="020B0503020204020204" pitchFamily="34" charset="-120"/>
               </a:rPr>
               <a:t>权限管理：定义不同角色（如管理员、普通用户等），并分配相应的权限。</a:t>
             </a:r>
+            <a:endParaRPr lang="zh-CN" altLang="en-US" sz="1050" dirty="0">
+              <a:solidFill>
+                <a:srgbClr val="666666"/>
+              </a:solidFill>
+              <a:latin typeface="微软雅黑" panose="020B0503020204020204" pitchFamily="34" charset="-122"/>
+              <a:ea typeface="微软雅黑" panose="020B0503020204020204" pitchFamily="34" charset="-122"/>
+              <a:cs typeface="微软雅黑" panose="020B0503020204020204" pitchFamily="34" charset="-120"/>
+            </a:endParaRPr>
           </a:p>
           <a:p>
             <a:pPr marL="0" indent="0">
@@ -4373,9 +4240,9 @@
                 <a:solidFill>
                   <a:srgbClr val="666666"/>
                 </a:solidFill>
-                <a:latin typeface="Microsoft YaHei" pitchFamily="34" charset="0"/>
-                <a:ea typeface="Microsoft YaHei" pitchFamily="34" charset="-122"/>
-                <a:cs typeface="Microsoft YaHei" pitchFamily="34" charset="-120"/>
+                <a:latin typeface="微软雅黑" panose="020B0503020204020204" pitchFamily="34" charset="-122"/>
+                <a:ea typeface="微软雅黑" panose="020B0503020204020204" pitchFamily="34" charset="-122"/>
+                <a:cs typeface="微软雅黑" panose="020B0503020204020204" pitchFamily="34" charset="-120"/>
               </a:rPr>
               <a:t>用户信息管理：允许用户查看和编辑个人资料。</a:t>
             </a:r>
@@ -4393,7 +4260,7 @@
 
 <file path=ppt/slides/slide16.xml><?xml version="1.0" encoding="utf-8"?>
 <p:sld xmlns:a="http://schemas.openxmlformats.org/drawingml/2006/main" xmlns:r="http://schemas.openxmlformats.org/officeDocument/2006/relationships" xmlns:p="http://schemas.openxmlformats.org/presentationml/2006/main">
-  <p:cSld name="Slide 15">
+  <p:cSld>
     <p:spTree>
       <p:nvGrpSpPr>
         <p:cNvPr id="1" name=""/>
@@ -4417,9 +4284,11 @@
           <p:nvPr/>
         </p:nvPicPr>
         <p:blipFill>
-          <a:blip r:embed="rId3"/>
+          <a:blip r:embed="rId1"/>
           <a:srcRect/>
-          <a:stretch/>
+          <a:stretch>
+            <a:fillRect/>
+          </a:stretch>
         </p:blipFill>
         <p:spPr>
           <a:xfrm>
@@ -4446,7 +4315,6 @@
             <a:avLst/>
           </a:prstGeom>
           <a:noFill/>
-          <a:ln/>
         </p:spPr>
         <p:txBody>
           <a:bodyPr vert="horz" wrap="square" lIns="0" tIns="0" rIns="0" bIns="0" rtlCol="0" anchor="ctr"/>
@@ -4463,9 +4331,9 @@
                 <a:solidFill>
                   <a:srgbClr val="333333"/>
                 </a:solidFill>
-                <a:latin typeface="Microsoft YaHei" pitchFamily="34" charset="0"/>
-                <a:ea typeface="Microsoft YaHei" pitchFamily="34" charset="-122"/>
-                <a:cs typeface="Microsoft YaHei" pitchFamily="34" charset="-120"/>
+                <a:latin typeface="微软雅黑" panose="020B0503020204020204" pitchFamily="34" charset="-122"/>
+                <a:ea typeface="微软雅黑" panose="020B0503020204020204" pitchFamily="34" charset="-122"/>
+                <a:cs typeface="微软雅黑" panose="020B0503020204020204" pitchFamily="34" charset="-120"/>
               </a:rPr>
               <a:t>开放服务接入</a:t>
             </a:r>
@@ -4492,7 +4360,6 @@
               <a:alpha val="30000"/>
             </a:srgbClr>
           </a:solidFill>
-          <a:ln/>
         </p:spPr>
       </p:sp>
       <p:sp>
@@ -4510,7 +4377,6 @@
             <a:avLst/>
           </a:prstGeom>
           <a:noFill/>
-          <a:ln/>
         </p:spPr>
         <p:txBody>
           <a:bodyPr vert="horz" wrap="square" lIns="0" tIns="0" rIns="0" bIns="0" rtlCol="0" anchor="ctr"/>
@@ -4541,7 +4407,6 @@
             <a:avLst/>
           </a:prstGeom>
           <a:noFill/>
-          <a:ln/>
         </p:spPr>
         <p:txBody>
           <a:bodyPr vert="horz" wrap="square" lIns="0" tIns="0" rIns="0" bIns="0" rtlCol="0" anchor="ctr"/>
@@ -4560,9 +4425,9 @@
                     <a:alpha val="70000"/>
                   </a:srgbClr>
                 </a:solidFill>
-                <a:latin typeface="Microsoft YaHei" pitchFamily="34" charset="0"/>
-                <a:ea typeface="Microsoft YaHei" pitchFamily="34" charset="-122"/>
-                <a:cs typeface="Microsoft YaHei" pitchFamily="34" charset="-120"/>
+                <a:latin typeface="微软雅黑" panose="020B0503020204020204" pitchFamily="34" charset="-122"/>
+                <a:ea typeface="微软雅黑" panose="020B0503020204020204" pitchFamily="34" charset="-122"/>
+                <a:cs typeface="微软雅黑" panose="020B0503020204020204" pitchFamily="34" charset="-120"/>
               </a:rPr>
               <a:t>05</a:t>
             </a:r>
@@ -4580,7 +4445,7 @@
 
 <file path=ppt/slides/slide17.xml><?xml version="1.0" encoding="utf-8"?>
 <p:sld xmlns:a="http://schemas.openxmlformats.org/drawingml/2006/main" xmlns:r="http://schemas.openxmlformats.org/officeDocument/2006/relationships" xmlns:p="http://schemas.openxmlformats.org/presentationml/2006/main">
-  <p:cSld name="Slide 14">
+  <p:cSld>
     <p:spTree>
       <p:nvGrpSpPr>
         <p:cNvPr id="1" name=""/>
@@ -4604,9 +4469,11 @@
           <p:nvPr/>
         </p:nvPicPr>
         <p:blipFill>
-          <a:blip r:embed="rId3"/>
+          <a:blip r:embed="rId1"/>
           <a:srcRect/>
-          <a:stretch/>
+          <a:stretch>
+            <a:fillRect/>
+          </a:stretch>
         </p:blipFill>
         <p:spPr>
           <a:xfrm>
@@ -4633,7 +4500,6 @@
             <a:avLst/>
           </a:prstGeom>
           <a:noFill/>
-          <a:ln/>
         </p:spPr>
         <p:txBody>
           <a:bodyPr vert="horz" wrap="square" lIns="0" tIns="0" rIns="0" bIns="0" rtlCol="0" anchor="ctr"/>
@@ -4650,12 +4516,20 @@
                 <a:solidFill>
                   <a:srgbClr val="333333"/>
                 </a:solidFill>
-                <a:latin typeface="Microsoft YaHei" pitchFamily="34" charset="0"/>
-                <a:ea typeface="Microsoft YaHei" pitchFamily="34" charset="-122"/>
-                <a:cs typeface="Microsoft YaHei" pitchFamily="34" charset="-120"/>
+                <a:latin typeface="微软雅黑" panose="020B0503020204020204" pitchFamily="34" charset="-122"/>
+                <a:ea typeface="微软雅黑" panose="020B0503020204020204" pitchFamily="34" charset="-122"/>
+                <a:cs typeface="微软雅黑" panose="020B0503020204020204" pitchFamily="34" charset="-120"/>
               </a:rPr>
               <a:t>开放服务接入</a:t>
             </a:r>
+            <a:endParaRPr lang="zh-CN" altLang="en-US" sz="2250" b="1" dirty="0">
+              <a:solidFill>
+                <a:srgbClr val="333333"/>
+              </a:solidFill>
+              <a:latin typeface="微软雅黑" panose="020B0503020204020204" pitchFamily="34" charset="-122"/>
+              <a:ea typeface="微软雅黑" panose="020B0503020204020204" pitchFamily="34" charset="-122"/>
+              <a:cs typeface="微软雅黑" panose="020B0503020204020204" pitchFamily="34" charset="-120"/>
+            </a:endParaRPr>
           </a:p>
         </p:txBody>
       </p:sp>
@@ -4674,7 +4548,6 @@
             <a:avLst/>
           </a:prstGeom>
           <a:noFill/>
-          <a:ln/>
         </p:spPr>
         <p:txBody>
           <a:bodyPr vert="horz" wrap="square" lIns="0" tIns="0" rIns="0" bIns="0" rtlCol="0" anchor="ctr"/>
@@ -4705,7 +4578,6 @@
             <a:avLst/>
           </a:prstGeom>
           <a:noFill/>
-          <a:ln/>
         </p:spPr>
         <p:txBody>
           <a:bodyPr vert="horz" wrap="square" lIns="0" tIns="0" rIns="0" bIns="0" rtlCol="0" anchor="ctr"/>
@@ -4722,9 +4594,9 @@
                 <a:solidFill>
                   <a:srgbClr val="333333"/>
                 </a:solidFill>
-                <a:latin typeface="Microsoft YaHei" pitchFamily="34" charset="0"/>
-                <a:ea typeface="Microsoft YaHei" pitchFamily="34" charset="-122"/>
-                <a:cs typeface="Microsoft YaHei" pitchFamily="34" charset="-120"/>
+                <a:latin typeface="微软雅黑" panose="020B0503020204020204" pitchFamily="34" charset="-122"/>
+                <a:ea typeface="微软雅黑" panose="020B0503020204020204" pitchFamily="34" charset="-122"/>
+                <a:cs typeface="微软雅黑" panose="020B0503020204020204" pitchFamily="34" charset="-120"/>
               </a:rPr>
               <a:t>Nacos</a:t>
             </a:r>
@@ -4747,7 +4619,6 @@
             <a:avLst/>
           </a:prstGeom>
           <a:noFill/>
-          <a:ln/>
         </p:spPr>
         <p:txBody>
           <a:bodyPr vert="horz" wrap="square" lIns="0" tIns="0" rIns="0" bIns="0" rtlCol="0" anchor="ctr"/>
@@ -4764,9 +4635,9 @@
                 <a:solidFill>
                   <a:srgbClr val="666666"/>
                 </a:solidFill>
-                <a:latin typeface="Microsoft YaHei" pitchFamily="34" charset="0"/>
-                <a:ea typeface="Microsoft YaHei" pitchFamily="34" charset="-122"/>
-                <a:cs typeface="Microsoft YaHei" pitchFamily="34" charset="-120"/>
+                <a:latin typeface="微软雅黑" panose="020B0503020204020204" pitchFamily="34" charset="-122"/>
+                <a:ea typeface="微软雅黑" panose="020B0503020204020204" pitchFamily="34" charset="-122"/>
+                <a:cs typeface="微软雅黑" panose="020B0503020204020204" pitchFamily="34" charset="-120"/>
               </a:rPr>
               <a:t>服务发现与配置管理</a:t>
             </a:r>
@@ -4776,13 +4647,7 @@
       </p:sp>
       <p:sp>
         <p:nvSpPr>
-          <p:cNvPr id="21" name="Text 3">
-            <a:extLst>
-              <a:ext uri="{FF2B5EF4-FFF2-40B4-BE49-F238E27FC236}">
-                <a16:creationId xmlns:a16="http://schemas.microsoft.com/office/drawing/2014/main" id="{63C84B83-B622-2A44-9B91-61F14975E663}"/>
-              </a:ext>
-            </a:extLst>
-          </p:cNvPr>
+          <p:cNvPr id="21" name="Text 3"/>
           <p:cNvSpPr/>
           <p:nvPr/>
         </p:nvSpPr>
@@ -4795,7 +4660,6 @@
             <a:avLst/>
           </a:prstGeom>
           <a:noFill/>
-          <a:ln/>
         </p:spPr>
         <p:txBody>
           <a:bodyPr vert="horz" wrap="square" lIns="0" tIns="0" rIns="0" bIns="0" rtlCol="0" anchor="ctr"/>
@@ -4812,9 +4676,9 @@
                 <a:solidFill>
                   <a:srgbClr val="333333"/>
                 </a:solidFill>
-                <a:latin typeface="Microsoft YaHei" pitchFamily="34" charset="0"/>
-                <a:ea typeface="Microsoft YaHei" pitchFamily="34" charset="-122"/>
-                <a:cs typeface="Microsoft YaHei" pitchFamily="34" charset="-120"/>
+                <a:latin typeface="微软雅黑" panose="020B0503020204020204" pitchFamily="34" charset="-122"/>
+                <a:ea typeface="微软雅黑" panose="020B0503020204020204" pitchFamily="34" charset="-122"/>
+                <a:cs typeface="微软雅黑" panose="020B0503020204020204" pitchFamily="34" charset="-120"/>
               </a:rPr>
               <a:t>Redis</a:t>
             </a:r>
@@ -4824,13 +4688,7 @@
       </p:sp>
       <p:sp>
         <p:nvSpPr>
-          <p:cNvPr id="22" name="Text 4">
-            <a:extLst>
-              <a:ext uri="{FF2B5EF4-FFF2-40B4-BE49-F238E27FC236}">
-                <a16:creationId xmlns:a16="http://schemas.microsoft.com/office/drawing/2014/main" id="{E17497CE-388D-D00C-2F0E-29D3A48182D2}"/>
-              </a:ext>
-            </a:extLst>
-          </p:cNvPr>
+          <p:cNvPr id="22" name="Text 4"/>
           <p:cNvSpPr/>
           <p:nvPr/>
         </p:nvSpPr>
@@ -4843,7 +4701,6 @@
             <a:avLst/>
           </a:prstGeom>
           <a:noFill/>
-          <a:ln/>
         </p:spPr>
         <p:txBody>
           <a:bodyPr vert="horz" wrap="square" lIns="0" tIns="0" rIns="0" bIns="0" rtlCol="0" anchor="ctr"/>
@@ -4860,24 +4717,26 @@
                 <a:solidFill>
                   <a:srgbClr val="666666"/>
                 </a:solidFill>
-                <a:latin typeface="Microsoft YaHei" pitchFamily="34" charset="0"/>
-                <a:ea typeface="Microsoft YaHei" pitchFamily="34" charset="-122"/>
-                <a:cs typeface="Microsoft YaHei" pitchFamily="34" charset="-120"/>
+                <a:latin typeface="微软雅黑" panose="020B0503020204020204" pitchFamily="34" charset="-122"/>
+                <a:ea typeface="微软雅黑" panose="020B0503020204020204" pitchFamily="34" charset="-122"/>
+                <a:cs typeface="微软雅黑" panose="020B0503020204020204" pitchFamily="34" charset="-120"/>
               </a:rPr>
               <a:t>内存数据存储（键值数据库）</a:t>
             </a:r>
-          </a:p>
-        </p:txBody>
-      </p:sp>
-      <p:sp>
-        <p:nvSpPr>
-          <p:cNvPr id="23" name="Text 3">
-            <a:extLst>
-              <a:ext uri="{FF2B5EF4-FFF2-40B4-BE49-F238E27FC236}">
-                <a16:creationId xmlns:a16="http://schemas.microsoft.com/office/drawing/2014/main" id="{A74D49BC-7D37-C375-54DB-27EDDD3B3964}"/>
-              </a:ext>
-            </a:extLst>
-          </p:cNvPr>
+            <a:endParaRPr lang="zh-CN" altLang="en-US" sz="1050" dirty="0">
+              <a:solidFill>
+                <a:srgbClr val="666666"/>
+              </a:solidFill>
+              <a:latin typeface="微软雅黑" panose="020B0503020204020204" pitchFamily="34" charset="-122"/>
+              <a:ea typeface="微软雅黑" panose="020B0503020204020204" pitchFamily="34" charset="-122"/>
+              <a:cs typeface="微软雅黑" panose="020B0503020204020204" pitchFamily="34" charset="-120"/>
+            </a:endParaRPr>
+          </a:p>
+        </p:txBody>
+      </p:sp>
+      <p:sp>
+        <p:nvSpPr>
+          <p:cNvPr id="23" name="Text 3"/>
           <p:cNvSpPr/>
           <p:nvPr/>
         </p:nvSpPr>
@@ -4890,7 +4749,6 @@
             <a:avLst/>
           </a:prstGeom>
           <a:noFill/>
-          <a:ln/>
         </p:spPr>
         <p:txBody>
           <a:bodyPr vert="horz" wrap="square" lIns="0" tIns="0" rIns="0" bIns="0" rtlCol="0" anchor="ctr"/>
@@ -4906,9 +4764,9 @@
                 <a:solidFill>
                   <a:srgbClr val="333333"/>
                 </a:solidFill>
-                <a:latin typeface="Microsoft YaHei" pitchFamily="34" charset="0"/>
-                <a:ea typeface="Microsoft YaHei" pitchFamily="34" charset="-122"/>
-                <a:cs typeface="Microsoft YaHei" pitchFamily="34" charset="-120"/>
+                <a:latin typeface="微软雅黑" panose="020B0503020204020204" pitchFamily="34" charset="-122"/>
+                <a:ea typeface="微软雅黑" panose="020B0503020204020204" pitchFamily="34" charset="-122"/>
+                <a:cs typeface="微软雅黑" panose="020B0503020204020204" pitchFamily="34" charset="-120"/>
               </a:rPr>
               <a:t>Elasticsearch</a:t>
             </a:r>
@@ -4918,13 +4776,7 @@
       </p:sp>
       <p:sp>
         <p:nvSpPr>
-          <p:cNvPr id="24" name="Text 4">
-            <a:extLst>
-              <a:ext uri="{FF2B5EF4-FFF2-40B4-BE49-F238E27FC236}">
-                <a16:creationId xmlns:a16="http://schemas.microsoft.com/office/drawing/2014/main" id="{59E70C08-ED83-953F-904F-7B3A3BE3EE25}"/>
-              </a:ext>
-            </a:extLst>
-          </p:cNvPr>
+          <p:cNvPr id="24" name="Text 4"/>
           <p:cNvSpPr/>
           <p:nvPr/>
         </p:nvSpPr>
@@ -4937,7 +4789,6 @@
             <a:avLst/>
           </a:prstGeom>
           <a:noFill/>
-          <a:ln/>
         </p:spPr>
         <p:txBody>
           <a:bodyPr vert="horz" wrap="square" lIns="0" tIns="0" rIns="0" bIns="0" rtlCol="0" anchor="ctr"/>
@@ -4954,9 +4805,9 @@
                 <a:solidFill>
                   <a:srgbClr val="666666"/>
                 </a:solidFill>
-                <a:latin typeface="Microsoft YaHei" pitchFamily="34" charset="0"/>
-                <a:ea typeface="Microsoft YaHei" pitchFamily="34" charset="-122"/>
-                <a:cs typeface="Microsoft YaHei" pitchFamily="34" charset="-120"/>
+                <a:latin typeface="微软雅黑" panose="020B0503020204020204" pitchFamily="34" charset="-122"/>
+                <a:ea typeface="微软雅黑" panose="020B0503020204020204" pitchFamily="34" charset="-122"/>
+                <a:cs typeface="微软雅黑" panose="020B0503020204020204" pitchFamily="34" charset="-120"/>
               </a:rPr>
               <a:t>分布式搜索引擎</a:t>
             </a:r>
@@ -4966,13 +4817,7 @@
       </p:sp>
       <p:sp>
         <p:nvSpPr>
-          <p:cNvPr id="25" name="Text 3">
-            <a:extLst>
-              <a:ext uri="{FF2B5EF4-FFF2-40B4-BE49-F238E27FC236}">
-                <a16:creationId xmlns:a16="http://schemas.microsoft.com/office/drawing/2014/main" id="{75AE1049-AC43-400A-36AE-25B81D2E61E4}"/>
-              </a:ext>
-            </a:extLst>
-          </p:cNvPr>
+          <p:cNvPr id="25" name="Text 3"/>
           <p:cNvSpPr/>
           <p:nvPr/>
         </p:nvSpPr>
@@ -4985,7 +4830,6 @@
             <a:avLst/>
           </a:prstGeom>
           <a:noFill/>
-          <a:ln/>
         </p:spPr>
         <p:txBody>
           <a:bodyPr vert="horz" wrap="square" lIns="0" tIns="0" rIns="0" bIns="0" rtlCol="0" anchor="ctr"/>
@@ -5002,9 +4846,9 @@
                 <a:solidFill>
                   <a:srgbClr val="333333"/>
                 </a:solidFill>
-                <a:latin typeface="Microsoft YaHei" pitchFamily="34" charset="0"/>
-                <a:ea typeface="Microsoft YaHei" pitchFamily="34" charset="-122"/>
-                <a:cs typeface="Microsoft YaHei" pitchFamily="34" charset="-120"/>
+                <a:latin typeface="微软雅黑" panose="020B0503020204020204" pitchFamily="34" charset="-122"/>
+                <a:ea typeface="微软雅黑" panose="020B0503020204020204" pitchFamily="34" charset="-122"/>
+                <a:cs typeface="微软雅黑" panose="020B0503020204020204" pitchFamily="34" charset="-120"/>
               </a:rPr>
               <a:t>RabbitMQ</a:t>
             </a:r>
@@ -5014,13 +4858,7 @@
       </p:sp>
       <p:sp>
         <p:nvSpPr>
-          <p:cNvPr id="26" name="Text 4">
-            <a:extLst>
-              <a:ext uri="{FF2B5EF4-FFF2-40B4-BE49-F238E27FC236}">
-                <a16:creationId xmlns:a16="http://schemas.microsoft.com/office/drawing/2014/main" id="{78AACC9D-4012-5E92-D55F-36AE8F68FECF}"/>
-              </a:ext>
-            </a:extLst>
-          </p:cNvPr>
+          <p:cNvPr id="26" name="Text 4"/>
           <p:cNvSpPr/>
           <p:nvPr/>
         </p:nvSpPr>
@@ -5033,7 +4871,6 @@
             <a:avLst/>
           </a:prstGeom>
           <a:noFill/>
-          <a:ln/>
         </p:spPr>
         <p:txBody>
           <a:bodyPr vert="horz" wrap="square" lIns="0" tIns="0" rIns="0" bIns="0" rtlCol="0" anchor="ctr"/>
@@ -5050,9 +4887,9 @@
                 <a:solidFill>
                   <a:srgbClr val="666666"/>
                 </a:solidFill>
-                <a:latin typeface="Microsoft YaHei" pitchFamily="34" charset="0"/>
-                <a:ea typeface="Microsoft YaHei" pitchFamily="34" charset="-122"/>
-                <a:cs typeface="Microsoft YaHei" pitchFamily="34" charset="-120"/>
+                <a:latin typeface="微软雅黑" panose="020B0503020204020204" pitchFamily="34" charset="-122"/>
+                <a:ea typeface="微软雅黑" panose="020B0503020204020204" pitchFamily="34" charset="-122"/>
+                <a:cs typeface="微软雅黑" panose="020B0503020204020204" pitchFamily="34" charset="-120"/>
               </a:rPr>
               <a:t>消息中间件</a:t>
             </a:r>
@@ -5062,13 +4899,7 @@
       </p:sp>
       <p:sp>
         <p:nvSpPr>
-          <p:cNvPr id="27" name="Text 3">
-            <a:extLst>
-              <a:ext uri="{FF2B5EF4-FFF2-40B4-BE49-F238E27FC236}">
-                <a16:creationId xmlns:a16="http://schemas.microsoft.com/office/drawing/2014/main" id="{D76255C5-BC32-F0A1-2DBC-8605B186D441}"/>
-              </a:ext>
-            </a:extLst>
-          </p:cNvPr>
+          <p:cNvPr id="27" name="Text 3"/>
           <p:cNvSpPr/>
           <p:nvPr/>
         </p:nvSpPr>
@@ -5081,7 +4912,6 @@
             <a:avLst/>
           </a:prstGeom>
           <a:noFill/>
-          <a:ln/>
         </p:spPr>
         <p:txBody>
           <a:bodyPr vert="horz" wrap="square" lIns="0" tIns="0" rIns="0" bIns="0" rtlCol="0" anchor="ctr"/>
@@ -5098,9 +4928,9 @@
                 <a:solidFill>
                   <a:srgbClr val="333333"/>
                 </a:solidFill>
-                <a:latin typeface="Microsoft YaHei" pitchFamily="34" charset="0"/>
-                <a:ea typeface="Microsoft YaHei" pitchFamily="34" charset="-122"/>
-                <a:cs typeface="Microsoft YaHei" pitchFamily="34" charset="-120"/>
+                <a:latin typeface="微软雅黑" panose="020B0503020204020204" pitchFamily="34" charset="-122"/>
+                <a:ea typeface="微软雅黑" panose="020B0503020204020204" pitchFamily="34" charset="-122"/>
+                <a:cs typeface="微软雅黑" panose="020B0503020204020204" pitchFamily="34" charset="-120"/>
               </a:rPr>
               <a:t>MySQL</a:t>
             </a:r>
@@ -5110,13 +4940,7 @@
       </p:sp>
       <p:sp>
         <p:nvSpPr>
-          <p:cNvPr id="28" name="Text 4">
-            <a:extLst>
-              <a:ext uri="{FF2B5EF4-FFF2-40B4-BE49-F238E27FC236}">
-                <a16:creationId xmlns:a16="http://schemas.microsoft.com/office/drawing/2014/main" id="{2ED5031A-A5BC-BECC-CADD-1525FBA62770}"/>
-              </a:ext>
-            </a:extLst>
-          </p:cNvPr>
+          <p:cNvPr id="28" name="Text 4"/>
           <p:cNvSpPr/>
           <p:nvPr/>
         </p:nvSpPr>
@@ -5129,7 +4953,6 @@
             <a:avLst/>
           </a:prstGeom>
           <a:noFill/>
-          <a:ln/>
         </p:spPr>
         <p:txBody>
           <a:bodyPr vert="horz" wrap="square" lIns="0" tIns="0" rIns="0" bIns="0" rtlCol="0" anchor="ctr"/>
@@ -5146,24 +4969,26 @@
                 <a:solidFill>
                   <a:srgbClr val="666666"/>
                 </a:solidFill>
-                <a:latin typeface="Microsoft YaHei" pitchFamily="34" charset="0"/>
-                <a:ea typeface="Microsoft YaHei" pitchFamily="34" charset="-122"/>
-                <a:cs typeface="Microsoft YaHei" pitchFamily="34" charset="-120"/>
+                <a:latin typeface="微软雅黑" panose="020B0503020204020204" pitchFamily="34" charset="-122"/>
+                <a:ea typeface="微软雅黑" panose="020B0503020204020204" pitchFamily="34" charset="-122"/>
+                <a:cs typeface="微软雅黑" panose="020B0503020204020204" pitchFamily="34" charset="-120"/>
               </a:rPr>
               <a:t>关系型数据库</a:t>
             </a:r>
-          </a:p>
-        </p:txBody>
-      </p:sp>
-      <p:sp>
-        <p:nvSpPr>
-          <p:cNvPr id="29" name="Text 3">
-            <a:extLst>
-              <a:ext uri="{FF2B5EF4-FFF2-40B4-BE49-F238E27FC236}">
-                <a16:creationId xmlns:a16="http://schemas.microsoft.com/office/drawing/2014/main" id="{5465661E-5616-666B-730B-2234A5EF87BD}"/>
-              </a:ext>
-            </a:extLst>
-          </p:cNvPr>
+            <a:endParaRPr lang="zh-CN" altLang="en-US" sz="1050" dirty="0">
+              <a:solidFill>
+                <a:srgbClr val="666666"/>
+              </a:solidFill>
+              <a:latin typeface="微软雅黑" panose="020B0503020204020204" pitchFamily="34" charset="-122"/>
+              <a:ea typeface="微软雅黑" panose="020B0503020204020204" pitchFamily="34" charset="-122"/>
+              <a:cs typeface="微软雅黑" panose="020B0503020204020204" pitchFamily="34" charset="-120"/>
+            </a:endParaRPr>
+          </a:p>
+        </p:txBody>
+      </p:sp>
+      <p:sp>
+        <p:nvSpPr>
+          <p:cNvPr id="29" name="Text 3"/>
           <p:cNvSpPr/>
           <p:nvPr/>
         </p:nvSpPr>
@@ -5176,7 +5001,6 @@
             <a:avLst/>
           </a:prstGeom>
           <a:noFill/>
-          <a:ln/>
         </p:spPr>
         <p:txBody>
           <a:bodyPr vert="horz" wrap="square" lIns="0" tIns="0" rIns="0" bIns="0" rtlCol="0" anchor="ctr"/>
@@ -5193,9 +5017,9 @@
                 <a:solidFill>
                   <a:srgbClr val="333333"/>
                 </a:solidFill>
-                <a:latin typeface="Microsoft YaHei" pitchFamily="34" charset="0"/>
-                <a:ea typeface="Microsoft YaHei" pitchFamily="34" charset="-122"/>
-                <a:cs typeface="Microsoft YaHei" pitchFamily="34" charset="-120"/>
+                <a:latin typeface="微软雅黑" panose="020B0503020204020204" pitchFamily="34" charset="-122"/>
+                <a:ea typeface="微软雅黑" panose="020B0503020204020204" pitchFamily="34" charset="-122"/>
+                <a:cs typeface="微软雅黑" panose="020B0503020204020204" pitchFamily="34" charset="-120"/>
               </a:rPr>
               <a:t>MinIO</a:t>
             </a:r>
@@ -5205,13 +5029,7 @@
       </p:sp>
       <p:sp>
         <p:nvSpPr>
-          <p:cNvPr id="30" name="Text 4">
-            <a:extLst>
-              <a:ext uri="{FF2B5EF4-FFF2-40B4-BE49-F238E27FC236}">
-                <a16:creationId xmlns:a16="http://schemas.microsoft.com/office/drawing/2014/main" id="{F37AA43B-EA9B-C294-83A1-5188DE8DD06C}"/>
-              </a:ext>
-            </a:extLst>
-          </p:cNvPr>
+          <p:cNvPr id="30" name="Text 4"/>
           <p:cNvSpPr/>
           <p:nvPr/>
         </p:nvSpPr>
@@ -5224,7 +5042,6 @@
             <a:avLst/>
           </a:prstGeom>
           <a:noFill/>
-          <a:ln/>
         </p:spPr>
         <p:txBody>
           <a:bodyPr vert="horz" wrap="square" lIns="0" tIns="0" rIns="0" bIns="0" rtlCol="0" anchor="ctr"/>
@@ -5241,9 +5058,9 @@
                 <a:solidFill>
                   <a:srgbClr val="666666"/>
                 </a:solidFill>
-                <a:latin typeface="Microsoft YaHei" pitchFamily="34" charset="0"/>
-                <a:ea typeface="Microsoft YaHei" pitchFamily="34" charset="-122"/>
-                <a:cs typeface="Microsoft YaHei" pitchFamily="34" charset="-120"/>
+                <a:latin typeface="微软雅黑" panose="020B0503020204020204" pitchFamily="34" charset="-122"/>
+                <a:ea typeface="微软雅黑" panose="020B0503020204020204" pitchFamily="34" charset="-122"/>
+                <a:cs typeface="微软雅黑" panose="020B0503020204020204" pitchFamily="34" charset="-120"/>
               </a:rPr>
               <a:t>对象存储</a:t>
             </a:r>
@@ -5253,13 +5070,7 @@
       </p:sp>
       <p:sp>
         <p:nvSpPr>
-          <p:cNvPr id="31" name="Text 3">
-            <a:extLst>
-              <a:ext uri="{FF2B5EF4-FFF2-40B4-BE49-F238E27FC236}">
-                <a16:creationId xmlns:a16="http://schemas.microsoft.com/office/drawing/2014/main" id="{FE5A50F8-34F1-B291-6C0A-1C0AF27ED631}"/>
-              </a:ext>
-            </a:extLst>
-          </p:cNvPr>
+          <p:cNvPr id="31" name="Text 3"/>
           <p:cNvSpPr/>
           <p:nvPr/>
         </p:nvSpPr>
@@ -5272,7 +5083,6 @@
             <a:avLst/>
           </a:prstGeom>
           <a:noFill/>
-          <a:ln/>
         </p:spPr>
         <p:txBody>
           <a:bodyPr vert="horz" wrap="square" lIns="0" tIns="0" rIns="0" bIns="0" rtlCol="0" anchor="ctr"/>
@@ -5289,9 +5099,9 @@
                 <a:solidFill>
                   <a:srgbClr val="333333"/>
                 </a:solidFill>
-                <a:latin typeface="Microsoft YaHei" pitchFamily="34" charset="0"/>
-                <a:ea typeface="Microsoft YaHei" pitchFamily="34" charset="-122"/>
-                <a:cs typeface="Microsoft YaHei" pitchFamily="34" charset="-120"/>
+                <a:latin typeface="微软雅黑" panose="020B0503020204020204" pitchFamily="34" charset="-122"/>
+                <a:ea typeface="微软雅黑" panose="020B0503020204020204" pitchFamily="34" charset="-122"/>
+                <a:cs typeface="微软雅黑" panose="020B0503020204020204" pitchFamily="34" charset="-120"/>
               </a:rPr>
               <a:t>Spring Cloud Gateway</a:t>
             </a:r>
@@ -5301,13 +5111,7 @@
       </p:sp>
       <p:sp>
         <p:nvSpPr>
-          <p:cNvPr id="32" name="Text 4">
-            <a:extLst>
-              <a:ext uri="{FF2B5EF4-FFF2-40B4-BE49-F238E27FC236}">
-                <a16:creationId xmlns:a16="http://schemas.microsoft.com/office/drawing/2014/main" id="{09DB7374-6B4E-C888-C3FB-B98A201D1049}"/>
-              </a:ext>
-            </a:extLst>
-          </p:cNvPr>
+          <p:cNvPr id="32" name="Text 4"/>
           <p:cNvSpPr/>
           <p:nvPr/>
         </p:nvSpPr>
@@ -5320,7 +5124,6 @@
             <a:avLst/>
           </a:prstGeom>
           <a:noFill/>
-          <a:ln/>
         </p:spPr>
         <p:txBody>
           <a:bodyPr vert="horz" wrap="square" lIns="0" tIns="0" rIns="0" bIns="0" rtlCol="0" anchor="ctr"/>
@@ -5337,9 +5140,9 @@
                 <a:solidFill>
                   <a:srgbClr val="666666"/>
                 </a:solidFill>
-                <a:latin typeface="Microsoft YaHei" pitchFamily="34" charset="0"/>
-                <a:ea typeface="Microsoft YaHei" pitchFamily="34" charset="-122"/>
-                <a:cs typeface="Microsoft YaHei" pitchFamily="34" charset="-120"/>
+                <a:latin typeface="微软雅黑" panose="020B0503020204020204" pitchFamily="34" charset="-122"/>
+                <a:ea typeface="微软雅黑" panose="020B0503020204020204" pitchFamily="34" charset="-122"/>
+                <a:cs typeface="微软雅黑" panose="020B0503020204020204" pitchFamily="34" charset="-120"/>
               </a:rPr>
               <a:t>API </a:t>
             </a:r>
@@ -5348,24 +5151,26 @@
                 <a:solidFill>
                   <a:srgbClr val="666666"/>
                 </a:solidFill>
-                <a:latin typeface="Microsoft YaHei" pitchFamily="34" charset="0"/>
-                <a:ea typeface="Microsoft YaHei" pitchFamily="34" charset="-122"/>
-                <a:cs typeface="Microsoft YaHei" pitchFamily="34" charset="-120"/>
+                <a:latin typeface="微软雅黑" panose="020B0503020204020204" pitchFamily="34" charset="-122"/>
+                <a:ea typeface="微软雅黑" panose="020B0503020204020204" pitchFamily="34" charset="-122"/>
+                <a:cs typeface="微软雅黑" panose="020B0503020204020204" pitchFamily="34" charset="-120"/>
               </a:rPr>
               <a:t>网关</a:t>
             </a:r>
-          </a:p>
-        </p:txBody>
-      </p:sp>
-      <p:sp>
-        <p:nvSpPr>
-          <p:cNvPr id="33" name="Text 3">
-            <a:extLst>
-              <a:ext uri="{FF2B5EF4-FFF2-40B4-BE49-F238E27FC236}">
-                <a16:creationId xmlns:a16="http://schemas.microsoft.com/office/drawing/2014/main" id="{B4121FED-D4EE-89DE-AEE0-D2FA42190D72}"/>
-              </a:ext>
-            </a:extLst>
-          </p:cNvPr>
+            <a:endParaRPr lang="zh-CN" altLang="en-US" sz="1050" dirty="0">
+              <a:solidFill>
+                <a:srgbClr val="666666"/>
+              </a:solidFill>
+              <a:latin typeface="微软雅黑" panose="020B0503020204020204" pitchFamily="34" charset="-122"/>
+              <a:ea typeface="微软雅黑" panose="020B0503020204020204" pitchFamily="34" charset="-122"/>
+              <a:cs typeface="微软雅黑" panose="020B0503020204020204" pitchFamily="34" charset="-120"/>
+            </a:endParaRPr>
+          </a:p>
+        </p:txBody>
+      </p:sp>
+      <p:sp>
+        <p:nvSpPr>
+          <p:cNvPr id="33" name="Text 3"/>
           <p:cNvSpPr/>
           <p:nvPr/>
         </p:nvSpPr>
@@ -5378,7 +5183,6 @@
             <a:avLst/>
           </a:prstGeom>
           <a:noFill/>
-          <a:ln/>
         </p:spPr>
         <p:txBody>
           <a:bodyPr vert="horz" wrap="square" lIns="0" tIns="0" rIns="0" bIns="0" rtlCol="0" anchor="ctr"/>
@@ -5395,9 +5199,9 @@
                 <a:solidFill>
                   <a:srgbClr val="333333"/>
                 </a:solidFill>
-                <a:latin typeface="Microsoft YaHei" pitchFamily="34" charset="0"/>
-                <a:ea typeface="Microsoft YaHei" pitchFamily="34" charset="-122"/>
-                <a:cs typeface="Microsoft YaHei" pitchFamily="34" charset="-120"/>
+                <a:latin typeface="微软雅黑" panose="020B0503020204020204" pitchFamily="34" charset="-122"/>
+                <a:ea typeface="微软雅黑" panose="020B0503020204020204" pitchFamily="34" charset="-122"/>
+                <a:cs typeface="微软雅黑" panose="020B0503020204020204" pitchFamily="34" charset="-120"/>
               </a:rPr>
               <a:t>Sa-Token</a:t>
             </a:r>
@@ -5407,13 +5211,7 @@
       </p:sp>
       <p:sp>
         <p:nvSpPr>
-          <p:cNvPr id="34" name="Text 4">
-            <a:extLst>
-              <a:ext uri="{FF2B5EF4-FFF2-40B4-BE49-F238E27FC236}">
-                <a16:creationId xmlns:a16="http://schemas.microsoft.com/office/drawing/2014/main" id="{6DF9C043-6FDC-398E-06B1-51D972C9CB6A}"/>
-              </a:ext>
-            </a:extLst>
-          </p:cNvPr>
+          <p:cNvPr id="34" name="Text 4"/>
           <p:cNvSpPr/>
           <p:nvPr/>
         </p:nvSpPr>
@@ -5426,7 +5224,6 @@
             <a:avLst/>
           </a:prstGeom>
           <a:noFill/>
-          <a:ln/>
         </p:spPr>
         <p:txBody>
           <a:bodyPr vert="horz" wrap="square" lIns="0" tIns="0" rIns="0" bIns="0" rtlCol="0" anchor="ctr"/>
@@ -5443,9 +5240,9 @@
                 <a:solidFill>
                   <a:srgbClr val="666666"/>
                 </a:solidFill>
-                <a:latin typeface="Microsoft YaHei" pitchFamily="34" charset="0"/>
-                <a:ea typeface="Microsoft YaHei" pitchFamily="34" charset="-122"/>
-                <a:cs typeface="Microsoft YaHei" pitchFamily="34" charset="-120"/>
+                <a:latin typeface="微软雅黑" panose="020B0503020204020204" pitchFamily="34" charset="-122"/>
+                <a:ea typeface="微软雅黑" panose="020B0503020204020204" pitchFamily="34" charset="-122"/>
+                <a:cs typeface="微软雅黑" panose="020B0503020204020204" pitchFamily="34" charset="-120"/>
               </a:rPr>
               <a:t>认证服务</a:t>
             </a:r>
@@ -5455,13 +5252,7 @@
       </p:sp>
       <p:sp>
         <p:nvSpPr>
-          <p:cNvPr id="35" name="Text 3">
-            <a:extLst>
-              <a:ext uri="{FF2B5EF4-FFF2-40B4-BE49-F238E27FC236}">
-                <a16:creationId xmlns:a16="http://schemas.microsoft.com/office/drawing/2014/main" id="{91BFE95A-292B-CCB5-963C-17E2DD78A9D7}"/>
-              </a:ext>
-            </a:extLst>
-          </p:cNvPr>
+          <p:cNvPr id="35" name="Text 3"/>
           <p:cNvSpPr/>
           <p:nvPr/>
         </p:nvSpPr>
@@ -5474,7 +5265,6 @@
             <a:avLst/>
           </a:prstGeom>
           <a:noFill/>
-          <a:ln/>
         </p:spPr>
         <p:txBody>
           <a:bodyPr vert="horz" wrap="square" lIns="0" tIns="0" rIns="0" bIns="0" rtlCol="0" anchor="ctr"/>
@@ -5491,9 +5281,9 @@
                 <a:solidFill>
                   <a:srgbClr val="333333"/>
                 </a:solidFill>
-                <a:latin typeface="Microsoft YaHei" pitchFamily="34" charset="0"/>
-                <a:ea typeface="Microsoft YaHei" pitchFamily="34" charset="-122"/>
-                <a:cs typeface="Microsoft YaHei" pitchFamily="34" charset="-120"/>
+                <a:latin typeface="微软雅黑" panose="020B0503020204020204" pitchFamily="34" charset="-122"/>
+                <a:ea typeface="微软雅黑" panose="020B0503020204020204" pitchFamily="34" charset="-122"/>
+                <a:cs typeface="微软雅黑" panose="020B0503020204020204" pitchFamily="34" charset="-120"/>
               </a:rPr>
               <a:t>……</a:t>
             </a:r>
@@ -5511,7 +5301,7 @@
 
 <file path=ppt/slides/slide18.xml><?xml version="1.0" encoding="utf-8"?>
 <p:sld xmlns:a="http://schemas.openxmlformats.org/drawingml/2006/main" xmlns:r="http://schemas.openxmlformats.org/officeDocument/2006/relationships" xmlns:p="http://schemas.openxmlformats.org/presentationml/2006/main">
-  <p:cSld name="Slide 18">
+  <p:cSld>
     <p:spTree>
       <p:nvGrpSpPr>
         <p:cNvPr id="1" name=""/>
@@ -5535,9 +5325,11 @@
           <p:nvPr/>
         </p:nvPicPr>
         <p:blipFill>
-          <a:blip r:embed="rId3"/>
+          <a:blip r:embed="rId1"/>
           <a:srcRect/>
-          <a:stretch/>
+          <a:stretch>
+            <a:fillRect/>
+          </a:stretch>
         </p:blipFill>
         <p:spPr>
           <a:xfrm>
@@ -5564,7 +5356,6 @@
             <a:avLst/>
           </a:prstGeom>
           <a:noFill/>
-          <a:ln/>
         </p:spPr>
         <p:txBody>
           <a:bodyPr vert="horz" wrap="square" lIns="0" tIns="0" rIns="0" bIns="0" rtlCol="0" anchor="ctr"/>
@@ -5581,9 +5372,9 @@
                 <a:solidFill>
                   <a:srgbClr val="333333"/>
                 </a:solidFill>
-                <a:latin typeface="Microsoft YaHei" pitchFamily="34" charset="0"/>
-                <a:ea typeface="Microsoft YaHei" pitchFamily="34" charset="-122"/>
-                <a:cs typeface="Microsoft YaHei" pitchFamily="34" charset="-120"/>
+                <a:latin typeface="微软雅黑" panose="020B0503020204020204" pitchFamily="34" charset="-122"/>
+                <a:ea typeface="微软雅黑" panose="020B0503020204020204" pitchFamily="34" charset="-122"/>
+                <a:cs typeface="微软雅黑" panose="020B0503020204020204" pitchFamily="34" charset="-120"/>
               </a:rPr>
               <a:t>分工与进度</a:t>
             </a:r>
@@ -5610,7 +5401,6 @@
               <a:alpha val="30000"/>
             </a:srgbClr>
           </a:solidFill>
-          <a:ln/>
         </p:spPr>
       </p:sp>
       <p:sp>
@@ -5628,7 +5418,6 @@
             <a:avLst/>
           </a:prstGeom>
           <a:noFill/>
-          <a:ln/>
         </p:spPr>
         <p:txBody>
           <a:bodyPr vert="horz" wrap="square" lIns="0" tIns="0" rIns="0" bIns="0" rtlCol="0" anchor="ctr"/>
@@ -5659,7 +5448,6 @@
             <a:avLst/>
           </a:prstGeom>
           <a:noFill/>
-          <a:ln/>
         </p:spPr>
         <p:txBody>
           <a:bodyPr vert="horz" wrap="square" lIns="0" tIns="0" rIns="0" bIns="0" rtlCol="0" anchor="ctr"/>
@@ -5678,9 +5466,9 @@
                     <a:alpha val="70000"/>
                   </a:srgbClr>
                 </a:solidFill>
-                <a:latin typeface="Microsoft YaHei" pitchFamily="34" charset="0"/>
-                <a:ea typeface="Microsoft YaHei" pitchFamily="34" charset="-122"/>
-                <a:cs typeface="Microsoft YaHei" pitchFamily="34" charset="-120"/>
+                <a:latin typeface="微软雅黑" panose="020B0503020204020204" pitchFamily="34" charset="-122"/>
+                <a:ea typeface="微软雅黑" panose="020B0503020204020204" pitchFamily="34" charset="-122"/>
+                <a:cs typeface="微软雅黑" panose="020B0503020204020204" pitchFamily="34" charset="-120"/>
               </a:rPr>
               <a:t>06</a:t>
             </a:r>
@@ -5698,7 +5486,7 @@
 
 <file path=ppt/slides/slide19.xml><?xml version="1.0" encoding="utf-8"?>
 <p:sld xmlns:a="http://schemas.openxmlformats.org/drawingml/2006/main" xmlns:r="http://schemas.openxmlformats.org/officeDocument/2006/relationships" xmlns:p="http://schemas.openxmlformats.org/presentationml/2006/main">
-  <p:cSld name="Slide 16">
+  <p:cSld>
     <p:spTree>
       <p:nvGrpSpPr>
         <p:cNvPr id="1" name=""/>
@@ -5730,7 +5518,6 @@
           <a:solidFill>
             <a:srgbClr val="FFFFFF"/>
           </a:solidFill>
-          <a:ln/>
         </p:spPr>
       </p:sp>
       <p:pic>
@@ -5742,9 +5529,11 @@
           <p:nvPr/>
         </p:nvPicPr>
         <p:blipFill>
-          <a:blip r:embed="rId3"/>
+          <a:blip r:embed="rId1"/>
           <a:srcRect/>
-          <a:stretch/>
+          <a:stretch>
+            <a:fillRect/>
+          </a:stretch>
         </p:blipFill>
         <p:spPr>
           <a:xfrm>
@@ -5771,7 +5560,6 @@
             <a:avLst/>
           </a:prstGeom>
           <a:noFill/>
-          <a:ln/>
         </p:spPr>
         <p:txBody>
           <a:bodyPr vert="horz" wrap="square" lIns="0" tIns="0" rIns="0" bIns="0" rtlCol="0" anchor="ctr"/>
@@ -5788,31 +5576,42 @@
                 <a:solidFill>
                   <a:srgbClr val="333333"/>
                 </a:solidFill>
-                <a:latin typeface="Microsoft YaHei" pitchFamily="34" charset="0"/>
-                <a:ea typeface="Microsoft YaHei" pitchFamily="34" charset="-122"/>
-                <a:cs typeface="Microsoft YaHei" pitchFamily="34" charset="-120"/>
+                <a:latin typeface="微软雅黑" panose="020B0503020204020204" pitchFamily="34" charset="-122"/>
+                <a:ea typeface="微软雅黑" panose="020B0503020204020204" pitchFamily="34" charset="-122"/>
+                <a:cs typeface="微软雅黑" panose="020B0503020204020204" pitchFamily="34" charset="-120"/>
               </a:rPr>
               <a:t>分工</a:t>
             </a:r>
-          </a:p>
-        </p:txBody>
-      </p:sp>
-      <p:sp>
-        <p:nvSpPr>
-          <p:cNvPr id="5" name="Text 2"/>
-          <p:cNvSpPr/>
-          <p:nvPr/>
-        </p:nvSpPr>
-        <p:spPr>
-          <a:xfrm>
-            <a:off x="571500" y="742950"/>
-            <a:ext cx="8001000" cy="209550"/>
-          </a:xfrm>
-          <a:prstGeom prst="rect">
-            <a:avLst/>
-          </a:prstGeom>
-          <a:noFill/>
-          <a:ln/>
+            <a:endParaRPr lang="zh-CN" altLang="en-US" sz="2250" b="1" dirty="0">
+              <a:solidFill>
+                <a:srgbClr val="333333"/>
+              </a:solidFill>
+              <a:latin typeface="微软雅黑" panose="020B0503020204020204" pitchFamily="34" charset="-122"/>
+              <a:ea typeface="微软雅黑" panose="020B0503020204020204" pitchFamily="34" charset="-122"/>
+              <a:cs typeface="微软雅黑" panose="020B0503020204020204" pitchFamily="34" charset="-120"/>
+            </a:endParaRPr>
+          </a:p>
+        </p:txBody>
+      </p:sp>
+      <p:sp>
+        <p:nvSpPr>
+          <p:cNvPr id="6" name="Text 3"/>
+          <p:cNvSpPr/>
+          <p:nvPr>
+            <p:custDataLst>
+              <p:tags r:id="rId2"/>
+            </p:custDataLst>
+          </p:nvPr>
+        </p:nvSpPr>
+        <p:spPr>
+          <a:xfrm>
+            <a:off x="452120" y="913130"/>
+            <a:ext cx="4327525" cy="844550"/>
+          </a:xfrm>
+          <a:prstGeom prst="rect">
+            <a:avLst/>
+          </a:prstGeom>
+          <a:noFill/>
         </p:spPr>
         <p:txBody>
           <a:bodyPr vert="horz" wrap="square" lIns="0" tIns="0" rIns="0" bIns="0" rtlCol="0" anchor="ctr"/>
@@ -5824,133 +5623,43 @@
               </a:lnSpc>
               <a:buNone/>
             </a:pPr>
-            <a:endParaRPr lang="en-US" sz="1200" dirty="0"/>
-          </a:p>
-        </p:txBody>
-      </p:sp>
-      <p:sp>
-        <p:nvSpPr>
-          <p:cNvPr id="6" name="Text 3"/>
-          <p:cNvSpPr/>
-          <p:nvPr/>
-        </p:nvSpPr>
-        <p:spPr>
-          <a:xfrm>
-            <a:off x="533400" y="2095500"/>
-            <a:ext cx="2336800" cy="209550"/>
-          </a:xfrm>
-          <a:prstGeom prst="rect">
-            <a:avLst/>
-          </a:prstGeom>
-          <a:noFill/>
-          <a:ln/>
-        </p:spPr>
-        <p:txBody>
-          <a:bodyPr vert="horz" wrap="square" lIns="0" tIns="0" rIns="0" bIns="0" rtlCol="0" anchor="ctr"/>
-          <a:lstStyle/>
-          <a:p>
-            <a:pPr marL="0" indent="0" algn="ctr">
-              <a:lnSpc>
-                <a:spcPts val="1650"/>
-              </a:lnSpc>
-              <a:buNone/>
-            </a:pPr>
-            <a:r>
-              <a:rPr lang="en-US" sz="1200" b="1" dirty="0">
+            <a:r>
+              <a:rPr lang="en-US" altLang="zh-CN" sz="1200" b="1" dirty="0">
                 <a:solidFill>
                   <a:srgbClr val="333333"/>
                 </a:solidFill>
-                <a:latin typeface="Microsoft YaHei" pitchFamily="34" charset="0"/>
-                <a:ea typeface="Microsoft YaHei" pitchFamily="34" charset="-122"/>
-                <a:cs typeface="Microsoft YaHei" pitchFamily="34" charset="-120"/>
-              </a:rPr>
-              <a:t>单元测试</a:t>
-            </a:r>
-            <a:endParaRPr lang="en-US" sz="1200" dirty="0"/>
-          </a:p>
-        </p:txBody>
-      </p:sp>
-      <p:sp>
-        <p:nvSpPr>
-          <p:cNvPr id="7" name="Shape 4"/>
-          <p:cNvSpPr/>
-          <p:nvPr/>
-        </p:nvSpPr>
-        <p:spPr>
-          <a:xfrm>
-            <a:off x="533400" y="2495550"/>
-            <a:ext cx="8001000" cy="19050"/>
-          </a:xfrm>
-          <a:prstGeom prst="rect">
-            <a:avLst/>
-          </a:prstGeom>
-          <a:solidFill>
-            <a:srgbClr val="5438FF"/>
-          </a:solidFill>
-          <a:ln/>
-        </p:spPr>
-      </p:sp>
-      <p:sp>
-        <p:nvSpPr>
-          <p:cNvPr id="8" name="Shape 5"/>
-          <p:cNvSpPr/>
-          <p:nvPr/>
-        </p:nvSpPr>
-        <p:spPr>
-          <a:xfrm>
-            <a:off x="1647031" y="2457450"/>
-            <a:ext cx="109538" cy="109538"/>
-          </a:xfrm>
-          <a:prstGeom prst="roundRect">
-            <a:avLst>
-              <a:gd name="adj" fmla="val 50000"/>
-            </a:avLst>
-          </a:prstGeom>
-          <a:solidFill>
-            <a:srgbClr val="5438FF"/>
-          </a:solidFill>
-          <a:ln/>
-        </p:spPr>
-      </p:sp>
-      <p:sp>
-        <p:nvSpPr>
-          <p:cNvPr id="9" name="Text 6"/>
-          <p:cNvSpPr/>
-          <p:nvPr/>
-        </p:nvSpPr>
-        <p:spPr>
-          <a:xfrm>
-            <a:off x="533400" y="2719388"/>
-            <a:ext cx="2336800" cy="419100"/>
-          </a:xfrm>
-          <a:prstGeom prst="rect">
-            <a:avLst/>
-          </a:prstGeom>
-          <a:noFill/>
-          <a:ln/>
-        </p:spPr>
-        <p:txBody>
-          <a:bodyPr vert="horz" wrap="square" lIns="0" tIns="0" rIns="0" bIns="0" rtlCol="0" anchor="ctr"/>
-          <a:lstStyle/>
-          <a:p>
-            <a:pPr marL="0" indent="0" algn="ctr">
-              <a:lnSpc>
-                <a:spcPts val="1650"/>
-              </a:lnSpc>
-              <a:buNone/>
-            </a:pPr>
-            <a:r>
-              <a:rPr lang="en-US" sz="1050" dirty="0">
-                <a:solidFill>
-                  <a:srgbClr val="666666"/>
-                </a:solidFill>
-                <a:latin typeface="Microsoft YaHei" pitchFamily="34" charset="0"/>
-                <a:ea typeface="Microsoft YaHei" pitchFamily="34" charset="-122"/>
-                <a:cs typeface="Microsoft YaHei" pitchFamily="34" charset="-120"/>
-              </a:rPr>
-              <a:t>采用JUnit和Mockito进行单元测试，确保每个模块独立功能正确无误。</a:t>
-            </a:r>
-            <a:endParaRPr lang="en-US" sz="1050" dirty="0"/>
+                <a:latin typeface="微软雅黑" panose="020B0503020204020204" pitchFamily="34" charset="-122"/>
+                <a:ea typeface="微软雅黑" panose="020B0503020204020204" pitchFamily="34" charset="-122"/>
+                <a:cs typeface="微软雅黑" panose="020B0503020204020204" pitchFamily="34" charset="-120"/>
+                <a:sym typeface="+mn-ea"/>
+              </a:rPr>
+              <a:t>·</a:t>
+            </a:r>
+            <a:r>
+              <a:rPr lang="zh-CN" altLang="en-US" sz="1200" b="1" dirty="0">
+                <a:solidFill>
+                  <a:srgbClr val="333333"/>
+                </a:solidFill>
+                <a:latin typeface="微软雅黑" panose="020B0503020204020204" pitchFamily="34" charset="-122"/>
+                <a:ea typeface="微软雅黑" panose="020B0503020204020204" pitchFamily="34" charset="-122"/>
+                <a:cs typeface="微软雅黑" panose="020B0503020204020204" pitchFamily="34" charset="-120"/>
+              </a:rPr>
+              <a:t>王嘉豪：</a:t>
+            </a:r>
+            <a:r>
+              <a:rPr lang="zh-CN" altLang="en-US" sz="1200">
+                <a:sym typeface="+mn-ea"/>
+              </a:rPr>
+              <a:t>数据库设计，单元测试，网关微服务，库存管理模块</a:t>
+            </a:r>
+            <a:endParaRPr lang="zh-CN" altLang="en-US" sz="1200" b="1" dirty="0">
+              <a:solidFill>
+                <a:srgbClr val="333333"/>
+              </a:solidFill>
+              <a:latin typeface="微软雅黑" panose="020B0503020204020204" pitchFamily="34" charset="-122"/>
+              <a:ea typeface="微软雅黑" panose="020B0503020204020204" pitchFamily="34" charset="-122"/>
+              <a:cs typeface="微软雅黑" panose="020B0503020204020204" pitchFamily="34" charset="-120"/>
+            </a:endParaRPr>
           </a:p>
         </p:txBody>
       </p:sp>
@@ -5958,105 +5667,74 @@
         <p:nvSpPr>
           <p:cNvPr id="10" name="Text 7"/>
           <p:cNvSpPr/>
-          <p:nvPr/>
-        </p:nvSpPr>
-        <p:spPr>
-          <a:xfrm>
-            <a:off x="3251200" y="2095500"/>
-            <a:ext cx="2336800" cy="209550"/>
-          </a:xfrm>
-          <a:prstGeom prst="rect">
-            <a:avLst/>
-          </a:prstGeom>
-          <a:noFill/>
-          <a:ln/>
-        </p:spPr>
-        <p:txBody>
-          <a:bodyPr vert="horz" wrap="square" lIns="0" tIns="0" rIns="0" bIns="0" rtlCol="0" anchor="ctr"/>
-          <a:lstStyle/>
-          <a:p>
-            <a:pPr marL="0" indent="0" algn="ctr">
-              <a:lnSpc>
-                <a:spcPts val="1650"/>
-              </a:lnSpc>
-              <a:buNone/>
-            </a:pPr>
-            <a:r>
-              <a:rPr lang="en-US" sz="1200" b="1" dirty="0">
+          <p:nvPr>
+            <p:custDataLst>
+              <p:tags r:id="rId3"/>
+            </p:custDataLst>
+          </p:nvPr>
+        </p:nvSpPr>
+        <p:spPr>
+          <a:xfrm>
+            <a:off x="452120" y="1696085"/>
+            <a:ext cx="4357370" cy="681355"/>
+          </a:xfrm>
+          <a:prstGeom prst="rect">
+            <a:avLst/>
+          </a:prstGeom>
+          <a:noFill/>
+        </p:spPr>
+        <p:txBody>
+          <a:bodyPr vert="horz" wrap="square" lIns="0" tIns="0" rIns="0" bIns="0" rtlCol="0" anchor="ctr"/>
+          <a:lstStyle/>
+          <a:p>
+            <a:pPr marL="0" indent="0" algn="l">
+              <a:lnSpc>
+                <a:spcPts val="1650"/>
+              </a:lnSpc>
+              <a:buNone/>
+            </a:pPr>
+            <a:r>
+              <a:rPr lang="en-US" altLang="zh-CN" sz="1200" b="1" dirty="0">
                 <a:solidFill>
                   <a:srgbClr val="333333"/>
                 </a:solidFill>
-                <a:latin typeface="Microsoft YaHei" pitchFamily="34" charset="0"/>
-                <a:ea typeface="Microsoft YaHei" pitchFamily="34" charset="-122"/>
-                <a:cs typeface="Microsoft YaHei" pitchFamily="34" charset="-120"/>
-              </a:rPr>
-              <a:t>集成测试</a:t>
-            </a:r>
-            <a:endParaRPr lang="en-US" sz="1200" dirty="0"/>
-          </a:p>
-        </p:txBody>
-      </p:sp>
-      <p:sp>
-        <p:nvSpPr>
-          <p:cNvPr id="11" name="Shape 8"/>
-          <p:cNvSpPr/>
-          <p:nvPr/>
-        </p:nvSpPr>
-        <p:spPr>
-          <a:xfrm>
-            <a:off x="4364831" y="2457450"/>
-            <a:ext cx="109538" cy="109538"/>
-          </a:xfrm>
-          <a:prstGeom prst="roundRect">
-            <a:avLst>
-              <a:gd name="adj" fmla="val 50000"/>
-            </a:avLst>
-          </a:prstGeom>
-          <a:solidFill>
-            <a:srgbClr val="5438FF"/>
-          </a:solidFill>
-          <a:ln/>
-        </p:spPr>
-      </p:sp>
-      <p:sp>
-        <p:nvSpPr>
-          <p:cNvPr id="12" name="Text 9"/>
-          <p:cNvSpPr/>
-          <p:nvPr/>
-        </p:nvSpPr>
-        <p:spPr>
-          <a:xfrm>
-            <a:off x="3251200" y="2719388"/>
-            <a:ext cx="2336800" cy="419100"/>
-          </a:xfrm>
-          <a:prstGeom prst="rect">
-            <a:avLst/>
-          </a:prstGeom>
-          <a:noFill/>
-          <a:ln/>
-        </p:spPr>
-        <p:txBody>
-          <a:bodyPr vert="horz" wrap="square" lIns="0" tIns="0" rIns="0" bIns="0" rtlCol="0" anchor="ctr"/>
-          <a:lstStyle/>
-          <a:p>
-            <a:pPr marL="0" indent="0" algn="ctr">
-              <a:lnSpc>
-                <a:spcPts val="1650"/>
-              </a:lnSpc>
-              <a:buNone/>
-            </a:pPr>
-            <a:r>
-              <a:rPr lang="en-US" sz="1050" dirty="0">
-                <a:solidFill>
-                  <a:srgbClr val="666666"/>
-                </a:solidFill>
-                <a:latin typeface="Microsoft YaHei" pitchFamily="34" charset="0"/>
-                <a:ea typeface="Microsoft YaHei" pitchFamily="34" charset="-122"/>
-                <a:cs typeface="Microsoft YaHei" pitchFamily="34" charset="-120"/>
-              </a:rPr>
-              <a:t>利用Spring Boot Test和Postman验证微服务间通信与集成点的稳定性。</a:t>
-            </a:r>
-            <a:endParaRPr lang="en-US" sz="1050" dirty="0"/>
+                <a:latin typeface="微软雅黑" panose="020B0503020204020204" pitchFamily="34" charset="-122"/>
+                <a:ea typeface="微软雅黑" panose="020B0503020204020204" pitchFamily="34" charset="-122"/>
+                <a:cs typeface="微软雅黑" panose="020B0503020204020204" pitchFamily="34" charset="-120"/>
+                <a:sym typeface="+mn-ea"/>
+              </a:rPr>
+              <a:t>·</a:t>
+            </a:r>
+            <a:r>
+              <a:rPr lang="zh-CN" altLang="en-US" sz="1200" b="1" dirty="0">
+                <a:solidFill>
+                  <a:srgbClr val="333333"/>
+                </a:solidFill>
+                <a:latin typeface="微软雅黑" panose="020B0503020204020204" pitchFamily="34" charset="-122"/>
+                <a:ea typeface="微软雅黑" panose="020B0503020204020204" pitchFamily="34" charset="-122"/>
+                <a:cs typeface="微软雅黑" panose="020B0503020204020204" pitchFamily="34" charset="-120"/>
+              </a:rPr>
+              <a:t>郑皓文：</a:t>
+            </a:r>
+            <a:r>
+              <a:rPr lang="zh-CN" altLang="en-US" sz="1200" dirty="0">
+                <a:solidFill>
+                  <a:srgbClr val="333333"/>
+                </a:solidFill>
+                <a:latin typeface="微软雅黑" panose="020B0503020204020204" pitchFamily="34" charset="-122"/>
+                <a:ea typeface="微软雅黑" panose="020B0503020204020204" pitchFamily="34" charset="-122"/>
+                <a:cs typeface="微软雅黑" panose="020B0503020204020204" pitchFamily="34" charset="-120"/>
+              </a:rPr>
+              <a:t>集成测试，用户服务模块，订单处理模块</a:t>
+            </a:r>
+            <a:endParaRPr lang="zh-CN" altLang="en-US" sz="1200" dirty="0">
+              <a:solidFill>
+                <a:srgbClr val="333333"/>
+              </a:solidFill>
+              <a:latin typeface="微软雅黑" panose="020B0503020204020204" pitchFamily="34" charset="-122"/>
+              <a:ea typeface="微软雅黑" panose="020B0503020204020204" pitchFamily="34" charset="-122"/>
+              <a:cs typeface="微软雅黑" panose="020B0503020204020204" pitchFamily="34" charset="-120"/>
+            </a:endParaRPr>
           </a:p>
         </p:txBody>
       </p:sp>
@@ -6064,125 +5742,95 @@
         <p:nvSpPr>
           <p:cNvPr id="13" name="Text 10"/>
           <p:cNvSpPr/>
-          <p:nvPr/>
-        </p:nvSpPr>
-        <p:spPr>
-          <a:xfrm>
-            <a:off x="5969000" y="2095500"/>
-            <a:ext cx="2336800" cy="209550"/>
-          </a:xfrm>
-          <a:prstGeom prst="rect">
-            <a:avLst/>
-          </a:prstGeom>
-          <a:noFill/>
-          <a:ln/>
-        </p:spPr>
-        <p:txBody>
-          <a:bodyPr vert="horz" wrap="square" lIns="0" tIns="0" rIns="0" bIns="0" rtlCol="0" anchor="ctr"/>
-          <a:lstStyle/>
-          <a:p>
-            <a:pPr marL="0" indent="0" algn="ctr">
-              <a:lnSpc>
-                <a:spcPts val="1650"/>
-              </a:lnSpc>
-              <a:buNone/>
-            </a:pPr>
-            <a:r>
-              <a:rPr lang="en-US" sz="1200" b="1" dirty="0">
+          <p:nvPr>
+            <p:custDataLst>
+              <p:tags r:id="rId4"/>
+            </p:custDataLst>
+          </p:nvPr>
+        </p:nvSpPr>
+        <p:spPr>
+          <a:xfrm>
+            <a:off x="452120" y="2197100"/>
+            <a:ext cx="4119880" cy="1032510"/>
+          </a:xfrm>
+          <a:prstGeom prst="rect">
+            <a:avLst/>
+          </a:prstGeom>
+          <a:noFill/>
+        </p:spPr>
+        <p:txBody>
+          <a:bodyPr vert="horz" wrap="square" lIns="0" tIns="0" rIns="0" bIns="0" rtlCol="0" anchor="ctr"/>
+          <a:lstStyle/>
+          <a:p>
+            <a:pPr marL="0" indent="0" algn="l">
+              <a:lnSpc>
+                <a:spcPts val="1650"/>
+              </a:lnSpc>
+              <a:buNone/>
+            </a:pPr>
+            <a:r>
+              <a:rPr lang="en-US" altLang="zh-CN" sz="1200" b="1" dirty="0">
                 <a:solidFill>
                   <a:srgbClr val="333333"/>
                 </a:solidFill>
-                <a:latin typeface="Microsoft YaHei" pitchFamily="34" charset="0"/>
-                <a:ea typeface="Microsoft YaHei" pitchFamily="34" charset="-122"/>
-                <a:cs typeface="Microsoft YaHei" pitchFamily="34" charset="-120"/>
+                <a:latin typeface="微软雅黑" panose="020B0503020204020204" pitchFamily="34" charset="-122"/>
+                <a:ea typeface="微软雅黑" panose="020B0503020204020204" pitchFamily="34" charset="-122"/>
+                <a:cs typeface="微软雅黑" panose="020B0503020204020204" pitchFamily="34" charset="-120"/>
+              </a:rPr>
+              <a:t>·</a:t>
+            </a:r>
+            <a:r>
+              <a:rPr lang="zh-CN" altLang="en-US" sz="1200" b="1" dirty="0">
+                <a:solidFill>
+                  <a:srgbClr val="333333"/>
+                </a:solidFill>
+                <a:latin typeface="微软雅黑" panose="020B0503020204020204" pitchFamily="34" charset="-122"/>
+                <a:ea typeface="微软雅黑" panose="020B0503020204020204" pitchFamily="34" charset="-122"/>
+                <a:cs typeface="微软雅黑" panose="020B0503020204020204" pitchFamily="34" charset="-120"/>
+              </a:rPr>
+              <a:t>洪嘉笛：</a:t>
+            </a:r>
+            <a:r>
+              <a:rPr lang="zh-CN" altLang="en-US" sz="1200" dirty="0">
+                <a:solidFill>
+                  <a:srgbClr val="333333"/>
+                </a:solidFill>
+                <a:latin typeface="微软雅黑" panose="020B0503020204020204" pitchFamily="34" charset="-122"/>
+                <a:ea typeface="微软雅黑" panose="020B0503020204020204" pitchFamily="34" charset="-122"/>
+                <a:cs typeface="微软雅黑" panose="020B0503020204020204" pitchFamily="34" charset="-120"/>
               </a:rPr>
               <a:t>性能测试</a:t>
             </a:r>
-            <a:endParaRPr lang="en-US" sz="1200" dirty="0"/>
-          </a:p>
-        </p:txBody>
-      </p:sp>
-      <p:sp>
-        <p:nvSpPr>
-          <p:cNvPr id="14" name="Shape 11"/>
-          <p:cNvSpPr/>
-          <p:nvPr/>
-        </p:nvSpPr>
-        <p:spPr>
-          <a:xfrm rot="5400000">
-            <a:off x="8524875" y="2452688"/>
-            <a:ext cx="119063" cy="104775"/>
-          </a:xfrm>
-          <a:prstGeom prst="triangle">
-            <a:avLst/>
-          </a:prstGeom>
-          <a:solidFill>
-            <a:srgbClr val="5438FF"/>
-          </a:solidFill>
-          <a:ln/>
-        </p:spPr>
-      </p:sp>
-      <p:sp>
-        <p:nvSpPr>
-          <p:cNvPr id="15" name="Shape 12"/>
-          <p:cNvSpPr/>
-          <p:nvPr/>
-        </p:nvSpPr>
-        <p:spPr>
-          <a:xfrm>
-            <a:off x="7082631" y="2457450"/>
-            <a:ext cx="109538" cy="109538"/>
-          </a:xfrm>
-          <a:prstGeom prst="roundRect">
-            <a:avLst>
-              <a:gd name="adj" fmla="val 50000"/>
-            </a:avLst>
-          </a:prstGeom>
-          <a:solidFill>
-            <a:srgbClr val="5438FF"/>
-          </a:solidFill>
-          <a:ln/>
-        </p:spPr>
-      </p:sp>
-      <p:sp>
-        <p:nvSpPr>
-          <p:cNvPr id="16" name="Text 13"/>
-          <p:cNvSpPr/>
-          <p:nvPr/>
-        </p:nvSpPr>
-        <p:spPr>
-          <a:xfrm>
-            <a:off x="5969000" y="2719388"/>
-            <a:ext cx="2336800" cy="419100"/>
-          </a:xfrm>
-          <a:prstGeom prst="rect">
-            <a:avLst/>
-          </a:prstGeom>
-          <a:noFill/>
-          <a:ln/>
-        </p:spPr>
-        <p:txBody>
-          <a:bodyPr vert="horz" wrap="square" lIns="0" tIns="0" rIns="0" bIns="0" rtlCol="0" anchor="ctr"/>
-          <a:lstStyle/>
-          <a:p>
-            <a:pPr marL="0" indent="0" algn="ctr">
-              <a:lnSpc>
-                <a:spcPts val="1650"/>
-              </a:lnSpc>
-              <a:buNone/>
-            </a:pPr>
-            <a:r>
-              <a:rPr lang="en-US" sz="1050" dirty="0">
-                <a:solidFill>
-                  <a:srgbClr val="666666"/>
-                </a:solidFill>
-                <a:latin typeface="Microsoft YaHei" pitchFamily="34" charset="0"/>
-                <a:ea typeface="Microsoft YaHei" pitchFamily="34" charset="-122"/>
-                <a:cs typeface="Microsoft YaHei" pitchFamily="34" charset="-120"/>
-              </a:rPr>
-              <a:t>借助JMeter或LoadRunner评估系统在高并发下的响应时间和资源消耗。</a:t>
-            </a:r>
-            <a:endParaRPr lang="en-US" sz="1050" dirty="0"/>
+            <a:r>
+              <a:rPr lang="zh-CN" altLang="en-US" sz="1200" b="1" dirty="0">
+                <a:solidFill>
+                  <a:srgbClr val="333333"/>
+                </a:solidFill>
+                <a:latin typeface="微软雅黑" panose="020B0503020204020204" pitchFamily="34" charset="-122"/>
+                <a:ea typeface="微软雅黑" panose="020B0503020204020204" pitchFamily="34" charset="-122"/>
+                <a:cs typeface="微软雅黑" panose="020B0503020204020204" pitchFamily="34" charset="-120"/>
+              </a:rPr>
+              <a:t>，</a:t>
+            </a:r>
+            <a:r>
+              <a:rPr lang="zh-CN" altLang="en-US" sz="1200" dirty="0">
+                <a:solidFill>
+                  <a:srgbClr val="333333"/>
+                </a:solidFill>
+                <a:latin typeface="微软雅黑" panose="020B0503020204020204" pitchFamily="34" charset="-122"/>
+                <a:ea typeface="微软雅黑" panose="020B0503020204020204" pitchFamily="34" charset="-122"/>
+                <a:cs typeface="微软雅黑" panose="020B0503020204020204" pitchFamily="34" charset="-120"/>
+              </a:rPr>
+              <a:t>客户关系处理管理模块，财务管理模块</a:t>
+            </a:r>
+            <a:endParaRPr lang="zh-CN" altLang="en-US" sz="1200" dirty="0">
+              <a:solidFill>
+                <a:srgbClr val="333333"/>
+              </a:solidFill>
+              <a:latin typeface="微软雅黑" panose="020B0503020204020204" pitchFamily="34" charset="-122"/>
+              <a:ea typeface="微软雅黑" panose="020B0503020204020204" pitchFamily="34" charset="-122"/>
+              <a:cs typeface="微软雅黑" panose="020B0503020204020204" pitchFamily="34" charset="-120"/>
+            </a:endParaRPr>
           </a:p>
         </p:txBody>
       </p:sp>
@@ -6196,7 +5844,7 @@
 
 <file path=ppt/slides/slide2.xml><?xml version="1.0" encoding="utf-8"?>
 <p:sld xmlns:a="http://schemas.openxmlformats.org/drawingml/2006/main" xmlns:r="http://schemas.openxmlformats.org/officeDocument/2006/relationships" xmlns:p="http://schemas.openxmlformats.org/presentationml/2006/main">
-  <p:cSld name="Slide 2">
+  <p:cSld>
     <p:spTree>
       <p:nvGrpSpPr>
         <p:cNvPr id="1" name=""/>
@@ -6228,7 +5876,6 @@
           <a:solidFill>
             <a:srgbClr val="FFFFFF"/>
           </a:solidFill>
-          <a:ln/>
         </p:spPr>
       </p:sp>
       <p:pic>
@@ -6240,9 +5887,11 @@
           <p:nvPr/>
         </p:nvPicPr>
         <p:blipFill>
-          <a:blip r:embed="rId3"/>
+          <a:blip r:embed="rId1"/>
           <a:srcRect l="46" r="46"/>
-          <a:stretch/>
+          <a:stretch>
+            <a:fillRect/>
+          </a:stretch>
         </p:blipFill>
         <p:spPr>
           <a:xfrm>
@@ -6269,7 +5918,6 @@
             <a:avLst/>
           </a:prstGeom>
           <a:noFill/>
-          <a:ln/>
         </p:spPr>
         <p:txBody>
           <a:bodyPr vert="horz" wrap="square" lIns="0" tIns="0" rIns="0" bIns="0" rtlCol="0" anchor="ctr"/>
@@ -6286,9 +5934,9 @@
                 <a:solidFill>
                   <a:srgbClr val="333333"/>
                 </a:solidFill>
-                <a:latin typeface="Microsoft YaHei" pitchFamily="34" charset="0"/>
-                <a:ea typeface="Microsoft YaHei" pitchFamily="34" charset="-122"/>
-                <a:cs typeface="Microsoft YaHei" pitchFamily="34" charset="-120"/>
+                <a:latin typeface="微软雅黑" panose="020B0503020204020204" pitchFamily="34" charset="-122"/>
+                <a:ea typeface="微软雅黑" panose="020B0503020204020204" pitchFamily="34" charset="-122"/>
+                <a:cs typeface="微软雅黑" panose="020B0503020204020204" pitchFamily="34" charset="-120"/>
               </a:rPr>
               <a:t>content</a:t>
             </a:r>
@@ -6311,7 +5959,6 @@
             <a:avLst/>
           </a:prstGeom>
           <a:noFill/>
-          <a:ln/>
         </p:spPr>
         <p:txBody>
           <a:bodyPr vert="horz" wrap="square" lIns="0" tIns="0" rIns="0" bIns="0" rtlCol="0" anchor="ctr"/>
@@ -6328,9 +5975,9 @@
                 <a:solidFill>
                   <a:srgbClr val="666666"/>
                 </a:solidFill>
-                <a:latin typeface="Microsoft YaHei" pitchFamily="34" charset="0"/>
-                <a:ea typeface="Microsoft YaHei" pitchFamily="34" charset="-122"/>
-                <a:cs typeface="Microsoft YaHei" pitchFamily="34" charset="-120"/>
+                <a:latin typeface="微软雅黑" panose="020B0503020204020204" pitchFamily="34" charset="-122"/>
+                <a:ea typeface="微软雅黑" panose="020B0503020204020204" pitchFamily="34" charset="-122"/>
+                <a:cs typeface="微软雅黑" panose="020B0503020204020204" pitchFamily="34" charset="-120"/>
               </a:rPr>
               <a:t>目录</a:t>
             </a:r>
@@ -6353,7 +6000,6 @@
             <a:avLst/>
           </a:prstGeom>
           <a:noFill/>
-          <a:ln/>
         </p:spPr>
         <p:txBody>
           <a:bodyPr vert="horz" wrap="square" lIns="0" tIns="0" rIns="0" bIns="0" rtlCol="0" anchor="ctr"/>
@@ -6361,7 +6007,7 @@
           <a:p>
             <a:pPr marL="0" indent="0" algn="l">
               <a:lnSpc>
-                <a:spcPts val="3038"/>
+                <a:spcPts val="3040"/>
               </a:lnSpc>
               <a:buNone/>
             </a:pPr>
@@ -6370,9 +6016,9 @@
                 <a:solidFill>
                   <a:srgbClr val="5438FF"/>
                 </a:solidFill>
-                <a:latin typeface="Microsoft YaHei" pitchFamily="34" charset="0"/>
-                <a:ea typeface="Microsoft YaHei" pitchFamily="34" charset="-122"/>
-                <a:cs typeface="Microsoft YaHei" pitchFamily="34" charset="-120"/>
+                <a:latin typeface="微软雅黑" panose="020B0503020204020204" pitchFamily="34" charset="-122"/>
+                <a:ea typeface="微软雅黑" panose="020B0503020204020204" pitchFamily="34" charset="-122"/>
+                <a:cs typeface="微软雅黑" panose="020B0503020204020204" pitchFamily="34" charset="-120"/>
               </a:rPr>
               <a:t>01</a:t>
             </a:r>
@@ -6395,7 +6041,6 @@
             <a:avLst/>
           </a:prstGeom>
           <a:noFill/>
-          <a:ln/>
         </p:spPr>
         <p:txBody>
           <a:bodyPr vert="horz" wrap="square" lIns="0" tIns="0" rIns="0" bIns="0" rtlCol="0" anchor="ctr"/>
@@ -6412,9 +6057,9 @@
                 <a:solidFill>
                   <a:srgbClr val="333333"/>
                 </a:solidFill>
-                <a:latin typeface="Microsoft YaHei" pitchFamily="34" charset="0"/>
-                <a:ea typeface="Microsoft YaHei" pitchFamily="34" charset="-122"/>
-                <a:cs typeface="Microsoft YaHei" pitchFamily="34" charset="-120"/>
+                <a:latin typeface="微软雅黑" panose="020B0503020204020204" pitchFamily="34" charset="-122"/>
+                <a:ea typeface="微软雅黑" panose="020B0503020204020204" pitchFamily="34" charset="-122"/>
+                <a:cs typeface="微软雅黑" panose="020B0503020204020204" pitchFamily="34" charset="-120"/>
               </a:rPr>
               <a:t>问题分析</a:t>
             </a:r>
@@ -6437,7 +6082,6 @@
             <a:avLst/>
           </a:prstGeom>
           <a:noFill/>
-          <a:ln/>
         </p:spPr>
         <p:txBody>
           <a:bodyPr vert="horz" wrap="square" lIns="0" tIns="0" rIns="0" bIns="0" rtlCol="0" anchor="ctr"/>
@@ -6468,7 +6112,6 @@
             <a:avLst/>
           </a:prstGeom>
           <a:noFill/>
-          <a:ln/>
         </p:spPr>
         <p:txBody>
           <a:bodyPr vert="horz" wrap="square" lIns="0" tIns="0" rIns="0" bIns="0" rtlCol="0" anchor="ctr"/>
@@ -6476,7 +6119,7 @@
           <a:p>
             <a:pPr marL="0" indent="0" algn="l">
               <a:lnSpc>
-                <a:spcPts val="3038"/>
+                <a:spcPts val="3040"/>
               </a:lnSpc>
               <a:buNone/>
             </a:pPr>
@@ -6485,9 +6128,9 @@
                 <a:solidFill>
                   <a:srgbClr val="5438FF"/>
                 </a:solidFill>
-                <a:latin typeface="Microsoft YaHei" pitchFamily="34" charset="0"/>
-                <a:ea typeface="Microsoft YaHei" pitchFamily="34" charset="-122"/>
-                <a:cs typeface="Microsoft YaHei" pitchFamily="34" charset="-120"/>
+                <a:latin typeface="微软雅黑" panose="020B0503020204020204" pitchFamily="34" charset="-122"/>
+                <a:ea typeface="微软雅黑" panose="020B0503020204020204" pitchFamily="34" charset="-122"/>
+                <a:cs typeface="微软雅黑" panose="020B0503020204020204" pitchFamily="34" charset="-120"/>
               </a:rPr>
               <a:t>02</a:t>
             </a:r>
@@ -6510,7 +6153,6 @@
             <a:avLst/>
           </a:prstGeom>
           <a:noFill/>
-          <a:ln/>
         </p:spPr>
         <p:txBody>
           <a:bodyPr vert="horz" wrap="square" lIns="0" tIns="0" rIns="0" bIns="0" rtlCol="0" anchor="ctr"/>
@@ -6527,9 +6169,9 @@
                 <a:solidFill>
                   <a:srgbClr val="333333"/>
                 </a:solidFill>
-                <a:latin typeface="Microsoft YaHei" pitchFamily="34" charset="0"/>
-                <a:ea typeface="Microsoft YaHei" pitchFamily="34" charset="-122"/>
-                <a:cs typeface="Microsoft YaHei" pitchFamily="34" charset="-120"/>
+                <a:latin typeface="微软雅黑" panose="020B0503020204020204" pitchFamily="34" charset="-122"/>
+                <a:ea typeface="微软雅黑" panose="020B0503020204020204" pitchFamily="34" charset="-122"/>
+                <a:cs typeface="微软雅黑" panose="020B0503020204020204" pitchFamily="34" charset="-120"/>
               </a:rPr>
               <a:t>主要功能分析</a:t>
             </a:r>
@@ -6552,7 +6194,6 @@
             <a:avLst/>
           </a:prstGeom>
           <a:noFill/>
-          <a:ln/>
         </p:spPr>
         <p:txBody>
           <a:bodyPr vert="horz" wrap="square" lIns="0" tIns="0" rIns="0" bIns="0" rtlCol="0" anchor="ctr"/>
@@ -6583,7 +6224,6 @@
             <a:avLst/>
           </a:prstGeom>
           <a:noFill/>
-          <a:ln/>
         </p:spPr>
         <p:txBody>
           <a:bodyPr vert="horz" wrap="square" lIns="0" tIns="0" rIns="0" bIns="0" rtlCol="0" anchor="ctr"/>
@@ -6591,7 +6231,7 @@
           <a:p>
             <a:pPr marL="0" indent="0" algn="l">
               <a:lnSpc>
-                <a:spcPts val="3038"/>
+                <a:spcPts val="3040"/>
               </a:lnSpc>
               <a:buNone/>
             </a:pPr>
@@ -6600,9 +6240,9 @@
                 <a:solidFill>
                   <a:srgbClr val="5438FF"/>
                 </a:solidFill>
-                <a:latin typeface="Microsoft YaHei" pitchFamily="34" charset="0"/>
-                <a:ea typeface="Microsoft YaHei" pitchFamily="34" charset="-122"/>
-                <a:cs typeface="Microsoft YaHei" pitchFamily="34" charset="-120"/>
+                <a:latin typeface="微软雅黑" panose="020B0503020204020204" pitchFamily="34" charset="-122"/>
+                <a:ea typeface="微软雅黑" panose="020B0503020204020204" pitchFamily="34" charset="-122"/>
+                <a:cs typeface="微软雅黑" panose="020B0503020204020204" pitchFamily="34" charset="-120"/>
               </a:rPr>
               <a:t>03</a:t>
             </a:r>
@@ -6625,7 +6265,6 @@
             <a:avLst/>
           </a:prstGeom>
           <a:noFill/>
-          <a:ln/>
         </p:spPr>
         <p:txBody>
           <a:bodyPr vert="horz" wrap="square" lIns="0" tIns="0" rIns="0" bIns="0" rtlCol="0" anchor="ctr"/>
@@ -6642,9 +6281,9 @@
                 <a:solidFill>
                   <a:srgbClr val="333333"/>
                 </a:solidFill>
-                <a:latin typeface="Microsoft YaHei" pitchFamily="34" charset="0"/>
-                <a:ea typeface="Microsoft YaHei" pitchFamily="34" charset="-122"/>
-                <a:cs typeface="Microsoft YaHei" pitchFamily="34" charset="-120"/>
+                <a:latin typeface="微软雅黑" panose="020B0503020204020204" pitchFamily="34" charset="-122"/>
+                <a:ea typeface="微软雅黑" panose="020B0503020204020204" pitchFamily="34" charset="-122"/>
+                <a:cs typeface="微软雅黑" panose="020B0503020204020204" pitchFamily="34" charset="-120"/>
               </a:rPr>
               <a:t>数据库设计</a:t>
             </a:r>
@@ -6667,7 +6306,6 @@
             <a:avLst/>
           </a:prstGeom>
           <a:noFill/>
-          <a:ln/>
         </p:spPr>
         <p:txBody>
           <a:bodyPr vert="horz" wrap="square" lIns="0" tIns="0" rIns="0" bIns="0" rtlCol="0" anchor="ctr"/>
@@ -6698,7 +6336,6 @@
             <a:avLst/>
           </a:prstGeom>
           <a:noFill/>
-          <a:ln/>
         </p:spPr>
         <p:txBody>
           <a:bodyPr vert="horz" wrap="square" lIns="0" tIns="0" rIns="0" bIns="0" rtlCol="0" anchor="ctr"/>
@@ -6706,7 +6343,7 @@
           <a:p>
             <a:pPr marL="0" indent="0" algn="l">
               <a:lnSpc>
-                <a:spcPts val="3038"/>
+                <a:spcPts val="3040"/>
               </a:lnSpc>
               <a:buNone/>
             </a:pPr>
@@ -6715,9 +6352,9 @@
                 <a:solidFill>
                   <a:srgbClr val="5438FF"/>
                 </a:solidFill>
-                <a:latin typeface="Microsoft YaHei" pitchFamily="34" charset="0"/>
-                <a:ea typeface="Microsoft YaHei" pitchFamily="34" charset="-122"/>
-                <a:cs typeface="Microsoft YaHei" pitchFamily="34" charset="-120"/>
+                <a:latin typeface="微软雅黑" panose="020B0503020204020204" pitchFamily="34" charset="-122"/>
+                <a:ea typeface="微软雅黑" panose="020B0503020204020204" pitchFamily="34" charset="-122"/>
+                <a:cs typeface="微软雅黑" panose="020B0503020204020204" pitchFamily="34" charset="-120"/>
               </a:rPr>
               <a:t>04</a:t>
             </a:r>
@@ -6740,7 +6377,6 @@
             <a:avLst/>
           </a:prstGeom>
           <a:noFill/>
-          <a:ln/>
         </p:spPr>
         <p:txBody>
           <a:bodyPr vert="horz" wrap="square" lIns="0" tIns="0" rIns="0" bIns="0" rtlCol="0" anchor="ctr"/>
@@ -6757,9 +6393,9 @@
                 <a:solidFill>
                   <a:srgbClr val="333333"/>
                 </a:solidFill>
-                <a:latin typeface="Microsoft YaHei" pitchFamily="34" charset="0"/>
-                <a:ea typeface="Microsoft YaHei" pitchFamily="34" charset="-122"/>
-                <a:cs typeface="Microsoft YaHei" pitchFamily="34" charset="-120"/>
+                <a:latin typeface="微软雅黑" panose="020B0503020204020204" pitchFamily="34" charset="-122"/>
+                <a:ea typeface="微软雅黑" panose="020B0503020204020204" pitchFamily="34" charset="-122"/>
+                <a:cs typeface="微软雅黑" panose="020B0503020204020204" pitchFamily="34" charset="-120"/>
               </a:rPr>
               <a:t>微服务设计</a:t>
             </a:r>
@@ -6782,7 +6418,6 @@
             <a:avLst/>
           </a:prstGeom>
           <a:noFill/>
-          <a:ln/>
         </p:spPr>
         <p:txBody>
           <a:bodyPr vert="horz" wrap="square" lIns="0" tIns="0" rIns="0" bIns="0" rtlCol="0" anchor="ctr"/>
@@ -6813,7 +6448,6 @@
             <a:avLst/>
           </a:prstGeom>
           <a:noFill/>
-          <a:ln/>
         </p:spPr>
         <p:txBody>
           <a:bodyPr vert="horz" wrap="square" lIns="0" tIns="0" rIns="0" bIns="0" rtlCol="0" anchor="ctr"/>
@@ -6821,7 +6455,7 @@
           <a:p>
             <a:pPr marL="0" indent="0" algn="l">
               <a:lnSpc>
-                <a:spcPts val="3038"/>
+                <a:spcPts val="3040"/>
               </a:lnSpc>
               <a:buNone/>
             </a:pPr>
@@ -6830,9 +6464,9 @@
                 <a:solidFill>
                   <a:srgbClr val="5438FF"/>
                 </a:solidFill>
-                <a:latin typeface="Microsoft YaHei" pitchFamily="34" charset="0"/>
-                <a:ea typeface="Microsoft YaHei" pitchFamily="34" charset="-122"/>
-                <a:cs typeface="Microsoft YaHei" pitchFamily="34" charset="-120"/>
+                <a:latin typeface="微软雅黑" panose="020B0503020204020204" pitchFamily="34" charset="-122"/>
+                <a:ea typeface="微软雅黑" panose="020B0503020204020204" pitchFamily="34" charset="-122"/>
+                <a:cs typeface="微软雅黑" panose="020B0503020204020204" pitchFamily="34" charset="-120"/>
               </a:rPr>
               <a:t>05</a:t>
             </a:r>
@@ -6855,7 +6489,6 @@
             <a:avLst/>
           </a:prstGeom>
           <a:noFill/>
-          <a:ln/>
         </p:spPr>
         <p:txBody>
           <a:bodyPr vert="horz" wrap="square" lIns="0" tIns="0" rIns="0" bIns="0" rtlCol="0" anchor="ctr"/>
@@ -6872,9 +6505,9 @@
                 <a:solidFill>
                   <a:srgbClr val="333333"/>
                 </a:solidFill>
-                <a:latin typeface="Microsoft YaHei" pitchFamily="34" charset="0"/>
-                <a:ea typeface="Microsoft YaHei" pitchFamily="34" charset="-122"/>
-                <a:cs typeface="Microsoft YaHei" pitchFamily="34" charset="-120"/>
+                <a:latin typeface="微软雅黑" panose="020B0503020204020204" pitchFamily="34" charset="-122"/>
+                <a:ea typeface="微软雅黑" panose="020B0503020204020204" pitchFamily="34" charset="-122"/>
+                <a:cs typeface="微软雅黑" panose="020B0503020204020204" pitchFamily="34" charset="-120"/>
               </a:rPr>
               <a:t>开放服务接入</a:t>
             </a:r>
@@ -6897,7 +6530,6 @@
             <a:avLst/>
           </a:prstGeom>
           <a:noFill/>
-          <a:ln/>
         </p:spPr>
         <p:txBody>
           <a:bodyPr vert="horz" wrap="square" lIns="0" tIns="0" rIns="0" bIns="0" rtlCol="0" anchor="ctr"/>
@@ -6928,7 +6560,6 @@
             <a:avLst/>
           </a:prstGeom>
           <a:noFill/>
-          <a:ln/>
         </p:spPr>
         <p:txBody>
           <a:bodyPr vert="horz" wrap="square" lIns="0" tIns="0" rIns="0" bIns="0" rtlCol="0" anchor="ctr"/>
@@ -6936,7 +6567,7 @@
           <a:p>
             <a:pPr marL="0" indent="0" algn="l">
               <a:lnSpc>
-                <a:spcPts val="3038"/>
+                <a:spcPts val="3040"/>
               </a:lnSpc>
               <a:buNone/>
             </a:pPr>
@@ -6945,9 +6576,9 @@
                 <a:solidFill>
                   <a:srgbClr val="5438FF"/>
                 </a:solidFill>
-                <a:latin typeface="Microsoft YaHei" pitchFamily="34" charset="0"/>
-                <a:ea typeface="Microsoft YaHei" pitchFamily="34" charset="-122"/>
-                <a:cs typeface="Microsoft YaHei" pitchFamily="34" charset="-120"/>
+                <a:latin typeface="微软雅黑" panose="020B0503020204020204" pitchFamily="34" charset="-122"/>
+                <a:ea typeface="微软雅黑" panose="020B0503020204020204" pitchFamily="34" charset="-122"/>
+                <a:cs typeface="微软雅黑" panose="020B0503020204020204" pitchFamily="34" charset="-120"/>
               </a:rPr>
               <a:t>06</a:t>
             </a:r>
@@ -6970,7 +6601,6 @@
             <a:avLst/>
           </a:prstGeom>
           <a:noFill/>
-          <a:ln/>
         </p:spPr>
         <p:txBody>
           <a:bodyPr vert="horz" wrap="square" lIns="0" tIns="0" rIns="0" bIns="0" rtlCol="0" anchor="ctr"/>
@@ -6987,9 +6617,9 @@
                 <a:solidFill>
                   <a:srgbClr val="333333"/>
                 </a:solidFill>
-                <a:latin typeface="Microsoft YaHei" pitchFamily="34" charset="0"/>
-                <a:ea typeface="Microsoft YaHei" pitchFamily="34" charset="-122"/>
-                <a:cs typeface="Microsoft YaHei" pitchFamily="34" charset="-120"/>
+                <a:latin typeface="微软雅黑" panose="020B0503020204020204" pitchFamily="34" charset="-122"/>
+                <a:ea typeface="微软雅黑" panose="020B0503020204020204" pitchFamily="34" charset="-122"/>
+                <a:cs typeface="微软雅黑" panose="020B0503020204020204" pitchFamily="34" charset="-120"/>
               </a:rPr>
               <a:t>分工与进度</a:t>
             </a:r>
@@ -7012,7 +6642,6 @@
             <a:avLst/>
           </a:prstGeom>
           <a:noFill/>
-          <a:ln/>
         </p:spPr>
         <p:txBody>
           <a:bodyPr vert="horz" wrap="square" lIns="0" tIns="0" rIns="0" bIns="0" rtlCol="0" anchor="ctr"/>
@@ -7038,7 +6667,7 @@
 
 <file path=ppt/slides/slide20.xml><?xml version="1.0" encoding="utf-8"?>
 <p:sld xmlns:a="http://schemas.openxmlformats.org/drawingml/2006/main" xmlns:r="http://schemas.openxmlformats.org/officeDocument/2006/relationships" xmlns:p="http://schemas.openxmlformats.org/presentationml/2006/main">
-  <p:cSld name="Slide 17">
+  <p:cSld>
     <p:spTree>
       <p:nvGrpSpPr>
         <p:cNvPr id="1" name=""/>
@@ -7070,7 +6699,6 @@
           <a:solidFill>
             <a:srgbClr val="FFFFFF"/>
           </a:solidFill>
-          <a:ln/>
         </p:spPr>
       </p:sp>
       <p:pic>
@@ -7082,9 +6710,11 @@
           <p:nvPr/>
         </p:nvPicPr>
         <p:blipFill>
-          <a:blip r:embed="rId3"/>
+          <a:blip r:embed="rId1"/>
           <a:srcRect/>
-          <a:stretch/>
+          <a:stretch>
+            <a:fillRect/>
+          </a:stretch>
         </p:blipFill>
         <p:spPr>
           <a:xfrm>
@@ -7111,7 +6741,6 @@
             <a:avLst/>
           </a:prstGeom>
           <a:noFill/>
-          <a:ln/>
         </p:spPr>
         <p:txBody>
           <a:bodyPr vert="horz" wrap="square" lIns="0" tIns="0" rIns="0" bIns="0" rtlCol="0" anchor="ctr"/>
@@ -7128,12 +6757,20 @@
                 <a:solidFill>
                   <a:srgbClr val="333333"/>
                 </a:solidFill>
-                <a:latin typeface="Microsoft YaHei" pitchFamily="34" charset="0"/>
-                <a:ea typeface="Microsoft YaHei" pitchFamily="34" charset="-122"/>
-                <a:cs typeface="Microsoft YaHei" pitchFamily="34" charset="-120"/>
+                <a:latin typeface="微软雅黑" panose="020B0503020204020204" pitchFamily="34" charset="-122"/>
+                <a:ea typeface="微软雅黑" panose="020B0503020204020204" pitchFamily="34" charset="-122"/>
+                <a:cs typeface="微软雅黑" panose="020B0503020204020204" pitchFamily="34" charset="-120"/>
               </a:rPr>
               <a:t>项目进度</a:t>
             </a:r>
+            <a:endParaRPr lang="zh-CN" altLang="en-US" sz="2250" b="1" dirty="0">
+              <a:solidFill>
+                <a:srgbClr val="333333"/>
+              </a:solidFill>
+              <a:latin typeface="微软雅黑" panose="020B0503020204020204" pitchFamily="34" charset="-122"/>
+              <a:ea typeface="微软雅黑" panose="020B0503020204020204" pitchFamily="34" charset="-122"/>
+              <a:cs typeface="微软雅黑" panose="020B0503020204020204" pitchFamily="34" charset="-120"/>
+            </a:endParaRPr>
           </a:p>
         </p:txBody>
       </p:sp>
@@ -7152,7 +6789,6 @@
             <a:avLst/>
           </a:prstGeom>
           <a:noFill/>
-          <a:ln/>
         </p:spPr>
         <p:txBody>
           <a:bodyPr vert="horz" wrap="square" lIns="0" tIns="0" rIns="0" bIns="0" rtlCol="0" anchor="ctr"/>
@@ -7170,253 +6806,128 @@
       </p:sp>
       <p:sp>
         <p:nvSpPr>
-          <p:cNvPr id="6" name="Text 3"/>
-          <p:cNvSpPr/>
-          <p:nvPr/>
-        </p:nvSpPr>
-        <p:spPr>
-          <a:xfrm>
-            <a:off x="571500" y="2095500"/>
-            <a:ext cx="2413000" cy="209550"/>
-          </a:xfrm>
-          <a:prstGeom prst="rect">
-            <a:avLst/>
-          </a:prstGeom>
-          <a:noFill/>
-          <a:ln/>
-        </p:spPr>
-        <p:txBody>
-          <a:bodyPr vert="horz" wrap="square" lIns="0" tIns="0" rIns="0" bIns="0" rtlCol="0" anchor="ctr"/>
-          <a:lstStyle/>
-          <a:p>
-            <a:pPr marL="0" indent="0" algn="l">
-              <a:lnSpc>
-                <a:spcPts val="1650"/>
-              </a:lnSpc>
-              <a:buNone/>
-            </a:pPr>
-            <a:r>
-              <a:rPr lang="en-US" sz="1200" b="1" dirty="0">
-                <a:solidFill>
-                  <a:srgbClr val="333333"/>
-                </a:solidFill>
-                <a:latin typeface="Microsoft YaHei" pitchFamily="34" charset="0"/>
-                <a:ea typeface="Microsoft YaHei" pitchFamily="34" charset="-122"/>
-                <a:cs typeface="Microsoft YaHei" pitchFamily="34" charset="-120"/>
-              </a:rPr>
-              <a:t>CI/CD 管道</a:t>
-            </a:r>
-            <a:endParaRPr lang="en-US" sz="1200" dirty="0"/>
-          </a:p>
-        </p:txBody>
-      </p:sp>
-      <p:sp>
-        <p:nvSpPr>
-          <p:cNvPr id="7" name="Text 4"/>
-          <p:cNvSpPr/>
-          <p:nvPr/>
-        </p:nvSpPr>
-        <p:spPr>
-          <a:xfrm>
-            <a:off x="571500" y="2343150"/>
-            <a:ext cx="2413000" cy="419100"/>
-          </a:xfrm>
-          <a:prstGeom prst="rect">
-            <a:avLst/>
-          </a:prstGeom>
-          <a:noFill/>
-          <a:ln/>
-        </p:spPr>
-        <p:txBody>
-          <a:bodyPr vert="horz" wrap="square" lIns="0" tIns="0" rIns="0" bIns="0" rtlCol="0" anchor="ctr"/>
-          <a:lstStyle/>
-          <a:p>
-            <a:pPr marL="0" indent="0" algn="l">
-              <a:lnSpc>
-                <a:spcPts val="1650"/>
-              </a:lnSpc>
-              <a:buNone/>
-            </a:pPr>
-            <a:r>
-              <a:rPr lang="en-US" sz="1050" dirty="0">
-                <a:solidFill>
-                  <a:srgbClr val="666666"/>
-                </a:solidFill>
-                <a:latin typeface="Microsoft YaHei" pitchFamily="34" charset="0"/>
-                <a:ea typeface="Microsoft YaHei" pitchFamily="34" charset="-122"/>
-                <a:cs typeface="Microsoft YaHei" pitchFamily="34" charset="-120"/>
-              </a:rPr>
-              <a:t>自动化构建与测试流程，确保代码质量与快速反馈。</a:t>
-            </a:r>
-            <a:endParaRPr lang="en-US" sz="1050" dirty="0"/>
-          </a:p>
-        </p:txBody>
-      </p:sp>
-      <p:sp>
-        <p:nvSpPr>
-          <p:cNvPr id="8" name="Text 5"/>
-          <p:cNvSpPr/>
-          <p:nvPr/>
-        </p:nvSpPr>
-        <p:spPr>
-          <a:xfrm>
-            <a:off x="3365500" y="2095500"/>
-            <a:ext cx="2413000" cy="209550"/>
-          </a:xfrm>
-          <a:prstGeom prst="rect">
-            <a:avLst/>
-          </a:prstGeom>
-          <a:noFill/>
-          <a:ln/>
-        </p:spPr>
-        <p:txBody>
-          <a:bodyPr vert="horz" wrap="square" lIns="0" tIns="0" rIns="0" bIns="0" rtlCol="0" anchor="ctr"/>
-          <a:lstStyle/>
-          <a:p>
-            <a:pPr marL="0" indent="0" algn="l">
-              <a:lnSpc>
-                <a:spcPts val="1650"/>
-              </a:lnSpc>
-              <a:buNone/>
-            </a:pPr>
-            <a:r>
-              <a:rPr lang="en-US" sz="1200" b="1" dirty="0">
-                <a:solidFill>
-                  <a:srgbClr val="333333"/>
-                </a:solidFill>
-                <a:latin typeface="Microsoft YaHei" pitchFamily="34" charset="0"/>
-                <a:ea typeface="Microsoft YaHei" pitchFamily="34" charset="-122"/>
-                <a:cs typeface="Microsoft YaHei" pitchFamily="34" charset="-120"/>
-              </a:rPr>
-              <a:t>Docker 部署</a:t>
-            </a:r>
-            <a:endParaRPr lang="en-US" sz="1200" dirty="0"/>
-          </a:p>
-        </p:txBody>
-      </p:sp>
-      <p:sp>
-        <p:nvSpPr>
-          <p:cNvPr id="9" name="Text 6"/>
-          <p:cNvSpPr/>
-          <p:nvPr/>
-        </p:nvSpPr>
-        <p:spPr>
-          <a:xfrm>
-            <a:off x="3365500" y="2343150"/>
-            <a:ext cx="2413000" cy="419100"/>
-          </a:xfrm>
-          <a:prstGeom prst="rect">
-            <a:avLst/>
-          </a:prstGeom>
-          <a:noFill/>
-          <a:ln/>
-        </p:spPr>
-        <p:txBody>
-          <a:bodyPr vert="horz" wrap="square" lIns="0" tIns="0" rIns="0" bIns="0" rtlCol="0" anchor="ctr"/>
-          <a:lstStyle/>
-          <a:p>
-            <a:pPr marL="0" indent="0" algn="l">
-              <a:lnSpc>
-                <a:spcPts val="1650"/>
-              </a:lnSpc>
-              <a:buNone/>
-            </a:pPr>
-            <a:r>
-              <a:rPr lang="en-US" sz="1050" dirty="0">
-                <a:solidFill>
-                  <a:srgbClr val="666666"/>
-                </a:solidFill>
-                <a:latin typeface="Microsoft YaHei" pitchFamily="34" charset="0"/>
-                <a:ea typeface="Microsoft YaHei" pitchFamily="34" charset="-122"/>
-                <a:cs typeface="Microsoft YaHei" pitchFamily="34" charset="-120"/>
-              </a:rPr>
-              <a:t>利用容器化技术，实现一键部署，提高效率与一致性。</a:t>
-            </a:r>
-            <a:endParaRPr lang="en-US" sz="1050" dirty="0"/>
-          </a:p>
-        </p:txBody>
-      </p:sp>
-      <p:sp>
-        <p:nvSpPr>
-          <p:cNvPr id="10" name="Text 7"/>
-          <p:cNvSpPr/>
-          <p:nvPr/>
-        </p:nvSpPr>
-        <p:spPr>
-          <a:xfrm>
-            <a:off x="6159500" y="2095500"/>
-            <a:ext cx="2413000" cy="209550"/>
-          </a:xfrm>
-          <a:prstGeom prst="rect">
-            <a:avLst/>
-          </a:prstGeom>
-          <a:noFill/>
-          <a:ln/>
-        </p:spPr>
-        <p:txBody>
-          <a:bodyPr vert="horz" wrap="square" lIns="0" tIns="0" rIns="0" bIns="0" rtlCol="0" anchor="ctr"/>
-          <a:lstStyle/>
-          <a:p>
-            <a:pPr marL="0" indent="0" algn="l">
-              <a:lnSpc>
-                <a:spcPts val="1650"/>
-              </a:lnSpc>
-              <a:buNone/>
-            </a:pPr>
-            <a:r>
-              <a:rPr lang="en-US" sz="1200" b="1" dirty="0">
-                <a:solidFill>
-                  <a:srgbClr val="333333"/>
-                </a:solidFill>
-                <a:latin typeface="Microsoft YaHei" pitchFamily="34" charset="0"/>
-                <a:ea typeface="Microsoft YaHei" pitchFamily="34" charset="-122"/>
-                <a:cs typeface="Microsoft YaHei" pitchFamily="34" charset="-120"/>
-              </a:rPr>
-              <a:t>监控与日志</a:t>
-            </a:r>
-            <a:endParaRPr lang="en-US" sz="1200" dirty="0"/>
-          </a:p>
-        </p:txBody>
-      </p:sp>
-      <p:sp>
-        <p:nvSpPr>
-          <p:cNvPr id="11" name="Text 8"/>
-          <p:cNvSpPr/>
-          <p:nvPr/>
-        </p:nvSpPr>
-        <p:spPr>
-          <a:xfrm>
-            <a:off x="6159500" y="2343150"/>
-            <a:ext cx="2413000" cy="419100"/>
-          </a:xfrm>
-          <a:prstGeom prst="rect">
-            <a:avLst/>
-          </a:prstGeom>
-          <a:noFill/>
-          <a:ln/>
-        </p:spPr>
-        <p:txBody>
-          <a:bodyPr vert="horz" wrap="square" lIns="0" tIns="0" rIns="0" bIns="0" rtlCol="0" anchor="ctr"/>
-          <a:lstStyle/>
-          <a:p>
-            <a:pPr marL="0" indent="0" algn="l">
-              <a:lnSpc>
-                <a:spcPts val="1650"/>
-              </a:lnSpc>
-              <a:buNone/>
-            </a:pPr>
-            <a:r>
-              <a:rPr lang="en-US" sz="1050" dirty="0">
-                <a:solidFill>
-                  <a:srgbClr val="666666"/>
-                </a:solidFill>
-                <a:latin typeface="Microsoft YaHei" pitchFamily="34" charset="0"/>
-                <a:ea typeface="Microsoft YaHei" pitchFamily="34" charset="-122"/>
-                <a:cs typeface="Microsoft YaHei" pitchFamily="34" charset="-120"/>
-              </a:rPr>
-              <a:t>实时监控系统健康，收集日志，快速定位问题，保障稳定性。</a:t>
-            </a:r>
-            <a:endParaRPr lang="en-US" sz="1050" dirty="0"/>
+          <p:cNvPr id="13" name="Shape 4"/>
+          <p:cNvSpPr/>
+          <p:nvPr>
+            <p:custDataLst>
+              <p:tags r:id="rId2"/>
+            </p:custDataLst>
+          </p:nvPr>
+        </p:nvSpPr>
+        <p:spPr>
+          <a:xfrm>
+            <a:off x="533400" y="2495550"/>
+            <a:ext cx="8001000" cy="19050"/>
+          </a:xfrm>
+          <a:prstGeom prst="rect">
+            <a:avLst/>
+          </a:prstGeom>
+          <a:solidFill>
+            <a:srgbClr val="5438FF"/>
+          </a:solidFill>
+        </p:spPr>
+      </p:sp>
+      <p:sp>
+        <p:nvSpPr>
+          <p:cNvPr id="14" name="Shape 5"/>
+          <p:cNvSpPr/>
+          <p:nvPr>
+            <p:custDataLst>
+              <p:tags r:id="rId3"/>
+            </p:custDataLst>
+          </p:nvPr>
+        </p:nvSpPr>
+        <p:spPr>
+          <a:xfrm>
+            <a:off x="1647031" y="2457450"/>
+            <a:ext cx="109538" cy="109538"/>
+          </a:xfrm>
+          <a:prstGeom prst="roundRect">
+            <a:avLst>
+              <a:gd name="adj" fmla="val 50000"/>
+            </a:avLst>
+          </a:prstGeom>
+          <a:solidFill>
+            <a:srgbClr val="5438FF"/>
+          </a:solidFill>
+        </p:spPr>
+      </p:sp>
+      <p:sp>
+        <p:nvSpPr>
+          <p:cNvPr id="15" name="Shape 8"/>
+          <p:cNvSpPr/>
+          <p:nvPr>
+            <p:custDataLst>
+              <p:tags r:id="rId4"/>
+            </p:custDataLst>
+          </p:nvPr>
+        </p:nvSpPr>
+        <p:spPr>
+          <a:xfrm>
+            <a:off x="4364831" y="2457450"/>
+            <a:ext cx="109538" cy="109538"/>
+          </a:xfrm>
+          <a:prstGeom prst="roundRect">
+            <a:avLst>
+              <a:gd name="adj" fmla="val 50000"/>
+            </a:avLst>
+          </a:prstGeom>
+          <a:solidFill>
+            <a:srgbClr val="5438FF"/>
+          </a:solidFill>
+        </p:spPr>
+      </p:sp>
+      <p:sp>
+        <p:nvSpPr>
+          <p:cNvPr id="16" name="Shape 12"/>
+          <p:cNvSpPr/>
+          <p:nvPr>
+            <p:custDataLst>
+              <p:tags r:id="rId5"/>
+            </p:custDataLst>
+          </p:nvPr>
+        </p:nvSpPr>
+        <p:spPr>
+          <a:xfrm>
+            <a:off x="7082631" y="2457450"/>
+            <a:ext cx="109538" cy="109538"/>
+          </a:xfrm>
+          <a:prstGeom prst="roundRect">
+            <a:avLst>
+              <a:gd name="adj" fmla="val 50000"/>
+            </a:avLst>
+          </a:prstGeom>
+          <a:solidFill>
+            <a:srgbClr val="5438FF"/>
+          </a:solidFill>
+        </p:spPr>
+      </p:sp>
+      <p:sp>
+        <p:nvSpPr>
+          <p:cNvPr id="17" name="文本框 16"/>
+          <p:cNvSpPr txBox="1"/>
+          <p:nvPr/>
+        </p:nvSpPr>
+        <p:spPr>
+          <a:xfrm>
+            <a:off x="948055" y="2647950"/>
+            <a:ext cx="1508125" cy="829945"/>
+          </a:xfrm>
+          <a:prstGeom prst="rect">
+            <a:avLst/>
+          </a:prstGeom>
+          <a:noFill/>
+        </p:spPr>
+        <p:txBody>
+          <a:bodyPr wrap="square" rtlCol="0">
+            <a:spAutoFit/>
+          </a:bodyPr>
+          <a:p>
+            <a:r>
+              <a:rPr lang="zh-CN" altLang="en-US" sz="1200"/>
+              <a:t>建立项目共享管理库，创建各微服务模块与对应文件，创建数据库</a:t>
+            </a:r>
+            <a:endParaRPr lang="zh-CN" altLang="en-US" sz="1200"/>
           </a:p>
         </p:txBody>
       </p:sp>
@@ -7430,7 +6941,7 @@
 
 <file path=ppt/slides/slide21.xml><?xml version="1.0" encoding="utf-8"?>
 <p:sld xmlns:a="http://schemas.openxmlformats.org/drawingml/2006/main" xmlns:r="http://schemas.openxmlformats.org/officeDocument/2006/relationships" xmlns:p="http://schemas.openxmlformats.org/presentationml/2006/main">
-  <p:cSld name="Slide 21">
+  <p:cSld>
     <p:spTree>
       <p:nvGrpSpPr>
         <p:cNvPr id="1" name=""/>
@@ -7454,9 +6965,11 @@
           <p:nvPr/>
         </p:nvPicPr>
         <p:blipFill>
-          <a:blip r:embed="rId3"/>
+          <a:blip r:embed="rId1"/>
           <a:srcRect/>
-          <a:stretch/>
+          <a:stretch>
+            <a:fillRect/>
+          </a:stretch>
         </p:blipFill>
         <p:spPr>
           <a:xfrm>
@@ -7483,7 +6996,6 @@
             <a:avLst/>
           </a:prstGeom>
           <a:noFill/>
-          <a:ln/>
         </p:spPr>
         <p:txBody>
           <a:bodyPr vert="horz" wrap="square" lIns="0" tIns="0" rIns="0" bIns="0" rtlCol="0" anchor="ctr"/>
@@ -7500,9 +7012,9 @@
                 <a:solidFill>
                   <a:srgbClr val="666666"/>
                 </a:solidFill>
-                <a:latin typeface="Microsoft YaHei" pitchFamily="34" charset="0"/>
-                <a:ea typeface="Microsoft YaHei" pitchFamily="34" charset="-122"/>
-                <a:cs typeface="Microsoft YaHei" pitchFamily="34" charset="-120"/>
+                <a:latin typeface="微软雅黑" panose="020B0503020204020204" pitchFamily="34" charset="-122"/>
+                <a:ea typeface="微软雅黑" panose="020B0503020204020204" pitchFamily="34" charset="-122"/>
+                <a:cs typeface="微软雅黑" panose="020B0503020204020204" pitchFamily="34" charset="-120"/>
               </a:rPr>
               <a:t>THANKS</a:t>
             </a:r>
@@ -7527,7 +7039,6 @@
           <a:solidFill>
             <a:srgbClr val="5438FF"/>
           </a:solidFill>
-          <a:ln/>
         </p:spPr>
       </p:sp>
     </p:spTree>
@@ -7540,7 +7051,7 @@
 
 <file path=ppt/slides/slide3.xml><?xml version="1.0" encoding="utf-8"?>
 <p:sld xmlns:a="http://schemas.openxmlformats.org/drawingml/2006/main" xmlns:r="http://schemas.openxmlformats.org/officeDocument/2006/relationships" xmlns:p="http://schemas.openxmlformats.org/presentationml/2006/main">
-  <p:cSld name="Slide 3">
+  <p:cSld>
     <p:spTree>
       <p:nvGrpSpPr>
         <p:cNvPr id="1" name=""/>
@@ -7564,9 +7075,11 @@
           <p:nvPr/>
         </p:nvPicPr>
         <p:blipFill>
-          <a:blip r:embed="rId3"/>
+          <a:blip r:embed="rId1"/>
           <a:srcRect/>
-          <a:stretch/>
+          <a:stretch>
+            <a:fillRect/>
+          </a:stretch>
         </p:blipFill>
         <p:spPr>
           <a:xfrm>
@@ -7593,7 +7106,6 @@
             <a:avLst/>
           </a:prstGeom>
           <a:noFill/>
-          <a:ln/>
         </p:spPr>
         <p:txBody>
           <a:bodyPr vert="horz" wrap="square" lIns="0" tIns="0" rIns="0" bIns="0" rtlCol="0" anchor="ctr"/>
@@ -7610,12 +7122,20 @@
                 <a:solidFill>
                   <a:srgbClr val="333333"/>
                 </a:solidFill>
-                <a:latin typeface="Microsoft YaHei" pitchFamily="34" charset="0"/>
-                <a:ea typeface="Microsoft YaHei" pitchFamily="34" charset="-122"/>
-                <a:cs typeface="Microsoft YaHei" pitchFamily="34" charset="-120"/>
+                <a:latin typeface="微软雅黑" panose="020B0503020204020204" pitchFamily="34" charset="-122"/>
+                <a:ea typeface="微软雅黑" panose="020B0503020204020204" pitchFamily="34" charset="-122"/>
+                <a:cs typeface="微软雅黑" panose="020B0503020204020204" pitchFamily="34" charset="-120"/>
               </a:rPr>
               <a:t>问题分析</a:t>
             </a:r>
+            <a:endParaRPr lang="zh-CN" altLang="en-US" sz="3750" b="1" dirty="0">
+              <a:solidFill>
+                <a:srgbClr val="333333"/>
+              </a:solidFill>
+              <a:latin typeface="微软雅黑" panose="020B0503020204020204" pitchFamily="34" charset="-122"/>
+              <a:ea typeface="微软雅黑" panose="020B0503020204020204" pitchFamily="34" charset="-122"/>
+              <a:cs typeface="微软雅黑" panose="020B0503020204020204" pitchFamily="34" charset="-120"/>
+            </a:endParaRPr>
           </a:p>
         </p:txBody>
       </p:sp>
@@ -7638,7 +7158,6 @@
               <a:alpha val="30000"/>
             </a:srgbClr>
           </a:solidFill>
-          <a:ln/>
         </p:spPr>
       </p:sp>
       <p:sp>
@@ -7656,7 +7175,6 @@
             <a:avLst/>
           </a:prstGeom>
           <a:noFill/>
-          <a:ln/>
         </p:spPr>
         <p:txBody>
           <a:bodyPr vert="horz" wrap="square" lIns="0" tIns="0" rIns="0" bIns="0" rtlCol="0" anchor="ctr"/>
@@ -7687,7 +7205,6 @@
             <a:avLst/>
           </a:prstGeom>
           <a:noFill/>
-          <a:ln/>
         </p:spPr>
         <p:txBody>
           <a:bodyPr vert="horz" wrap="square" lIns="0" tIns="0" rIns="0" bIns="0" rtlCol="0" anchor="ctr"/>
@@ -7706,9 +7223,9 @@
                     <a:alpha val="70000"/>
                   </a:srgbClr>
                 </a:solidFill>
-                <a:latin typeface="Microsoft YaHei" pitchFamily="34" charset="0"/>
-                <a:ea typeface="Microsoft YaHei" pitchFamily="34" charset="-122"/>
-                <a:cs typeface="Microsoft YaHei" pitchFamily="34" charset="-120"/>
+                <a:latin typeface="微软雅黑" panose="020B0503020204020204" pitchFamily="34" charset="-122"/>
+                <a:ea typeface="微软雅黑" panose="020B0503020204020204" pitchFamily="34" charset="-122"/>
+                <a:cs typeface="微软雅黑" panose="020B0503020204020204" pitchFamily="34" charset="-120"/>
               </a:rPr>
               <a:t>01</a:t>
             </a:r>
@@ -7727,293 +7244,6 @@
 <file path=ppt/slides/slide4.xml><?xml version="1.0" encoding="utf-8"?>
 <p:sld xmlns:a="http://schemas.openxmlformats.org/drawingml/2006/main" xmlns:r="http://schemas.openxmlformats.org/officeDocument/2006/relationships" xmlns:p="http://schemas.openxmlformats.org/presentationml/2006/main">
   <p:cSld>
-    <p:spTree>
-      <p:nvGrpSpPr>
-        <p:cNvPr id="1" name="">
-          <a:extLst>
-            <a:ext uri="{FF2B5EF4-FFF2-40B4-BE49-F238E27FC236}">
-              <a16:creationId xmlns:a16="http://schemas.microsoft.com/office/drawing/2014/main" id="{267E6E30-EC9C-4398-EF14-DEFB3E595179}"/>
-            </a:ext>
-          </a:extLst>
-        </p:cNvPr>
-        <p:cNvGrpSpPr/>
-        <p:nvPr/>
-      </p:nvGrpSpPr>
-      <p:grpSpPr>
-        <a:xfrm>
-          <a:off x="0" y="0"/>
-          <a:ext cx="0" cy="0"/>
-          <a:chOff x="0" y="0"/>
-          <a:chExt cx="0" cy="0"/>
-        </a:xfrm>
-      </p:grpSpPr>
-      <p:sp>
-        <p:nvSpPr>
-          <p:cNvPr id="2" name="Shape 0">
-            <a:extLst>
-              <a:ext uri="{FF2B5EF4-FFF2-40B4-BE49-F238E27FC236}">
-                <a16:creationId xmlns:a16="http://schemas.microsoft.com/office/drawing/2014/main" id="{1C8B06D4-71FB-D3D8-5674-DDECC5453070}"/>
-              </a:ext>
-            </a:extLst>
-          </p:cNvPr>
-          <p:cNvSpPr/>
-          <p:nvPr/>
-        </p:nvSpPr>
-        <p:spPr>
-          <a:xfrm>
-            <a:off x="0" y="0"/>
-            <a:ext cx="9144000" cy="5143500"/>
-          </a:xfrm>
-          <a:prstGeom prst="rect">
-            <a:avLst/>
-          </a:prstGeom>
-          <a:solidFill>
-            <a:srgbClr val="FFFFFF"/>
-          </a:solidFill>
-          <a:ln/>
-        </p:spPr>
-      </p:sp>
-      <p:pic>
-        <p:nvPicPr>
-          <p:cNvPr id="3" name="Image 0" descr="preencoded.png">
-            <a:extLst>
-              <a:ext uri="{FF2B5EF4-FFF2-40B4-BE49-F238E27FC236}">
-                <a16:creationId xmlns:a16="http://schemas.microsoft.com/office/drawing/2014/main" id="{CEC70BB0-7898-BED0-77EC-5792C1E6B5E1}"/>
-              </a:ext>
-            </a:extLst>
-          </p:cNvPr>
-          <p:cNvPicPr>
-            <a:picLocks noChangeAspect="1"/>
-          </p:cNvPicPr>
-          <p:nvPr/>
-        </p:nvPicPr>
-        <p:blipFill>
-          <a:blip r:embed="rId3"/>
-          <a:srcRect/>
-          <a:stretch/>
-        </p:blipFill>
-        <p:spPr>
-          <a:xfrm>
-            <a:off x="0" y="0"/>
-            <a:ext cx="9144000" cy="5143500"/>
-          </a:xfrm>
-          <a:prstGeom prst="rect">
-            <a:avLst/>
-          </a:prstGeom>
-        </p:spPr>
-      </p:pic>
-      <p:sp>
-        <p:nvSpPr>
-          <p:cNvPr id="4" name="Text 1">
-            <a:extLst>
-              <a:ext uri="{FF2B5EF4-FFF2-40B4-BE49-F238E27FC236}">
-                <a16:creationId xmlns:a16="http://schemas.microsoft.com/office/drawing/2014/main" id="{387175EF-DD5F-6766-5476-D0DB9ECBF552}"/>
-              </a:ext>
-            </a:extLst>
-          </p:cNvPr>
-          <p:cNvSpPr/>
-          <p:nvPr/>
-        </p:nvSpPr>
-        <p:spPr>
-          <a:xfrm>
-            <a:off x="571500" y="285750"/>
-            <a:ext cx="4038600" cy="400050"/>
-          </a:xfrm>
-          <a:prstGeom prst="rect">
-            <a:avLst/>
-          </a:prstGeom>
-          <a:noFill/>
-          <a:ln/>
-        </p:spPr>
-        <p:txBody>
-          <a:bodyPr vert="horz" wrap="square" lIns="0" tIns="0" rIns="0" bIns="0" rtlCol="0" anchor="ctr"/>
-          <a:lstStyle/>
-          <a:p>
-            <a:pPr marL="0" indent="0" algn="l">
-              <a:lnSpc>
-                <a:spcPts val="3150"/>
-              </a:lnSpc>
-              <a:buNone/>
-            </a:pPr>
-            <a:r>
-              <a:rPr lang="en-US" altLang="zh-CN" sz="2250" b="1" dirty="0" err="1">
-                <a:solidFill>
-                  <a:srgbClr val="333333"/>
-                </a:solidFill>
-                <a:latin typeface="Microsoft YaHei" pitchFamily="34" charset="0"/>
-                <a:ea typeface="Microsoft YaHei" pitchFamily="34" charset="-122"/>
-                <a:cs typeface="Microsoft YaHei" pitchFamily="34" charset="-120"/>
-              </a:rPr>
-              <a:t>项目背景</a:t>
-            </a:r>
-            <a:endParaRPr lang="en-US" altLang="zh-CN" sz="2250" dirty="0"/>
-          </a:p>
-        </p:txBody>
-      </p:sp>
-      <p:sp>
-        <p:nvSpPr>
-          <p:cNvPr id="5" name="Text 2">
-            <a:extLst>
-              <a:ext uri="{FF2B5EF4-FFF2-40B4-BE49-F238E27FC236}">
-                <a16:creationId xmlns:a16="http://schemas.microsoft.com/office/drawing/2014/main" id="{BEB6AB8A-1660-0F0F-B227-02141CB72228}"/>
-              </a:ext>
-            </a:extLst>
-          </p:cNvPr>
-          <p:cNvSpPr/>
-          <p:nvPr/>
-        </p:nvSpPr>
-        <p:spPr>
-          <a:xfrm>
-            <a:off x="571500" y="742950"/>
-            <a:ext cx="4038600" cy="209550"/>
-          </a:xfrm>
-          <a:prstGeom prst="rect">
-            <a:avLst/>
-          </a:prstGeom>
-          <a:noFill/>
-          <a:ln/>
-        </p:spPr>
-        <p:txBody>
-          <a:bodyPr vert="horz" wrap="square" lIns="0" tIns="0" rIns="0" bIns="0" rtlCol="0" anchor="ctr"/>
-          <a:lstStyle/>
-          <a:p>
-            <a:pPr marL="0" indent="0" algn="l">
-              <a:lnSpc>
-                <a:spcPts val="1650"/>
-              </a:lnSpc>
-              <a:buNone/>
-            </a:pPr>
-            <a:endParaRPr lang="en-US" sz="1200" dirty="0"/>
-          </a:p>
-        </p:txBody>
-      </p:sp>
-      <p:pic>
-        <p:nvPicPr>
-          <p:cNvPr id="12" name="Image 3" descr="preencoded.png">
-            <a:extLst>
-              <a:ext uri="{FF2B5EF4-FFF2-40B4-BE49-F238E27FC236}">
-                <a16:creationId xmlns:a16="http://schemas.microsoft.com/office/drawing/2014/main" id="{7681A913-8A84-251B-60D4-9B2DA314DCA2}"/>
-              </a:ext>
-            </a:extLst>
-          </p:cNvPr>
-          <p:cNvPicPr>
-            <a:picLocks noChangeAspect="1"/>
-          </p:cNvPicPr>
-          <p:nvPr/>
-        </p:nvPicPr>
-        <p:blipFill>
-          <a:blip r:embed="rId4"/>
-          <a:srcRect/>
-          <a:stretch/>
-        </p:blipFill>
-        <p:spPr>
-          <a:xfrm>
-            <a:off x="1006475" y="1549737"/>
-            <a:ext cx="476250" cy="476250"/>
-          </a:xfrm>
-          <a:prstGeom prst="rect">
-            <a:avLst/>
-          </a:prstGeom>
-        </p:spPr>
-      </p:pic>
-      <p:sp>
-        <p:nvSpPr>
-          <p:cNvPr id="18" name="文本框 17">
-            <a:extLst>
-              <a:ext uri="{FF2B5EF4-FFF2-40B4-BE49-F238E27FC236}">
-                <a16:creationId xmlns:a16="http://schemas.microsoft.com/office/drawing/2014/main" id="{88FA0508-8214-4789-28BE-2BC314B26448}"/>
-              </a:ext>
-            </a:extLst>
-          </p:cNvPr>
-          <p:cNvSpPr txBox="1"/>
-          <p:nvPr/>
-        </p:nvSpPr>
-        <p:spPr>
-          <a:xfrm>
-            <a:off x="1244600" y="2025987"/>
-            <a:ext cx="6654800" cy="2031325"/>
-          </a:xfrm>
-          <a:prstGeom prst="rect">
-            <a:avLst/>
-          </a:prstGeom>
-          <a:noFill/>
-        </p:spPr>
-        <p:txBody>
-          <a:bodyPr wrap="square" rtlCol="0">
-            <a:spAutoFit/>
-          </a:bodyPr>
-          <a:lstStyle/>
-          <a:p>
-            <a:r>
-              <a:rPr lang="zh-CN" altLang="en-US" b="0" i="0" dirty="0">
-                <a:solidFill>
-                  <a:srgbClr val="05073B"/>
-                </a:solidFill>
-                <a:effectLst/>
-                <a:latin typeface="-apple-system"/>
-              </a:rPr>
-              <a:t>在当今竞争激烈的商业环境中，小型企业面临着诸多挑战，包括资源有限、市场竞争激烈、客户需求多样化等。为了在市场中保持竞争力并实现可持续发展，小型企业需要高效、灵活地管理其内部资源，包括财务、库存、生产、销售以及人力资源等。然而，很多小型企业由于规模限制和资金限制，无法像大型企业那样投入大量资金购买昂贵的</a:t>
-            </a:r>
-            <a:r>
-              <a:rPr lang="en-US" altLang="zh-CN" b="0" i="0" dirty="0">
-                <a:solidFill>
-                  <a:srgbClr val="05073B"/>
-                </a:solidFill>
-                <a:effectLst/>
-                <a:latin typeface="-apple-system"/>
-              </a:rPr>
-              <a:t>ERP</a:t>
-            </a:r>
-            <a:r>
-              <a:rPr lang="zh-CN" altLang="en-US" b="0" i="0" dirty="0">
-                <a:solidFill>
-                  <a:srgbClr val="05073B"/>
-                </a:solidFill>
-                <a:effectLst/>
-                <a:latin typeface="-apple-system"/>
-              </a:rPr>
-              <a:t>（企业资源计划）系统。因此，开发一个适合小型企业需求的、成本效益高的</a:t>
-            </a:r>
-            <a:r>
-              <a:rPr lang="en-US" altLang="zh-CN" b="0" i="0" dirty="0">
-                <a:solidFill>
-                  <a:srgbClr val="05073B"/>
-                </a:solidFill>
-                <a:effectLst/>
-                <a:latin typeface="-apple-system"/>
-              </a:rPr>
-              <a:t>ERP</a:t>
-            </a:r>
-            <a:r>
-              <a:rPr lang="zh-CN" altLang="en-US" b="0" i="0" dirty="0">
-                <a:solidFill>
-                  <a:srgbClr val="05073B"/>
-                </a:solidFill>
-                <a:effectLst/>
-                <a:latin typeface="-apple-system"/>
-              </a:rPr>
-              <a:t>系统显得尤为重要。</a:t>
-            </a:r>
-            <a:endParaRPr lang="zh-CN" altLang="en-US" dirty="0"/>
-          </a:p>
-        </p:txBody>
-      </p:sp>
-    </p:spTree>
-    <p:extLst>
-      <p:ext uri="{BB962C8B-B14F-4D97-AF65-F5344CB8AC3E}">
-        <p14:creationId xmlns:p14="http://schemas.microsoft.com/office/powerpoint/2010/main" val="116587200"/>
-      </p:ext>
-    </p:extLst>
-  </p:cSld>
-  <p:clrMapOvr>
-    <a:masterClrMapping/>
-  </p:clrMapOvr>
-</p:sld>
-</file>
-
-<file path=ppt/slides/slide5.xml><?xml version="1.0" encoding="utf-8"?>
-<p:sld xmlns:a="http://schemas.openxmlformats.org/drawingml/2006/main" xmlns:r="http://schemas.openxmlformats.org/officeDocument/2006/relationships" xmlns:p="http://schemas.openxmlformats.org/presentationml/2006/main">
-  <p:cSld name="Slide 4">
     <p:spTree>
       <p:nvGrpSpPr>
         <p:cNvPr id="1" name=""/>
@@ -8045,7 +7275,6 @@
           <a:solidFill>
             <a:srgbClr val="FFFFFF"/>
           </a:solidFill>
-          <a:ln/>
         </p:spPr>
       </p:sp>
       <p:pic>
@@ -8057,14 +7286,16 @@
           <p:nvPr/>
         </p:nvPicPr>
         <p:blipFill>
-          <a:blip r:embed="rId3"/>
+          <a:blip r:embed="rId1"/>
           <a:srcRect/>
-          <a:stretch/>
+          <a:stretch>
+            <a:fillRect/>
+          </a:stretch>
         </p:blipFill>
         <p:spPr>
           <a:xfrm>
             <a:off x="0" y="0"/>
-            <a:ext cx="9144000" cy="1333500"/>
+            <a:ext cx="9144000" cy="5143500"/>
           </a:xfrm>
           <a:prstGeom prst="rect">
             <a:avLst/>
@@ -8080,13 +7311,12 @@
         <p:spPr>
           <a:xfrm>
             <a:off x="571500" y="285750"/>
-            <a:ext cx="8001000" cy="400050"/>
-          </a:xfrm>
-          <a:prstGeom prst="rect">
-            <a:avLst/>
-          </a:prstGeom>
-          <a:noFill/>
-          <a:ln/>
+            <a:ext cx="4038600" cy="400050"/>
+          </a:xfrm>
+          <a:prstGeom prst="rect">
+            <a:avLst/>
+          </a:prstGeom>
+          <a:noFill/>
         </p:spPr>
         <p:txBody>
           <a:bodyPr vert="horz" wrap="square" lIns="0" tIns="0" rIns="0" bIns="0" rtlCol="0" anchor="ctr"/>
@@ -8099,17 +7329,17 @@
               <a:buNone/>
             </a:pPr>
             <a:r>
-              <a:rPr lang="zh-CN" altLang="en-US" sz="2250" b="1" dirty="0">
+              <a:rPr lang="en-US" altLang="zh-CN" sz="2250" b="1" dirty="0" err="1">
                 <a:solidFill>
                   <a:srgbClr val="333333"/>
                 </a:solidFill>
-                <a:latin typeface="Microsoft YaHei" pitchFamily="34" charset="0"/>
-                <a:ea typeface="Microsoft YaHei" pitchFamily="34" charset="-122"/>
-                <a:cs typeface="Microsoft YaHei" pitchFamily="34" charset="-120"/>
-              </a:rPr>
-              <a:t>要解决的问题</a:t>
-            </a:r>
-            <a:endParaRPr lang="en-US" sz="2250" dirty="0"/>
+                <a:latin typeface="微软雅黑" panose="020B0503020204020204" pitchFamily="34" charset="-122"/>
+                <a:ea typeface="微软雅黑" panose="020B0503020204020204" pitchFamily="34" charset="-122"/>
+                <a:cs typeface="微软雅黑" panose="020B0503020204020204" pitchFamily="34" charset="-120"/>
+              </a:rPr>
+              <a:t>项目背景</a:t>
+            </a:r>
+            <a:endParaRPr lang="en-US" altLang="zh-CN" sz="2250" dirty="0"/>
           </a:p>
         </p:txBody>
       </p:sp>
@@ -8122,13 +7352,12 @@
         <p:spPr>
           <a:xfrm>
             <a:off x="571500" y="742950"/>
-            <a:ext cx="8001000" cy="209550"/>
-          </a:xfrm>
-          <a:prstGeom prst="rect">
-            <a:avLst/>
-          </a:prstGeom>
-          <a:noFill/>
-          <a:ln/>
+            <a:ext cx="4038600" cy="209550"/>
+          </a:xfrm>
+          <a:prstGeom prst="rect">
+            <a:avLst/>
+          </a:prstGeom>
+          <a:noFill/>
         </p:spPr>
         <p:txBody>
           <a:bodyPr vert="horz" wrap="square" lIns="0" tIns="0" rIns="0" bIns="0" rtlCol="0" anchor="ctr"/>
@@ -8144,467 +7373,104 @@
           </a:p>
         </p:txBody>
       </p:sp>
-      <p:sp>
-        <p:nvSpPr>
-          <p:cNvPr id="6" name="Text 3"/>
-          <p:cNvSpPr/>
-          <p:nvPr/>
-        </p:nvSpPr>
-        <p:spPr>
-          <a:xfrm>
-            <a:off x="533400" y="2095500"/>
-            <a:ext cx="1657350" cy="209550"/>
-          </a:xfrm>
-          <a:prstGeom prst="rect">
-            <a:avLst/>
-          </a:prstGeom>
-          <a:noFill/>
-          <a:ln/>
-        </p:spPr>
-        <p:txBody>
-          <a:bodyPr vert="horz" wrap="square" lIns="0" tIns="0" rIns="0" bIns="0" rtlCol="0" anchor="ctr"/>
-          <a:lstStyle/>
-          <a:p>
-            <a:pPr marL="0" indent="0" algn="ctr">
-              <a:lnSpc>
-                <a:spcPts val="1650"/>
-              </a:lnSpc>
-              <a:buNone/>
-            </a:pPr>
-            <a:r>
-              <a:rPr lang="zh-CN" altLang="en-US" sz="1200" b="1" dirty="0">
-                <a:solidFill>
-                  <a:srgbClr val="333333"/>
-                </a:solidFill>
-                <a:latin typeface="Microsoft YaHei" pitchFamily="34" charset="0"/>
-                <a:ea typeface="Microsoft YaHei" pitchFamily="34" charset="-122"/>
-                <a:cs typeface="Microsoft YaHei" pitchFamily="34" charset="-120"/>
-              </a:rPr>
-              <a:t>信息孤岛问题</a:t>
-            </a:r>
-            <a:endParaRPr lang="en-US" sz="1200" dirty="0"/>
-          </a:p>
-        </p:txBody>
-      </p:sp>
-      <p:sp>
-        <p:nvSpPr>
-          <p:cNvPr id="7" name="Shape 4"/>
-          <p:cNvSpPr/>
-          <p:nvPr/>
-        </p:nvSpPr>
-        <p:spPr>
-          <a:xfrm>
-            <a:off x="533400" y="2495550"/>
-            <a:ext cx="8001000" cy="19050"/>
-          </a:xfrm>
-          <a:prstGeom prst="rect">
-            <a:avLst/>
-          </a:prstGeom>
-          <a:solidFill>
-            <a:srgbClr val="5438FF"/>
-          </a:solidFill>
-          <a:ln/>
-        </p:spPr>
-      </p:sp>
-      <p:sp>
-        <p:nvSpPr>
-          <p:cNvPr id="8" name="Shape 5"/>
-          <p:cNvSpPr/>
-          <p:nvPr/>
-        </p:nvSpPr>
-        <p:spPr>
-          <a:xfrm>
-            <a:off x="1307306" y="2457450"/>
-            <a:ext cx="109538" cy="109538"/>
-          </a:xfrm>
-          <a:prstGeom prst="roundRect">
-            <a:avLst>
-              <a:gd name="adj" fmla="val 50000"/>
-            </a:avLst>
-          </a:prstGeom>
-          <a:solidFill>
-            <a:srgbClr val="5438FF"/>
-          </a:solidFill>
-          <a:ln/>
-        </p:spPr>
-      </p:sp>
-      <p:sp>
-        <p:nvSpPr>
-          <p:cNvPr id="9" name="Text 6"/>
-          <p:cNvSpPr/>
-          <p:nvPr/>
-        </p:nvSpPr>
-        <p:spPr>
-          <a:xfrm>
-            <a:off x="533400" y="2824163"/>
-            <a:ext cx="1657350" cy="628650"/>
-          </a:xfrm>
-          <a:prstGeom prst="rect">
-            <a:avLst/>
-          </a:prstGeom>
-          <a:noFill/>
-          <a:ln/>
-        </p:spPr>
-        <p:txBody>
-          <a:bodyPr vert="horz" wrap="square" lIns="0" tIns="0" rIns="0" bIns="0" rtlCol="0" anchor="ctr"/>
-          <a:lstStyle/>
-          <a:p>
-            <a:pPr marL="0" indent="0" algn="ctr">
-              <a:lnSpc>
-                <a:spcPts val="1650"/>
-              </a:lnSpc>
-              <a:buNone/>
-            </a:pPr>
-            <a:r>
-              <a:rPr lang="zh-CN" altLang="en-US" sz="1050" dirty="0">
-                <a:solidFill>
-                  <a:srgbClr val="666666"/>
-                </a:solidFill>
-                <a:latin typeface="Microsoft YaHei" pitchFamily="34" charset="0"/>
-                <a:ea typeface="Microsoft YaHei" pitchFamily="34" charset="-122"/>
-                <a:cs typeface="Microsoft YaHei" pitchFamily="34" charset="-120"/>
-              </a:rPr>
-              <a:t>小型企业各部门之间往往缺乏有效的信息共享机制，导致信息孤岛现象严重，影响决策效率。</a:t>
-            </a:r>
-            <a:endParaRPr lang="en-US" sz="1050" dirty="0"/>
-          </a:p>
-        </p:txBody>
-      </p:sp>
-      <p:sp>
-        <p:nvSpPr>
-          <p:cNvPr id="10" name="Text 7"/>
-          <p:cNvSpPr/>
-          <p:nvPr/>
-        </p:nvSpPr>
-        <p:spPr>
-          <a:xfrm>
-            <a:off x="2571750" y="2095500"/>
-            <a:ext cx="1657350" cy="209550"/>
-          </a:xfrm>
-          <a:prstGeom prst="rect">
-            <a:avLst/>
-          </a:prstGeom>
-          <a:noFill/>
-          <a:ln/>
-        </p:spPr>
-        <p:txBody>
-          <a:bodyPr vert="horz" wrap="square" lIns="0" tIns="0" rIns="0" bIns="0" rtlCol="0" anchor="ctr"/>
-          <a:lstStyle/>
-          <a:p>
-            <a:pPr marL="0" indent="0" algn="ctr">
-              <a:lnSpc>
-                <a:spcPts val="1650"/>
-              </a:lnSpc>
-              <a:buNone/>
-            </a:pPr>
-            <a:r>
-              <a:rPr lang="zh-CN" altLang="en-US" sz="1200" b="1" dirty="0">
-                <a:solidFill>
-                  <a:srgbClr val="333333"/>
-                </a:solidFill>
-                <a:latin typeface="Microsoft YaHei" pitchFamily="34" charset="0"/>
-                <a:ea typeface="Microsoft YaHei" pitchFamily="34" charset="-122"/>
-                <a:cs typeface="Microsoft YaHei" pitchFamily="34" charset="-120"/>
-              </a:rPr>
-              <a:t>资源管理效率低下</a:t>
-            </a:r>
-            <a:endParaRPr lang="en-US" sz="1200" dirty="0"/>
-          </a:p>
-        </p:txBody>
-      </p:sp>
-      <p:sp>
-        <p:nvSpPr>
-          <p:cNvPr id="11" name="Shape 8"/>
-          <p:cNvSpPr/>
-          <p:nvPr/>
-        </p:nvSpPr>
-        <p:spPr>
-          <a:xfrm>
-            <a:off x="3345656" y="2457450"/>
-            <a:ext cx="109538" cy="109538"/>
-          </a:xfrm>
-          <a:prstGeom prst="roundRect">
-            <a:avLst>
-              <a:gd name="adj" fmla="val 50000"/>
-            </a:avLst>
-          </a:prstGeom>
-          <a:solidFill>
-            <a:srgbClr val="5438FF"/>
-          </a:solidFill>
-          <a:ln/>
-        </p:spPr>
-      </p:sp>
-      <p:sp>
-        <p:nvSpPr>
-          <p:cNvPr id="12" name="Text 9"/>
-          <p:cNvSpPr/>
-          <p:nvPr/>
-        </p:nvSpPr>
-        <p:spPr>
-          <a:xfrm>
-            <a:off x="2571750" y="2719388"/>
-            <a:ext cx="1657350" cy="838200"/>
-          </a:xfrm>
-          <a:prstGeom prst="rect">
-            <a:avLst/>
-          </a:prstGeom>
-          <a:noFill/>
-          <a:ln/>
-        </p:spPr>
-        <p:txBody>
-          <a:bodyPr vert="horz" wrap="square" lIns="0" tIns="0" rIns="0" bIns="0" rtlCol="0" anchor="ctr"/>
-          <a:lstStyle/>
-          <a:p>
-            <a:pPr marL="0" indent="0" algn="ctr">
-              <a:lnSpc>
-                <a:spcPts val="1650"/>
-              </a:lnSpc>
-              <a:buNone/>
-            </a:pPr>
-            <a:r>
-              <a:rPr lang="zh-CN" altLang="en-US" sz="1050" dirty="0">
-                <a:solidFill>
-                  <a:srgbClr val="666666"/>
-                </a:solidFill>
-                <a:latin typeface="Microsoft YaHei" pitchFamily="34" charset="0"/>
-                <a:ea typeface="Microsoft YaHei" pitchFamily="34" charset="-122"/>
-                <a:cs typeface="Microsoft YaHei" pitchFamily="34" charset="-120"/>
-              </a:rPr>
-              <a:t>由于资源有限，小型企业需要更加精细地管理其各项资源，但现有的管理工具和方法往往无法满足这一需求。</a:t>
-            </a:r>
-            <a:endParaRPr lang="en-US" sz="1050" dirty="0"/>
-          </a:p>
-        </p:txBody>
-      </p:sp>
-      <p:sp>
-        <p:nvSpPr>
-          <p:cNvPr id="13" name="Text 10"/>
-          <p:cNvSpPr/>
-          <p:nvPr/>
-        </p:nvSpPr>
-        <p:spPr>
-          <a:xfrm>
-            <a:off x="4610100" y="2095500"/>
-            <a:ext cx="1657350" cy="209550"/>
-          </a:xfrm>
-          <a:prstGeom prst="rect">
-            <a:avLst/>
-          </a:prstGeom>
-          <a:noFill/>
-          <a:ln/>
-        </p:spPr>
-        <p:txBody>
-          <a:bodyPr vert="horz" wrap="square" lIns="0" tIns="0" rIns="0" bIns="0" rtlCol="0" anchor="ctr"/>
-          <a:lstStyle/>
-          <a:p>
-            <a:pPr marL="0" indent="0" algn="ctr">
-              <a:lnSpc>
-                <a:spcPts val="1650"/>
-              </a:lnSpc>
-              <a:buNone/>
-            </a:pPr>
-            <a:r>
-              <a:rPr lang="zh-CN" altLang="en-US" sz="1200" b="1" dirty="0">
-                <a:solidFill>
-                  <a:srgbClr val="333333"/>
-                </a:solidFill>
-                <a:latin typeface="Microsoft YaHei" pitchFamily="34" charset="0"/>
-                <a:ea typeface="Microsoft YaHei" pitchFamily="34" charset="-122"/>
-                <a:cs typeface="Microsoft YaHei" pitchFamily="34" charset="-120"/>
-              </a:rPr>
-              <a:t>业务流程不规范</a:t>
-            </a:r>
-            <a:endParaRPr lang="en-US" sz="1200" dirty="0"/>
-          </a:p>
-        </p:txBody>
-      </p:sp>
-      <p:sp>
-        <p:nvSpPr>
-          <p:cNvPr id="14" name="Shape 11"/>
-          <p:cNvSpPr/>
-          <p:nvPr/>
-        </p:nvSpPr>
-        <p:spPr>
-          <a:xfrm>
-            <a:off x="5384006" y="2457450"/>
-            <a:ext cx="109538" cy="109538"/>
-          </a:xfrm>
-          <a:prstGeom prst="roundRect">
-            <a:avLst>
-              <a:gd name="adj" fmla="val 50000"/>
-            </a:avLst>
-          </a:prstGeom>
-          <a:solidFill>
-            <a:srgbClr val="5438FF"/>
-          </a:solidFill>
-          <a:ln/>
-        </p:spPr>
-      </p:sp>
-      <p:sp>
-        <p:nvSpPr>
-          <p:cNvPr id="15" name="Text 12"/>
-          <p:cNvSpPr/>
-          <p:nvPr/>
-        </p:nvSpPr>
-        <p:spPr>
-          <a:xfrm>
-            <a:off x="4610100" y="2719388"/>
-            <a:ext cx="1657350" cy="838200"/>
-          </a:xfrm>
-          <a:prstGeom prst="rect">
-            <a:avLst/>
-          </a:prstGeom>
-          <a:noFill/>
-          <a:ln/>
-        </p:spPr>
-        <p:txBody>
-          <a:bodyPr vert="horz" wrap="square" lIns="0" tIns="0" rIns="0" bIns="0" rtlCol="0" anchor="ctr"/>
-          <a:lstStyle/>
-          <a:p>
-            <a:pPr marL="0" indent="0" algn="ctr">
-              <a:lnSpc>
-                <a:spcPts val="1650"/>
-              </a:lnSpc>
-              <a:buNone/>
-            </a:pPr>
-            <a:r>
-              <a:rPr lang="zh-CN" altLang="en-US" sz="1050" dirty="0">
-                <a:solidFill>
-                  <a:srgbClr val="666666"/>
-                </a:solidFill>
-                <a:latin typeface="Microsoft YaHei" pitchFamily="34" charset="0"/>
-                <a:ea typeface="Microsoft YaHei" pitchFamily="34" charset="-122"/>
-                <a:cs typeface="Microsoft YaHei" pitchFamily="34" charset="-120"/>
-              </a:rPr>
-              <a:t>小型企业业务流程往往不够规范，导致工作效率低下，容易出错。</a:t>
-            </a:r>
-            <a:endParaRPr lang="en-US" sz="1050" dirty="0"/>
-          </a:p>
-        </p:txBody>
-      </p:sp>
-      <p:sp>
-        <p:nvSpPr>
-          <p:cNvPr id="16" name="Text 13"/>
-          <p:cNvSpPr/>
-          <p:nvPr/>
-        </p:nvSpPr>
-        <p:spPr>
-          <a:xfrm>
-            <a:off x="6648450" y="2095500"/>
-            <a:ext cx="1657350" cy="209550"/>
-          </a:xfrm>
-          <a:prstGeom prst="rect">
-            <a:avLst/>
-          </a:prstGeom>
-          <a:noFill/>
-          <a:ln/>
-        </p:spPr>
-        <p:txBody>
-          <a:bodyPr vert="horz" wrap="square" lIns="0" tIns="0" rIns="0" bIns="0" rtlCol="0" anchor="ctr"/>
-          <a:lstStyle/>
-          <a:p>
-            <a:pPr marL="0" indent="0" algn="ctr">
-              <a:lnSpc>
-                <a:spcPts val="1650"/>
-              </a:lnSpc>
-              <a:buNone/>
-            </a:pPr>
-            <a:r>
-              <a:rPr lang="zh-CN" altLang="en-US" sz="1200" b="1" dirty="0">
-                <a:solidFill>
-                  <a:srgbClr val="333333"/>
-                </a:solidFill>
-                <a:latin typeface="Microsoft YaHei" pitchFamily="34" charset="0"/>
-                <a:ea typeface="Microsoft YaHei" pitchFamily="34" charset="-122"/>
-                <a:cs typeface="Microsoft YaHei" pitchFamily="34" charset="-120"/>
-              </a:rPr>
-              <a:t>成本控制困难</a:t>
-            </a:r>
-            <a:endParaRPr lang="en-US" sz="1200" dirty="0"/>
-          </a:p>
-        </p:txBody>
-      </p:sp>
-      <p:sp>
-        <p:nvSpPr>
-          <p:cNvPr id="17" name="Shape 14"/>
-          <p:cNvSpPr/>
-          <p:nvPr/>
-        </p:nvSpPr>
-        <p:spPr>
-          <a:xfrm rot="5400000">
-            <a:off x="8524875" y="2452688"/>
-            <a:ext cx="119063" cy="104775"/>
-          </a:xfrm>
-          <a:prstGeom prst="triangle">
-            <a:avLst/>
-          </a:prstGeom>
-          <a:solidFill>
-            <a:srgbClr val="5438FF"/>
-          </a:solidFill>
-          <a:ln/>
-        </p:spPr>
-      </p:sp>
-      <p:sp>
-        <p:nvSpPr>
-          <p:cNvPr id="18" name="Shape 15"/>
-          <p:cNvSpPr/>
-          <p:nvPr/>
-        </p:nvSpPr>
-        <p:spPr>
-          <a:xfrm>
-            <a:off x="7422356" y="2457450"/>
-            <a:ext cx="109538" cy="109538"/>
-          </a:xfrm>
-          <a:prstGeom prst="roundRect">
-            <a:avLst>
-              <a:gd name="adj" fmla="val 50000"/>
-            </a:avLst>
-          </a:prstGeom>
-          <a:solidFill>
-            <a:srgbClr val="5438FF"/>
-          </a:solidFill>
-          <a:ln/>
-        </p:spPr>
-      </p:sp>
-      <p:sp>
-        <p:nvSpPr>
-          <p:cNvPr id="19" name="Text 16"/>
-          <p:cNvSpPr/>
-          <p:nvPr/>
-        </p:nvSpPr>
-        <p:spPr>
-          <a:xfrm>
-            <a:off x="6648450" y="2824163"/>
-            <a:ext cx="1657350" cy="628650"/>
-          </a:xfrm>
-          <a:prstGeom prst="rect">
-            <a:avLst/>
-          </a:prstGeom>
-          <a:noFill/>
-          <a:ln/>
-        </p:spPr>
-        <p:txBody>
-          <a:bodyPr vert="horz" wrap="square" lIns="0" tIns="0" rIns="0" bIns="0" rtlCol="0" anchor="ctr"/>
-          <a:lstStyle/>
-          <a:p>
-            <a:pPr marL="0" indent="0" algn="ctr">
-              <a:lnSpc>
-                <a:spcPts val="1650"/>
-              </a:lnSpc>
-              <a:buNone/>
-            </a:pPr>
-            <a:r>
-              <a:rPr lang="zh-CN" altLang="en-US" sz="1050" dirty="0">
-                <a:solidFill>
-                  <a:srgbClr val="666666"/>
-                </a:solidFill>
-                <a:latin typeface="Microsoft YaHei" pitchFamily="34" charset="0"/>
-                <a:ea typeface="Microsoft YaHei" pitchFamily="34" charset="-122"/>
-                <a:cs typeface="Microsoft YaHei" pitchFamily="34" charset="-120"/>
-              </a:rPr>
-              <a:t>小型企业成本控制能力较弱，需要一套系统来帮助他们更好地控制成本，提高盈利能力。</a:t>
-            </a:r>
-            <a:endParaRPr lang="en-US" sz="1050" dirty="0"/>
+      <p:pic>
+        <p:nvPicPr>
+          <p:cNvPr id="12" name="Image 3" descr="preencoded.png"/>
+          <p:cNvPicPr>
+            <a:picLocks noChangeAspect="1"/>
+          </p:cNvPicPr>
+          <p:nvPr/>
+        </p:nvPicPr>
+        <p:blipFill>
+          <a:blip r:embed="rId2"/>
+          <a:srcRect/>
+          <a:stretch>
+            <a:fillRect/>
+          </a:stretch>
+        </p:blipFill>
+        <p:spPr>
+          <a:xfrm>
+            <a:off x="1006475" y="1549737"/>
+            <a:ext cx="476250" cy="476250"/>
+          </a:xfrm>
+          <a:prstGeom prst="rect">
+            <a:avLst/>
+          </a:prstGeom>
+        </p:spPr>
+      </p:pic>
+      <p:sp>
+        <p:nvSpPr>
+          <p:cNvPr id="18" name="文本框 17"/>
+          <p:cNvSpPr txBox="1"/>
+          <p:nvPr/>
+        </p:nvSpPr>
+        <p:spPr>
+          <a:xfrm>
+            <a:off x="1244600" y="2025987"/>
+            <a:ext cx="6654800" cy="2031325"/>
+          </a:xfrm>
+          <a:prstGeom prst="rect">
+            <a:avLst/>
+          </a:prstGeom>
+          <a:noFill/>
+        </p:spPr>
+        <p:txBody>
+          <a:bodyPr wrap="square" rtlCol="0">
+            <a:spAutoFit/>
+          </a:bodyPr>
+          <a:lstStyle/>
+          <a:p>
+            <a:r>
+              <a:rPr lang="zh-CN" altLang="en-US" b="0" i="0" dirty="0">
+                <a:solidFill>
+                  <a:srgbClr val="05073B"/>
+                </a:solidFill>
+                <a:effectLst/>
+                <a:latin typeface="-apple-system"/>
+              </a:rPr>
+              <a:t>在当今竞争激烈的商业环境中，小型企业面临着诸多挑战，包括资源有限、市场竞争激烈、客户需求多样化等。为了在市场中保持竞争力并实现可持续发展，小型企业需要高效、灵活地管理其内部资源，包括财务、库存、生产、销售以及人力资源等。然而，很多小型企业由于规模限制和资金限制，无法像大型企业那样投入大量资金购买昂贵的</a:t>
+            </a:r>
+            <a:r>
+              <a:rPr lang="en-US" altLang="zh-CN" b="0" i="0" dirty="0">
+                <a:solidFill>
+                  <a:srgbClr val="05073B"/>
+                </a:solidFill>
+                <a:effectLst/>
+                <a:latin typeface="-apple-system"/>
+              </a:rPr>
+              <a:t>ERP</a:t>
+            </a:r>
+            <a:r>
+              <a:rPr lang="zh-CN" altLang="en-US" b="0" i="0" dirty="0">
+                <a:solidFill>
+                  <a:srgbClr val="05073B"/>
+                </a:solidFill>
+                <a:effectLst/>
+                <a:latin typeface="-apple-system"/>
+              </a:rPr>
+              <a:t>（企业资源计划）系统。因此，开发一个适合小型企业需求的、成本效益高的</a:t>
+            </a:r>
+            <a:r>
+              <a:rPr lang="en-US" altLang="zh-CN" b="0" i="0" dirty="0">
+                <a:solidFill>
+                  <a:srgbClr val="05073B"/>
+                </a:solidFill>
+                <a:effectLst/>
+                <a:latin typeface="-apple-system"/>
+              </a:rPr>
+              <a:t>ERP</a:t>
+            </a:r>
+            <a:r>
+              <a:rPr lang="zh-CN" altLang="en-US" b="0" i="0" dirty="0">
+                <a:solidFill>
+                  <a:srgbClr val="05073B"/>
+                </a:solidFill>
+                <a:effectLst/>
+                <a:latin typeface="-apple-system"/>
+              </a:rPr>
+              <a:t>系统显得尤为重要。</a:t>
+            </a:r>
+            <a:endParaRPr lang="zh-CN" altLang="en-US" dirty="0"/>
           </a:p>
         </p:txBody>
       </p:sp>
@@ -8616,9 +7482,9 @@
 </p:sld>
 </file>
 
-<file path=ppt/slides/slide6.xml><?xml version="1.0" encoding="utf-8"?>
+<file path=ppt/slides/slide5.xml><?xml version="1.0" encoding="utf-8"?>
 <p:sld xmlns:a="http://schemas.openxmlformats.org/drawingml/2006/main" xmlns:r="http://schemas.openxmlformats.org/officeDocument/2006/relationships" xmlns:p="http://schemas.openxmlformats.org/presentationml/2006/main">
-  <p:cSld name="Slide 5">
+  <p:cSld>
     <p:spTree>
       <p:nvGrpSpPr>
         <p:cNvPr id="1" name=""/>
@@ -8650,7 +7516,6 @@
           <a:solidFill>
             <a:srgbClr val="FFFFFF"/>
           </a:solidFill>
-          <a:ln/>
         </p:spPr>
       </p:sp>
       <p:pic>
@@ -8662,10 +7527,574 @@
           <p:nvPr/>
         </p:nvPicPr>
         <p:blipFill>
-          <a:blip r:embed="rId3"/>
+          <a:blip r:embed="rId1"/>
           <a:srcRect/>
-          <a:stretch/>
+          <a:stretch>
+            <a:fillRect/>
+          </a:stretch>
         </p:blipFill>
+        <p:spPr>
+          <a:xfrm>
+            <a:off x="0" y="0"/>
+            <a:ext cx="9144000" cy="1333500"/>
+          </a:xfrm>
+          <a:prstGeom prst="rect">
+            <a:avLst/>
+          </a:prstGeom>
+        </p:spPr>
+      </p:pic>
+      <p:sp>
+        <p:nvSpPr>
+          <p:cNvPr id="4" name="Text 1"/>
+          <p:cNvSpPr/>
+          <p:nvPr/>
+        </p:nvSpPr>
+        <p:spPr>
+          <a:xfrm>
+            <a:off x="571500" y="285750"/>
+            <a:ext cx="8001000" cy="400050"/>
+          </a:xfrm>
+          <a:prstGeom prst="rect">
+            <a:avLst/>
+          </a:prstGeom>
+          <a:noFill/>
+        </p:spPr>
+        <p:txBody>
+          <a:bodyPr vert="horz" wrap="square" lIns="0" tIns="0" rIns="0" bIns="0" rtlCol="0" anchor="ctr"/>
+          <a:lstStyle/>
+          <a:p>
+            <a:pPr marL="0" indent="0" algn="l">
+              <a:lnSpc>
+                <a:spcPts val="3150"/>
+              </a:lnSpc>
+              <a:buNone/>
+            </a:pPr>
+            <a:r>
+              <a:rPr lang="zh-CN" altLang="en-US" sz="2250" b="1" dirty="0">
+                <a:solidFill>
+                  <a:srgbClr val="333333"/>
+                </a:solidFill>
+                <a:latin typeface="微软雅黑" panose="020B0503020204020204" pitchFamily="34" charset="-122"/>
+                <a:ea typeface="微软雅黑" panose="020B0503020204020204" pitchFamily="34" charset="-122"/>
+                <a:cs typeface="微软雅黑" panose="020B0503020204020204" pitchFamily="34" charset="-120"/>
+              </a:rPr>
+              <a:t>要解决的问题</a:t>
+            </a:r>
+            <a:endParaRPr lang="en-US" sz="2250" dirty="0"/>
+          </a:p>
+        </p:txBody>
+      </p:sp>
+      <p:sp>
+        <p:nvSpPr>
+          <p:cNvPr id="5" name="Text 2"/>
+          <p:cNvSpPr/>
+          <p:nvPr/>
+        </p:nvSpPr>
+        <p:spPr>
+          <a:xfrm>
+            <a:off x="571500" y="742950"/>
+            <a:ext cx="8001000" cy="209550"/>
+          </a:xfrm>
+          <a:prstGeom prst="rect">
+            <a:avLst/>
+          </a:prstGeom>
+          <a:noFill/>
+        </p:spPr>
+        <p:txBody>
+          <a:bodyPr vert="horz" wrap="square" lIns="0" tIns="0" rIns="0" bIns="0" rtlCol="0" anchor="ctr"/>
+          <a:lstStyle/>
+          <a:p>
+            <a:pPr marL="0" indent="0" algn="l">
+              <a:lnSpc>
+                <a:spcPts val="1650"/>
+              </a:lnSpc>
+              <a:buNone/>
+            </a:pPr>
+            <a:endParaRPr lang="en-US" sz="1200" dirty="0"/>
+          </a:p>
+        </p:txBody>
+      </p:sp>
+      <p:sp>
+        <p:nvSpPr>
+          <p:cNvPr id="6" name="Text 3"/>
+          <p:cNvSpPr/>
+          <p:nvPr/>
+        </p:nvSpPr>
+        <p:spPr>
+          <a:xfrm>
+            <a:off x="533400" y="2095500"/>
+            <a:ext cx="1657350" cy="209550"/>
+          </a:xfrm>
+          <a:prstGeom prst="rect">
+            <a:avLst/>
+          </a:prstGeom>
+          <a:noFill/>
+        </p:spPr>
+        <p:txBody>
+          <a:bodyPr vert="horz" wrap="square" lIns="0" tIns="0" rIns="0" bIns="0" rtlCol="0" anchor="ctr"/>
+          <a:lstStyle/>
+          <a:p>
+            <a:pPr marL="0" indent="0" algn="ctr">
+              <a:lnSpc>
+                <a:spcPts val="1650"/>
+              </a:lnSpc>
+              <a:buNone/>
+            </a:pPr>
+            <a:r>
+              <a:rPr lang="zh-CN" altLang="en-US" sz="1200" b="1" dirty="0">
+                <a:solidFill>
+                  <a:srgbClr val="333333"/>
+                </a:solidFill>
+                <a:latin typeface="微软雅黑" panose="020B0503020204020204" pitchFamily="34" charset="-122"/>
+                <a:ea typeface="微软雅黑" panose="020B0503020204020204" pitchFamily="34" charset="-122"/>
+                <a:cs typeface="微软雅黑" panose="020B0503020204020204" pitchFamily="34" charset="-120"/>
+              </a:rPr>
+              <a:t>信息孤岛问题</a:t>
+            </a:r>
+            <a:endParaRPr lang="en-US" sz="1200" dirty="0"/>
+          </a:p>
+        </p:txBody>
+      </p:sp>
+      <p:sp>
+        <p:nvSpPr>
+          <p:cNvPr id="7" name="Shape 4"/>
+          <p:cNvSpPr/>
+          <p:nvPr/>
+        </p:nvSpPr>
+        <p:spPr>
+          <a:xfrm>
+            <a:off x="533400" y="2495550"/>
+            <a:ext cx="8001000" cy="19050"/>
+          </a:xfrm>
+          <a:prstGeom prst="rect">
+            <a:avLst/>
+          </a:prstGeom>
+          <a:solidFill>
+            <a:srgbClr val="5438FF"/>
+          </a:solidFill>
+        </p:spPr>
+      </p:sp>
+      <p:sp>
+        <p:nvSpPr>
+          <p:cNvPr id="8" name="Shape 5"/>
+          <p:cNvSpPr/>
+          <p:nvPr/>
+        </p:nvSpPr>
+        <p:spPr>
+          <a:xfrm>
+            <a:off x="1307306" y="2457450"/>
+            <a:ext cx="109538" cy="109538"/>
+          </a:xfrm>
+          <a:prstGeom prst="roundRect">
+            <a:avLst>
+              <a:gd name="adj" fmla="val 50000"/>
+            </a:avLst>
+          </a:prstGeom>
+          <a:solidFill>
+            <a:srgbClr val="5438FF"/>
+          </a:solidFill>
+        </p:spPr>
+      </p:sp>
+      <p:sp>
+        <p:nvSpPr>
+          <p:cNvPr id="9" name="Text 6"/>
+          <p:cNvSpPr/>
+          <p:nvPr/>
+        </p:nvSpPr>
+        <p:spPr>
+          <a:xfrm>
+            <a:off x="533400" y="2824163"/>
+            <a:ext cx="1657350" cy="628650"/>
+          </a:xfrm>
+          <a:prstGeom prst="rect">
+            <a:avLst/>
+          </a:prstGeom>
+          <a:noFill/>
+        </p:spPr>
+        <p:txBody>
+          <a:bodyPr vert="horz" wrap="square" lIns="0" tIns="0" rIns="0" bIns="0" rtlCol="0" anchor="ctr"/>
+          <a:lstStyle/>
+          <a:p>
+            <a:pPr marL="0" indent="0" algn="ctr">
+              <a:lnSpc>
+                <a:spcPts val="1650"/>
+              </a:lnSpc>
+              <a:buNone/>
+            </a:pPr>
+            <a:r>
+              <a:rPr lang="zh-CN" altLang="en-US" sz="1050" dirty="0">
+                <a:solidFill>
+                  <a:srgbClr val="666666"/>
+                </a:solidFill>
+                <a:latin typeface="微软雅黑" panose="020B0503020204020204" pitchFamily="34" charset="-122"/>
+                <a:ea typeface="微软雅黑" panose="020B0503020204020204" pitchFamily="34" charset="-122"/>
+                <a:cs typeface="微软雅黑" panose="020B0503020204020204" pitchFamily="34" charset="-120"/>
+              </a:rPr>
+              <a:t>小型企业各部门之间往往缺乏有效的信息共享机制，导致信息孤岛现象严重，影响决策效率。</a:t>
+            </a:r>
+            <a:endParaRPr lang="en-US" sz="1050" dirty="0"/>
+          </a:p>
+        </p:txBody>
+      </p:sp>
+      <p:sp>
+        <p:nvSpPr>
+          <p:cNvPr id="10" name="Text 7"/>
+          <p:cNvSpPr/>
+          <p:nvPr/>
+        </p:nvSpPr>
+        <p:spPr>
+          <a:xfrm>
+            <a:off x="2571750" y="2095500"/>
+            <a:ext cx="1657350" cy="209550"/>
+          </a:xfrm>
+          <a:prstGeom prst="rect">
+            <a:avLst/>
+          </a:prstGeom>
+          <a:noFill/>
+        </p:spPr>
+        <p:txBody>
+          <a:bodyPr vert="horz" wrap="square" lIns="0" tIns="0" rIns="0" bIns="0" rtlCol="0" anchor="ctr"/>
+          <a:lstStyle/>
+          <a:p>
+            <a:pPr marL="0" indent="0" algn="ctr">
+              <a:lnSpc>
+                <a:spcPts val="1650"/>
+              </a:lnSpc>
+              <a:buNone/>
+            </a:pPr>
+            <a:r>
+              <a:rPr lang="zh-CN" altLang="en-US" sz="1200" b="1" dirty="0">
+                <a:solidFill>
+                  <a:srgbClr val="333333"/>
+                </a:solidFill>
+                <a:latin typeface="微软雅黑" panose="020B0503020204020204" pitchFamily="34" charset="-122"/>
+                <a:ea typeface="微软雅黑" panose="020B0503020204020204" pitchFamily="34" charset="-122"/>
+                <a:cs typeface="微软雅黑" panose="020B0503020204020204" pitchFamily="34" charset="-120"/>
+              </a:rPr>
+              <a:t>资源管理效率低下</a:t>
+            </a:r>
+            <a:endParaRPr lang="en-US" sz="1200" dirty="0"/>
+          </a:p>
+        </p:txBody>
+      </p:sp>
+      <p:sp>
+        <p:nvSpPr>
+          <p:cNvPr id="11" name="Shape 8"/>
+          <p:cNvSpPr/>
+          <p:nvPr/>
+        </p:nvSpPr>
+        <p:spPr>
+          <a:xfrm>
+            <a:off x="3345656" y="2457450"/>
+            <a:ext cx="109538" cy="109538"/>
+          </a:xfrm>
+          <a:prstGeom prst="roundRect">
+            <a:avLst>
+              <a:gd name="adj" fmla="val 50000"/>
+            </a:avLst>
+          </a:prstGeom>
+          <a:solidFill>
+            <a:srgbClr val="5438FF"/>
+          </a:solidFill>
+        </p:spPr>
+      </p:sp>
+      <p:sp>
+        <p:nvSpPr>
+          <p:cNvPr id="12" name="Text 9"/>
+          <p:cNvSpPr/>
+          <p:nvPr/>
+        </p:nvSpPr>
+        <p:spPr>
+          <a:xfrm>
+            <a:off x="2571750" y="2719388"/>
+            <a:ext cx="1657350" cy="838200"/>
+          </a:xfrm>
+          <a:prstGeom prst="rect">
+            <a:avLst/>
+          </a:prstGeom>
+          <a:noFill/>
+        </p:spPr>
+        <p:txBody>
+          <a:bodyPr vert="horz" wrap="square" lIns="0" tIns="0" rIns="0" bIns="0" rtlCol="0" anchor="ctr"/>
+          <a:lstStyle/>
+          <a:p>
+            <a:pPr marL="0" indent="0" algn="ctr">
+              <a:lnSpc>
+                <a:spcPts val="1650"/>
+              </a:lnSpc>
+              <a:buNone/>
+            </a:pPr>
+            <a:r>
+              <a:rPr lang="zh-CN" altLang="en-US" sz="1050" dirty="0">
+                <a:solidFill>
+                  <a:srgbClr val="666666"/>
+                </a:solidFill>
+                <a:latin typeface="微软雅黑" panose="020B0503020204020204" pitchFamily="34" charset="-122"/>
+                <a:ea typeface="微软雅黑" panose="020B0503020204020204" pitchFamily="34" charset="-122"/>
+                <a:cs typeface="微软雅黑" panose="020B0503020204020204" pitchFamily="34" charset="-120"/>
+              </a:rPr>
+              <a:t>由于资源有限，小型企业需要更加精细地管理其各项资源，但现有的管理工具和方法往往无法满足这一需求。</a:t>
+            </a:r>
+            <a:endParaRPr lang="en-US" sz="1050" dirty="0"/>
+          </a:p>
+        </p:txBody>
+      </p:sp>
+      <p:sp>
+        <p:nvSpPr>
+          <p:cNvPr id="13" name="Text 10"/>
+          <p:cNvSpPr/>
+          <p:nvPr/>
+        </p:nvSpPr>
+        <p:spPr>
+          <a:xfrm>
+            <a:off x="4610100" y="2095500"/>
+            <a:ext cx="1657350" cy="209550"/>
+          </a:xfrm>
+          <a:prstGeom prst="rect">
+            <a:avLst/>
+          </a:prstGeom>
+          <a:noFill/>
+        </p:spPr>
+        <p:txBody>
+          <a:bodyPr vert="horz" wrap="square" lIns="0" tIns="0" rIns="0" bIns="0" rtlCol="0" anchor="ctr"/>
+          <a:lstStyle/>
+          <a:p>
+            <a:pPr marL="0" indent="0" algn="ctr">
+              <a:lnSpc>
+                <a:spcPts val="1650"/>
+              </a:lnSpc>
+              <a:buNone/>
+            </a:pPr>
+            <a:r>
+              <a:rPr lang="zh-CN" altLang="en-US" sz="1200" b="1" dirty="0">
+                <a:solidFill>
+                  <a:srgbClr val="333333"/>
+                </a:solidFill>
+                <a:latin typeface="微软雅黑" panose="020B0503020204020204" pitchFamily="34" charset="-122"/>
+                <a:ea typeface="微软雅黑" panose="020B0503020204020204" pitchFamily="34" charset="-122"/>
+                <a:cs typeface="微软雅黑" panose="020B0503020204020204" pitchFamily="34" charset="-120"/>
+              </a:rPr>
+              <a:t>业务流程不规范</a:t>
+            </a:r>
+            <a:endParaRPr lang="en-US" sz="1200" dirty="0"/>
+          </a:p>
+        </p:txBody>
+      </p:sp>
+      <p:sp>
+        <p:nvSpPr>
+          <p:cNvPr id="14" name="Shape 11"/>
+          <p:cNvSpPr/>
+          <p:nvPr/>
+        </p:nvSpPr>
+        <p:spPr>
+          <a:xfrm>
+            <a:off x="5384006" y="2457450"/>
+            <a:ext cx="109538" cy="109538"/>
+          </a:xfrm>
+          <a:prstGeom prst="roundRect">
+            <a:avLst>
+              <a:gd name="adj" fmla="val 50000"/>
+            </a:avLst>
+          </a:prstGeom>
+          <a:solidFill>
+            <a:srgbClr val="5438FF"/>
+          </a:solidFill>
+        </p:spPr>
+      </p:sp>
+      <p:sp>
+        <p:nvSpPr>
+          <p:cNvPr id="15" name="Text 12"/>
+          <p:cNvSpPr/>
+          <p:nvPr/>
+        </p:nvSpPr>
+        <p:spPr>
+          <a:xfrm>
+            <a:off x="4610100" y="2719388"/>
+            <a:ext cx="1657350" cy="838200"/>
+          </a:xfrm>
+          <a:prstGeom prst="rect">
+            <a:avLst/>
+          </a:prstGeom>
+          <a:noFill/>
+        </p:spPr>
+        <p:txBody>
+          <a:bodyPr vert="horz" wrap="square" lIns="0" tIns="0" rIns="0" bIns="0" rtlCol="0" anchor="ctr"/>
+          <a:lstStyle/>
+          <a:p>
+            <a:pPr marL="0" indent="0" algn="ctr">
+              <a:lnSpc>
+                <a:spcPts val="1650"/>
+              </a:lnSpc>
+              <a:buNone/>
+            </a:pPr>
+            <a:r>
+              <a:rPr lang="zh-CN" altLang="en-US" sz="1050" dirty="0">
+                <a:solidFill>
+                  <a:srgbClr val="666666"/>
+                </a:solidFill>
+                <a:latin typeface="微软雅黑" panose="020B0503020204020204" pitchFamily="34" charset="-122"/>
+                <a:ea typeface="微软雅黑" panose="020B0503020204020204" pitchFamily="34" charset="-122"/>
+                <a:cs typeface="微软雅黑" panose="020B0503020204020204" pitchFamily="34" charset="-120"/>
+              </a:rPr>
+              <a:t>小型企业业务流程往往不够规范，导致工作效率低下，容易出错。</a:t>
+            </a:r>
+            <a:endParaRPr lang="en-US" sz="1050" dirty="0"/>
+          </a:p>
+        </p:txBody>
+      </p:sp>
+      <p:sp>
+        <p:nvSpPr>
+          <p:cNvPr id="16" name="Text 13"/>
+          <p:cNvSpPr/>
+          <p:nvPr/>
+        </p:nvSpPr>
+        <p:spPr>
+          <a:xfrm>
+            <a:off x="6648450" y="2095500"/>
+            <a:ext cx="1657350" cy="209550"/>
+          </a:xfrm>
+          <a:prstGeom prst="rect">
+            <a:avLst/>
+          </a:prstGeom>
+          <a:noFill/>
+        </p:spPr>
+        <p:txBody>
+          <a:bodyPr vert="horz" wrap="square" lIns="0" tIns="0" rIns="0" bIns="0" rtlCol="0" anchor="ctr"/>
+          <a:lstStyle/>
+          <a:p>
+            <a:pPr marL="0" indent="0" algn="ctr">
+              <a:lnSpc>
+                <a:spcPts val="1650"/>
+              </a:lnSpc>
+              <a:buNone/>
+            </a:pPr>
+            <a:r>
+              <a:rPr lang="zh-CN" altLang="en-US" sz="1200" b="1" dirty="0">
+                <a:solidFill>
+                  <a:srgbClr val="333333"/>
+                </a:solidFill>
+                <a:latin typeface="微软雅黑" panose="020B0503020204020204" pitchFamily="34" charset="-122"/>
+                <a:ea typeface="微软雅黑" panose="020B0503020204020204" pitchFamily="34" charset="-122"/>
+                <a:cs typeface="微软雅黑" panose="020B0503020204020204" pitchFamily="34" charset="-120"/>
+              </a:rPr>
+              <a:t>成本控制困难</a:t>
+            </a:r>
+            <a:endParaRPr lang="en-US" sz="1200" dirty="0"/>
+          </a:p>
+        </p:txBody>
+      </p:sp>
+      <p:sp>
+        <p:nvSpPr>
+          <p:cNvPr id="17" name="Shape 14"/>
+          <p:cNvSpPr/>
+          <p:nvPr/>
+        </p:nvSpPr>
+        <p:spPr>
+          <a:xfrm rot="5400000">
+            <a:off x="8524875" y="2452688"/>
+            <a:ext cx="119063" cy="104775"/>
+          </a:xfrm>
+          <a:prstGeom prst="triangle">
+            <a:avLst/>
+          </a:prstGeom>
+          <a:solidFill>
+            <a:srgbClr val="5438FF"/>
+          </a:solidFill>
+        </p:spPr>
+      </p:sp>
+      <p:sp>
+        <p:nvSpPr>
+          <p:cNvPr id="18" name="Shape 15"/>
+          <p:cNvSpPr/>
+          <p:nvPr/>
+        </p:nvSpPr>
+        <p:spPr>
+          <a:xfrm>
+            <a:off x="7422356" y="2457450"/>
+            <a:ext cx="109538" cy="109538"/>
+          </a:xfrm>
+          <a:prstGeom prst="roundRect">
+            <a:avLst>
+              <a:gd name="adj" fmla="val 50000"/>
+            </a:avLst>
+          </a:prstGeom>
+          <a:solidFill>
+            <a:srgbClr val="5438FF"/>
+          </a:solidFill>
+        </p:spPr>
+      </p:sp>
+      <p:sp>
+        <p:nvSpPr>
+          <p:cNvPr id="19" name="Text 16"/>
+          <p:cNvSpPr/>
+          <p:nvPr/>
+        </p:nvSpPr>
+        <p:spPr>
+          <a:xfrm>
+            <a:off x="6648450" y="2824163"/>
+            <a:ext cx="1657350" cy="628650"/>
+          </a:xfrm>
+          <a:prstGeom prst="rect">
+            <a:avLst/>
+          </a:prstGeom>
+          <a:noFill/>
+        </p:spPr>
+        <p:txBody>
+          <a:bodyPr vert="horz" wrap="square" lIns="0" tIns="0" rIns="0" bIns="0" rtlCol="0" anchor="ctr"/>
+          <a:lstStyle/>
+          <a:p>
+            <a:pPr marL="0" indent="0" algn="ctr">
+              <a:lnSpc>
+                <a:spcPts val="1650"/>
+              </a:lnSpc>
+              <a:buNone/>
+            </a:pPr>
+            <a:r>
+              <a:rPr lang="zh-CN" altLang="en-US" sz="1050" dirty="0">
+                <a:solidFill>
+                  <a:srgbClr val="666666"/>
+                </a:solidFill>
+                <a:latin typeface="微软雅黑" panose="020B0503020204020204" pitchFamily="34" charset="-122"/>
+                <a:ea typeface="微软雅黑" panose="020B0503020204020204" pitchFamily="34" charset="-122"/>
+                <a:cs typeface="微软雅黑" panose="020B0503020204020204" pitchFamily="34" charset="-120"/>
+              </a:rPr>
+              <a:t>小型企业成本控制能力较弱，需要一套系统来帮助他们更好地控制成本，提高盈利能力。</a:t>
+            </a:r>
+            <a:endParaRPr lang="en-US" sz="1050" dirty="0"/>
+          </a:p>
+        </p:txBody>
+      </p:sp>
+    </p:spTree>
+  </p:cSld>
+  <p:clrMapOvr>
+    <a:masterClrMapping/>
+  </p:clrMapOvr>
+</p:sld>
+</file>
+
+<file path=ppt/slides/slide6.xml><?xml version="1.0" encoding="utf-8"?>
+<p:sld xmlns:a="http://schemas.openxmlformats.org/drawingml/2006/main" xmlns:r="http://schemas.openxmlformats.org/officeDocument/2006/relationships" xmlns:p="http://schemas.openxmlformats.org/presentationml/2006/main">
+  <p:cSld>
+    <p:spTree>
+      <p:nvGrpSpPr>
+        <p:cNvPr id="1" name=""/>
+        <p:cNvGrpSpPr/>
+        <p:nvPr/>
+      </p:nvGrpSpPr>
+      <p:grpSpPr>
+        <a:xfrm>
+          <a:off x="0" y="0"/>
+          <a:ext cx="0" cy="0"/>
+          <a:chOff x="0" y="0"/>
+          <a:chExt cx="0" cy="0"/>
+        </a:xfrm>
+      </p:grpSpPr>
+      <p:sp>
+        <p:nvSpPr>
+          <p:cNvPr id="2" name="Shape 0"/>
+          <p:cNvSpPr/>
+          <p:nvPr/>
+        </p:nvSpPr>
         <p:spPr>
           <a:xfrm>
             <a:off x="0" y="0"/>
@@ -8674,6 +8103,34 @@
           <a:prstGeom prst="rect">
             <a:avLst/>
           </a:prstGeom>
+          <a:solidFill>
+            <a:srgbClr val="FFFFFF"/>
+          </a:solidFill>
+        </p:spPr>
+      </p:sp>
+      <p:pic>
+        <p:nvPicPr>
+          <p:cNvPr id="3" name="Image 0" descr="preencoded.png"/>
+          <p:cNvPicPr>
+            <a:picLocks noChangeAspect="1"/>
+          </p:cNvPicPr>
+          <p:nvPr/>
+        </p:nvPicPr>
+        <p:blipFill>
+          <a:blip r:embed="rId1"/>
+          <a:srcRect/>
+          <a:stretch>
+            <a:fillRect/>
+          </a:stretch>
+        </p:blipFill>
+        <p:spPr>
+          <a:xfrm>
+            <a:off x="0" y="0"/>
+            <a:ext cx="9144000" cy="5143500"/>
+          </a:xfrm>
+          <a:prstGeom prst="rect">
+            <a:avLst/>
+          </a:prstGeom>
         </p:spPr>
       </p:pic>
       <p:sp>
@@ -8691,7 +8148,6 @@
             <a:avLst/>
           </a:prstGeom>
           <a:noFill/>
-          <a:ln/>
         </p:spPr>
         <p:txBody>
           <a:bodyPr vert="horz" wrap="square" lIns="0" tIns="0" rIns="0" bIns="0" rtlCol="0" anchor="ctr"/>
@@ -8708,12 +8164,20 @@
                 <a:solidFill>
                   <a:srgbClr val="333333"/>
                 </a:solidFill>
-                <a:latin typeface="Microsoft YaHei" pitchFamily="34" charset="0"/>
-                <a:ea typeface="Microsoft YaHei" pitchFamily="34" charset="-122"/>
-                <a:cs typeface="Microsoft YaHei" pitchFamily="34" charset="-120"/>
+                <a:latin typeface="微软雅黑" panose="020B0503020204020204" pitchFamily="34" charset="-122"/>
+                <a:ea typeface="微软雅黑" panose="020B0503020204020204" pitchFamily="34" charset="-122"/>
+                <a:cs typeface="微软雅黑" panose="020B0503020204020204" pitchFamily="34" charset="-120"/>
               </a:rPr>
               <a:t>项目目标分析</a:t>
             </a:r>
+            <a:endParaRPr lang="zh-CN" altLang="en-US" sz="2250" b="1" dirty="0">
+              <a:solidFill>
+                <a:srgbClr val="333333"/>
+              </a:solidFill>
+              <a:latin typeface="微软雅黑" panose="020B0503020204020204" pitchFamily="34" charset="-122"/>
+              <a:ea typeface="微软雅黑" panose="020B0503020204020204" pitchFamily="34" charset="-122"/>
+              <a:cs typeface="微软雅黑" panose="020B0503020204020204" pitchFamily="34" charset="-120"/>
+            </a:endParaRPr>
           </a:p>
         </p:txBody>
       </p:sp>
@@ -8732,7 +8196,6 @@
             <a:avLst/>
           </a:prstGeom>
           <a:noFill/>
-          <a:ln/>
         </p:spPr>
         <p:txBody>
           <a:bodyPr vert="horz" wrap="square" lIns="0" tIns="0" rIns="0" bIns="0" rtlCol="0" anchor="ctr"/>
@@ -8763,7 +8226,6 @@
             <a:avLst/>
           </a:prstGeom>
           <a:noFill/>
-          <a:ln/>
         </p:spPr>
         <p:txBody>
           <a:bodyPr vert="horz" wrap="square" lIns="0" tIns="0" rIns="0" bIns="0" rtlCol="0" anchor="ctr"/>
@@ -8780,9 +8242,9 @@
                 <a:solidFill>
                   <a:srgbClr val="333333"/>
                 </a:solidFill>
-                <a:latin typeface="Microsoft YaHei" pitchFamily="34" charset="0"/>
-                <a:ea typeface="Microsoft YaHei" pitchFamily="34" charset="-122"/>
-                <a:cs typeface="Microsoft YaHei" pitchFamily="34" charset="-120"/>
+                <a:latin typeface="微软雅黑" panose="020B0503020204020204" pitchFamily="34" charset="-122"/>
+                <a:ea typeface="微软雅黑" panose="020B0503020204020204" pitchFamily="34" charset="-122"/>
+                <a:cs typeface="微软雅黑" panose="020B0503020204020204" pitchFamily="34" charset="-120"/>
               </a:rPr>
               <a:t>实现信息集成与共享</a:t>
             </a:r>
@@ -8805,7 +8267,6 @@
             <a:avLst/>
           </a:prstGeom>
           <a:noFill/>
-          <a:ln/>
         </p:spPr>
         <p:txBody>
           <a:bodyPr vert="horz" wrap="square" lIns="0" tIns="0" rIns="0" bIns="0" rtlCol="0" anchor="ctr"/>
@@ -8822,9 +8283,9 @@
                 <a:solidFill>
                   <a:srgbClr val="666666"/>
                 </a:solidFill>
-                <a:latin typeface="Microsoft YaHei" pitchFamily="34" charset="0"/>
-                <a:ea typeface="Microsoft YaHei" pitchFamily="34" charset="-122"/>
-                <a:cs typeface="Microsoft YaHei" pitchFamily="34" charset="-120"/>
+                <a:latin typeface="微软雅黑" panose="020B0503020204020204" pitchFamily="34" charset="-122"/>
+                <a:ea typeface="微软雅黑" panose="020B0503020204020204" pitchFamily="34" charset="-122"/>
+                <a:cs typeface="微软雅黑" panose="020B0503020204020204" pitchFamily="34" charset="-120"/>
               </a:rPr>
               <a:t>通过</a:t>
             </a:r>
@@ -8833,9 +8294,9 @@
                 <a:solidFill>
                   <a:srgbClr val="666666"/>
                 </a:solidFill>
-                <a:latin typeface="Microsoft YaHei" pitchFamily="34" charset="0"/>
-                <a:ea typeface="Microsoft YaHei" pitchFamily="34" charset="-122"/>
-                <a:cs typeface="Microsoft YaHei" pitchFamily="34" charset="-120"/>
+                <a:latin typeface="微软雅黑" panose="020B0503020204020204" pitchFamily="34" charset="-122"/>
+                <a:ea typeface="微软雅黑" panose="020B0503020204020204" pitchFamily="34" charset="-122"/>
+                <a:cs typeface="微软雅黑" panose="020B0503020204020204" pitchFamily="34" charset="-120"/>
               </a:rPr>
               <a:t>ERP</a:t>
             </a:r>
@@ -8844,9 +8305,9 @@
                 <a:solidFill>
                   <a:srgbClr val="666666"/>
                 </a:solidFill>
-                <a:latin typeface="Microsoft YaHei" pitchFamily="34" charset="0"/>
-                <a:ea typeface="Microsoft YaHei" pitchFamily="34" charset="-122"/>
-                <a:cs typeface="Microsoft YaHei" pitchFamily="34" charset="-120"/>
+                <a:latin typeface="微软雅黑" panose="020B0503020204020204" pitchFamily="34" charset="-122"/>
+                <a:ea typeface="微软雅黑" panose="020B0503020204020204" pitchFamily="34" charset="-122"/>
+                <a:cs typeface="微软雅黑" panose="020B0503020204020204" pitchFamily="34" charset="-120"/>
               </a:rPr>
               <a:t>系统，将小型企业的各个部门的信息进行集成和共享，消除信息孤岛，提高决策效率。</a:t>
             </a:r>
@@ -8869,7 +8330,6 @@
             <a:avLst/>
           </a:prstGeom>
           <a:noFill/>
-          <a:ln/>
         </p:spPr>
         <p:txBody>
           <a:bodyPr vert="horz" wrap="square" lIns="0" tIns="0" rIns="0" bIns="0" rtlCol="0" anchor="ctr"/>
@@ -8886,9 +8346,9 @@
                 <a:solidFill>
                   <a:srgbClr val="333333"/>
                 </a:solidFill>
-                <a:latin typeface="Microsoft YaHei" pitchFamily="34" charset="0"/>
-                <a:ea typeface="Microsoft YaHei" pitchFamily="34" charset="-122"/>
-                <a:cs typeface="Microsoft YaHei" pitchFamily="34" charset="-120"/>
+                <a:latin typeface="微软雅黑" panose="020B0503020204020204" pitchFamily="34" charset="-122"/>
+                <a:ea typeface="微软雅黑" panose="020B0503020204020204" pitchFamily="34" charset="-122"/>
+                <a:cs typeface="微软雅黑" panose="020B0503020204020204" pitchFamily="34" charset="-120"/>
               </a:rPr>
               <a:t>优化资源管理</a:t>
             </a:r>
@@ -8911,7 +8371,6 @@
             <a:avLst/>
           </a:prstGeom>
           <a:noFill/>
-          <a:ln/>
         </p:spPr>
         <p:txBody>
           <a:bodyPr vert="horz" wrap="square" lIns="0" tIns="0" rIns="0" bIns="0" rtlCol="0" anchor="ctr"/>
@@ -8928,9 +8387,9 @@
                 <a:solidFill>
                   <a:srgbClr val="666666"/>
                 </a:solidFill>
-                <a:latin typeface="Microsoft YaHei" pitchFamily="34" charset="0"/>
-                <a:ea typeface="Microsoft YaHei" pitchFamily="34" charset="-122"/>
-                <a:cs typeface="Microsoft YaHei" pitchFamily="34" charset="-120"/>
+                <a:latin typeface="微软雅黑" panose="020B0503020204020204" pitchFamily="34" charset="-122"/>
+                <a:ea typeface="微软雅黑" panose="020B0503020204020204" pitchFamily="34" charset="-122"/>
+                <a:cs typeface="微软雅黑" panose="020B0503020204020204" pitchFamily="34" charset="-120"/>
               </a:rPr>
               <a:t>提供全面的资源管理功能，包括库存管理、财务管理、人力资源管理等，帮助小型企业实现资源的精细化管理，提高资源利用效率。</a:t>
             </a:r>
@@ -8953,7 +8412,6 @@
             <a:avLst/>
           </a:prstGeom>
           <a:noFill/>
-          <a:ln/>
         </p:spPr>
         <p:txBody>
           <a:bodyPr vert="horz" wrap="square" lIns="0" tIns="0" rIns="0" bIns="0" rtlCol="0" anchor="ctr"/>
@@ -8970,9 +8428,9 @@
                 <a:solidFill>
                   <a:srgbClr val="333333"/>
                 </a:solidFill>
-                <a:latin typeface="Microsoft YaHei" pitchFamily="34" charset="0"/>
-                <a:ea typeface="Microsoft YaHei" pitchFamily="34" charset="-122"/>
-                <a:cs typeface="Microsoft YaHei" pitchFamily="34" charset="-120"/>
+                <a:latin typeface="微软雅黑" panose="020B0503020204020204" pitchFamily="34" charset="-122"/>
+                <a:ea typeface="微软雅黑" panose="020B0503020204020204" pitchFamily="34" charset="-122"/>
+                <a:cs typeface="微软雅黑" panose="020B0503020204020204" pitchFamily="34" charset="-120"/>
               </a:rPr>
               <a:t>规范业务流程</a:t>
             </a:r>
@@ -8995,7 +8453,6 @@
             <a:avLst/>
           </a:prstGeom>
           <a:noFill/>
-          <a:ln/>
         </p:spPr>
         <p:txBody>
           <a:bodyPr vert="horz" wrap="square" lIns="0" tIns="0" rIns="0" bIns="0" rtlCol="0" anchor="ctr"/>
@@ -9012,9 +8469,9 @@
                 <a:solidFill>
                   <a:srgbClr val="666666"/>
                 </a:solidFill>
-                <a:latin typeface="Microsoft YaHei" pitchFamily="34" charset="0"/>
-                <a:ea typeface="Microsoft YaHei" pitchFamily="34" charset="-122"/>
-                <a:cs typeface="Microsoft YaHei" pitchFamily="34" charset="-120"/>
+                <a:latin typeface="微软雅黑" panose="020B0503020204020204" pitchFamily="34" charset="-122"/>
+                <a:ea typeface="微软雅黑" panose="020B0503020204020204" pitchFamily="34" charset="-122"/>
+                <a:cs typeface="微软雅黑" panose="020B0503020204020204" pitchFamily="34" charset="-120"/>
               </a:rPr>
               <a:t>通过</a:t>
             </a:r>
@@ -9023,9 +8480,9 @@
                 <a:solidFill>
                   <a:srgbClr val="666666"/>
                 </a:solidFill>
-                <a:latin typeface="Microsoft YaHei" pitchFamily="34" charset="0"/>
-                <a:ea typeface="Microsoft YaHei" pitchFamily="34" charset="-122"/>
-                <a:cs typeface="Microsoft YaHei" pitchFamily="34" charset="-120"/>
+                <a:latin typeface="微软雅黑" panose="020B0503020204020204" pitchFamily="34" charset="-122"/>
+                <a:ea typeface="微软雅黑" panose="020B0503020204020204" pitchFamily="34" charset="-122"/>
+                <a:cs typeface="微软雅黑" panose="020B0503020204020204" pitchFamily="34" charset="-120"/>
               </a:rPr>
               <a:t>ERP</a:t>
             </a:r>
@@ -9034,9 +8491,9 @@
                 <a:solidFill>
                   <a:srgbClr val="666666"/>
                 </a:solidFill>
-                <a:latin typeface="Microsoft YaHei" pitchFamily="34" charset="0"/>
-                <a:ea typeface="Microsoft YaHei" pitchFamily="34" charset="-122"/>
-                <a:cs typeface="Microsoft YaHei" pitchFamily="34" charset="-120"/>
+                <a:latin typeface="微软雅黑" panose="020B0503020204020204" pitchFamily="34" charset="-122"/>
+                <a:ea typeface="微软雅黑" panose="020B0503020204020204" pitchFamily="34" charset="-122"/>
+                <a:cs typeface="微软雅黑" panose="020B0503020204020204" pitchFamily="34" charset="-120"/>
               </a:rPr>
               <a:t>系统对业务流程进行标准化和自动化，提高工作效率，减少人为错误。</a:t>
             </a:r>
@@ -9059,7 +8516,6 @@
             <a:avLst/>
           </a:prstGeom>
           <a:noFill/>
-          <a:ln/>
         </p:spPr>
         <p:txBody>
           <a:bodyPr vert="horz" wrap="square" lIns="0" tIns="0" rIns="0" bIns="0" rtlCol="0" anchor="ctr"/>
@@ -9076,9 +8532,9 @@
                 <a:solidFill>
                   <a:srgbClr val="333333"/>
                 </a:solidFill>
-                <a:latin typeface="Microsoft YaHei" pitchFamily="34" charset="0"/>
-                <a:ea typeface="Microsoft YaHei" pitchFamily="34" charset="-122"/>
-                <a:cs typeface="Microsoft YaHei" pitchFamily="34" charset="-120"/>
+                <a:latin typeface="微软雅黑" panose="020B0503020204020204" pitchFamily="34" charset="-122"/>
+                <a:ea typeface="微软雅黑" panose="020B0503020204020204" pitchFamily="34" charset="-122"/>
+                <a:cs typeface="微软雅黑" panose="020B0503020204020204" pitchFamily="34" charset="-120"/>
               </a:rPr>
               <a:t>降低运营成本</a:t>
             </a:r>
@@ -9101,7 +8557,6 @@
             <a:avLst/>
           </a:prstGeom>
           <a:noFill/>
-          <a:ln/>
         </p:spPr>
         <p:txBody>
           <a:bodyPr vert="horz" wrap="square" lIns="0" tIns="0" rIns="0" bIns="0" rtlCol="0" anchor="ctr"/>
@@ -9118,9 +8573,9 @@
                 <a:solidFill>
                   <a:srgbClr val="666666"/>
                 </a:solidFill>
-                <a:latin typeface="Microsoft YaHei" pitchFamily="34" charset="0"/>
-                <a:ea typeface="Microsoft YaHei" pitchFamily="34" charset="-122"/>
-                <a:cs typeface="Microsoft YaHei" pitchFamily="34" charset="-120"/>
+                <a:latin typeface="微软雅黑" panose="020B0503020204020204" pitchFamily="34" charset="-122"/>
+                <a:ea typeface="微软雅黑" panose="020B0503020204020204" pitchFamily="34" charset="-122"/>
+                <a:cs typeface="微软雅黑" panose="020B0503020204020204" pitchFamily="34" charset="-120"/>
               </a:rPr>
               <a:t>通过</a:t>
             </a:r>
@@ -9129,9 +8584,9 @@
                 <a:solidFill>
                   <a:srgbClr val="666666"/>
                 </a:solidFill>
-                <a:latin typeface="Microsoft YaHei" pitchFamily="34" charset="0"/>
-                <a:ea typeface="Microsoft YaHei" pitchFamily="34" charset="-122"/>
-                <a:cs typeface="Microsoft YaHei" pitchFamily="34" charset="-120"/>
+                <a:latin typeface="微软雅黑" panose="020B0503020204020204" pitchFamily="34" charset="-122"/>
+                <a:ea typeface="微软雅黑" panose="020B0503020204020204" pitchFamily="34" charset="-122"/>
+                <a:cs typeface="微软雅黑" panose="020B0503020204020204" pitchFamily="34" charset="-120"/>
               </a:rPr>
               <a:t>ERP</a:t>
             </a:r>
@@ -9140,9 +8595,9 @@
                 <a:solidFill>
                   <a:srgbClr val="666666"/>
                 </a:solidFill>
-                <a:latin typeface="Microsoft YaHei" pitchFamily="34" charset="0"/>
-                <a:ea typeface="Microsoft YaHei" pitchFamily="34" charset="-122"/>
-                <a:cs typeface="Microsoft YaHei" pitchFamily="34" charset="-120"/>
+                <a:latin typeface="微软雅黑" panose="020B0503020204020204" pitchFamily="34" charset="-122"/>
+                <a:ea typeface="微软雅黑" panose="020B0503020204020204" pitchFamily="34" charset="-122"/>
+                <a:cs typeface="微软雅黑" panose="020B0503020204020204" pitchFamily="34" charset="-120"/>
               </a:rPr>
               <a:t>系统的自动化和集成功能，降低企业的运营成本，提高盈利能力。</a:t>
             </a:r>
@@ -9152,13 +8607,7 @@
       </p:sp>
       <p:sp>
         <p:nvSpPr>
-          <p:cNvPr id="14" name="Text 3">
-            <a:extLst>
-              <a:ext uri="{FF2B5EF4-FFF2-40B4-BE49-F238E27FC236}">
-                <a16:creationId xmlns:a16="http://schemas.microsoft.com/office/drawing/2014/main" id="{AC4D52F3-FEC5-099F-6D5F-F5ADC5871129}"/>
-              </a:ext>
-            </a:extLst>
-          </p:cNvPr>
+          <p:cNvPr id="14" name="Text 3"/>
           <p:cNvSpPr/>
           <p:nvPr/>
         </p:nvSpPr>
@@ -9171,7 +8620,6 @@
             <a:avLst/>
           </a:prstGeom>
           <a:noFill/>
-          <a:ln/>
         </p:spPr>
         <p:txBody>
           <a:bodyPr vert="horz" wrap="square" lIns="0" tIns="0" rIns="0" bIns="0" rtlCol="0" anchor="ctr"/>
@@ -9188,9 +8636,9 @@
                 <a:solidFill>
                   <a:srgbClr val="333333"/>
                 </a:solidFill>
-                <a:latin typeface="Microsoft YaHei" pitchFamily="34" charset="0"/>
-                <a:ea typeface="Microsoft YaHei" pitchFamily="34" charset="-122"/>
-                <a:cs typeface="Microsoft YaHei" pitchFamily="34" charset="-120"/>
+                <a:latin typeface="微软雅黑" panose="020B0503020204020204" pitchFamily="34" charset="-122"/>
+                <a:ea typeface="微软雅黑" panose="020B0503020204020204" pitchFamily="34" charset="-122"/>
+                <a:cs typeface="微软雅黑" panose="020B0503020204020204" pitchFamily="34" charset="-120"/>
               </a:rPr>
               <a:t>提供可扩展性和灵活性</a:t>
             </a:r>
@@ -9200,13 +8648,7 @@
       </p:sp>
       <p:sp>
         <p:nvSpPr>
-          <p:cNvPr id="15" name="Text 4">
-            <a:extLst>
-              <a:ext uri="{FF2B5EF4-FFF2-40B4-BE49-F238E27FC236}">
-                <a16:creationId xmlns:a16="http://schemas.microsoft.com/office/drawing/2014/main" id="{D5527773-8C65-336D-8AE9-3DDF466C04CD}"/>
-              </a:ext>
-            </a:extLst>
-          </p:cNvPr>
+          <p:cNvPr id="15" name="Text 4"/>
           <p:cNvSpPr/>
           <p:nvPr/>
         </p:nvSpPr>
@@ -9219,7 +8661,6 @@
             <a:avLst/>
           </a:prstGeom>
           <a:noFill/>
-          <a:ln/>
         </p:spPr>
         <p:txBody>
           <a:bodyPr vert="horz" wrap="square" lIns="0" tIns="0" rIns="0" bIns="0" rtlCol="0" anchor="ctr"/>
@@ -9236,9 +8677,9 @@
                 <a:solidFill>
                   <a:srgbClr val="666666"/>
                 </a:solidFill>
-                <a:latin typeface="Microsoft YaHei" pitchFamily="34" charset="0"/>
-                <a:ea typeface="Microsoft YaHei" pitchFamily="34" charset="-122"/>
-                <a:cs typeface="Microsoft YaHei" pitchFamily="34" charset="-120"/>
+                <a:latin typeface="微软雅黑" panose="020B0503020204020204" pitchFamily="34" charset="-122"/>
+                <a:ea typeface="微软雅黑" panose="020B0503020204020204" pitchFamily="34" charset="-122"/>
+                <a:cs typeface="微软雅黑" panose="020B0503020204020204" pitchFamily="34" charset="-120"/>
               </a:rPr>
               <a:t>考虑到小型企业未来的发展需求，</a:t>
             </a:r>
@@ -9247,9 +8688,9 @@
                 <a:solidFill>
                   <a:srgbClr val="666666"/>
                 </a:solidFill>
-                <a:latin typeface="Microsoft YaHei" pitchFamily="34" charset="0"/>
-                <a:ea typeface="Microsoft YaHei" pitchFamily="34" charset="-122"/>
-                <a:cs typeface="Microsoft YaHei" pitchFamily="34" charset="-120"/>
+                <a:latin typeface="微软雅黑" panose="020B0503020204020204" pitchFamily="34" charset="-122"/>
+                <a:ea typeface="微软雅黑" panose="020B0503020204020204" pitchFamily="34" charset="-122"/>
+                <a:cs typeface="微软雅黑" panose="020B0503020204020204" pitchFamily="34" charset="-120"/>
               </a:rPr>
               <a:t>ERP</a:t>
             </a:r>
@@ -9258,9 +8699,9 @@
                 <a:solidFill>
                   <a:srgbClr val="666666"/>
                 </a:solidFill>
-                <a:latin typeface="Microsoft YaHei" pitchFamily="34" charset="0"/>
-                <a:ea typeface="Microsoft YaHei" pitchFamily="34" charset="-122"/>
-                <a:cs typeface="Microsoft YaHei" pitchFamily="34" charset="-120"/>
+                <a:latin typeface="微软雅黑" panose="020B0503020204020204" pitchFamily="34" charset="-122"/>
+                <a:ea typeface="微软雅黑" panose="020B0503020204020204" pitchFamily="34" charset="-122"/>
+                <a:cs typeface="微软雅黑" panose="020B0503020204020204" pitchFamily="34" charset="-120"/>
               </a:rPr>
               <a:t>系统需要具备可扩展性和灵活性，能够随着企业的发展进行功能扩展和定制化调整。</a:t>
             </a:r>
@@ -9270,13 +8711,7 @@
       </p:sp>
       <p:sp>
         <p:nvSpPr>
-          <p:cNvPr id="16" name="Text 5">
-            <a:extLst>
-              <a:ext uri="{FF2B5EF4-FFF2-40B4-BE49-F238E27FC236}">
-                <a16:creationId xmlns:a16="http://schemas.microsoft.com/office/drawing/2014/main" id="{8E439CE4-428D-7FBA-888E-AC9D573A9E40}"/>
-              </a:ext>
-            </a:extLst>
-          </p:cNvPr>
+          <p:cNvPr id="16" name="Text 5"/>
           <p:cNvSpPr/>
           <p:nvPr/>
         </p:nvSpPr>
@@ -9289,7 +8724,6 @@
             <a:avLst/>
           </a:prstGeom>
           <a:noFill/>
-          <a:ln/>
         </p:spPr>
         <p:txBody>
           <a:bodyPr vert="horz" wrap="square" lIns="0" tIns="0" rIns="0" bIns="0" rtlCol="0" anchor="ctr"/>
@@ -9306,9 +8740,9 @@
                 <a:solidFill>
                   <a:srgbClr val="333333"/>
                 </a:solidFill>
-                <a:latin typeface="Microsoft YaHei" pitchFamily="34" charset="0"/>
-                <a:ea typeface="Microsoft YaHei" pitchFamily="34" charset="-122"/>
-                <a:cs typeface="Microsoft YaHei" pitchFamily="34" charset="-120"/>
+                <a:latin typeface="微软雅黑" panose="020B0503020204020204" pitchFamily="34" charset="-122"/>
+                <a:ea typeface="微软雅黑" panose="020B0503020204020204" pitchFamily="34" charset="-122"/>
+                <a:cs typeface="微软雅黑" panose="020B0503020204020204" pitchFamily="34" charset="-120"/>
               </a:rPr>
               <a:t>提高客户满意度</a:t>
             </a:r>
@@ -9318,13 +8752,7 @@
       </p:sp>
       <p:sp>
         <p:nvSpPr>
-          <p:cNvPr id="17" name="Text 6">
-            <a:extLst>
-              <a:ext uri="{FF2B5EF4-FFF2-40B4-BE49-F238E27FC236}">
-                <a16:creationId xmlns:a16="http://schemas.microsoft.com/office/drawing/2014/main" id="{6E1F81BE-EC95-6A1A-406A-C05E51EF89ED}"/>
-              </a:ext>
-            </a:extLst>
-          </p:cNvPr>
+          <p:cNvPr id="17" name="Text 6"/>
           <p:cNvSpPr/>
           <p:nvPr/>
         </p:nvSpPr>
@@ -9337,7 +8765,6 @@
             <a:avLst/>
           </a:prstGeom>
           <a:noFill/>
-          <a:ln/>
         </p:spPr>
         <p:txBody>
           <a:bodyPr vert="horz" wrap="square" lIns="0" tIns="0" rIns="0" bIns="0" rtlCol="0" anchor="ctr"/>
@@ -9354,9 +8781,9 @@
                 <a:solidFill>
                   <a:srgbClr val="666666"/>
                 </a:solidFill>
-                <a:latin typeface="Microsoft YaHei" pitchFamily="34" charset="0"/>
-                <a:ea typeface="Microsoft YaHei" pitchFamily="34" charset="-122"/>
-                <a:cs typeface="Microsoft YaHei" pitchFamily="34" charset="-120"/>
+                <a:latin typeface="微软雅黑" panose="020B0503020204020204" pitchFamily="34" charset="-122"/>
+                <a:ea typeface="微软雅黑" panose="020B0503020204020204" pitchFamily="34" charset="-122"/>
+                <a:cs typeface="微软雅黑" panose="020B0503020204020204" pitchFamily="34" charset="-120"/>
               </a:rPr>
               <a:t>通过</a:t>
             </a:r>
@@ -9365,9 +8792,9 @@
                 <a:solidFill>
                   <a:srgbClr val="666666"/>
                 </a:solidFill>
-                <a:latin typeface="Microsoft YaHei" pitchFamily="34" charset="0"/>
-                <a:ea typeface="Microsoft YaHei" pitchFamily="34" charset="-122"/>
-                <a:cs typeface="Microsoft YaHei" pitchFamily="34" charset="-120"/>
+                <a:latin typeface="微软雅黑" panose="020B0503020204020204" pitchFamily="34" charset="-122"/>
+                <a:ea typeface="微软雅黑" panose="020B0503020204020204" pitchFamily="34" charset="-122"/>
+                <a:cs typeface="微软雅黑" panose="020B0503020204020204" pitchFamily="34" charset="-120"/>
               </a:rPr>
               <a:t>ERP</a:t>
             </a:r>
@@ -9376,24 +8803,26 @@
                 <a:solidFill>
                   <a:srgbClr val="666666"/>
                 </a:solidFill>
-                <a:latin typeface="Microsoft YaHei" pitchFamily="34" charset="0"/>
-                <a:ea typeface="Microsoft YaHei" pitchFamily="34" charset="-122"/>
-                <a:cs typeface="Microsoft YaHei" pitchFamily="34" charset="-120"/>
+                <a:latin typeface="微软雅黑" panose="020B0503020204020204" pitchFamily="34" charset="-122"/>
+                <a:ea typeface="微软雅黑" panose="020B0503020204020204" pitchFamily="34" charset="-122"/>
+                <a:cs typeface="微软雅黑" panose="020B0503020204020204" pitchFamily="34" charset="-120"/>
               </a:rPr>
               <a:t>系统对客户信息进行管理和分析，了解客户需求，提供更加个性化的产品和服务，从而提高客户满意度。</a:t>
             </a:r>
-          </a:p>
-        </p:txBody>
-      </p:sp>
-      <p:sp>
-        <p:nvSpPr>
-          <p:cNvPr id="18" name="Text 7">
-            <a:extLst>
-              <a:ext uri="{FF2B5EF4-FFF2-40B4-BE49-F238E27FC236}">
-                <a16:creationId xmlns:a16="http://schemas.microsoft.com/office/drawing/2014/main" id="{A709CF5F-6142-9BF2-86E1-397E4EE11574}"/>
-              </a:ext>
-            </a:extLst>
-          </p:cNvPr>
+            <a:endParaRPr lang="zh-CN" altLang="en-US" sz="1050" dirty="0">
+              <a:solidFill>
+                <a:srgbClr val="666666"/>
+              </a:solidFill>
+              <a:latin typeface="微软雅黑" panose="020B0503020204020204" pitchFamily="34" charset="-122"/>
+              <a:ea typeface="微软雅黑" panose="020B0503020204020204" pitchFamily="34" charset="-122"/>
+              <a:cs typeface="微软雅黑" panose="020B0503020204020204" pitchFamily="34" charset="-120"/>
+            </a:endParaRPr>
+          </a:p>
+        </p:txBody>
+      </p:sp>
+      <p:sp>
+        <p:nvSpPr>
+          <p:cNvPr id="18" name="Text 7"/>
           <p:cNvSpPr/>
           <p:nvPr/>
         </p:nvSpPr>
@@ -9406,7 +8835,6 @@
             <a:avLst/>
           </a:prstGeom>
           <a:noFill/>
-          <a:ln/>
         </p:spPr>
         <p:txBody>
           <a:bodyPr vert="horz" wrap="square" lIns="0" tIns="0" rIns="0" bIns="0" rtlCol="0" anchor="ctr"/>
@@ -9423,9 +8851,9 @@
                 <a:solidFill>
                   <a:srgbClr val="333333"/>
                 </a:solidFill>
-                <a:latin typeface="Microsoft YaHei" pitchFamily="34" charset="0"/>
-                <a:ea typeface="Microsoft YaHei" pitchFamily="34" charset="-122"/>
-                <a:cs typeface="Microsoft YaHei" pitchFamily="34" charset="-120"/>
+                <a:latin typeface="微软雅黑" panose="020B0503020204020204" pitchFamily="34" charset="-122"/>
+                <a:ea typeface="微软雅黑" panose="020B0503020204020204" pitchFamily="34" charset="-122"/>
+                <a:cs typeface="微软雅黑" panose="020B0503020204020204" pitchFamily="34" charset="-120"/>
               </a:rPr>
               <a:t>增强数据分析能力</a:t>
             </a:r>
@@ -9435,13 +8863,7 @@
       </p:sp>
       <p:sp>
         <p:nvSpPr>
-          <p:cNvPr id="19" name="Text 8">
-            <a:extLst>
-              <a:ext uri="{FF2B5EF4-FFF2-40B4-BE49-F238E27FC236}">
-                <a16:creationId xmlns:a16="http://schemas.microsoft.com/office/drawing/2014/main" id="{546456C4-94D6-3E37-D4AC-D61159350031}"/>
-              </a:ext>
-            </a:extLst>
-          </p:cNvPr>
+          <p:cNvPr id="19" name="Text 8"/>
           <p:cNvSpPr/>
           <p:nvPr/>
         </p:nvSpPr>
@@ -9454,7 +8876,6 @@
             <a:avLst/>
           </a:prstGeom>
           <a:noFill/>
-          <a:ln/>
         </p:spPr>
         <p:txBody>
           <a:bodyPr vert="horz" wrap="square" lIns="0" tIns="0" rIns="0" bIns="0" rtlCol="0" anchor="ctr"/>
@@ -9471,9 +8892,9 @@
                 <a:solidFill>
                   <a:srgbClr val="666666"/>
                 </a:solidFill>
-                <a:latin typeface="Microsoft YaHei" pitchFamily="34" charset="0"/>
-                <a:ea typeface="Microsoft YaHei" pitchFamily="34" charset="-122"/>
-                <a:cs typeface="Microsoft YaHei" pitchFamily="34" charset="-120"/>
+                <a:latin typeface="微软雅黑" panose="020B0503020204020204" pitchFamily="34" charset="-122"/>
+                <a:ea typeface="微软雅黑" panose="020B0503020204020204" pitchFamily="34" charset="-122"/>
+                <a:cs typeface="微软雅黑" panose="020B0503020204020204" pitchFamily="34" charset="-120"/>
               </a:rPr>
               <a:t>提供强大的数据分析功能，帮助企业进行数据挖掘和分析，为企业的战略决策提供依据。</a:t>
             </a:r>
@@ -9491,7 +8912,7 @@
 
 <file path=ppt/slides/slide7.xml><?xml version="1.0" encoding="utf-8"?>
 <p:sld xmlns:a="http://schemas.openxmlformats.org/drawingml/2006/main" xmlns:r="http://schemas.openxmlformats.org/officeDocument/2006/relationships" xmlns:p="http://schemas.openxmlformats.org/presentationml/2006/main">
-  <p:cSld name="Slide 6">
+  <p:cSld>
     <p:spTree>
       <p:nvGrpSpPr>
         <p:cNvPr id="1" name=""/>
@@ -9515,9 +8936,11 @@
           <p:nvPr/>
         </p:nvPicPr>
         <p:blipFill>
-          <a:blip r:embed="rId3"/>
+          <a:blip r:embed="rId1"/>
           <a:srcRect/>
-          <a:stretch/>
+          <a:stretch>
+            <a:fillRect/>
+          </a:stretch>
         </p:blipFill>
         <p:spPr>
           <a:xfrm>
@@ -9544,7 +8967,6 @@
             <a:avLst/>
           </a:prstGeom>
           <a:noFill/>
-          <a:ln/>
         </p:spPr>
         <p:txBody>
           <a:bodyPr vert="horz" wrap="square" lIns="0" tIns="0" rIns="0" bIns="0" rtlCol="0" anchor="ctr"/>
@@ -9561,12 +8983,20 @@
                 <a:solidFill>
                   <a:srgbClr val="333333"/>
                 </a:solidFill>
-                <a:latin typeface="Microsoft YaHei" pitchFamily="34" charset="0"/>
-                <a:ea typeface="Microsoft YaHei" pitchFamily="34" charset="-122"/>
-                <a:cs typeface="Microsoft YaHei" pitchFamily="34" charset="-120"/>
+                <a:latin typeface="微软雅黑" panose="020B0503020204020204" pitchFamily="34" charset="-122"/>
+                <a:ea typeface="微软雅黑" panose="020B0503020204020204" pitchFamily="34" charset="-122"/>
+                <a:cs typeface="微软雅黑" panose="020B0503020204020204" pitchFamily="34" charset="-120"/>
               </a:rPr>
               <a:t>主要功能分析</a:t>
             </a:r>
+            <a:endParaRPr lang="zh-CN" altLang="en-US" sz="3750" b="1" dirty="0">
+              <a:solidFill>
+                <a:srgbClr val="333333"/>
+              </a:solidFill>
+              <a:latin typeface="微软雅黑" panose="020B0503020204020204" pitchFamily="34" charset="-122"/>
+              <a:ea typeface="微软雅黑" panose="020B0503020204020204" pitchFamily="34" charset="-122"/>
+              <a:cs typeface="微软雅黑" panose="020B0503020204020204" pitchFamily="34" charset="-120"/>
+            </a:endParaRPr>
           </a:p>
         </p:txBody>
       </p:sp>
@@ -9589,7 +9019,6 @@
               <a:alpha val="30000"/>
             </a:srgbClr>
           </a:solidFill>
-          <a:ln/>
         </p:spPr>
       </p:sp>
       <p:sp>
@@ -9607,7 +9036,6 @@
             <a:avLst/>
           </a:prstGeom>
           <a:noFill/>
-          <a:ln/>
         </p:spPr>
         <p:txBody>
           <a:bodyPr vert="horz" wrap="square" lIns="0" tIns="0" rIns="0" bIns="0" rtlCol="0" anchor="ctr"/>
@@ -9638,7 +9066,6 @@
             <a:avLst/>
           </a:prstGeom>
           <a:noFill/>
-          <a:ln/>
         </p:spPr>
         <p:txBody>
           <a:bodyPr vert="horz" wrap="square" lIns="0" tIns="0" rIns="0" bIns="0" rtlCol="0" anchor="ctr"/>
@@ -9657,9 +9084,9 @@
                     <a:alpha val="70000"/>
                   </a:srgbClr>
                 </a:solidFill>
-                <a:latin typeface="Microsoft YaHei" pitchFamily="34" charset="0"/>
-                <a:ea typeface="Microsoft YaHei" pitchFamily="34" charset="-122"/>
-                <a:cs typeface="Microsoft YaHei" pitchFamily="34" charset="-120"/>
+                <a:latin typeface="微软雅黑" panose="020B0503020204020204" pitchFamily="34" charset="-122"/>
+                <a:ea typeface="微软雅黑" panose="020B0503020204020204" pitchFamily="34" charset="-122"/>
+                <a:cs typeface="微软雅黑" panose="020B0503020204020204" pitchFamily="34" charset="-120"/>
               </a:rPr>
               <a:t>02</a:t>
             </a:r>
@@ -9677,7 +9104,7 @@
 
 <file path=ppt/slides/slide8.xml><?xml version="1.0" encoding="utf-8"?>
 <p:sld xmlns:a="http://schemas.openxmlformats.org/drawingml/2006/main" xmlns:r="http://schemas.openxmlformats.org/officeDocument/2006/relationships" xmlns:p="http://schemas.openxmlformats.org/presentationml/2006/main">
-  <p:cSld name="Slide 7">
+  <p:cSld>
     <p:spTree>
       <p:nvGrpSpPr>
         <p:cNvPr id="1" name=""/>
@@ -9694,22 +9121,18 @@
       </p:grpSpPr>
       <p:pic>
         <p:nvPicPr>
-          <p:cNvPr id="18" name="Image 0" descr="preencoded.png">
-            <a:extLst>
-              <a:ext uri="{FF2B5EF4-FFF2-40B4-BE49-F238E27FC236}">
-                <a16:creationId xmlns:a16="http://schemas.microsoft.com/office/drawing/2014/main" id="{166F3531-636D-F2E6-4D8E-6B18603196D3}"/>
-              </a:ext>
-            </a:extLst>
-          </p:cNvPr>
+          <p:cNvPr id="18" name="Image 0" descr="preencoded.png"/>
           <p:cNvPicPr>
             <a:picLocks noChangeAspect="1"/>
           </p:cNvPicPr>
           <p:nvPr/>
         </p:nvPicPr>
         <p:blipFill>
-          <a:blip r:embed="rId3"/>
+          <a:blip r:embed="rId1"/>
           <a:srcRect/>
-          <a:stretch/>
+          <a:stretch>
+            <a:fillRect/>
+          </a:stretch>
         </p:blipFill>
         <p:spPr>
           <a:xfrm>
@@ -9736,7 +9159,6 @@
             <a:avLst/>
           </a:prstGeom>
           <a:noFill/>
-          <a:ln/>
         </p:spPr>
         <p:txBody>
           <a:bodyPr vert="horz" wrap="square" lIns="0" tIns="0" rIns="0" bIns="0" rtlCol="0" anchor="ctr"/>
@@ -9754,13 +9176,7 @@
       </p:sp>
       <p:sp>
         <p:nvSpPr>
-          <p:cNvPr id="19" name="Text 1">
-            <a:extLst>
-              <a:ext uri="{FF2B5EF4-FFF2-40B4-BE49-F238E27FC236}">
-                <a16:creationId xmlns:a16="http://schemas.microsoft.com/office/drawing/2014/main" id="{915E4E48-8C4F-D1DE-F7D8-828E886269B6}"/>
-              </a:ext>
-            </a:extLst>
-          </p:cNvPr>
+          <p:cNvPr id="19" name="Text 1"/>
           <p:cNvSpPr/>
           <p:nvPr/>
         </p:nvSpPr>
@@ -9773,7 +9189,6 @@
             <a:avLst/>
           </a:prstGeom>
           <a:noFill/>
-          <a:ln/>
         </p:spPr>
         <p:txBody>
           <a:bodyPr vert="horz" wrap="square" lIns="0" tIns="0" rIns="0" bIns="0" rtlCol="0" anchor="ctr"/>
@@ -9790,24 +9205,26 @@
                 <a:solidFill>
                   <a:srgbClr val="333333"/>
                 </a:solidFill>
-                <a:latin typeface="Microsoft YaHei" pitchFamily="34" charset="0"/>
-                <a:ea typeface="Microsoft YaHei" pitchFamily="34" charset="-122"/>
-                <a:cs typeface="Microsoft YaHei" pitchFamily="34" charset="-120"/>
+                <a:latin typeface="微软雅黑" panose="020B0503020204020204" pitchFamily="34" charset="-122"/>
+                <a:ea typeface="微软雅黑" panose="020B0503020204020204" pitchFamily="34" charset="-122"/>
+                <a:cs typeface="微软雅黑" panose="020B0503020204020204" pitchFamily="34" charset="-120"/>
               </a:rPr>
               <a:t>用户角色及其功能</a:t>
             </a:r>
-          </a:p>
-        </p:txBody>
-      </p:sp>
-      <p:sp>
-        <p:nvSpPr>
-          <p:cNvPr id="20" name="Text 3">
-            <a:extLst>
-              <a:ext uri="{FF2B5EF4-FFF2-40B4-BE49-F238E27FC236}">
-                <a16:creationId xmlns:a16="http://schemas.microsoft.com/office/drawing/2014/main" id="{3AC847F7-6F68-26DF-6F6B-26971711E145}"/>
-              </a:ext>
-            </a:extLst>
-          </p:cNvPr>
+            <a:endParaRPr lang="zh-CN" altLang="en-US" sz="2250" b="1" dirty="0">
+              <a:solidFill>
+                <a:srgbClr val="333333"/>
+              </a:solidFill>
+              <a:latin typeface="微软雅黑" panose="020B0503020204020204" pitchFamily="34" charset="-122"/>
+              <a:ea typeface="微软雅黑" panose="020B0503020204020204" pitchFamily="34" charset="-122"/>
+              <a:cs typeface="微软雅黑" panose="020B0503020204020204" pitchFamily="34" charset="-120"/>
+            </a:endParaRPr>
+          </a:p>
+        </p:txBody>
+      </p:sp>
+      <p:sp>
+        <p:nvSpPr>
+          <p:cNvPr id="20" name="Text 3"/>
           <p:cNvSpPr/>
           <p:nvPr/>
         </p:nvSpPr>
@@ -9820,7 +9237,6 @@
             <a:avLst/>
           </a:prstGeom>
           <a:noFill/>
-          <a:ln/>
         </p:spPr>
         <p:txBody>
           <a:bodyPr vert="horz" wrap="square" lIns="0" tIns="0" rIns="0" bIns="0" rtlCol="0" anchor="ctr"/>
@@ -9837,9 +9253,9 @@
                 <a:solidFill>
                   <a:srgbClr val="333333"/>
                 </a:solidFill>
-                <a:latin typeface="Microsoft YaHei" pitchFamily="34" charset="0"/>
-                <a:ea typeface="Microsoft YaHei" pitchFamily="34" charset="-122"/>
-                <a:cs typeface="Microsoft YaHei" pitchFamily="34" charset="-120"/>
+                <a:latin typeface="微软雅黑" panose="020B0503020204020204" pitchFamily="34" charset="-122"/>
+                <a:ea typeface="微软雅黑" panose="020B0503020204020204" pitchFamily="34" charset="-122"/>
+                <a:cs typeface="微软雅黑" panose="020B0503020204020204" pitchFamily="34" charset="-120"/>
               </a:rPr>
               <a:t>系统管理员</a:t>
             </a:r>
@@ -9849,13 +9265,7 @@
       </p:sp>
       <p:sp>
         <p:nvSpPr>
-          <p:cNvPr id="21" name="Text 4">
-            <a:extLst>
-              <a:ext uri="{FF2B5EF4-FFF2-40B4-BE49-F238E27FC236}">
-                <a16:creationId xmlns:a16="http://schemas.microsoft.com/office/drawing/2014/main" id="{98BAB8FB-4139-8560-36F0-0FADA48BD1A6}"/>
-              </a:ext>
-            </a:extLst>
-          </p:cNvPr>
+          <p:cNvPr id="21" name="Text 4"/>
           <p:cNvSpPr/>
           <p:nvPr/>
         </p:nvSpPr>
@@ -9868,7 +9278,6 @@
             <a:avLst/>
           </a:prstGeom>
           <a:noFill/>
-          <a:ln/>
         </p:spPr>
         <p:txBody>
           <a:bodyPr vert="horz" wrap="square" lIns="0" tIns="0" rIns="0" bIns="0" rtlCol="0" anchor="ctr"/>
@@ -9885,9 +9294,9 @@
                 <a:solidFill>
                   <a:srgbClr val="666666"/>
                 </a:solidFill>
-                <a:latin typeface="Microsoft YaHei" pitchFamily="34" charset="0"/>
-                <a:ea typeface="Microsoft YaHei" pitchFamily="34" charset="-122"/>
-                <a:cs typeface="Microsoft YaHei" pitchFamily="34" charset="-120"/>
+                <a:latin typeface="微软雅黑" panose="020B0503020204020204" pitchFamily="34" charset="-122"/>
+                <a:ea typeface="微软雅黑" panose="020B0503020204020204" pitchFamily="34" charset="-122"/>
+                <a:cs typeface="微软雅黑" panose="020B0503020204020204" pitchFamily="34" charset="-120"/>
               </a:rPr>
               <a:t>负责系统的安装、配置、维护和日常管理，确保系统的稳定性和安全性。同时，还需要监控系统的性能，及时处理各种故障，并管理用户权限，确保只有授权人员能够访问系统的特定功能和数据。</a:t>
             </a:r>
@@ -9897,13 +9306,7 @@
       </p:sp>
       <p:sp>
         <p:nvSpPr>
-          <p:cNvPr id="22" name="Text 3">
-            <a:extLst>
-              <a:ext uri="{FF2B5EF4-FFF2-40B4-BE49-F238E27FC236}">
-                <a16:creationId xmlns:a16="http://schemas.microsoft.com/office/drawing/2014/main" id="{707325C9-76E9-74CC-8723-17ACB0E66450}"/>
-              </a:ext>
-            </a:extLst>
-          </p:cNvPr>
+          <p:cNvPr id="22" name="Text 3"/>
           <p:cNvSpPr/>
           <p:nvPr/>
         </p:nvSpPr>
@@ -9916,7 +9319,6 @@
             <a:avLst/>
           </a:prstGeom>
           <a:noFill/>
-          <a:ln/>
         </p:spPr>
         <p:txBody>
           <a:bodyPr vert="horz" wrap="square" lIns="0" tIns="0" rIns="0" bIns="0" rtlCol="0" anchor="ctr"/>
@@ -9933,9 +9335,9 @@
                 <a:solidFill>
                   <a:srgbClr val="333333"/>
                 </a:solidFill>
-                <a:latin typeface="Microsoft YaHei" pitchFamily="34" charset="0"/>
-                <a:ea typeface="Microsoft YaHei" pitchFamily="34" charset="-122"/>
-                <a:cs typeface="Microsoft YaHei" pitchFamily="34" charset="-120"/>
+                <a:latin typeface="微软雅黑" panose="020B0503020204020204" pitchFamily="34" charset="-122"/>
+                <a:ea typeface="微软雅黑" panose="020B0503020204020204" pitchFamily="34" charset="-122"/>
+                <a:cs typeface="微软雅黑" panose="020B0503020204020204" pitchFamily="34" charset="-120"/>
               </a:rPr>
               <a:t>财务人员</a:t>
             </a:r>
@@ -9945,13 +9347,7 @@
       </p:sp>
       <p:sp>
         <p:nvSpPr>
-          <p:cNvPr id="23" name="Text 4">
-            <a:extLst>
-              <a:ext uri="{FF2B5EF4-FFF2-40B4-BE49-F238E27FC236}">
-                <a16:creationId xmlns:a16="http://schemas.microsoft.com/office/drawing/2014/main" id="{45C85DFB-E767-BB65-7145-B76F8FB5A372}"/>
-              </a:ext>
-            </a:extLst>
-          </p:cNvPr>
+          <p:cNvPr id="23" name="Text 4"/>
           <p:cNvSpPr/>
           <p:nvPr/>
         </p:nvSpPr>
@@ -9964,7 +9360,6 @@
             <a:avLst/>
           </a:prstGeom>
           <a:noFill/>
-          <a:ln/>
         </p:spPr>
         <p:txBody>
           <a:bodyPr vert="horz" wrap="square" lIns="0" tIns="0" rIns="0" bIns="0" rtlCol="0" anchor="ctr"/>
@@ -9981,9 +9376,9 @@
                 <a:solidFill>
                   <a:srgbClr val="666666"/>
                 </a:solidFill>
-                <a:latin typeface="Microsoft YaHei" pitchFamily="34" charset="0"/>
-                <a:ea typeface="Microsoft YaHei" pitchFamily="34" charset="-122"/>
-                <a:cs typeface="Microsoft YaHei" pitchFamily="34" charset="-120"/>
+                <a:latin typeface="微软雅黑" panose="020B0503020204020204" pitchFamily="34" charset="-122"/>
+                <a:ea typeface="微软雅黑" panose="020B0503020204020204" pitchFamily="34" charset="-122"/>
+                <a:cs typeface="微软雅黑" panose="020B0503020204020204" pitchFamily="34" charset="-120"/>
               </a:rPr>
               <a:t>处理公司的财务数据，包括收入、支出、利润等方面的数据。</a:t>
             </a:r>
@@ -9992,9 +9387,9 @@
                 <a:solidFill>
                   <a:srgbClr val="666666"/>
                 </a:solidFill>
-                <a:latin typeface="Microsoft YaHei" pitchFamily="34" charset="0"/>
-                <a:ea typeface="Microsoft YaHei" pitchFamily="34" charset="-122"/>
-                <a:cs typeface="Microsoft YaHei" pitchFamily="34" charset="-120"/>
+                <a:latin typeface="微软雅黑" panose="020B0503020204020204" pitchFamily="34" charset="-122"/>
+                <a:ea typeface="微软雅黑" panose="020B0503020204020204" pitchFamily="34" charset="-122"/>
+                <a:cs typeface="微软雅黑" panose="020B0503020204020204" pitchFamily="34" charset="-120"/>
               </a:rPr>
               <a:t>ERP</a:t>
             </a:r>
@@ -10003,9 +9398,9 @@
                 <a:solidFill>
                   <a:srgbClr val="666666"/>
                 </a:solidFill>
-                <a:latin typeface="Microsoft YaHei" pitchFamily="34" charset="0"/>
-                <a:ea typeface="Microsoft YaHei" pitchFamily="34" charset="-122"/>
-                <a:cs typeface="Microsoft YaHei" pitchFamily="34" charset="-120"/>
+                <a:latin typeface="微软雅黑" panose="020B0503020204020204" pitchFamily="34" charset="-122"/>
+                <a:ea typeface="微软雅黑" panose="020B0503020204020204" pitchFamily="34" charset="-122"/>
+                <a:cs typeface="微软雅黑" panose="020B0503020204020204" pitchFamily="34" charset="-120"/>
               </a:rPr>
               <a:t>系统为财务人员提供会计、财务报表、成本控制等重要功能，以帮助他们更好地管理公司的财务数据，提高企业的财务管控能力。</a:t>
             </a:r>
@@ -10015,13 +9410,7 @@
       </p:sp>
       <p:sp>
         <p:nvSpPr>
-          <p:cNvPr id="24" name="Text 3">
-            <a:extLst>
-              <a:ext uri="{FF2B5EF4-FFF2-40B4-BE49-F238E27FC236}">
-                <a16:creationId xmlns:a16="http://schemas.microsoft.com/office/drawing/2014/main" id="{EAE41D39-75EA-BBAD-7288-1A8266BF8FBB}"/>
-              </a:ext>
-            </a:extLst>
-          </p:cNvPr>
+          <p:cNvPr id="24" name="Text 3"/>
           <p:cNvSpPr/>
           <p:nvPr/>
         </p:nvSpPr>
@@ -10034,7 +9423,6 @@
             <a:avLst/>
           </a:prstGeom>
           <a:noFill/>
-          <a:ln/>
         </p:spPr>
         <p:txBody>
           <a:bodyPr vert="horz" wrap="square" lIns="0" tIns="0" rIns="0" bIns="0" rtlCol="0" anchor="ctr"/>
@@ -10051,9 +9439,9 @@
                 <a:solidFill>
                   <a:srgbClr val="333333"/>
                 </a:solidFill>
-                <a:latin typeface="Microsoft YaHei" pitchFamily="34" charset="0"/>
-                <a:ea typeface="Microsoft YaHei" pitchFamily="34" charset="-122"/>
-                <a:cs typeface="Microsoft YaHei" pitchFamily="34" charset="-120"/>
+                <a:latin typeface="微软雅黑" panose="020B0503020204020204" pitchFamily="34" charset="-122"/>
+                <a:ea typeface="微软雅黑" panose="020B0503020204020204" pitchFamily="34" charset="-122"/>
+                <a:cs typeface="微软雅黑" panose="020B0503020204020204" pitchFamily="34" charset="-120"/>
               </a:rPr>
               <a:t>系统管理员</a:t>
             </a:r>
@@ -10063,13 +9451,7 @@
       </p:sp>
       <p:sp>
         <p:nvSpPr>
-          <p:cNvPr id="25" name="Text 4">
-            <a:extLst>
-              <a:ext uri="{FF2B5EF4-FFF2-40B4-BE49-F238E27FC236}">
-                <a16:creationId xmlns:a16="http://schemas.microsoft.com/office/drawing/2014/main" id="{A3E2B05F-DBFB-E324-4F4B-4847217DEA8E}"/>
-              </a:ext>
-            </a:extLst>
-          </p:cNvPr>
+          <p:cNvPr id="25" name="Text 4"/>
           <p:cNvSpPr/>
           <p:nvPr/>
         </p:nvSpPr>
@@ -10082,7 +9464,6 @@
             <a:avLst/>
           </a:prstGeom>
           <a:noFill/>
-          <a:ln/>
         </p:spPr>
         <p:txBody>
           <a:bodyPr vert="horz" wrap="square" lIns="0" tIns="0" rIns="0" bIns="0" rtlCol="0" anchor="ctr"/>
@@ -10099,9 +9480,9 @@
                 <a:solidFill>
                   <a:srgbClr val="666666"/>
                 </a:solidFill>
-                <a:latin typeface="Microsoft YaHei" pitchFamily="34" charset="0"/>
-                <a:ea typeface="Microsoft YaHei" pitchFamily="34" charset="-122"/>
-                <a:cs typeface="Microsoft YaHei" pitchFamily="34" charset="-120"/>
+                <a:latin typeface="微软雅黑" panose="020B0503020204020204" pitchFamily="34" charset="-122"/>
+                <a:ea typeface="微软雅黑" panose="020B0503020204020204" pitchFamily="34" charset="-122"/>
+                <a:cs typeface="微软雅黑" panose="020B0503020204020204" pitchFamily="34" charset="-120"/>
               </a:rPr>
               <a:t>通过</a:t>
             </a:r>
@@ -10110,9 +9491,9 @@
                 <a:solidFill>
                   <a:srgbClr val="666666"/>
                 </a:solidFill>
-                <a:latin typeface="Microsoft YaHei" pitchFamily="34" charset="0"/>
-                <a:ea typeface="Microsoft YaHei" pitchFamily="34" charset="-122"/>
-                <a:cs typeface="Microsoft YaHei" pitchFamily="34" charset="-120"/>
+                <a:latin typeface="微软雅黑" panose="020B0503020204020204" pitchFamily="34" charset="-122"/>
+                <a:ea typeface="微软雅黑" panose="020B0503020204020204" pitchFamily="34" charset="-122"/>
+                <a:cs typeface="微软雅黑" panose="020B0503020204020204" pitchFamily="34" charset="-120"/>
               </a:rPr>
               <a:t>ERP</a:t>
             </a:r>
@@ -10121,9 +9502,9 @@
                 <a:solidFill>
                   <a:srgbClr val="666666"/>
                 </a:solidFill>
-                <a:latin typeface="Microsoft YaHei" pitchFamily="34" charset="0"/>
-                <a:ea typeface="Microsoft YaHei" pitchFamily="34" charset="-122"/>
-                <a:cs typeface="Microsoft YaHei" pitchFamily="34" charset="-120"/>
+                <a:latin typeface="微软雅黑" panose="020B0503020204020204" pitchFamily="34" charset="-122"/>
+                <a:ea typeface="微软雅黑" panose="020B0503020204020204" pitchFamily="34" charset="-122"/>
+                <a:cs typeface="微软雅黑" panose="020B0503020204020204" pitchFamily="34" charset="-120"/>
               </a:rPr>
               <a:t>系统实时获取库存信息，制定合理的采购计划，优化采购策略，确保物料的及时供应和质量。同时，还可以管理供应商信息，跟踪采购订单的状态等。</a:t>
             </a:r>
@@ -10158,22 +9539,18 @@
       </p:grpSpPr>
       <p:pic>
         <p:nvPicPr>
-          <p:cNvPr id="9" name="Image 0" descr="preencoded.png">
-            <a:extLst>
-              <a:ext uri="{FF2B5EF4-FFF2-40B4-BE49-F238E27FC236}">
-                <a16:creationId xmlns:a16="http://schemas.microsoft.com/office/drawing/2014/main" id="{23892552-CF69-1341-A1B0-E7A363BC6F58}"/>
-              </a:ext>
-            </a:extLst>
-          </p:cNvPr>
+          <p:cNvPr id="9" name="Image 0" descr="preencoded.png"/>
           <p:cNvPicPr>
             <a:picLocks noChangeAspect="1"/>
           </p:cNvPicPr>
           <p:nvPr/>
         </p:nvPicPr>
         <p:blipFill>
-          <a:blip r:embed="rId2"/>
+          <a:blip r:embed="rId1"/>
           <a:srcRect/>
-          <a:stretch/>
+          <a:stretch>
+            <a:fillRect/>
+          </a:stretch>
         </p:blipFill>
         <p:spPr>
           <a:xfrm>
@@ -10187,13 +9564,7 @@
       </p:pic>
       <p:sp>
         <p:nvSpPr>
-          <p:cNvPr id="2" name="Text 1">
-            <a:extLst>
-              <a:ext uri="{FF2B5EF4-FFF2-40B4-BE49-F238E27FC236}">
-                <a16:creationId xmlns:a16="http://schemas.microsoft.com/office/drawing/2014/main" id="{7CB4B46B-89BF-BC64-B676-7A9FAB5FE3C0}"/>
-              </a:ext>
-            </a:extLst>
-          </p:cNvPr>
+          <p:cNvPr id="2" name="Text 1"/>
           <p:cNvSpPr/>
           <p:nvPr/>
         </p:nvSpPr>
@@ -10206,7 +9577,6 @@
             <a:avLst/>
           </a:prstGeom>
           <a:noFill/>
-          <a:ln/>
         </p:spPr>
         <p:txBody>
           <a:bodyPr vert="horz" wrap="square" lIns="0" tIns="0" rIns="0" bIns="0" rtlCol="0" anchor="ctr"/>
@@ -10223,24 +9593,26 @@
                 <a:solidFill>
                   <a:srgbClr val="333333"/>
                 </a:solidFill>
-                <a:latin typeface="Microsoft YaHei" pitchFamily="34" charset="0"/>
-                <a:ea typeface="Microsoft YaHei" pitchFamily="34" charset="-122"/>
-                <a:cs typeface="Microsoft YaHei" pitchFamily="34" charset="-120"/>
+                <a:latin typeface="微软雅黑" panose="020B0503020204020204" pitchFamily="34" charset="-122"/>
+                <a:ea typeface="微软雅黑" panose="020B0503020204020204" pitchFamily="34" charset="-122"/>
+                <a:cs typeface="微软雅黑" panose="020B0503020204020204" pitchFamily="34" charset="-120"/>
               </a:rPr>
               <a:t>用户角色及其功能</a:t>
             </a:r>
-          </a:p>
-        </p:txBody>
-      </p:sp>
-      <p:sp>
-        <p:nvSpPr>
-          <p:cNvPr id="3" name="Text 3">
-            <a:extLst>
-              <a:ext uri="{FF2B5EF4-FFF2-40B4-BE49-F238E27FC236}">
-                <a16:creationId xmlns:a16="http://schemas.microsoft.com/office/drawing/2014/main" id="{8DB95454-8F61-B2ED-ADFE-D48D25D2E7E5}"/>
-              </a:ext>
-            </a:extLst>
-          </p:cNvPr>
+            <a:endParaRPr lang="zh-CN" altLang="en-US" sz="2250" b="1" dirty="0">
+              <a:solidFill>
+                <a:srgbClr val="333333"/>
+              </a:solidFill>
+              <a:latin typeface="微软雅黑" panose="020B0503020204020204" pitchFamily="34" charset="-122"/>
+              <a:ea typeface="微软雅黑" panose="020B0503020204020204" pitchFamily="34" charset="-122"/>
+              <a:cs typeface="微软雅黑" panose="020B0503020204020204" pitchFamily="34" charset="-120"/>
+            </a:endParaRPr>
+          </a:p>
+        </p:txBody>
+      </p:sp>
+      <p:sp>
+        <p:nvSpPr>
+          <p:cNvPr id="3" name="Text 3"/>
           <p:cNvSpPr/>
           <p:nvPr/>
         </p:nvSpPr>
@@ -10253,7 +9625,6 @@
             <a:avLst/>
           </a:prstGeom>
           <a:noFill/>
-          <a:ln/>
         </p:spPr>
         <p:txBody>
           <a:bodyPr vert="horz" wrap="square" lIns="0" tIns="0" rIns="0" bIns="0" rtlCol="0" anchor="ctr"/>
@@ -10270,9 +9641,9 @@
                 <a:solidFill>
                   <a:srgbClr val="333333"/>
                 </a:solidFill>
-                <a:latin typeface="Microsoft YaHei" pitchFamily="34" charset="0"/>
-                <a:ea typeface="Microsoft YaHei" pitchFamily="34" charset="-122"/>
-                <a:cs typeface="Microsoft YaHei" pitchFamily="34" charset="-120"/>
+                <a:latin typeface="微软雅黑" panose="020B0503020204020204" pitchFamily="34" charset="-122"/>
+                <a:ea typeface="微软雅黑" panose="020B0503020204020204" pitchFamily="34" charset="-122"/>
+                <a:cs typeface="微软雅黑" panose="020B0503020204020204" pitchFamily="34" charset="-120"/>
               </a:rPr>
               <a:t>销售人员</a:t>
             </a:r>
@@ -10282,13 +9653,7 @@
       </p:sp>
       <p:sp>
         <p:nvSpPr>
-          <p:cNvPr id="4" name="Text 4">
-            <a:extLst>
-              <a:ext uri="{FF2B5EF4-FFF2-40B4-BE49-F238E27FC236}">
-                <a16:creationId xmlns:a16="http://schemas.microsoft.com/office/drawing/2014/main" id="{FDA09AB2-CC00-330A-0535-6377D9D2353E}"/>
-              </a:ext>
-            </a:extLst>
-          </p:cNvPr>
+          <p:cNvPr id="4" name="Text 4"/>
           <p:cNvSpPr/>
           <p:nvPr/>
         </p:nvSpPr>
@@ -10301,7 +9666,6 @@
             <a:avLst/>
           </a:prstGeom>
           <a:noFill/>
-          <a:ln/>
         </p:spPr>
         <p:txBody>
           <a:bodyPr vert="horz" wrap="square" lIns="0" tIns="0" rIns="0" bIns="0" rtlCol="0" anchor="ctr"/>
@@ -10318,9 +9682,9 @@
                 <a:solidFill>
                   <a:srgbClr val="666666"/>
                 </a:solidFill>
-                <a:latin typeface="Microsoft YaHei" pitchFamily="34" charset="0"/>
-                <a:ea typeface="Microsoft YaHei" pitchFamily="34" charset="-122"/>
-                <a:cs typeface="Microsoft YaHei" pitchFamily="34" charset="-120"/>
+                <a:latin typeface="微软雅黑" panose="020B0503020204020204" pitchFamily="34" charset="-122"/>
+                <a:ea typeface="微软雅黑" panose="020B0503020204020204" pitchFamily="34" charset="-122"/>
+                <a:cs typeface="微软雅黑" panose="020B0503020204020204" pitchFamily="34" charset="-120"/>
               </a:rPr>
               <a:t>利用</a:t>
             </a:r>
@@ -10329,9 +9693,9 @@
                 <a:solidFill>
                   <a:srgbClr val="666666"/>
                 </a:solidFill>
-                <a:latin typeface="Microsoft YaHei" pitchFamily="34" charset="0"/>
-                <a:ea typeface="Microsoft YaHei" pitchFamily="34" charset="-122"/>
-                <a:cs typeface="Microsoft YaHei" pitchFamily="34" charset="-120"/>
+                <a:latin typeface="微软雅黑" panose="020B0503020204020204" pitchFamily="34" charset="-122"/>
+                <a:ea typeface="微软雅黑" panose="020B0503020204020204" pitchFamily="34" charset="-122"/>
+                <a:cs typeface="微软雅黑" panose="020B0503020204020204" pitchFamily="34" charset="-120"/>
               </a:rPr>
               <a:t>ERP</a:t>
             </a:r>
@@ -10340,9 +9704,9 @@
                 <a:solidFill>
                   <a:srgbClr val="666666"/>
                 </a:solidFill>
-                <a:latin typeface="Microsoft YaHei" pitchFamily="34" charset="0"/>
-                <a:ea typeface="Microsoft YaHei" pitchFamily="34" charset="-122"/>
-                <a:cs typeface="Microsoft YaHei" pitchFamily="34" charset="-120"/>
+                <a:latin typeface="微软雅黑" panose="020B0503020204020204" pitchFamily="34" charset="-122"/>
+                <a:ea typeface="微软雅黑" panose="020B0503020204020204" pitchFamily="34" charset="-122"/>
+                <a:cs typeface="微软雅黑" panose="020B0503020204020204" pitchFamily="34" charset="-120"/>
               </a:rPr>
               <a:t>系统跟踪销售订单的状态，管理客户信息和销售活动。通过系统提供的数据分析工具，销售人员可以制定销售策略，提升销售业绩。此外，还可以处理销售退货、售后管理等事务。</a:t>
             </a:r>
@@ -10352,13 +9716,7 @@
       </p:sp>
       <p:sp>
         <p:nvSpPr>
-          <p:cNvPr id="5" name="Text 3">
-            <a:extLst>
-              <a:ext uri="{FF2B5EF4-FFF2-40B4-BE49-F238E27FC236}">
-                <a16:creationId xmlns:a16="http://schemas.microsoft.com/office/drawing/2014/main" id="{91A1D801-02E5-51FA-998D-5CF32EB3FEDE}"/>
-              </a:ext>
-            </a:extLst>
-          </p:cNvPr>
+          <p:cNvPr id="5" name="Text 3"/>
           <p:cNvSpPr/>
           <p:nvPr/>
         </p:nvSpPr>
@@ -10371,7 +9729,6 @@
             <a:avLst/>
           </a:prstGeom>
           <a:noFill/>
-          <a:ln/>
         </p:spPr>
         <p:txBody>
           <a:bodyPr vert="horz" wrap="square" lIns="0" tIns="0" rIns="0" bIns="0" rtlCol="0" anchor="ctr"/>
@@ -10388,9 +9745,9 @@
                 <a:solidFill>
                   <a:srgbClr val="333333"/>
                 </a:solidFill>
-                <a:latin typeface="Microsoft YaHei" pitchFamily="34" charset="0"/>
-                <a:ea typeface="Microsoft YaHei" pitchFamily="34" charset="-122"/>
-                <a:cs typeface="Microsoft YaHei" pitchFamily="34" charset="-120"/>
+                <a:latin typeface="微软雅黑" panose="020B0503020204020204" pitchFamily="34" charset="-122"/>
+                <a:ea typeface="微软雅黑" panose="020B0503020204020204" pitchFamily="34" charset="-122"/>
+                <a:cs typeface="微软雅黑" panose="020B0503020204020204" pitchFamily="34" charset="-120"/>
               </a:rPr>
               <a:t>库存管理人员</a:t>
             </a:r>
@@ -10400,13 +9757,7 @@
       </p:sp>
       <p:sp>
         <p:nvSpPr>
-          <p:cNvPr id="6" name="Text 4">
-            <a:extLst>
-              <a:ext uri="{FF2B5EF4-FFF2-40B4-BE49-F238E27FC236}">
-                <a16:creationId xmlns:a16="http://schemas.microsoft.com/office/drawing/2014/main" id="{3CA248C9-F2F8-0756-9EBB-1F407FB02ED6}"/>
-              </a:ext>
-            </a:extLst>
-          </p:cNvPr>
+          <p:cNvPr id="6" name="Text 4"/>
           <p:cNvSpPr/>
           <p:nvPr/>
         </p:nvSpPr>
@@ -10419,7 +9770,6 @@
             <a:avLst/>
           </a:prstGeom>
           <a:noFill/>
-          <a:ln/>
         </p:spPr>
         <p:txBody>
           <a:bodyPr vert="horz" wrap="square" lIns="0" tIns="0" rIns="0" bIns="0" rtlCol="0" anchor="ctr"/>
@@ -10436,9 +9786,9 @@
                 <a:solidFill>
                   <a:srgbClr val="666666"/>
                 </a:solidFill>
-                <a:latin typeface="Microsoft YaHei" pitchFamily="34" charset="0"/>
-                <a:ea typeface="Microsoft YaHei" pitchFamily="34" charset="-122"/>
-                <a:cs typeface="Microsoft YaHei" pitchFamily="34" charset="-120"/>
+                <a:latin typeface="微软雅黑" panose="020B0503020204020204" pitchFamily="34" charset="-122"/>
+                <a:ea typeface="微软雅黑" panose="020B0503020204020204" pitchFamily="34" charset="-122"/>
+                <a:cs typeface="微软雅黑" panose="020B0503020204020204" pitchFamily="34" charset="-120"/>
               </a:rPr>
               <a:t>负责实时了解库存情况，进行库存分析和预测，确保库存的合理性和准确性。</a:t>
             </a:r>
@@ -10447,9 +9797,9 @@
                 <a:solidFill>
                   <a:srgbClr val="666666"/>
                 </a:solidFill>
-                <a:latin typeface="Microsoft YaHei" pitchFamily="34" charset="0"/>
-                <a:ea typeface="Microsoft YaHei" pitchFamily="34" charset="-122"/>
-                <a:cs typeface="Microsoft YaHei" pitchFamily="34" charset="-120"/>
+                <a:latin typeface="微软雅黑" panose="020B0503020204020204" pitchFamily="34" charset="-122"/>
+                <a:ea typeface="微软雅黑" panose="020B0503020204020204" pitchFamily="34" charset="-122"/>
+                <a:cs typeface="微软雅黑" panose="020B0503020204020204" pitchFamily="34" charset="-120"/>
               </a:rPr>
               <a:t>ERP</a:t>
             </a:r>
@@ -10458,9 +9808,9 @@
                 <a:solidFill>
                   <a:srgbClr val="666666"/>
                 </a:solidFill>
-                <a:latin typeface="Microsoft YaHei" pitchFamily="34" charset="0"/>
-                <a:ea typeface="Microsoft YaHei" pitchFamily="34" charset="-122"/>
-                <a:cs typeface="Microsoft YaHei" pitchFamily="34" charset="-120"/>
+                <a:latin typeface="微软雅黑" panose="020B0503020204020204" pitchFamily="34" charset="-122"/>
+                <a:ea typeface="微软雅黑" panose="020B0503020204020204" pitchFamily="34" charset="-122"/>
+                <a:cs typeface="微软雅黑" panose="020B0503020204020204" pitchFamily="34" charset="-120"/>
               </a:rPr>
               <a:t>系统提供入库管理、出库管理、调拨管理、盘点管理等功能，以支持库存管理人员的日常工作。</a:t>
             </a:r>
@@ -10470,13 +9820,7 @@
       </p:sp>
       <p:sp>
         <p:nvSpPr>
-          <p:cNvPr id="7" name="Text 3">
-            <a:extLst>
-              <a:ext uri="{FF2B5EF4-FFF2-40B4-BE49-F238E27FC236}">
-                <a16:creationId xmlns:a16="http://schemas.microsoft.com/office/drawing/2014/main" id="{6E786D9B-12D6-4317-8B8A-A1F2572A2FC8}"/>
-              </a:ext>
-            </a:extLst>
-          </p:cNvPr>
+          <p:cNvPr id="7" name="Text 3"/>
           <p:cNvSpPr/>
           <p:nvPr/>
         </p:nvSpPr>
@@ -10489,7 +9833,6 @@
             <a:avLst/>
           </a:prstGeom>
           <a:noFill/>
-          <a:ln/>
         </p:spPr>
         <p:txBody>
           <a:bodyPr vert="horz" wrap="square" lIns="0" tIns="0" rIns="0" bIns="0" rtlCol="0" anchor="ctr"/>
@@ -10506,9 +9849,9 @@
                 <a:solidFill>
                   <a:srgbClr val="333333"/>
                 </a:solidFill>
-                <a:latin typeface="Microsoft YaHei" pitchFamily="34" charset="0"/>
-                <a:ea typeface="Microsoft YaHei" pitchFamily="34" charset="-122"/>
-                <a:cs typeface="Microsoft YaHei" pitchFamily="34" charset="-120"/>
+                <a:latin typeface="微软雅黑" panose="020B0503020204020204" pitchFamily="34" charset="-122"/>
+                <a:ea typeface="微软雅黑" panose="020B0503020204020204" pitchFamily="34" charset="-122"/>
+                <a:cs typeface="微软雅黑" panose="020B0503020204020204" pitchFamily="34" charset="-120"/>
               </a:rPr>
               <a:t>人力资源专员</a:t>
             </a:r>
@@ -10518,13 +9861,7 @@
       </p:sp>
       <p:sp>
         <p:nvSpPr>
-          <p:cNvPr id="8" name="Text 4">
-            <a:extLst>
-              <a:ext uri="{FF2B5EF4-FFF2-40B4-BE49-F238E27FC236}">
-                <a16:creationId xmlns:a16="http://schemas.microsoft.com/office/drawing/2014/main" id="{8B62974C-F7A2-361D-A420-A3D234937D6B}"/>
-              </a:ext>
-            </a:extLst>
-          </p:cNvPr>
+          <p:cNvPr id="8" name="Text 4"/>
           <p:cNvSpPr/>
           <p:nvPr/>
         </p:nvSpPr>
@@ -10537,7 +9874,6 @@
             <a:avLst/>
           </a:prstGeom>
           <a:noFill/>
-          <a:ln/>
         </p:spPr>
         <p:txBody>
           <a:bodyPr vert="horz" wrap="square" lIns="0" tIns="0" rIns="0" bIns="0" rtlCol="0" anchor="ctr"/>
@@ -10554,9 +9890,9 @@
                 <a:solidFill>
                   <a:srgbClr val="666666"/>
                 </a:solidFill>
-                <a:latin typeface="Microsoft YaHei" pitchFamily="34" charset="0"/>
-                <a:ea typeface="Microsoft YaHei" pitchFamily="34" charset="-122"/>
-                <a:cs typeface="Microsoft YaHei" pitchFamily="34" charset="-120"/>
+                <a:latin typeface="微软雅黑" panose="020B0503020204020204" pitchFamily="34" charset="-122"/>
+                <a:ea typeface="微软雅黑" panose="020B0503020204020204" pitchFamily="34" charset="-122"/>
+                <a:cs typeface="微软雅黑" panose="020B0503020204020204" pitchFamily="34" charset="-120"/>
               </a:rPr>
               <a:t>需要对员工信息和薪酬等数据进行管理。</a:t>
             </a:r>
@@ -10565,9 +9901,9 @@
                 <a:solidFill>
                   <a:srgbClr val="666666"/>
                 </a:solidFill>
-                <a:latin typeface="Microsoft YaHei" pitchFamily="34" charset="0"/>
-                <a:ea typeface="Microsoft YaHei" pitchFamily="34" charset="-122"/>
-                <a:cs typeface="Microsoft YaHei" pitchFamily="34" charset="-120"/>
+                <a:latin typeface="微软雅黑" panose="020B0503020204020204" pitchFamily="34" charset="-122"/>
+                <a:ea typeface="微软雅黑" panose="020B0503020204020204" pitchFamily="34" charset="-122"/>
+                <a:cs typeface="微软雅黑" panose="020B0503020204020204" pitchFamily="34" charset="-120"/>
               </a:rPr>
               <a:t>ERP</a:t>
             </a:r>
@@ -10576,9 +9912,9 @@
                 <a:solidFill>
                   <a:srgbClr val="666666"/>
                 </a:solidFill>
-                <a:latin typeface="Microsoft YaHei" pitchFamily="34" charset="0"/>
-                <a:ea typeface="Microsoft YaHei" pitchFamily="34" charset="-122"/>
-                <a:cs typeface="Microsoft YaHei" pitchFamily="34" charset="-120"/>
+                <a:latin typeface="微软雅黑" panose="020B0503020204020204" pitchFamily="34" charset="-122"/>
+                <a:ea typeface="微软雅黑" panose="020B0503020204020204" pitchFamily="34" charset="-122"/>
+                <a:cs typeface="微软雅黑" panose="020B0503020204020204" pitchFamily="34" charset="-120"/>
               </a:rPr>
               <a:t>系统提供了完善的人力资源管理功能，可以轻松处理员工福利、培训和出勤等方面的信息，协助企业进行人力资源管理。</a:t>
             </a:r>
@@ -10587,16 +9923,59 @@
         </p:txBody>
       </p:sp>
     </p:spTree>
-    <p:extLst>
-      <p:ext uri="{BB962C8B-B14F-4D97-AF65-F5344CB8AC3E}">
-        <p14:creationId xmlns:p14="http://schemas.microsoft.com/office/powerpoint/2010/main" val="511491898"/>
-      </p:ext>
-    </p:extLst>
   </p:cSld>
   <p:clrMapOvr>
     <a:masterClrMapping/>
   </p:clrMapOvr>
 </p:sld>
+</file>
+
+<file path=ppt/tags/tag1.xml><?xml version="1.0" encoding="utf-8"?>
+<p:tagLst xmlns:p="http://schemas.openxmlformats.org/presentationml/2006/main">
+  <p:tag name="KSO_WM_DIAGRAM_VIRTUALLY_FRAME" val="{&quot;height&quot;:82.12503937007872,&quot;left&quot;:42,&quot;top&quot;:165,&quot;width&quot;:630}"/>
+</p:tagLst>
+</file>
+
+<file path=ppt/tags/tag2.xml><?xml version="1.0" encoding="utf-8"?>
+<p:tagLst xmlns:p="http://schemas.openxmlformats.org/presentationml/2006/main">
+  <p:tag name="KSO_WM_DIAGRAM_VIRTUALLY_FRAME" val="{&quot;height&quot;:82.12503937007872,&quot;left&quot;:42,&quot;top&quot;:165,&quot;width&quot;:630}"/>
+</p:tagLst>
+</file>
+
+<file path=ppt/tags/tag3.xml><?xml version="1.0" encoding="utf-8"?>
+<p:tagLst xmlns:p="http://schemas.openxmlformats.org/presentationml/2006/main">
+  <p:tag name="KSO_WM_DIAGRAM_VIRTUALLY_FRAME" val="{&quot;height&quot;:82.12503937007872,&quot;left&quot;:42,&quot;top&quot;:165,&quot;width&quot;:630}"/>
+</p:tagLst>
+</file>
+
+<file path=ppt/tags/tag4.xml><?xml version="1.0" encoding="utf-8"?>
+<p:tagLst xmlns:p="http://schemas.openxmlformats.org/presentationml/2006/main">
+  <p:tag name="KSO_WM_DIAGRAM_VIRTUALLY_FRAME" val="{&quot;height&quot;:82.12503937007872,&quot;left&quot;:42,&quot;top&quot;:165,&quot;width&quot;:630}"/>
+</p:tagLst>
+</file>
+
+<file path=ppt/tags/tag5.xml><?xml version="1.0" encoding="utf-8"?>
+<p:tagLst xmlns:p="http://schemas.openxmlformats.org/presentationml/2006/main">
+  <p:tag name="KSO_WM_DIAGRAM_VIRTUALLY_FRAME" val="{&quot;height&quot;:82.12503937007872,&quot;left&quot;:42,&quot;top&quot;:165,&quot;width&quot;:630}"/>
+</p:tagLst>
+</file>
+
+<file path=ppt/tags/tag6.xml><?xml version="1.0" encoding="utf-8"?>
+<p:tagLst xmlns:p="http://schemas.openxmlformats.org/presentationml/2006/main">
+  <p:tag name="KSO_WM_DIAGRAM_VIRTUALLY_FRAME" val="{&quot;height&quot;:82.12503937007872,&quot;left&quot;:42,&quot;top&quot;:165,&quot;width&quot;:630}"/>
+</p:tagLst>
+</file>
+
+<file path=ppt/tags/tag7.xml><?xml version="1.0" encoding="utf-8"?>
+<p:tagLst xmlns:p="http://schemas.openxmlformats.org/presentationml/2006/main">
+  <p:tag name="KSO_WM_DIAGRAM_VIRTUALLY_FRAME" val="{&quot;height&quot;:82.12503937007872,&quot;left&quot;:42,&quot;top&quot;:165,&quot;width&quot;:630}"/>
+</p:tagLst>
+</file>
+
+<file path=ppt/tags/tag8.xml><?xml version="1.0" encoding="utf-8"?>
+<p:tagLst xmlns:p="http://schemas.openxmlformats.org/presentationml/2006/main">
+  <p:tag name="commondata" val="eyJoZGlkIjoiYzg3NWM5M2RmMDVmYzZjZGM1NzBmYjMzZjEzM2IyMmMifQ=="/>
+</p:tagLst>
 </file>
 
 <file path=ppt/theme/theme1.xml><?xml version="1.0" encoding="utf-8"?>
@@ -10642,7 +10021,7 @@
     </a:clrScheme>
     <a:fontScheme name="Office">
       <a:majorFont>
-        <a:latin typeface="Calibri Light" panose="020F0302020204030204"/>
+        <a:latin typeface="Calibri Light"/>
         <a:ea typeface=""/>
         <a:cs typeface=""/>
         <a:font script="Jpan" typeface="游ゴシック Light"/>
@@ -10675,26 +10054,9 @@
         <a:font script="Viet" typeface="Times New Roman"/>
         <a:font script="Uigh" typeface="Microsoft Uighur"/>
         <a:font script="Geor" typeface="Sylfaen"/>
-        <a:font script="Armn" typeface="Arial"/>
-        <a:font script="Bugi" typeface="Leelawadee UI"/>
-        <a:font script="Bopo" typeface="Microsoft JhengHei"/>
-        <a:font script="Java" typeface="Javanese Text"/>
-        <a:font script="Lisu" typeface="Segoe UI"/>
-        <a:font script="Mymr" typeface="Myanmar Text"/>
-        <a:font script="Nkoo" typeface="Ebrima"/>
-        <a:font script="Olck" typeface="Nirmala UI"/>
-        <a:font script="Osma" typeface="Ebrima"/>
-        <a:font script="Phag" typeface="Phagspa"/>
-        <a:font script="Syrn" typeface="Estrangelo Edessa"/>
-        <a:font script="Syrj" typeface="Estrangelo Edessa"/>
-        <a:font script="Syre" typeface="Estrangelo Edessa"/>
-        <a:font script="Sora" typeface="Nirmala UI"/>
-        <a:font script="Tale" typeface="Microsoft Tai Le"/>
-        <a:font script="Talu" typeface="Microsoft New Tai Lue"/>
-        <a:font script="Tfng" typeface="Ebrima"/>
       </a:majorFont>
       <a:minorFont>
-        <a:latin typeface="Calibri" panose="020F0502020204030204"/>
+        <a:latin typeface="Calibri"/>
         <a:ea typeface=""/>
         <a:cs typeface=""/>
         <a:font script="Jpan" typeface="游ゴシック"/>
@@ -10727,23 +10089,6 @@
         <a:font script="Viet" typeface="Arial"/>
         <a:font script="Uigh" typeface="Microsoft Uighur"/>
         <a:font script="Geor" typeface="Sylfaen"/>
-        <a:font script="Armn" typeface="Arial"/>
-        <a:font script="Bugi" typeface="Leelawadee UI"/>
-        <a:font script="Bopo" typeface="Microsoft JhengHei"/>
-        <a:font script="Java" typeface="Javanese Text"/>
-        <a:font script="Lisu" typeface="Segoe UI"/>
-        <a:font script="Mymr" typeface="Myanmar Text"/>
-        <a:font script="Nkoo" typeface="Ebrima"/>
-        <a:font script="Olck" typeface="Nirmala UI"/>
-        <a:font script="Osma" typeface="Ebrima"/>
-        <a:font script="Phag" typeface="Phagspa"/>
-        <a:font script="Syrn" typeface="Estrangelo Edessa"/>
-        <a:font script="Syrj" typeface="Estrangelo Edessa"/>
-        <a:font script="Syre" typeface="Estrangelo Edessa"/>
-        <a:font script="Sora" typeface="Nirmala UI"/>
-        <a:font script="Tale" typeface="Microsoft Tai Le"/>
-        <a:font script="Talu" typeface="Microsoft New Tai Lue"/>
-        <a:font script="Tfng" typeface="Ebrima"/>
       </a:minorFont>
     </a:fontScheme>
     <a:fmtScheme name="Office">
@@ -10884,8 +10229,6 @@
       </a:bgFillStyleLst>
     </a:fmtScheme>
   </a:themeElements>
-  <a:objectDefaults/>
-  <a:extraClrSchemeLst/>
   <a:extLst>
     <a:ext uri="{05A4C25C-085E-4340-85A3-A5531E510DB2}">
       <thm15:themeFamily xmlns:thm15="http://schemas.microsoft.com/office/thememl/2012/main" name="Office Theme" id="{62F939B6-93AF-4DB8-9C6B-D6C7DFDC589F}" vid="{4A3C46E8-61CC-4603-A589-7422A47A8E4A}"/>
@@ -10937,7 +10280,7 @@
     </a:clrScheme>
     <a:fontScheme name="Office">
       <a:majorFont>
-        <a:latin typeface="等线 Light" panose="020F0302020204030204"/>
+        <a:latin typeface="等线 Light"/>
         <a:ea typeface=""/>
         <a:cs typeface=""/>
         <a:font script="Jpan" typeface="游ゴシック Light"/>
@@ -10970,26 +10313,9 @@
         <a:font script="Viet" typeface="Times New Roman"/>
         <a:font script="Uigh" typeface="Microsoft Uighur"/>
         <a:font script="Geor" typeface="Sylfaen"/>
-        <a:font script="Armn" typeface="Arial"/>
-        <a:font script="Bugi" typeface="Leelawadee UI"/>
-        <a:font script="Bopo" typeface="Microsoft JhengHei"/>
-        <a:font script="Java" typeface="Javanese Text"/>
-        <a:font script="Lisu" typeface="Segoe UI"/>
-        <a:font script="Mymr" typeface="Myanmar Text"/>
-        <a:font script="Nkoo" typeface="Ebrima"/>
-        <a:font script="Olck" typeface="Nirmala UI"/>
-        <a:font script="Osma" typeface="Ebrima"/>
-        <a:font script="Phag" typeface="Phagspa"/>
-        <a:font script="Syrn" typeface="Estrangelo Edessa"/>
-        <a:font script="Syrj" typeface="Estrangelo Edessa"/>
-        <a:font script="Syre" typeface="Estrangelo Edessa"/>
-        <a:font script="Sora" typeface="Nirmala UI"/>
-        <a:font script="Tale" typeface="Microsoft Tai Le"/>
-        <a:font script="Talu" typeface="Microsoft New Tai Lue"/>
-        <a:font script="Tfng" typeface="Ebrima"/>
       </a:majorFont>
       <a:minorFont>
-        <a:latin typeface="等线" panose="020F0502020204030204"/>
+        <a:latin typeface="等线"/>
         <a:ea typeface=""/>
         <a:cs typeface=""/>
         <a:font script="Jpan" typeface="游ゴシック"/>
@@ -11022,23 +10348,6 @@
         <a:font script="Viet" typeface="Arial"/>
         <a:font script="Uigh" typeface="Microsoft Uighur"/>
         <a:font script="Geor" typeface="Sylfaen"/>
-        <a:font script="Armn" typeface="Arial"/>
-        <a:font script="Bugi" typeface="Leelawadee UI"/>
-        <a:font script="Bopo" typeface="Microsoft JhengHei"/>
-        <a:font script="Java" typeface="Javanese Text"/>
-        <a:font script="Lisu" typeface="Segoe UI"/>
-        <a:font script="Mymr" typeface="Myanmar Text"/>
-        <a:font script="Nkoo" typeface="Ebrima"/>
-        <a:font script="Olck" typeface="Nirmala UI"/>
-        <a:font script="Osma" typeface="Ebrima"/>
-        <a:font script="Phag" typeface="Phagspa"/>
-        <a:font script="Syrn" typeface="Estrangelo Edessa"/>
-        <a:font script="Syrj" typeface="Estrangelo Edessa"/>
-        <a:font script="Syre" typeface="Estrangelo Edessa"/>
-        <a:font script="Sora" typeface="Nirmala UI"/>
-        <a:font script="Tale" typeface="Microsoft Tai Le"/>
-        <a:font script="Talu" typeface="Microsoft New Tai Lue"/>
-        <a:font script="Tfng" typeface="Ebrima"/>
       </a:minorFont>
     </a:fontScheme>
     <a:fmtScheme name="Office">
@@ -11179,8 +10488,6 @@
       </a:bgFillStyleLst>
     </a:fmtScheme>
   </a:themeElements>
-  <a:objectDefaults/>
-  <a:extraClrSchemeLst/>
   <a:extLst>
     <a:ext uri="{05A4C25C-085E-4340-85A3-A5531E510DB2}">
       <thm15:themeFamily xmlns:thm15="http://schemas.microsoft.com/office/thememl/2012/main" name="Office Theme" id="{62F939B6-93AF-4DB8-9C6B-D6C7DFDC589F}" vid="{4A3C46E8-61CC-4603-A589-7422A47A8E4A}"/>
